--- a/adm/Spring.pptx
+++ b/adm/Spring.pptx
@@ -5,7 +5,7 @@
     <p:sldMasterId id="2147483660" r:id="rId1"/>
   </p:sldMasterIdLst>
   <p:notesMasterIdLst>
-    <p:notesMasterId r:id="rId27"/>
+    <p:notesMasterId r:id="rId28"/>
   </p:notesMasterIdLst>
   <p:sldIdLst>
     <p:sldId id="256" r:id="rId2"/>
@@ -23,16 +23,17 @@
     <p:sldId id="262" r:id="rId14"/>
     <p:sldId id="280" r:id="rId15"/>
     <p:sldId id="270" r:id="rId16"/>
-    <p:sldId id="274" r:id="rId17"/>
-    <p:sldId id="275" r:id="rId18"/>
-    <p:sldId id="276" r:id="rId19"/>
-    <p:sldId id="278" r:id="rId20"/>
-    <p:sldId id="266" r:id="rId21"/>
-    <p:sldId id="268" r:id="rId22"/>
-    <p:sldId id="281" r:id="rId23"/>
-    <p:sldId id="269" r:id="rId24"/>
-    <p:sldId id="277" r:id="rId25"/>
-    <p:sldId id="284" r:id="rId26"/>
+    <p:sldId id="285" r:id="rId17"/>
+    <p:sldId id="274" r:id="rId18"/>
+    <p:sldId id="275" r:id="rId19"/>
+    <p:sldId id="276" r:id="rId20"/>
+    <p:sldId id="278" r:id="rId21"/>
+    <p:sldId id="266" r:id="rId22"/>
+    <p:sldId id="268" r:id="rId23"/>
+    <p:sldId id="281" r:id="rId24"/>
+    <p:sldId id="269" r:id="rId25"/>
+    <p:sldId id="277" r:id="rId26"/>
+    <p:sldId id="284" r:id="rId27"/>
   </p:sldIdLst>
   <p:sldSz cx="9144000" cy="6858000" type="screen4x3"/>
   <p:notesSz cx="6669088" cy="9926638"/>
@@ -161,6 +162,22 @@
       </a:defRPr>
     </a:lvl9pPr>
   </p:defaultTextStyle>
+  <p:extLst>
+    <p:ext uri="{EFAFB233-063F-42B5-8137-9DF3F51BA10A}">
+      <p15:sldGuideLst xmlns:p15="http://schemas.microsoft.com/office/powerpoint/2012/main">
+        <p15:guide id="1" orient="horz" pos="2160">
+          <p15:clr>
+            <a:srgbClr val="A4A3A4"/>
+          </p15:clr>
+        </p15:guide>
+        <p15:guide id="2" pos="2880">
+          <p15:clr>
+            <a:srgbClr val="A4A3A4"/>
+          </p15:clr>
+        </p15:guide>
+      </p15:sldGuideLst>
+    </p:ext>
+  </p:extLst>
 </p:presentation>
 </file>
 
@@ -10390,7 +10407,7 @@
               <a:pPr>
                 <a:defRPr/>
               </a:pPr>
-              <a:t>11.08.2015</a:t>
+              <a:t>29.08.2016</a:t>
             </a:fld>
             <a:endParaRPr lang="nb-NO"/>
           </a:p>
@@ -10981,6 +10998,11 @@
         </p:txBody>
       </p:sp>
     </p:spTree>
+    <p:extLst>
+      <p:ext uri="{BB962C8B-B14F-4D97-AF65-F5344CB8AC3E}">
+        <p14:creationId xmlns:p14="http://schemas.microsoft.com/office/powerpoint/2010/main" val="2745945798"/>
+      </p:ext>
+    </p:extLst>
   </p:cSld>
   <p:clrMapOvr>
     <a:masterClrMapping/>
@@ -11191,23 +11213,10 @@
           <a:lstStyle/>
           <a:p>
             <a:r>
-              <a:rPr lang="nb-NO" dirty="0" smtClean="0"/>
-              <a:t>ClassPathXmlApplicationContext – OBS! Minnelekkasje</a:t>
-            </a:r>
-          </a:p>
-          <a:p>
-            <a:endParaRPr lang="nb-NO" dirty="0" smtClean="0"/>
-          </a:p>
-          <a:p>
-            <a:r>
-              <a:rPr lang="nb-NO" dirty="0" smtClean="0"/>
-              <a:t>Man kan nå også bruke annoterte</a:t>
-            </a:r>
-            <a:r>
-              <a:rPr lang="nb-NO" baseline="0" dirty="0" smtClean="0"/>
-              <a:t> javaklasser som konfigurasjon – har ikke prøvd dette i praksis...</a:t>
-            </a:r>
-            <a:endParaRPr lang="nb-NO" dirty="0"/>
+              <a:rPr lang="nb-NO" smtClean="0"/>
+              <a:t>To viktigste ting.</a:t>
+            </a:r>
+            <a:endParaRPr lang="en-US"/>
           </a:p>
         </p:txBody>
       </p:sp>
@@ -11243,7 +11252,7 @@
     </p:spTree>
     <p:extLst>
       <p:ext uri="{BB962C8B-B14F-4D97-AF65-F5344CB8AC3E}">
-        <p14:creationId xmlns:p14="http://schemas.microsoft.com/office/powerpoint/2010/main" val="1712232388"/>
+        <p14:creationId xmlns:p14="http://schemas.microsoft.com/office/powerpoint/2010/main" val="3152294748"/>
       </p:ext>
     </p:extLst>
   </p:cSld>
@@ -11297,6 +11306,23 @@
           <a:bodyPr/>
           <a:lstStyle/>
           <a:p>
+            <a:r>
+              <a:rPr lang="nb-NO" dirty="0" smtClean="0"/>
+              <a:t>ClassPathXmlApplicationContext – OBS! Minnelekkasje</a:t>
+            </a:r>
+          </a:p>
+          <a:p>
+            <a:endParaRPr lang="nb-NO" dirty="0" smtClean="0"/>
+          </a:p>
+          <a:p>
+            <a:r>
+              <a:rPr lang="nb-NO" dirty="0" smtClean="0"/>
+              <a:t>Man kan nå også bruke annoterte</a:t>
+            </a:r>
+            <a:r>
+              <a:rPr lang="nb-NO" baseline="0" dirty="0" smtClean="0"/>
+              <a:t> javaklasser som konfigurasjon – har ikke prøvd dette i praksis...</a:t>
+            </a:r>
             <a:endParaRPr lang="nb-NO" dirty="0"/>
           </a:p>
         </p:txBody>
@@ -11333,7 +11359,7 @@
     </p:spTree>
     <p:extLst>
       <p:ext uri="{BB962C8B-B14F-4D97-AF65-F5344CB8AC3E}">
-        <p14:creationId xmlns:p14="http://schemas.microsoft.com/office/powerpoint/2010/main" val="2270872446"/>
+        <p14:creationId xmlns:p14="http://schemas.microsoft.com/office/powerpoint/2010/main" val="1712232388"/>
       </p:ext>
     </p:extLst>
   </p:cSld>
@@ -11387,46 +11413,6 @@
           <a:bodyPr/>
           <a:lstStyle/>
           <a:p>
-            <a:r>
-              <a:rPr lang="nb-NO" dirty="0" smtClean="0"/>
-              <a:t>Annotasjon @Named @Inject vs @Autowired</a:t>
-            </a:r>
-            <a:r>
-              <a:rPr lang="nb-NO" baseline="0" dirty="0" smtClean="0"/>
-              <a:t> @Qualifier</a:t>
-            </a:r>
-          </a:p>
-          <a:p>
-            <a:endParaRPr lang="nb-NO" baseline="0" dirty="0" smtClean="0"/>
-          </a:p>
-          <a:p>
-            <a:r>
-              <a:rPr lang="nb-NO" baseline="0" dirty="0" smtClean="0"/>
-              <a:t>Huske å nevne at man kan blande xml og annotasjoner ganske fritt:</a:t>
-            </a:r>
-          </a:p>
-          <a:p>
-            <a:endParaRPr lang="nb-NO" baseline="0" dirty="0" smtClean="0"/>
-          </a:p>
-          <a:p>
-            <a:pPr marL="171450" indent="-171450">
-              <a:buFontTx/>
-              <a:buChar char="-"/>
-            </a:pPr>
-            <a:r>
-              <a:rPr lang="nb-NO" baseline="0" dirty="0" smtClean="0"/>
-              <a:t>@Inject-e bønner definert i xml</a:t>
-            </a:r>
-          </a:p>
-          <a:p>
-            <a:pPr marL="171450" indent="-171450">
-              <a:buFontTx/>
-              <a:buChar char="-"/>
-            </a:pPr>
-            <a:r>
-              <a:rPr lang="nb-NO" baseline="0" dirty="0" smtClean="0"/>
-              <a:t>@Inject-e i bønner definert i xml</a:t>
-            </a:r>
             <a:endParaRPr lang="nb-NO" dirty="0"/>
           </a:p>
         </p:txBody>
@@ -11463,7 +11449,7 @@
     </p:spTree>
     <p:extLst>
       <p:ext uri="{BB962C8B-B14F-4D97-AF65-F5344CB8AC3E}">
-        <p14:creationId xmlns:p14="http://schemas.microsoft.com/office/powerpoint/2010/main" val="4043839633"/>
+        <p14:creationId xmlns:p14="http://schemas.microsoft.com/office/powerpoint/2010/main" val="2270872446"/>
       </p:ext>
     </p:extLst>
   </p:cSld>
@@ -11519,11 +11505,11 @@
           <a:p>
             <a:r>
               <a:rPr lang="nb-NO" dirty="0" smtClean="0"/>
-              <a:t>Må lese meg opp litt for å få ned</a:t>
+              <a:t>Annotasjon @Named @Inject vs @Autowired</a:t>
             </a:r>
             <a:r>
               <a:rPr lang="nb-NO" baseline="0" dirty="0" smtClean="0"/>
-              <a:t> noe vettugt om dette. Har en JPA-bok hvor deler av et kapittel omhandler JTA, kan kanskje trekke ut noe derfra.</a:t>
+              <a:t> @Qualifier</a:t>
             </a:r>
           </a:p>
           <a:p>
@@ -11532,7 +11518,30 @@
           <a:p>
             <a:r>
               <a:rPr lang="nb-NO" baseline="0" dirty="0" smtClean="0"/>
-              <a:t>Trekk parallell til Hibernate/JPA, em.beginTransaction(), osv. @Transactional gjør hele den biten for deg.</a:t>
+              <a:t>Huske å nevne at man kan blande xml og annotasjoner ganske fritt:</a:t>
+            </a:r>
+          </a:p>
+          <a:p>
+            <a:endParaRPr lang="nb-NO" baseline="0" dirty="0" smtClean="0"/>
+          </a:p>
+          <a:p>
+            <a:pPr marL="171450" indent="-171450">
+              <a:buFontTx/>
+              <a:buChar char="-"/>
+            </a:pPr>
+            <a:r>
+              <a:rPr lang="nb-NO" baseline="0" dirty="0" smtClean="0"/>
+              <a:t>@Inject-e bønner definert i xml</a:t>
+            </a:r>
+          </a:p>
+          <a:p>
+            <a:pPr marL="171450" indent="-171450">
+              <a:buFontTx/>
+              <a:buChar char="-"/>
+            </a:pPr>
+            <a:r>
+              <a:rPr lang="nb-NO" baseline="0" dirty="0" smtClean="0"/>
+              <a:t>@Inject-e i bønner definert i xml</a:t>
             </a:r>
             <a:endParaRPr lang="nb-NO" dirty="0"/>
           </a:p>
@@ -11561,7 +11570,7 @@
               <a:pPr>
                 <a:defRPr/>
               </a:pPr>
-              <a:t>20</a:t>
+              <a:t>19</a:t>
             </a:fld>
             <a:endParaRPr lang="nb-NO"/>
           </a:p>
@@ -11570,7 +11579,7 @@
     </p:spTree>
     <p:extLst>
       <p:ext uri="{BB962C8B-B14F-4D97-AF65-F5344CB8AC3E}">
-        <p14:creationId xmlns:p14="http://schemas.microsoft.com/office/powerpoint/2010/main" val="1622279262"/>
+        <p14:creationId xmlns:p14="http://schemas.microsoft.com/office/powerpoint/2010/main" val="4043839633"/>
       </p:ext>
     </p:extLst>
   </p:cSld>
@@ -11626,11 +11635,20 @@
           <a:p>
             <a:r>
               <a:rPr lang="nb-NO" dirty="0" smtClean="0"/>
-              <a:t>Kanskje</a:t>
+              <a:t>Må lese meg opp litt for å få ned</a:t>
             </a:r>
             <a:r>
               <a:rPr lang="nb-NO" baseline="0" dirty="0" smtClean="0"/>
-              <a:t> grave frem noen eksempler på hvordan koden blir seendes ut med og uten templates. Jeg har noen eksempler på ldap og jms hvertfall. De sier forsåvidt sitt de.. Sikkert fint med en oppgave eller to rundt disse.</a:t>
+              <a:t> noe vettugt om dette. Har en JPA-bok hvor deler av et kapittel omhandler JTA, kan kanskje trekke ut noe derfra.</a:t>
+            </a:r>
+          </a:p>
+          <a:p>
+            <a:endParaRPr lang="nb-NO" baseline="0" dirty="0" smtClean="0"/>
+          </a:p>
+          <a:p>
+            <a:r>
+              <a:rPr lang="nb-NO" baseline="0" dirty="0" smtClean="0"/>
+              <a:t>Trekk parallell til Hibernate/JPA, em.beginTransaction(), osv. @Transactional gjør hele den biten for deg.</a:t>
             </a:r>
             <a:endParaRPr lang="nb-NO" dirty="0"/>
           </a:p>
@@ -11668,7 +11686,7 @@
     </p:spTree>
     <p:extLst>
       <p:ext uri="{BB962C8B-B14F-4D97-AF65-F5344CB8AC3E}">
-        <p14:creationId xmlns:p14="http://schemas.microsoft.com/office/powerpoint/2010/main" val="635249341"/>
+        <p14:creationId xmlns:p14="http://schemas.microsoft.com/office/powerpoint/2010/main" val="1622279262"/>
       </p:ext>
     </p:extLst>
   </p:cSld>
@@ -11722,6 +11740,14 @@
           <a:bodyPr/>
           <a:lstStyle/>
           <a:p>
+            <a:r>
+              <a:rPr lang="nb-NO" dirty="0" smtClean="0"/>
+              <a:t>Kanskje</a:t>
+            </a:r>
+            <a:r>
+              <a:rPr lang="nb-NO" baseline="0" dirty="0" smtClean="0"/>
+              <a:t> grave frem noen eksempler på hvordan koden blir seendes ut med og uten templates. Jeg har noen eksempler på ldap og jms hvertfall. De sier forsåvidt sitt de.. Sikkert fint med en oppgave eller to rundt disse.</a:t>
+            </a:r>
             <a:endParaRPr lang="nb-NO" dirty="0"/>
           </a:p>
         </p:txBody>
@@ -11749,7 +11775,7 @@
               <a:pPr>
                 <a:defRPr/>
               </a:pPr>
-              <a:t>23</a:t>
+              <a:t>22</a:t>
             </a:fld>
             <a:endParaRPr lang="nb-NO"/>
           </a:p>
@@ -11758,7 +11784,7 @@
     </p:spTree>
     <p:extLst>
       <p:ext uri="{BB962C8B-B14F-4D97-AF65-F5344CB8AC3E}">
-        <p14:creationId xmlns:p14="http://schemas.microsoft.com/office/powerpoint/2010/main" val="1787285062"/>
+        <p14:creationId xmlns:p14="http://schemas.microsoft.com/office/powerpoint/2010/main" val="635249341"/>
       </p:ext>
     </p:extLst>
   </p:cSld>
@@ -11848,7 +11874,7 @@
     </p:spTree>
     <p:extLst>
       <p:ext uri="{BB962C8B-B14F-4D97-AF65-F5344CB8AC3E}">
-        <p14:creationId xmlns:p14="http://schemas.microsoft.com/office/powerpoint/2010/main" val="620784310"/>
+        <p14:creationId xmlns:p14="http://schemas.microsoft.com/office/powerpoint/2010/main" val="1787285062"/>
       </p:ext>
     </p:extLst>
   </p:cSld>
@@ -11902,32 +11928,6 @@
           <a:bodyPr/>
           <a:lstStyle/>
           <a:p>
-            <a:r>
-              <a:rPr lang="nb-NO" dirty="0" smtClean="0"/>
-              <a:t>Vi sier litt om oppgavene:</a:t>
-            </a:r>
-          </a:p>
-          <a:p>
-            <a:endParaRPr lang="nb-NO" dirty="0" smtClean="0"/>
-          </a:p>
-          <a:p>
-            <a:r>
-              <a:rPr lang="nb-NO" dirty="0" smtClean="0"/>
-              <a:t>Oppgave 1-</a:t>
-            </a:r>
-            <a:r>
-              <a:rPr lang="nb-NO" baseline="0" dirty="0" smtClean="0"/>
-              <a:t>3: Få tester til å kjøre grønt. OBS! Fjern @Ignore, lagt på for å få mvn-bygg til å kjøre</a:t>
-            </a:r>
-          </a:p>
-          <a:p>
-            <a:endParaRPr lang="nb-NO" baseline="0" dirty="0" smtClean="0"/>
-          </a:p>
-          <a:p>
-            <a:r>
-              <a:rPr lang="nb-NO" baseline="0" dirty="0" smtClean="0"/>
-              <a:t>Oppgave 4: Jetty-starter, få denne til å kjøre. Så sjekke med nettleser at ting fungerer. Kan være lurt å bli kjent med koden først.</a:t>
-            </a:r>
             <a:endParaRPr lang="nb-NO" dirty="0"/>
           </a:p>
         </p:txBody>
@@ -11956,6 +11956,122 @@
                 <a:defRPr/>
               </a:pPr>
               <a:t>25</a:t>
+            </a:fld>
+            <a:endParaRPr lang="nb-NO"/>
+          </a:p>
+        </p:txBody>
+      </p:sp>
+    </p:spTree>
+    <p:extLst>
+      <p:ext uri="{BB962C8B-B14F-4D97-AF65-F5344CB8AC3E}">
+        <p14:creationId xmlns:p14="http://schemas.microsoft.com/office/powerpoint/2010/main" val="620784310"/>
+      </p:ext>
+    </p:extLst>
+  </p:cSld>
+  <p:clrMapOvr>
+    <a:masterClrMapping/>
+  </p:clrMapOvr>
+</p:notes>
+</file>
+
+<file path=ppt/notesSlides/notesSlide19.xml><?xml version="1.0" encoding="utf-8"?>
+<p:notes xmlns:a="http://schemas.openxmlformats.org/drawingml/2006/main" xmlns:r="http://schemas.openxmlformats.org/officeDocument/2006/relationships" xmlns:p="http://schemas.openxmlformats.org/presentationml/2006/main">
+  <p:cSld>
+    <p:spTree>
+      <p:nvGrpSpPr>
+        <p:cNvPr id="1" name=""/>
+        <p:cNvGrpSpPr/>
+        <p:nvPr/>
+      </p:nvGrpSpPr>
+      <p:grpSpPr>
+        <a:xfrm>
+          <a:off x="0" y="0"/>
+          <a:ext cx="0" cy="0"/>
+          <a:chOff x="0" y="0"/>
+          <a:chExt cx="0" cy="0"/>
+        </a:xfrm>
+      </p:grpSpPr>
+      <p:sp>
+        <p:nvSpPr>
+          <p:cNvPr id="2" name="Slide Image Placeholder 1"/>
+          <p:cNvSpPr>
+            <a:spLocks noGrp="1" noRot="1" noChangeAspect="1"/>
+          </p:cNvSpPr>
+          <p:nvPr>
+            <p:ph type="sldImg"/>
+          </p:nvPr>
+        </p:nvSpPr>
+        <p:spPr/>
+      </p:sp>
+      <p:sp>
+        <p:nvSpPr>
+          <p:cNvPr id="3" name="Notes Placeholder 2"/>
+          <p:cNvSpPr>
+            <a:spLocks noGrp="1"/>
+          </p:cNvSpPr>
+          <p:nvPr>
+            <p:ph type="body" idx="1"/>
+          </p:nvPr>
+        </p:nvSpPr>
+        <p:spPr/>
+        <p:txBody>
+          <a:bodyPr/>
+          <a:lstStyle/>
+          <a:p>
+            <a:r>
+              <a:rPr lang="nb-NO" dirty="0" smtClean="0"/>
+              <a:t>Vi sier litt om oppgavene:</a:t>
+            </a:r>
+          </a:p>
+          <a:p>
+            <a:endParaRPr lang="nb-NO" dirty="0" smtClean="0"/>
+          </a:p>
+          <a:p>
+            <a:r>
+              <a:rPr lang="nb-NO" dirty="0" smtClean="0"/>
+              <a:t>Oppgave 1-</a:t>
+            </a:r>
+            <a:r>
+              <a:rPr lang="nb-NO" baseline="0" dirty="0" smtClean="0"/>
+              <a:t>3: Få tester til å kjøre grønt. OBS! Fjern @Ignore, lagt på for å få mvn-bygg til å kjøre</a:t>
+            </a:r>
+          </a:p>
+          <a:p>
+            <a:endParaRPr lang="nb-NO" baseline="0" dirty="0" smtClean="0"/>
+          </a:p>
+          <a:p>
+            <a:r>
+              <a:rPr lang="nb-NO" baseline="0" dirty="0" smtClean="0"/>
+              <a:t>Oppgave 4: Jetty-starter, få denne til å kjøre. Så sjekke med nettleser at ting fungerer. Kan være lurt å bli kjent med koden først.</a:t>
+            </a:r>
+            <a:endParaRPr lang="nb-NO" dirty="0"/>
+          </a:p>
+        </p:txBody>
+      </p:sp>
+      <p:sp>
+        <p:nvSpPr>
+          <p:cNvPr id="4" name="Slide Number Placeholder 3"/>
+          <p:cNvSpPr>
+            <a:spLocks noGrp="1"/>
+          </p:cNvSpPr>
+          <p:nvPr>
+            <p:ph type="sldNum" sz="quarter" idx="10"/>
+          </p:nvPr>
+        </p:nvSpPr>
+        <p:spPr/>
+        <p:txBody>
+          <a:bodyPr/>
+          <a:lstStyle/>
+          <a:p>
+            <a:pPr>
+              <a:defRPr/>
+            </a:pPr>
+            <a:fld id="{26B235C1-A960-4104-94A5-4C89549AC152}" type="slidenum">
+              <a:rPr lang="nb-NO" smtClean="0"/>
+              <a:pPr>
+                <a:defRPr/>
+              </a:pPr>
+              <a:t>26</a:t>
             </a:fld>
             <a:endParaRPr lang="nb-NO"/>
           </a:p>
@@ -13177,7 +13293,7 @@
               <a:pPr>
                 <a:defRPr/>
               </a:pPr>
-              <a:t>11.08.2015</a:t>
+              <a:t>29.08.2016</a:t>
             </a:fld>
             <a:endParaRPr lang="nb-NO"/>
           </a:p>
@@ -13375,7 +13491,7 @@
               <a:pPr>
                 <a:defRPr/>
               </a:pPr>
-              <a:t>11.08.2015</a:t>
+              <a:t>29.08.2016</a:t>
             </a:fld>
             <a:endParaRPr lang="nb-NO"/>
           </a:p>
@@ -13585,7 +13701,7 @@
               <a:pPr>
                 <a:defRPr/>
               </a:pPr>
-              <a:t>11.08.2015</a:t>
+              <a:t>29.08.2016</a:t>
             </a:fld>
             <a:endParaRPr lang="nb-NO"/>
           </a:p>
@@ -13789,7 +13905,7 @@
               <a:pPr>
                 <a:defRPr/>
               </a:pPr>
-              <a:t>11.08.2015</a:t>
+              <a:t>29.08.2016</a:t>
             </a:fld>
             <a:endParaRPr lang="nb-NO"/>
           </a:p>
@@ -14120,7 +14236,7 @@
               <a:pPr>
                 <a:defRPr/>
               </a:pPr>
-              <a:t>11.08.2015</a:t>
+              <a:t>29.08.2016</a:t>
             </a:fld>
             <a:endParaRPr lang="nb-NO"/>
           </a:p>
@@ -14436,7 +14552,7 @@
               <a:pPr>
                 <a:defRPr/>
               </a:pPr>
-              <a:t>11.08.2015</a:t>
+              <a:t>29.08.2016</a:t>
             </a:fld>
             <a:endParaRPr lang="nb-NO"/>
           </a:p>
@@ -14888,7 +15004,7 @@
               <a:pPr>
                 <a:defRPr/>
               </a:pPr>
-              <a:t>11.08.2015</a:t>
+              <a:t>29.08.2016</a:t>
             </a:fld>
             <a:endParaRPr lang="nb-NO"/>
           </a:p>
@@ -15036,7 +15152,7 @@
               <a:pPr>
                 <a:defRPr/>
               </a:pPr>
-              <a:t>11.08.2015</a:t>
+              <a:t>29.08.2016</a:t>
             </a:fld>
             <a:endParaRPr lang="nb-NO"/>
           </a:p>
@@ -15161,7 +15277,7 @@
               <a:pPr>
                 <a:defRPr/>
               </a:pPr>
-              <a:t>11.08.2015</a:t>
+              <a:t>29.08.2016</a:t>
             </a:fld>
             <a:endParaRPr lang="nb-NO"/>
           </a:p>
@@ -15468,7 +15584,7 @@
               <a:pPr>
                 <a:defRPr/>
               </a:pPr>
-              <a:t>11.08.2015</a:t>
+              <a:t>29.08.2016</a:t>
             </a:fld>
             <a:endParaRPr lang="nb-NO"/>
           </a:p>
@@ -15758,7 +15874,7 @@
               <a:pPr>
                 <a:defRPr/>
               </a:pPr>
-              <a:t>11.08.2015</a:t>
+              <a:t>29.08.2016</a:t>
             </a:fld>
             <a:endParaRPr lang="nb-NO"/>
           </a:p>
@@ -16059,7 +16175,7 @@
               <a:pPr>
                 <a:defRPr/>
               </a:pPr>
-              <a:t>11.08.2015</a:t>
+              <a:t>29.08.2016</a:t>
             </a:fld>
             <a:endParaRPr lang="nb-NO"/>
           </a:p>
@@ -17564,10 +17680,10 @@
           <a:lstStyle/>
           <a:p>
             <a:r>
-              <a:rPr lang="nb-NO" dirty="0" smtClean="0"/>
-              <a:t>Spring container</a:t>
-            </a:r>
-            <a:endParaRPr lang="nb-NO" dirty="0"/>
+              <a:rPr lang="nb-NO" smtClean="0"/>
+              <a:t>Spring DI</a:t>
+            </a:r>
+            <a:endParaRPr lang="en-US"/>
           </a:p>
         </p:txBody>
       </p:sp>
@@ -17587,6 +17703,91 @@
           <a:lstStyle/>
           <a:p>
             <a:r>
+              <a:rPr lang="nb-NO" smtClean="0"/>
+              <a:t>Instansiering av bønner (objekter)</a:t>
+            </a:r>
+          </a:p>
+          <a:p>
+            <a:r>
+              <a:rPr lang="nb-NO" smtClean="0"/>
+              <a:t>Sammenkobling av bønner</a:t>
+            </a:r>
+            <a:endParaRPr lang="en-US"/>
+          </a:p>
+        </p:txBody>
+      </p:sp>
+    </p:spTree>
+    <p:extLst>
+      <p:ext uri="{BB962C8B-B14F-4D97-AF65-F5344CB8AC3E}">
+        <p14:creationId xmlns:p14="http://schemas.microsoft.com/office/powerpoint/2010/main" val="493583649"/>
+      </p:ext>
+    </p:extLst>
+  </p:cSld>
+  <p:clrMapOvr>
+    <a:masterClrMapping/>
+  </p:clrMapOvr>
+  <p:transition>
+    <p:wedge/>
+  </p:transition>
+</p:sld>
+</file>
+
+<file path=ppt/slides/slide17.xml><?xml version="1.0" encoding="utf-8"?>
+<p:sld xmlns:a="http://schemas.openxmlformats.org/drawingml/2006/main" xmlns:r="http://schemas.openxmlformats.org/officeDocument/2006/relationships" xmlns:p="http://schemas.openxmlformats.org/presentationml/2006/main">
+  <p:cSld>
+    <p:spTree>
+      <p:nvGrpSpPr>
+        <p:cNvPr id="1" name=""/>
+        <p:cNvGrpSpPr/>
+        <p:nvPr/>
+      </p:nvGrpSpPr>
+      <p:grpSpPr>
+        <a:xfrm>
+          <a:off x="0" y="0"/>
+          <a:ext cx="0" cy="0"/>
+          <a:chOff x="0" y="0"/>
+          <a:chExt cx="0" cy="0"/>
+        </a:xfrm>
+      </p:grpSpPr>
+      <p:sp>
+        <p:nvSpPr>
+          <p:cNvPr id="2" name="Title 1"/>
+          <p:cNvSpPr>
+            <a:spLocks noGrp="1"/>
+          </p:cNvSpPr>
+          <p:nvPr>
+            <p:ph type="title"/>
+          </p:nvPr>
+        </p:nvSpPr>
+        <p:spPr/>
+        <p:txBody>
+          <a:bodyPr/>
+          <a:lstStyle/>
+          <a:p>
+            <a:r>
+              <a:rPr lang="nb-NO" dirty="0" smtClean="0"/>
+              <a:t>Spring container</a:t>
+            </a:r>
+            <a:endParaRPr lang="nb-NO" dirty="0"/>
+          </a:p>
+        </p:txBody>
+      </p:sp>
+      <p:sp>
+        <p:nvSpPr>
+          <p:cNvPr id="3" name="Content Placeholder 2"/>
+          <p:cNvSpPr>
+            <a:spLocks noGrp="1"/>
+          </p:cNvSpPr>
+          <p:nvPr>
+            <p:ph idx="1"/>
+          </p:nvPr>
+        </p:nvSpPr>
+        <p:spPr/>
+        <p:txBody>
+          <a:bodyPr/>
+          <a:lstStyle/>
+          <a:p>
+            <a:r>
               <a:rPr lang="nb-NO" dirty="0" smtClean="0"/>
               <a:t>En «kontekst» bestående av:</a:t>
             </a:r>
@@ -17635,9 +17836,14 @@
           <a:p>
             <a:pPr lvl="1"/>
             <a:r>
-              <a:rPr lang="nb-NO" dirty="0" smtClean="0"/>
-              <a:t>Via container</a:t>
-            </a:r>
+              <a:rPr lang="nb-NO" smtClean="0"/>
+              <a:t>Via </a:t>
+            </a:r>
+            <a:r>
+              <a:rPr lang="nb-NO" smtClean="0"/>
+              <a:t>JavaEE-container</a:t>
+            </a:r>
+            <a:endParaRPr lang="nb-NO" dirty="0" smtClean="0"/>
           </a:p>
           <a:p>
             <a:pPr lvl="1"/>
@@ -17679,7 +17885,7 @@
 </p:sld>
 </file>
 
-<file path=ppt/slides/slide17.xml><?xml version="1.0" encoding="utf-8"?>
+<file path=ppt/slides/slide18.xml><?xml version="1.0" encoding="utf-8"?>
 <p:sld xmlns:a="http://schemas.openxmlformats.org/drawingml/2006/main" xmlns:r="http://schemas.openxmlformats.org/officeDocument/2006/relationships" xmlns:p="http://schemas.openxmlformats.org/presentationml/2006/main">
   <p:cSld>
     <p:spTree>
@@ -17826,7 +18032,7 @@
 </p:sld>
 </file>
 
-<file path=ppt/slides/slide18.xml><?xml version="1.0" encoding="utf-8"?>
+<file path=ppt/slides/slide19.xml><?xml version="1.0" encoding="utf-8"?>
 <p:sld xmlns:a="http://schemas.openxmlformats.org/drawingml/2006/main" xmlns:r="http://schemas.openxmlformats.org/officeDocument/2006/relationships" xmlns:p="http://schemas.openxmlformats.org/presentationml/2006/main">
   <p:cSld>
     <p:spTree>
@@ -18091,120 +18297,6 @@
 </p:sld>
 </file>
 
-<file path=ppt/slides/slide19.xml><?xml version="1.0" encoding="utf-8"?>
-<p:sld xmlns:a="http://schemas.openxmlformats.org/drawingml/2006/main" xmlns:r="http://schemas.openxmlformats.org/officeDocument/2006/relationships" xmlns:p="http://schemas.openxmlformats.org/presentationml/2006/main">
-  <p:cSld>
-    <p:spTree>
-      <p:nvGrpSpPr>
-        <p:cNvPr id="1" name=""/>
-        <p:cNvGrpSpPr/>
-        <p:nvPr/>
-      </p:nvGrpSpPr>
-      <p:grpSpPr>
-        <a:xfrm>
-          <a:off x="0" y="0"/>
-          <a:ext cx="0" cy="0"/>
-          <a:chOff x="0" y="0"/>
-          <a:chExt cx="0" cy="0"/>
-        </a:xfrm>
-      </p:grpSpPr>
-      <p:sp>
-        <p:nvSpPr>
-          <p:cNvPr id="2" name="Title 1"/>
-          <p:cNvSpPr>
-            <a:spLocks noGrp="1"/>
-          </p:cNvSpPr>
-          <p:nvPr>
-            <p:ph type="title"/>
-          </p:nvPr>
-        </p:nvSpPr>
-        <p:spPr/>
-        <p:txBody>
-          <a:bodyPr/>
-          <a:lstStyle/>
-          <a:p>
-            <a:r>
-              <a:rPr lang="nb-NO" dirty="0" smtClean="0"/>
-              <a:t>Lifecycle metoder</a:t>
-            </a:r>
-            <a:endParaRPr lang="nb-NO" dirty="0"/>
-          </a:p>
-        </p:txBody>
-      </p:sp>
-      <p:sp>
-        <p:nvSpPr>
-          <p:cNvPr id="3" name="Content Placeholder 2"/>
-          <p:cNvSpPr>
-            <a:spLocks noGrp="1"/>
-          </p:cNvSpPr>
-          <p:nvPr>
-            <p:ph idx="1"/>
-          </p:nvPr>
-        </p:nvSpPr>
-        <p:spPr/>
-        <p:txBody>
-          <a:bodyPr/>
-          <a:lstStyle/>
-          <a:p>
-            <a:r>
-              <a:rPr lang="nb-NO" dirty="0" smtClean="0"/>
-              <a:t>@PostConstruct</a:t>
-            </a:r>
-          </a:p>
-          <a:p>
-            <a:pPr lvl="1"/>
-            <a:r>
-              <a:rPr lang="nb-NO" dirty="0" smtClean="0"/>
-              <a:t>Metode annotert kjøres etter at Spring-bønne er konstruert</a:t>
-            </a:r>
-          </a:p>
-          <a:p>
-            <a:r>
-              <a:rPr lang="nb-NO" dirty="0" smtClean="0"/>
-              <a:t>@PreDestroy</a:t>
-            </a:r>
-          </a:p>
-          <a:p>
-            <a:pPr lvl="1"/>
-            <a:r>
-              <a:rPr lang="nb-NO" dirty="0" smtClean="0"/>
-              <a:t>Kjøres før en Spring-bønne fjernes (f.eks. </a:t>
-            </a:r>
-            <a:r>
-              <a:rPr lang="nb-NO" dirty="0"/>
-              <a:t>v</a:t>
-            </a:r>
-            <a:r>
-              <a:rPr lang="nb-NO" dirty="0" smtClean="0"/>
-              <a:t>ed avslutning av programmet)</a:t>
-            </a:r>
-            <a:endParaRPr lang="nb-NO" dirty="0"/>
-          </a:p>
-        </p:txBody>
-      </p:sp>
-    </p:spTree>
-    <p:extLst>
-      <p:ext uri="{BB962C8B-B14F-4D97-AF65-F5344CB8AC3E}">
-        <p14:creationId xmlns:p14="http://schemas.microsoft.com/office/powerpoint/2010/main" val="519400069"/>
-      </p:ext>
-    </p:extLst>
-  </p:cSld>
-  <p:clrMapOvr>
-    <a:masterClrMapping/>
-  </p:clrMapOvr>
-  <p:transition>
-    <p:wedge/>
-  </p:transition>
-  <p:timing>
-    <p:tnLst>
-      <p:par>
-        <p:cTn id="1" dur="indefinite" restart="never" nodeType="tmRoot"/>
-      </p:par>
-    </p:tnLst>
-  </p:timing>
-</p:sld>
-</file>
-
 <file path=ppt/slides/slide2.xml><?xml version="1.0" encoding="utf-8"?>
 <p:sld xmlns:a="http://schemas.openxmlformats.org/drawingml/2006/main" xmlns:r="http://schemas.openxmlformats.org/officeDocument/2006/relationships" xmlns:p="http://schemas.openxmlformats.org/presentationml/2006/main">
   <p:cSld>
@@ -18378,7 +18470,7 @@
           <a:p>
             <a:r>
               <a:rPr lang="nb-NO" dirty="0" smtClean="0"/>
-              <a:t>Spring transaction</a:t>
+              <a:t>Lifecycle metoder</a:t>
             </a:r>
             <a:endParaRPr lang="nb-NO" dirty="0"/>
           </a:p>
@@ -18401,55 +18493,35 @@
           <a:p>
             <a:r>
               <a:rPr lang="nb-NO" dirty="0" smtClean="0"/>
-              <a:t>Transaksjonshåndtering for mange forskjellige ressurser</a:t>
+              <a:t>@PostConstruct</a:t>
             </a:r>
           </a:p>
           <a:p>
             <a:pPr lvl="1"/>
             <a:r>
               <a:rPr lang="nb-NO" dirty="0" smtClean="0"/>
-              <a:t>JPA (databaser)</a:t>
+              <a:t>Metode annotert kjøres etter at Spring-bønne er konstruert</a:t>
+            </a:r>
+          </a:p>
+          <a:p>
+            <a:r>
+              <a:rPr lang="nb-NO" dirty="0" smtClean="0"/>
+              <a:t>@PreDestroy</a:t>
             </a:r>
           </a:p>
           <a:p>
             <a:pPr lvl="1"/>
             <a:r>
               <a:rPr lang="nb-NO" dirty="0" smtClean="0"/>
-              <a:t>JTA (Java Transaction API)</a:t>
-            </a:r>
-          </a:p>
-          <a:p>
-            <a:pPr lvl="1"/>
+              <a:t>Kjøres før en Spring-bønne fjernes (f.eks. </a:t>
+            </a:r>
+            <a:r>
+              <a:rPr lang="nb-NO" dirty="0"/>
+              <a:t>v</a:t>
+            </a:r>
             <a:r>
               <a:rPr lang="nb-NO" dirty="0" smtClean="0"/>
-              <a:t>Andre..</a:t>
-            </a:r>
-          </a:p>
-          <a:p>
-            <a:r>
-              <a:rPr lang="nb-NO" dirty="0" smtClean="0"/>
-              <a:t>Enkel notasjon for håndtering av transaksjoner</a:t>
-            </a:r>
-          </a:p>
-          <a:p>
-            <a:pPr lvl="1"/>
-            <a:r>
-              <a:rPr lang="nb-NO" dirty="0" smtClean="0"/>
-              <a:t>@Transactional  på metoder som skal være transaksjonelle</a:t>
-            </a:r>
-          </a:p>
-          <a:p>
-            <a:pPr lvl="2"/>
-            <a:r>
-              <a:rPr lang="nb-NO" dirty="0" smtClean="0"/>
-              <a:t>@Transactional(readOnly = true)</a:t>
-            </a:r>
-          </a:p>
-          <a:p>
-            <a:pPr lvl="1"/>
-            <a:r>
-              <a:rPr lang="nb-NO" dirty="0" smtClean="0"/>
-              <a:t>Pluss litt Spring-oppsett</a:t>
+              <a:t>ed avslutning av programmet)</a:t>
             </a:r>
             <a:endParaRPr lang="nb-NO" dirty="0"/>
           </a:p>
@@ -18458,7 +18530,7 @@
     </p:spTree>
     <p:extLst>
       <p:ext uri="{BB962C8B-B14F-4D97-AF65-F5344CB8AC3E}">
-        <p14:creationId xmlns:p14="http://schemas.microsoft.com/office/powerpoint/2010/main" val="3587722481"/>
+        <p14:creationId xmlns:p14="http://schemas.microsoft.com/office/powerpoint/2010/main" val="519400069"/>
       </p:ext>
     </p:extLst>
   </p:cSld>
@@ -18512,7 +18584,7 @@
           <a:p>
             <a:r>
               <a:rPr lang="nb-NO" dirty="0" smtClean="0"/>
-              <a:t>Spring templates</a:t>
+              <a:t>Spring transaction</a:t>
             </a:r>
             <a:endParaRPr lang="nb-NO" dirty="0"/>
           </a:p>
@@ -18535,28 +18607,55 @@
           <a:p>
             <a:r>
               <a:rPr lang="nb-NO" dirty="0" smtClean="0"/>
-              <a:t>Forenkler ting ved å fjerne behov for boiler-plate</a:t>
+              <a:t>Transaksjonshåndtering for mange forskjellige ressurser</a:t>
             </a:r>
           </a:p>
           <a:p>
             <a:pPr lvl="1"/>
             <a:r>
               <a:rPr lang="nb-NO" dirty="0" smtClean="0"/>
-              <a:t>LdapTemplate</a:t>
+              <a:t>JPA (databaser)</a:t>
             </a:r>
           </a:p>
           <a:p>
             <a:pPr lvl="1"/>
             <a:r>
               <a:rPr lang="nb-NO" dirty="0" smtClean="0"/>
-              <a:t>JmsTemplate</a:t>
+              <a:t>JTA (Java Transaction API)</a:t>
             </a:r>
           </a:p>
           <a:p>
             <a:pPr lvl="1"/>
             <a:r>
               <a:rPr lang="nb-NO" dirty="0" smtClean="0"/>
-              <a:t>JdbcTemplate</a:t>
+              <a:t>Andre..</a:t>
+            </a:r>
+          </a:p>
+          <a:p>
+            <a:r>
+              <a:rPr lang="nb-NO" dirty="0" smtClean="0"/>
+              <a:t>Enkel notasjon for håndtering av transaksjoner</a:t>
+            </a:r>
+          </a:p>
+          <a:p>
+            <a:pPr lvl="1"/>
+            <a:r>
+              <a:rPr lang="nb-NO" dirty="0" smtClean="0"/>
+              <a:t>@Transactional  på metoder som skal være transaksjonelle</a:t>
+            </a:r>
+          </a:p>
+          <a:p>
+            <a:pPr lvl="2"/>
+            <a:r>
+              <a:rPr lang="nb-NO" dirty="0" smtClean="0"/>
+              <a:t>@Transactional(readOnly = true)</a:t>
+            </a:r>
+          </a:p>
+          <a:p>
+            <a:pPr lvl="1"/>
+            <a:r>
+              <a:rPr lang="nb-NO" dirty="0" smtClean="0"/>
+              <a:t>Pluss litt Spring-oppsett</a:t>
             </a:r>
             <a:endParaRPr lang="nb-NO" dirty="0"/>
           </a:p>
@@ -18565,7 +18664,7 @@
     </p:spTree>
     <p:extLst>
       <p:ext uri="{BB962C8B-B14F-4D97-AF65-F5344CB8AC3E}">
-        <p14:creationId xmlns:p14="http://schemas.microsoft.com/office/powerpoint/2010/main" val="495770934"/>
+        <p14:creationId xmlns:p14="http://schemas.microsoft.com/office/powerpoint/2010/main" val="3587722481"/>
       </p:ext>
     </p:extLst>
   </p:cSld>
@@ -18619,7 +18718,7 @@
           <a:p>
             <a:r>
               <a:rPr lang="nb-NO" dirty="0" smtClean="0"/>
-              <a:t>Templates - eksempel</a:t>
+              <a:t>Spring templates</a:t>
             </a:r>
             <a:endParaRPr lang="nb-NO" dirty="0"/>
           </a:p>
@@ -18627,2567 +18726,52 @@
       </p:sp>
       <p:sp>
         <p:nvSpPr>
-          <p:cNvPr id="4" name="Content Placeholder 2"/>
+          <p:cNvPr id="3" name="Content Placeholder 2"/>
           <p:cNvSpPr>
             <a:spLocks noGrp="1"/>
           </p:cNvSpPr>
           <p:nvPr>
-            <p:ph sz="half" idx="1"/>
+            <p:ph idx="1"/>
           </p:nvPr>
         </p:nvSpPr>
-        <p:spPr>
-          <a:xfrm>
-            <a:off x="457200" y="1142984"/>
-            <a:ext cx="4546848" cy="5094328"/>
-          </a:xfrm>
-        </p:spPr>
+        <p:spPr/>
         <p:txBody>
-          <a:bodyPr>
-            <a:noAutofit/>
-          </a:bodyPr>
+          <a:bodyPr/>
           <a:lstStyle/>
           <a:p>
-            <a:pPr>
-              <a:buNone/>
-            </a:pPr>
-            <a:r>
-              <a:rPr lang="nb-NO" sz="800" dirty="0" err="1" smtClean="0">
-                <a:solidFill>
-                  <a:srgbClr val="FF0000"/>
-                </a:solidFill>
-                <a:latin typeface="Consolas" pitchFamily="49" charset="0"/>
-                <a:cs typeface="Consolas" pitchFamily="49" charset="0"/>
-              </a:rPr>
-              <a:t>public</a:t>
-            </a:r>
-            <a:r>
-              <a:rPr lang="nb-NO" sz="800" dirty="0" smtClean="0">
-                <a:solidFill>
-                  <a:srgbClr val="FF0000"/>
-                </a:solidFill>
-                <a:latin typeface="Consolas" pitchFamily="49" charset="0"/>
-                <a:cs typeface="Consolas" pitchFamily="49" charset="0"/>
-              </a:rPr>
-              <a:t> </a:t>
-            </a:r>
-            <a:r>
-              <a:rPr lang="nb-NO" sz="800" dirty="0" err="1" smtClean="0">
-                <a:solidFill>
-                  <a:srgbClr val="FF0000"/>
-                </a:solidFill>
-                <a:latin typeface="Consolas" pitchFamily="49" charset="0"/>
-                <a:cs typeface="Consolas" pitchFamily="49" charset="0"/>
-              </a:rPr>
-              <a:t>class</a:t>
-            </a:r>
-            <a:r>
-              <a:rPr lang="nb-NO" sz="800" dirty="0" smtClean="0">
-                <a:solidFill>
-                  <a:srgbClr val="FF0000"/>
-                </a:solidFill>
-                <a:latin typeface="Consolas" pitchFamily="49" charset="0"/>
-                <a:cs typeface="Consolas" pitchFamily="49" charset="0"/>
-              </a:rPr>
-              <a:t> </a:t>
-            </a:r>
-            <a:r>
-              <a:rPr lang="nb-NO" sz="800" dirty="0" err="1" smtClean="0">
-                <a:solidFill>
-                  <a:srgbClr val="FF0000"/>
-                </a:solidFill>
-                <a:latin typeface="Consolas" pitchFamily="49" charset="0"/>
-                <a:cs typeface="Consolas" pitchFamily="49" charset="0"/>
-              </a:rPr>
-              <a:t>FishDao</a:t>
-            </a:r>
-            <a:r>
-              <a:rPr lang="nb-NO" sz="800" dirty="0" smtClean="0">
-                <a:solidFill>
-                  <a:srgbClr val="FF0000"/>
-                </a:solidFill>
-                <a:latin typeface="Consolas" pitchFamily="49" charset="0"/>
-                <a:cs typeface="Consolas" pitchFamily="49" charset="0"/>
-              </a:rPr>
-              <a:t> {</a:t>
-            </a:r>
-          </a:p>
-          <a:p>
-            <a:pPr>
-              <a:buNone/>
-            </a:pPr>
-            <a:r>
-              <a:rPr lang="nb-NO" sz="800" dirty="0" smtClean="0">
-                <a:solidFill>
-                  <a:srgbClr val="FF0000"/>
-                </a:solidFill>
-                <a:latin typeface="Consolas" pitchFamily="49" charset="0"/>
-                <a:cs typeface="Consolas" pitchFamily="49" charset="0"/>
-              </a:rPr>
-              <a:t>  </a:t>
-            </a:r>
-            <a:r>
-              <a:rPr lang="nb-NO" sz="800" dirty="0" err="1" smtClean="0">
-                <a:solidFill>
-                  <a:srgbClr val="FF0000"/>
-                </a:solidFill>
-                <a:latin typeface="Consolas" pitchFamily="49" charset="0"/>
-                <a:cs typeface="Consolas" pitchFamily="49" charset="0"/>
-              </a:rPr>
-              <a:t>public</a:t>
-            </a:r>
-            <a:r>
-              <a:rPr lang="nb-NO" sz="800" dirty="0" smtClean="0">
-                <a:solidFill>
-                  <a:srgbClr val="FF0000"/>
-                </a:solidFill>
-                <a:latin typeface="Consolas" pitchFamily="49" charset="0"/>
-                <a:cs typeface="Consolas" pitchFamily="49" charset="0"/>
-              </a:rPr>
-              <a:t> </a:t>
-            </a:r>
-            <a:r>
-              <a:rPr lang="nb-NO" sz="800" dirty="0" err="1" smtClean="0">
-                <a:solidFill>
-                  <a:srgbClr val="FF0000"/>
-                </a:solidFill>
-                <a:latin typeface="Consolas" pitchFamily="49" charset="0"/>
-                <a:cs typeface="Consolas" pitchFamily="49" charset="0"/>
-              </a:rPr>
-              <a:t>int</a:t>
-            </a:r>
-            <a:r>
-              <a:rPr lang="nb-NO" sz="800" dirty="0" smtClean="0">
-                <a:solidFill>
-                  <a:srgbClr val="FF0000"/>
-                </a:solidFill>
-                <a:latin typeface="Consolas" pitchFamily="49" charset="0"/>
-                <a:cs typeface="Consolas" pitchFamily="49" charset="0"/>
-              </a:rPr>
-              <a:t> </a:t>
-            </a:r>
-            <a:r>
-              <a:rPr lang="nb-NO" sz="800" dirty="0" err="1" smtClean="0">
-                <a:solidFill>
-                  <a:srgbClr val="FF0000"/>
-                </a:solidFill>
-                <a:latin typeface="Consolas" pitchFamily="49" charset="0"/>
-                <a:cs typeface="Consolas" pitchFamily="49" charset="0"/>
-              </a:rPr>
-              <a:t>getFishWeight</a:t>
-            </a:r>
-            <a:r>
-              <a:rPr lang="nb-NO" sz="800" dirty="0" smtClean="0">
-                <a:solidFill>
-                  <a:srgbClr val="FF0000"/>
-                </a:solidFill>
-                <a:latin typeface="Consolas" pitchFamily="49" charset="0"/>
-                <a:cs typeface="Consolas" pitchFamily="49" charset="0"/>
-              </a:rPr>
-              <a:t>() {</a:t>
-            </a:r>
-          </a:p>
-          <a:p>
-            <a:pPr>
-              <a:buNone/>
-            </a:pPr>
-            <a:r>
-              <a:rPr lang="nb-NO" sz="800" dirty="0" smtClean="0">
-                <a:solidFill>
-                  <a:srgbClr val="FF0000"/>
-                </a:solidFill>
-                <a:latin typeface="Consolas" pitchFamily="49" charset="0"/>
-                <a:cs typeface="Consolas" pitchFamily="49" charset="0"/>
-              </a:rPr>
-              <a:t>    </a:t>
-            </a:r>
-            <a:r>
-              <a:rPr lang="nb-NO" sz="800" dirty="0" err="1" smtClean="0">
-                <a:solidFill>
-                  <a:srgbClr val="FF0000"/>
-                </a:solidFill>
-                <a:latin typeface="Consolas" pitchFamily="49" charset="0"/>
-                <a:cs typeface="Consolas" pitchFamily="49" charset="0"/>
-              </a:rPr>
-              <a:t>Connection</a:t>
-            </a:r>
-            <a:r>
-              <a:rPr lang="nb-NO" sz="800" dirty="0" smtClean="0">
-                <a:solidFill>
-                  <a:srgbClr val="FF0000"/>
-                </a:solidFill>
-                <a:latin typeface="Consolas" pitchFamily="49" charset="0"/>
-                <a:cs typeface="Consolas" pitchFamily="49" charset="0"/>
-              </a:rPr>
-              <a:t> </a:t>
-            </a:r>
-            <a:r>
-              <a:rPr lang="nb-NO" sz="800" dirty="0" err="1" smtClean="0">
-                <a:solidFill>
-                  <a:srgbClr val="FF0000"/>
-                </a:solidFill>
-                <a:latin typeface="Consolas" pitchFamily="49" charset="0"/>
-                <a:cs typeface="Consolas" pitchFamily="49" charset="0"/>
-              </a:rPr>
-              <a:t>conn</a:t>
-            </a:r>
-            <a:r>
-              <a:rPr lang="nb-NO" sz="800" dirty="0" smtClean="0">
-                <a:solidFill>
-                  <a:srgbClr val="FF0000"/>
-                </a:solidFill>
-                <a:latin typeface="Consolas" pitchFamily="49" charset="0"/>
-                <a:cs typeface="Consolas" pitchFamily="49" charset="0"/>
-              </a:rPr>
-              <a:t>= null;</a:t>
-            </a:r>
-          </a:p>
-          <a:p>
-            <a:pPr>
-              <a:buNone/>
-            </a:pPr>
-            <a:r>
-              <a:rPr lang="nb-NO" sz="800" dirty="0" smtClean="0">
-                <a:solidFill>
-                  <a:srgbClr val="FF0000"/>
-                </a:solidFill>
-                <a:latin typeface="Consolas" pitchFamily="49" charset="0"/>
-                <a:cs typeface="Consolas" pitchFamily="49" charset="0"/>
-              </a:rPr>
-              <a:t>    </a:t>
-            </a:r>
-            <a:r>
-              <a:rPr lang="nb-NO" sz="800" dirty="0" err="1" smtClean="0">
-                <a:solidFill>
-                  <a:srgbClr val="FF0000"/>
-                </a:solidFill>
-                <a:latin typeface="Consolas" pitchFamily="49" charset="0"/>
-                <a:cs typeface="Consolas" pitchFamily="49" charset="0"/>
-              </a:rPr>
-              <a:t>Statement</a:t>
-            </a:r>
-            <a:r>
-              <a:rPr lang="nb-NO" sz="800" dirty="0" smtClean="0">
-                <a:solidFill>
-                  <a:srgbClr val="FF0000"/>
-                </a:solidFill>
-                <a:latin typeface="Consolas" pitchFamily="49" charset="0"/>
-                <a:cs typeface="Consolas" pitchFamily="49" charset="0"/>
-              </a:rPr>
-              <a:t> </a:t>
-            </a:r>
-            <a:r>
-              <a:rPr lang="nb-NO" sz="800" dirty="0" err="1" smtClean="0">
-                <a:solidFill>
-                  <a:srgbClr val="FF0000"/>
-                </a:solidFill>
-                <a:latin typeface="Consolas" pitchFamily="49" charset="0"/>
-                <a:cs typeface="Consolas" pitchFamily="49" charset="0"/>
-              </a:rPr>
-              <a:t>stmt</a:t>
-            </a:r>
-            <a:r>
-              <a:rPr lang="nb-NO" sz="800" dirty="0" smtClean="0">
-                <a:solidFill>
-                  <a:srgbClr val="FF0000"/>
-                </a:solidFill>
-                <a:latin typeface="Consolas" pitchFamily="49" charset="0"/>
-                <a:cs typeface="Consolas" pitchFamily="49" charset="0"/>
-              </a:rPr>
-              <a:t>= null;</a:t>
-            </a:r>
-          </a:p>
-          <a:p>
-            <a:pPr>
-              <a:buNone/>
-            </a:pPr>
-            <a:r>
-              <a:rPr lang="nb-NO" sz="800" dirty="0" smtClean="0">
-                <a:solidFill>
-                  <a:srgbClr val="FF0000"/>
-                </a:solidFill>
-                <a:latin typeface="Consolas" pitchFamily="49" charset="0"/>
-                <a:cs typeface="Consolas" pitchFamily="49" charset="0"/>
-              </a:rPr>
-              <a:t>    </a:t>
-            </a:r>
-            <a:r>
-              <a:rPr lang="nb-NO" sz="800" dirty="0" err="1" smtClean="0">
-                <a:solidFill>
-                  <a:srgbClr val="FF0000"/>
-                </a:solidFill>
-                <a:latin typeface="Consolas" pitchFamily="49" charset="0"/>
-                <a:cs typeface="Consolas" pitchFamily="49" charset="0"/>
-              </a:rPr>
-              <a:t>ResultSet</a:t>
-            </a:r>
-            <a:r>
-              <a:rPr lang="nb-NO" sz="800" dirty="0" smtClean="0">
-                <a:solidFill>
-                  <a:srgbClr val="FF0000"/>
-                </a:solidFill>
-                <a:latin typeface="Consolas" pitchFamily="49" charset="0"/>
-                <a:cs typeface="Consolas" pitchFamily="49" charset="0"/>
-              </a:rPr>
-              <a:t> </a:t>
-            </a:r>
-            <a:r>
-              <a:rPr lang="nb-NO" sz="800" dirty="0" err="1" smtClean="0">
-                <a:solidFill>
-                  <a:srgbClr val="FF0000"/>
-                </a:solidFill>
-                <a:latin typeface="Consolas" pitchFamily="49" charset="0"/>
-                <a:cs typeface="Consolas" pitchFamily="49" charset="0"/>
-              </a:rPr>
-              <a:t>rs</a:t>
-            </a:r>
-            <a:r>
-              <a:rPr lang="nb-NO" sz="800" dirty="0" smtClean="0">
-                <a:solidFill>
-                  <a:srgbClr val="FF0000"/>
-                </a:solidFill>
-                <a:latin typeface="Consolas" pitchFamily="49" charset="0"/>
-                <a:cs typeface="Consolas" pitchFamily="49" charset="0"/>
-              </a:rPr>
-              <a:t>= null;</a:t>
-            </a:r>
-          </a:p>
-          <a:p>
-            <a:pPr>
-              <a:buNone/>
-            </a:pPr>
-            <a:r>
-              <a:rPr lang="nb-NO" sz="800" dirty="0" smtClean="0">
-                <a:solidFill>
-                  <a:srgbClr val="FF0000"/>
-                </a:solidFill>
-                <a:latin typeface="Consolas" pitchFamily="49" charset="0"/>
-                <a:cs typeface="Consolas" pitchFamily="49" charset="0"/>
-              </a:rPr>
-              <a:t>    </a:t>
-            </a:r>
-            <a:r>
-              <a:rPr lang="nb-NO" sz="800" dirty="0" err="1" smtClean="0">
-                <a:solidFill>
-                  <a:srgbClr val="FF0000"/>
-                </a:solidFill>
-                <a:latin typeface="Consolas" pitchFamily="49" charset="0"/>
-                <a:cs typeface="Consolas" pitchFamily="49" charset="0"/>
-              </a:rPr>
-              <a:t>Properties</a:t>
-            </a:r>
-            <a:r>
-              <a:rPr lang="nb-NO" sz="800" dirty="0" smtClean="0">
-                <a:solidFill>
-                  <a:srgbClr val="FF0000"/>
-                </a:solidFill>
-                <a:latin typeface="Consolas" pitchFamily="49" charset="0"/>
-                <a:cs typeface="Consolas" pitchFamily="49" charset="0"/>
-              </a:rPr>
-              <a:t> </a:t>
-            </a:r>
-            <a:r>
-              <a:rPr lang="nb-NO" sz="800" dirty="0" err="1" smtClean="0">
-                <a:solidFill>
-                  <a:srgbClr val="FF0000"/>
-                </a:solidFill>
-                <a:latin typeface="Consolas" pitchFamily="49" charset="0"/>
-                <a:cs typeface="Consolas" pitchFamily="49" charset="0"/>
-              </a:rPr>
-              <a:t>properties</a:t>
-            </a:r>
-            <a:r>
-              <a:rPr lang="nb-NO" sz="800" dirty="0" smtClean="0">
-                <a:solidFill>
-                  <a:srgbClr val="FF0000"/>
-                </a:solidFill>
-                <a:latin typeface="Consolas" pitchFamily="49" charset="0"/>
-                <a:cs typeface="Consolas" pitchFamily="49" charset="0"/>
-              </a:rPr>
-              <a:t>= </a:t>
-            </a:r>
-            <a:r>
-              <a:rPr lang="nb-NO" sz="800" dirty="0" err="1" smtClean="0">
-                <a:solidFill>
-                  <a:srgbClr val="FF0000"/>
-                </a:solidFill>
-                <a:latin typeface="Consolas" pitchFamily="49" charset="0"/>
-                <a:cs typeface="Consolas" pitchFamily="49" charset="0"/>
-              </a:rPr>
-              <a:t>new</a:t>
-            </a:r>
-            <a:r>
-              <a:rPr lang="nb-NO" sz="800" dirty="0" smtClean="0">
-                <a:solidFill>
-                  <a:srgbClr val="FF0000"/>
-                </a:solidFill>
-                <a:latin typeface="Consolas" pitchFamily="49" charset="0"/>
-                <a:cs typeface="Consolas" pitchFamily="49" charset="0"/>
-              </a:rPr>
-              <a:t> </a:t>
-            </a:r>
-            <a:r>
-              <a:rPr lang="nb-NO" sz="800" dirty="0" err="1" smtClean="0">
-                <a:solidFill>
-                  <a:srgbClr val="FF0000"/>
-                </a:solidFill>
-                <a:latin typeface="Consolas" pitchFamily="49" charset="0"/>
-                <a:cs typeface="Consolas" pitchFamily="49" charset="0"/>
-              </a:rPr>
-              <a:t>Properties</a:t>
-            </a:r>
-            <a:r>
-              <a:rPr lang="nb-NO" sz="800" dirty="0" smtClean="0">
-                <a:solidFill>
-                  <a:srgbClr val="FF0000"/>
-                </a:solidFill>
-                <a:latin typeface="Consolas" pitchFamily="49" charset="0"/>
-                <a:cs typeface="Consolas" pitchFamily="49" charset="0"/>
-              </a:rPr>
-              <a:t>();</a:t>
-            </a:r>
-          </a:p>
-          <a:p>
-            <a:pPr>
-              <a:buNone/>
-            </a:pPr>
-            <a:r>
-              <a:rPr lang="nb-NO" sz="800" dirty="0" smtClean="0">
-                <a:solidFill>
-                  <a:srgbClr val="FF0000"/>
-                </a:solidFill>
-                <a:latin typeface="Consolas" pitchFamily="49" charset="0"/>
-                <a:cs typeface="Consolas" pitchFamily="49" charset="0"/>
-              </a:rPr>
-              <a:t>    </a:t>
-            </a:r>
-            <a:r>
-              <a:rPr lang="nb-NO" sz="800" dirty="0" err="1" smtClean="0">
-                <a:solidFill>
-                  <a:srgbClr val="FF0000"/>
-                </a:solidFill>
-                <a:latin typeface="Consolas" pitchFamily="49" charset="0"/>
-                <a:cs typeface="Consolas" pitchFamily="49" charset="0"/>
-              </a:rPr>
-              <a:t>try</a:t>
-            </a:r>
-            <a:r>
-              <a:rPr lang="nb-NO" sz="800" dirty="0" smtClean="0">
-                <a:solidFill>
-                  <a:srgbClr val="FF0000"/>
-                </a:solidFill>
-                <a:latin typeface="Consolas" pitchFamily="49" charset="0"/>
-                <a:cs typeface="Consolas" pitchFamily="49" charset="0"/>
-              </a:rPr>
-              <a:t> {</a:t>
-            </a:r>
-          </a:p>
-          <a:p>
-            <a:pPr>
-              <a:buNone/>
-            </a:pPr>
-            <a:r>
-              <a:rPr lang="nb-NO" sz="800" dirty="0" smtClean="0">
-                <a:solidFill>
-                  <a:srgbClr val="FF0000"/>
-                </a:solidFill>
-                <a:latin typeface="Consolas" pitchFamily="49" charset="0"/>
-                <a:cs typeface="Consolas" pitchFamily="49" charset="0"/>
-              </a:rPr>
-              <a:t>      </a:t>
-            </a:r>
-            <a:r>
-              <a:rPr lang="nb-NO" sz="800" dirty="0" err="1" smtClean="0">
-                <a:solidFill>
-                  <a:srgbClr val="FF0000"/>
-                </a:solidFill>
-                <a:latin typeface="Consolas" pitchFamily="49" charset="0"/>
-                <a:cs typeface="Consolas" pitchFamily="49" charset="0"/>
-              </a:rPr>
-              <a:t>properties.load</a:t>
-            </a:r>
-            <a:r>
-              <a:rPr lang="nb-NO" sz="800" dirty="0" smtClean="0">
-                <a:solidFill>
-                  <a:srgbClr val="FF0000"/>
-                </a:solidFill>
-                <a:latin typeface="Consolas" pitchFamily="49" charset="0"/>
-                <a:cs typeface="Consolas" pitchFamily="49" charset="0"/>
-              </a:rPr>
-              <a:t>(</a:t>
-            </a:r>
-            <a:r>
-              <a:rPr lang="nb-NO" sz="800" dirty="0" err="1" smtClean="0">
-                <a:solidFill>
-                  <a:srgbClr val="FF0000"/>
-                </a:solidFill>
-                <a:latin typeface="Consolas" pitchFamily="49" charset="0"/>
-                <a:cs typeface="Consolas" pitchFamily="49" charset="0"/>
-              </a:rPr>
-              <a:t>new</a:t>
-            </a:r>
-            <a:r>
-              <a:rPr lang="nb-NO" sz="800" dirty="0" smtClean="0">
-                <a:solidFill>
-                  <a:srgbClr val="FF0000"/>
-                </a:solidFill>
-                <a:latin typeface="Consolas" pitchFamily="49" charset="0"/>
-                <a:cs typeface="Consolas" pitchFamily="49" charset="0"/>
-              </a:rPr>
-              <a:t> </a:t>
-            </a:r>
-            <a:r>
-              <a:rPr lang="nb-NO" sz="800" dirty="0" err="1" smtClean="0">
-                <a:solidFill>
-                  <a:srgbClr val="FF0000"/>
-                </a:solidFill>
-                <a:latin typeface="Consolas" pitchFamily="49" charset="0"/>
-                <a:cs typeface="Consolas" pitchFamily="49" charset="0"/>
-              </a:rPr>
-              <a:t>FileInputStream</a:t>
-            </a:r>
-            <a:r>
-              <a:rPr lang="nb-NO" sz="800" dirty="0" smtClean="0">
-                <a:solidFill>
-                  <a:srgbClr val="FF0000"/>
-                </a:solidFill>
-                <a:latin typeface="Consolas" pitchFamily="49" charset="0"/>
-                <a:cs typeface="Consolas" pitchFamily="49" charset="0"/>
-              </a:rPr>
-              <a:t>("</a:t>
-            </a:r>
-            <a:r>
-              <a:rPr lang="nb-NO" sz="800" dirty="0" err="1" smtClean="0">
-                <a:solidFill>
-                  <a:srgbClr val="FF0000"/>
-                </a:solidFill>
-                <a:latin typeface="Consolas" pitchFamily="49" charset="0"/>
-                <a:cs typeface="Consolas" pitchFamily="49" charset="0"/>
-              </a:rPr>
-              <a:t>mydb.properties</a:t>
-            </a:r>
-            <a:r>
-              <a:rPr lang="nb-NO" sz="800" dirty="0" smtClean="0">
-                <a:solidFill>
-                  <a:srgbClr val="FF0000"/>
-                </a:solidFill>
-                <a:latin typeface="Consolas" pitchFamily="49" charset="0"/>
-                <a:cs typeface="Consolas" pitchFamily="49" charset="0"/>
-              </a:rPr>
-              <a:t>"));</a:t>
-            </a:r>
-          </a:p>
-          <a:p>
-            <a:pPr>
-              <a:buNone/>
-            </a:pPr>
-            <a:r>
-              <a:rPr lang="nb-NO" sz="800" dirty="0" smtClean="0">
-                <a:solidFill>
-                  <a:srgbClr val="FF0000"/>
-                </a:solidFill>
-                <a:latin typeface="Consolas" pitchFamily="49" charset="0"/>
-                <a:cs typeface="Consolas" pitchFamily="49" charset="0"/>
-              </a:rPr>
-              <a:t>      </a:t>
-            </a:r>
-            <a:r>
-              <a:rPr lang="nb-NO" sz="800" dirty="0" err="1" smtClean="0">
-                <a:solidFill>
-                  <a:srgbClr val="FF0000"/>
-                </a:solidFill>
-                <a:latin typeface="Consolas" pitchFamily="49" charset="0"/>
-                <a:cs typeface="Consolas" pitchFamily="49" charset="0"/>
-              </a:rPr>
-              <a:t>Class.forName</a:t>
-            </a:r>
-            <a:r>
-              <a:rPr lang="nb-NO" sz="800" dirty="0" smtClean="0">
-                <a:solidFill>
-                  <a:srgbClr val="FF0000"/>
-                </a:solidFill>
-                <a:latin typeface="Consolas" pitchFamily="49" charset="0"/>
-                <a:cs typeface="Consolas" pitchFamily="49" charset="0"/>
-              </a:rPr>
-              <a:t>(</a:t>
-            </a:r>
-            <a:r>
-              <a:rPr lang="nb-NO" sz="800" dirty="0" err="1" smtClean="0">
-                <a:solidFill>
-                  <a:srgbClr val="FF0000"/>
-                </a:solidFill>
-                <a:latin typeface="Consolas" pitchFamily="49" charset="0"/>
-                <a:cs typeface="Consolas" pitchFamily="49" charset="0"/>
-              </a:rPr>
-              <a:t>properties.getProperty</a:t>
-            </a:r>
-            <a:r>
-              <a:rPr lang="nb-NO" sz="800" dirty="0" smtClean="0">
-                <a:solidFill>
-                  <a:srgbClr val="FF0000"/>
-                </a:solidFill>
-                <a:latin typeface="Consolas" pitchFamily="49" charset="0"/>
-                <a:cs typeface="Consolas" pitchFamily="49" charset="0"/>
-              </a:rPr>
-              <a:t>("</a:t>
-            </a:r>
-            <a:r>
-              <a:rPr lang="nb-NO" sz="800" dirty="0" err="1" smtClean="0">
-                <a:solidFill>
-                  <a:srgbClr val="FF0000"/>
-                </a:solidFill>
-                <a:latin typeface="Consolas" pitchFamily="49" charset="0"/>
-                <a:cs typeface="Consolas" pitchFamily="49" charset="0"/>
-              </a:rPr>
-              <a:t>driverClassName</a:t>
-            </a:r>
-            <a:r>
-              <a:rPr lang="nb-NO" sz="800" dirty="0" smtClean="0">
-                <a:solidFill>
-                  <a:srgbClr val="FF0000"/>
-                </a:solidFill>
-                <a:latin typeface="Consolas" pitchFamily="49" charset="0"/>
-                <a:cs typeface="Consolas" pitchFamily="49" charset="0"/>
-              </a:rPr>
-              <a:t>"));</a:t>
-            </a:r>
-          </a:p>
-          <a:p>
-            <a:pPr>
-              <a:buNone/>
-            </a:pPr>
-            <a:r>
-              <a:rPr lang="nb-NO" sz="800" dirty="0" smtClean="0">
-                <a:solidFill>
-                  <a:srgbClr val="FF0000"/>
-                </a:solidFill>
-                <a:latin typeface="Consolas" pitchFamily="49" charset="0"/>
-                <a:cs typeface="Consolas" pitchFamily="49" charset="0"/>
-              </a:rPr>
-              <a:t>    }</a:t>
-            </a:r>
-          </a:p>
-          <a:p>
-            <a:pPr>
-              <a:buNone/>
-            </a:pPr>
-            <a:r>
-              <a:rPr lang="nb-NO" sz="800" dirty="0" smtClean="0">
-                <a:solidFill>
-                  <a:srgbClr val="FF0000"/>
-                </a:solidFill>
-                <a:latin typeface="Consolas" pitchFamily="49" charset="0"/>
-                <a:cs typeface="Consolas" pitchFamily="49" charset="0"/>
-              </a:rPr>
-              <a:t>    </a:t>
-            </a:r>
-            <a:r>
-              <a:rPr lang="nb-NO" sz="800" dirty="0" err="1" smtClean="0">
-                <a:solidFill>
-                  <a:srgbClr val="FF0000"/>
-                </a:solidFill>
-                <a:latin typeface="Consolas" pitchFamily="49" charset="0"/>
-                <a:cs typeface="Consolas" pitchFamily="49" charset="0"/>
-              </a:rPr>
-              <a:t>catch</a:t>
-            </a:r>
-            <a:r>
-              <a:rPr lang="nb-NO" sz="800" dirty="0" smtClean="0">
-                <a:solidFill>
-                  <a:srgbClr val="FF0000"/>
-                </a:solidFill>
-                <a:latin typeface="Consolas" pitchFamily="49" charset="0"/>
-                <a:cs typeface="Consolas" pitchFamily="49" charset="0"/>
-              </a:rPr>
-              <a:t> (final </a:t>
-            </a:r>
-            <a:r>
-              <a:rPr lang="nb-NO" sz="800" dirty="0" err="1" smtClean="0">
-                <a:solidFill>
-                  <a:srgbClr val="FF0000"/>
-                </a:solidFill>
-                <a:latin typeface="Consolas" pitchFamily="49" charset="0"/>
-                <a:cs typeface="Consolas" pitchFamily="49" charset="0"/>
-              </a:rPr>
-              <a:t>IOException</a:t>
-            </a:r>
-            <a:r>
-              <a:rPr lang="nb-NO" sz="800" dirty="0" smtClean="0">
-                <a:solidFill>
-                  <a:srgbClr val="FF0000"/>
-                </a:solidFill>
-                <a:latin typeface="Consolas" pitchFamily="49" charset="0"/>
-                <a:cs typeface="Consolas" pitchFamily="49" charset="0"/>
-              </a:rPr>
-              <a:t> e) {</a:t>
-            </a:r>
-          </a:p>
-          <a:p>
-            <a:pPr>
-              <a:buNone/>
-            </a:pPr>
-            <a:r>
-              <a:rPr lang="nb-NO" sz="800" dirty="0" smtClean="0">
-                <a:solidFill>
-                  <a:srgbClr val="FF0000"/>
-                </a:solidFill>
-                <a:latin typeface="Consolas" pitchFamily="49" charset="0"/>
-                <a:cs typeface="Consolas" pitchFamily="49" charset="0"/>
-              </a:rPr>
-              <a:t>        </a:t>
-            </a:r>
-            <a:r>
-              <a:rPr lang="nb-NO" sz="800" dirty="0" err="1" smtClean="0">
-                <a:solidFill>
-                  <a:srgbClr val="FF0000"/>
-                </a:solidFill>
-                <a:latin typeface="Consolas" pitchFamily="49" charset="0"/>
-                <a:cs typeface="Consolas" pitchFamily="49" charset="0"/>
-              </a:rPr>
-              <a:t>throw</a:t>
-            </a:r>
-            <a:r>
-              <a:rPr lang="nb-NO" sz="800" dirty="0" smtClean="0">
-                <a:solidFill>
-                  <a:srgbClr val="FF0000"/>
-                </a:solidFill>
-                <a:latin typeface="Consolas" pitchFamily="49" charset="0"/>
-                <a:cs typeface="Consolas" pitchFamily="49" charset="0"/>
-              </a:rPr>
-              <a:t> </a:t>
-            </a:r>
-            <a:r>
-              <a:rPr lang="nb-NO" sz="800" dirty="0" err="1" smtClean="0">
-                <a:solidFill>
-                  <a:srgbClr val="FF0000"/>
-                </a:solidFill>
-                <a:latin typeface="Consolas" pitchFamily="49" charset="0"/>
-                <a:cs typeface="Consolas" pitchFamily="49" charset="0"/>
-              </a:rPr>
-              <a:t>new</a:t>
-            </a:r>
-            <a:r>
-              <a:rPr lang="nb-NO" sz="800" dirty="0" smtClean="0">
-                <a:solidFill>
-                  <a:srgbClr val="FF0000"/>
-                </a:solidFill>
-                <a:latin typeface="Consolas" pitchFamily="49" charset="0"/>
-                <a:cs typeface="Consolas" pitchFamily="49" charset="0"/>
-              </a:rPr>
-              <a:t> </a:t>
-            </a:r>
-            <a:r>
-              <a:rPr lang="nb-NO" sz="800" dirty="0" err="1" smtClean="0">
-                <a:solidFill>
-                  <a:srgbClr val="FF0000"/>
-                </a:solidFill>
-                <a:latin typeface="Consolas" pitchFamily="49" charset="0"/>
-                <a:cs typeface="Consolas" pitchFamily="49" charset="0"/>
-              </a:rPr>
-              <a:t>DbException</a:t>
-            </a:r>
-            <a:r>
-              <a:rPr lang="nb-NO" sz="800" dirty="0" smtClean="0">
-                <a:solidFill>
-                  <a:srgbClr val="FF0000"/>
-                </a:solidFill>
-                <a:latin typeface="Consolas" pitchFamily="49" charset="0"/>
-                <a:cs typeface="Consolas" pitchFamily="49" charset="0"/>
-              </a:rPr>
-              <a:t>(e);</a:t>
-            </a:r>
-          </a:p>
-          <a:p>
-            <a:pPr>
-              <a:buNone/>
-            </a:pPr>
-            <a:r>
-              <a:rPr lang="nb-NO" sz="800" dirty="0" smtClean="0">
-                <a:solidFill>
-                  <a:srgbClr val="FF0000"/>
-                </a:solidFill>
-                <a:latin typeface="Consolas" pitchFamily="49" charset="0"/>
-                <a:cs typeface="Consolas" pitchFamily="49" charset="0"/>
-              </a:rPr>
-              <a:t>    }</a:t>
-            </a:r>
-          </a:p>
-          <a:p>
-            <a:pPr>
-              <a:buNone/>
-            </a:pPr>
-            <a:r>
-              <a:rPr lang="nb-NO" sz="800" dirty="0" smtClean="0">
-                <a:solidFill>
-                  <a:srgbClr val="FF0000"/>
-                </a:solidFill>
-                <a:latin typeface="Consolas" pitchFamily="49" charset="0"/>
-                <a:cs typeface="Consolas" pitchFamily="49" charset="0"/>
-              </a:rPr>
-              <a:t>    </a:t>
-            </a:r>
-            <a:r>
-              <a:rPr lang="nb-NO" sz="800" dirty="0" err="1" smtClean="0">
-                <a:solidFill>
-                  <a:srgbClr val="FF0000"/>
-                </a:solidFill>
-                <a:latin typeface="Consolas" pitchFamily="49" charset="0"/>
-                <a:cs typeface="Consolas" pitchFamily="49" charset="0"/>
-              </a:rPr>
-              <a:t>catch</a:t>
-            </a:r>
-            <a:r>
-              <a:rPr lang="nb-NO" sz="800" dirty="0" smtClean="0">
-                <a:solidFill>
-                  <a:srgbClr val="FF0000"/>
-                </a:solidFill>
-                <a:latin typeface="Consolas" pitchFamily="49" charset="0"/>
-                <a:cs typeface="Consolas" pitchFamily="49" charset="0"/>
-              </a:rPr>
-              <a:t> (final </a:t>
-            </a:r>
-            <a:r>
-              <a:rPr lang="nb-NO" sz="800" dirty="0" err="1" smtClean="0">
-                <a:solidFill>
-                  <a:srgbClr val="FF0000"/>
-                </a:solidFill>
-                <a:latin typeface="Consolas" pitchFamily="49" charset="0"/>
-                <a:cs typeface="Consolas" pitchFamily="49" charset="0"/>
-              </a:rPr>
-              <a:t>ClassNotFoundException</a:t>
-            </a:r>
-            <a:r>
-              <a:rPr lang="nb-NO" sz="800" dirty="0" smtClean="0">
-                <a:solidFill>
-                  <a:srgbClr val="FF0000"/>
-                </a:solidFill>
-                <a:latin typeface="Consolas" pitchFamily="49" charset="0"/>
-                <a:cs typeface="Consolas" pitchFamily="49" charset="0"/>
-              </a:rPr>
-              <a:t> e) {</a:t>
-            </a:r>
-          </a:p>
-          <a:p>
-            <a:pPr>
-              <a:buNone/>
-            </a:pPr>
-            <a:r>
-              <a:rPr lang="nb-NO" sz="800" dirty="0" smtClean="0">
-                <a:solidFill>
-                  <a:srgbClr val="FF0000"/>
-                </a:solidFill>
-                <a:latin typeface="Consolas" pitchFamily="49" charset="0"/>
-                <a:cs typeface="Consolas" pitchFamily="49" charset="0"/>
-              </a:rPr>
-              <a:t>      </a:t>
-            </a:r>
-            <a:r>
-              <a:rPr lang="nb-NO" sz="800" dirty="0" err="1" smtClean="0">
-                <a:solidFill>
-                  <a:srgbClr val="FF0000"/>
-                </a:solidFill>
-                <a:latin typeface="Consolas" pitchFamily="49" charset="0"/>
-                <a:cs typeface="Consolas" pitchFamily="49" charset="0"/>
-              </a:rPr>
-              <a:t>throw</a:t>
-            </a:r>
-            <a:r>
-              <a:rPr lang="nb-NO" sz="800" dirty="0" smtClean="0">
-                <a:solidFill>
-                  <a:srgbClr val="FF0000"/>
-                </a:solidFill>
-                <a:latin typeface="Consolas" pitchFamily="49" charset="0"/>
-                <a:cs typeface="Consolas" pitchFamily="49" charset="0"/>
-              </a:rPr>
-              <a:t> </a:t>
-            </a:r>
-            <a:r>
-              <a:rPr lang="nb-NO" sz="800" dirty="0" err="1" smtClean="0">
-                <a:solidFill>
-                  <a:srgbClr val="FF0000"/>
-                </a:solidFill>
-                <a:latin typeface="Consolas" pitchFamily="49" charset="0"/>
-                <a:cs typeface="Consolas" pitchFamily="49" charset="0"/>
-              </a:rPr>
-              <a:t>new</a:t>
-            </a:r>
-            <a:r>
-              <a:rPr lang="nb-NO" sz="800" dirty="0" smtClean="0">
-                <a:solidFill>
-                  <a:srgbClr val="FF0000"/>
-                </a:solidFill>
-                <a:latin typeface="Consolas" pitchFamily="49" charset="0"/>
-                <a:cs typeface="Consolas" pitchFamily="49" charset="0"/>
-              </a:rPr>
-              <a:t> </a:t>
-            </a:r>
-            <a:r>
-              <a:rPr lang="nb-NO" sz="800" dirty="0" err="1" smtClean="0">
-                <a:solidFill>
-                  <a:srgbClr val="FF0000"/>
-                </a:solidFill>
-                <a:latin typeface="Consolas" pitchFamily="49" charset="0"/>
-                <a:cs typeface="Consolas" pitchFamily="49" charset="0"/>
-              </a:rPr>
-              <a:t>DbException</a:t>
-            </a:r>
-            <a:r>
-              <a:rPr lang="nb-NO" sz="800" dirty="0" smtClean="0">
-                <a:solidFill>
-                  <a:srgbClr val="FF0000"/>
-                </a:solidFill>
-                <a:latin typeface="Consolas" pitchFamily="49" charset="0"/>
-                <a:cs typeface="Consolas" pitchFamily="49" charset="0"/>
-              </a:rPr>
-              <a:t>(e);</a:t>
-            </a:r>
-          </a:p>
-          <a:p>
-            <a:pPr>
-              <a:buNone/>
-            </a:pPr>
-            <a:r>
-              <a:rPr lang="nb-NO" sz="800" dirty="0" smtClean="0">
-                <a:solidFill>
-                  <a:srgbClr val="FF0000"/>
-                </a:solidFill>
-                <a:latin typeface="Consolas" pitchFamily="49" charset="0"/>
-                <a:cs typeface="Consolas" pitchFamily="49" charset="0"/>
-              </a:rPr>
-              <a:t>    }</a:t>
-            </a:r>
-          </a:p>
-          <a:p>
-            <a:pPr>
-              <a:buNone/>
-            </a:pPr>
-            <a:r>
-              <a:rPr lang="nb-NO" sz="800" dirty="0" smtClean="0">
-                <a:solidFill>
-                  <a:srgbClr val="FF0000"/>
-                </a:solidFill>
-                <a:latin typeface="Consolas" pitchFamily="49" charset="0"/>
-                <a:cs typeface="Consolas" pitchFamily="49" charset="0"/>
-              </a:rPr>
-              <a:t>    </a:t>
-            </a:r>
-            <a:r>
-              <a:rPr lang="nb-NO" sz="800" dirty="0" err="1" smtClean="0">
-                <a:solidFill>
-                  <a:srgbClr val="FF0000"/>
-                </a:solidFill>
-                <a:latin typeface="Consolas" pitchFamily="49" charset="0"/>
-                <a:cs typeface="Consolas" pitchFamily="49" charset="0"/>
-              </a:rPr>
-              <a:t>try</a:t>
-            </a:r>
-            <a:r>
-              <a:rPr lang="nb-NO" sz="800" dirty="0" smtClean="0">
-                <a:solidFill>
-                  <a:srgbClr val="FF0000"/>
-                </a:solidFill>
-                <a:latin typeface="Consolas" pitchFamily="49" charset="0"/>
-                <a:cs typeface="Consolas" pitchFamily="49" charset="0"/>
-              </a:rPr>
-              <a:t> {</a:t>
-            </a:r>
-          </a:p>
-          <a:p>
-            <a:pPr>
-              <a:buNone/>
-            </a:pPr>
-            <a:r>
-              <a:rPr lang="nb-NO" sz="800" dirty="0" smtClean="0">
-                <a:solidFill>
-                  <a:srgbClr val="FF0000"/>
-                </a:solidFill>
-                <a:latin typeface="Consolas" pitchFamily="49" charset="0"/>
-                <a:cs typeface="Consolas" pitchFamily="49" charset="0"/>
-              </a:rPr>
-              <a:t>      </a:t>
-            </a:r>
-            <a:r>
-              <a:rPr lang="nb-NO" sz="800" dirty="0" err="1" smtClean="0">
-                <a:solidFill>
-                  <a:srgbClr val="FF0000"/>
-                </a:solidFill>
-                <a:latin typeface="Consolas" pitchFamily="49" charset="0"/>
-                <a:cs typeface="Consolas" pitchFamily="49" charset="0"/>
-              </a:rPr>
-              <a:t>conn</a:t>
-            </a:r>
-            <a:r>
-              <a:rPr lang="nb-NO" sz="800" dirty="0" smtClean="0">
-                <a:solidFill>
-                  <a:srgbClr val="FF0000"/>
-                </a:solidFill>
-                <a:latin typeface="Consolas" pitchFamily="49" charset="0"/>
-                <a:cs typeface="Consolas" pitchFamily="49" charset="0"/>
-              </a:rPr>
-              <a:t>= </a:t>
-            </a:r>
-            <a:r>
-              <a:rPr lang="nb-NO" sz="800" dirty="0" err="1" smtClean="0">
-                <a:solidFill>
-                  <a:srgbClr val="FF0000"/>
-                </a:solidFill>
-                <a:latin typeface="Consolas" pitchFamily="49" charset="0"/>
-                <a:cs typeface="Consolas" pitchFamily="49" charset="0"/>
-              </a:rPr>
-              <a:t>DriverManager.getConnection</a:t>
-            </a:r>
-            <a:r>
-              <a:rPr lang="nb-NO" sz="800" dirty="0" smtClean="0">
-                <a:solidFill>
-                  <a:srgbClr val="FF0000"/>
-                </a:solidFill>
-                <a:latin typeface="Consolas" pitchFamily="49" charset="0"/>
-                <a:cs typeface="Consolas" pitchFamily="49" charset="0"/>
-              </a:rPr>
-              <a:t>(</a:t>
-            </a:r>
-            <a:r>
-              <a:rPr lang="nb-NO" sz="800" dirty="0" err="1" smtClean="0">
-                <a:solidFill>
-                  <a:srgbClr val="FF0000"/>
-                </a:solidFill>
-                <a:latin typeface="Consolas" pitchFamily="49" charset="0"/>
-                <a:cs typeface="Consolas" pitchFamily="49" charset="0"/>
-              </a:rPr>
-              <a:t>properties.getProperty</a:t>
-            </a:r>
-            <a:r>
-              <a:rPr lang="nb-NO" sz="800" dirty="0" smtClean="0">
-                <a:solidFill>
-                  <a:srgbClr val="FF0000"/>
-                </a:solidFill>
-                <a:latin typeface="Consolas" pitchFamily="49" charset="0"/>
-                <a:cs typeface="Consolas" pitchFamily="49" charset="0"/>
-              </a:rPr>
-              <a:t>("url"),</a:t>
-            </a:r>
-          </a:p>
-          <a:p>
-            <a:pPr>
-              <a:buNone/>
-            </a:pPr>
-            <a:r>
-              <a:rPr lang="nb-NO" sz="800" dirty="0" smtClean="0">
-                <a:solidFill>
-                  <a:srgbClr val="FF0000"/>
-                </a:solidFill>
-                <a:latin typeface="Consolas" pitchFamily="49" charset="0"/>
-                <a:cs typeface="Consolas" pitchFamily="49" charset="0"/>
-              </a:rPr>
-              <a:t>                                        </a:t>
-            </a:r>
-            <a:r>
-              <a:rPr lang="nb-NO" sz="800" dirty="0" err="1" smtClean="0">
-                <a:solidFill>
-                  <a:srgbClr val="FF0000"/>
-                </a:solidFill>
-                <a:latin typeface="Consolas" pitchFamily="49" charset="0"/>
-                <a:cs typeface="Consolas" pitchFamily="49" charset="0"/>
-              </a:rPr>
-              <a:t>properties</a:t>
-            </a:r>
-            <a:r>
-              <a:rPr lang="nb-NO" sz="800" dirty="0" smtClean="0">
-                <a:solidFill>
-                  <a:srgbClr val="FF0000"/>
-                </a:solidFill>
-                <a:latin typeface="Consolas" pitchFamily="49" charset="0"/>
-                <a:cs typeface="Consolas" pitchFamily="49" charset="0"/>
-              </a:rPr>
-              <a:t>);</a:t>
-            </a:r>
-          </a:p>
-          <a:p>
-            <a:pPr>
-              <a:buNone/>
-            </a:pPr>
-            <a:r>
-              <a:rPr lang="nb-NO" sz="800" dirty="0" smtClean="0">
-                <a:solidFill>
-                  <a:srgbClr val="FF0000"/>
-                </a:solidFill>
-                <a:latin typeface="Consolas" pitchFamily="49" charset="0"/>
-                <a:cs typeface="Consolas" pitchFamily="49" charset="0"/>
-              </a:rPr>
-              <a:t>      </a:t>
-            </a:r>
-            <a:r>
-              <a:rPr lang="nb-NO" sz="800" dirty="0" err="1" smtClean="0">
-                <a:solidFill>
-                  <a:srgbClr val="FF0000"/>
-                </a:solidFill>
-                <a:latin typeface="Consolas" pitchFamily="49" charset="0"/>
-                <a:cs typeface="Consolas" pitchFamily="49" charset="0"/>
-              </a:rPr>
-              <a:t>stmt</a:t>
-            </a:r>
-            <a:r>
-              <a:rPr lang="nb-NO" sz="800" dirty="0" smtClean="0">
-                <a:solidFill>
-                  <a:srgbClr val="FF0000"/>
-                </a:solidFill>
-                <a:latin typeface="Consolas" pitchFamily="49" charset="0"/>
-                <a:cs typeface="Consolas" pitchFamily="49" charset="0"/>
-              </a:rPr>
-              <a:t>= </a:t>
-            </a:r>
-            <a:r>
-              <a:rPr lang="nb-NO" sz="800" dirty="0" err="1" smtClean="0">
-                <a:solidFill>
-                  <a:srgbClr val="FF0000"/>
-                </a:solidFill>
-                <a:latin typeface="Consolas" pitchFamily="49" charset="0"/>
-                <a:cs typeface="Consolas" pitchFamily="49" charset="0"/>
-              </a:rPr>
-              <a:t>conn.createStatement</a:t>
-            </a:r>
-            <a:r>
-              <a:rPr lang="nb-NO" sz="800" dirty="0" smtClean="0">
-                <a:solidFill>
-                  <a:srgbClr val="FF0000"/>
-                </a:solidFill>
-                <a:latin typeface="Consolas" pitchFamily="49" charset="0"/>
-                <a:cs typeface="Consolas" pitchFamily="49" charset="0"/>
-              </a:rPr>
-              <a:t>();</a:t>
-            </a:r>
-          </a:p>
-          <a:p>
-            <a:pPr>
-              <a:buNone/>
-            </a:pPr>
-            <a:r>
-              <a:rPr lang="nb-NO" sz="800" dirty="0" smtClean="0">
-                <a:solidFill>
-                  <a:srgbClr val="FF0000"/>
-                </a:solidFill>
-                <a:latin typeface="Consolas" pitchFamily="49" charset="0"/>
-                <a:cs typeface="Consolas" pitchFamily="49" charset="0"/>
-              </a:rPr>
-              <a:t>      </a:t>
-            </a:r>
-            <a:r>
-              <a:rPr lang="nb-NO" sz="800" dirty="0" err="1" smtClean="0">
-                <a:solidFill>
-                  <a:srgbClr val="FF0000"/>
-                </a:solidFill>
-                <a:latin typeface="Consolas" pitchFamily="49" charset="0"/>
-                <a:cs typeface="Consolas" pitchFamily="49" charset="0"/>
-              </a:rPr>
-              <a:t>rs</a:t>
-            </a:r>
-            <a:r>
-              <a:rPr lang="nb-NO" sz="800" dirty="0" smtClean="0">
-                <a:solidFill>
-                  <a:srgbClr val="FF0000"/>
-                </a:solidFill>
-                <a:latin typeface="Consolas" pitchFamily="49" charset="0"/>
-                <a:cs typeface="Consolas" pitchFamily="49" charset="0"/>
-              </a:rPr>
-              <a:t>= </a:t>
-            </a:r>
-            <a:r>
-              <a:rPr lang="nb-NO" sz="800" dirty="0" err="1" smtClean="0">
-                <a:solidFill>
-                  <a:srgbClr val="FF0000"/>
-                </a:solidFill>
-                <a:latin typeface="Consolas" pitchFamily="49" charset="0"/>
-                <a:cs typeface="Consolas" pitchFamily="49" charset="0"/>
-              </a:rPr>
-              <a:t>stmt.executeQuery</a:t>
-            </a:r>
-            <a:r>
-              <a:rPr lang="nb-NO" sz="800" dirty="0" smtClean="0">
-                <a:solidFill>
-                  <a:srgbClr val="FF0000"/>
-                </a:solidFill>
-                <a:latin typeface="Consolas" pitchFamily="49" charset="0"/>
-                <a:cs typeface="Consolas" pitchFamily="49" charset="0"/>
-              </a:rPr>
-              <a:t>("</a:t>
-            </a:r>
-            <a:r>
-              <a:rPr lang="nb-NO" sz="800" dirty="0" err="1" smtClean="0">
-                <a:solidFill>
-                  <a:srgbClr val="FF0000"/>
-                </a:solidFill>
-                <a:latin typeface="Consolas" pitchFamily="49" charset="0"/>
-                <a:cs typeface="Consolas" pitchFamily="49" charset="0"/>
-              </a:rPr>
-              <a:t>select</a:t>
-            </a:r>
-            <a:r>
-              <a:rPr lang="nb-NO" sz="800" dirty="0" smtClean="0">
-                <a:solidFill>
-                  <a:srgbClr val="FF0000"/>
-                </a:solidFill>
-                <a:latin typeface="Consolas" pitchFamily="49" charset="0"/>
-                <a:cs typeface="Consolas" pitchFamily="49" charset="0"/>
-              </a:rPr>
-              <a:t> sum(</a:t>
-            </a:r>
-            <a:r>
-              <a:rPr lang="nb-NO" sz="800" dirty="0" err="1" smtClean="0">
-                <a:solidFill>
-                  <a:srgbClr val="FF0000"/>
-                </a:solidFill>
-                <a:latin typeface="Consolas" pitchFamily="49" charset="0"/>
-                <a:cs typeface="Consolas" pitchFamily="49" charset="0"/>
-              </a:rPr>
-              <a:t>weight</a:t>
-            </a:r>
-            <a:r>
-              <a:rPr lang="nb-NO" sz="800" dirty="0" smtClean="0">
-                <a:solidFill>
-                  <a:srgbClr val="FF0000"/>
-                </a:solidFill>
-                <a:latin typeface="Consolas" pitchFamily="49" charset="0"/>
-                <a:cs typeface="Consolas" pitchFamily="49" charset="0"/>
-              </a:rPr>
-              <a:t>) from </a:t>
-            </a:r>
-            <a:r>
-              <a:rPr lang="nb-NO" sz="800" dirty="0" err="1" smtClean="0">
-                <a:solidFill>
-                  <a:srgbClr val="FF0000"/>
-                </a:solidFill>
-                <a:latin typeface="Consolas" pitchFamily="49" charset="0"/>
-                <a:cs typeface="Consolas" pitchFamily="49" charset="0"/>
-              </a:rPr>
-              <a:t>Fish</a:t>
-            </a:r>
-            <a:r>
-              <a:rPr lang="nb-NO" sz="800" dirty="0" smtClean="0">
-                <a:solidFill>
-                  <a:srgbClr val="FF0000"/>
-                </a:solidFill>
-                <a:latin typeface="Consolas" pitchFamily="49" charset="0"/>
-                <a:cs typeface="Consolas" pitchFamily="49" charset="0"/>
-              </a:rPr>
-              <a:t>");</a:t>
-            </a:r>
-          </a:p>
-          <a:p>
-            <a:pPr>
-              <a:buNone/>
-            </a:pPr>
-            <a:r>
-              <a:rPr lang="nb-NO" sz="800" dirty="0" smtClean="0">
-                <a:solidFill>
-                  <a:srgbClr val="FF0000"/>
-                </a:solidFill>
-                <a:latin typeface="Consolas" pitchFamily="49" charset="0"/>
-                <a:cs typeface="Consolas" pitchFamily="49" charset="0"/>
-              </a:rPr>
-              <a:t>      </a:t>
-            </a:r>
-            <a:r>
-              <a:rPr lang="nb-NO" sz="800" dirty="0" err="1" smtClean="0">
-                <a:solidFill>
-                  <a:srgbClr val="FF0000"/>
-                </a:solidFill>
-                <a:latin typeface="Consolas" pitchFamily="49" charset="0"/>
-                <a:cs typeface="Consolas" pitchFamily="49" charset="0"/>
-              </a:rPr>
-              <a:t>if</a:t>
-            </a:r>
-            <a:r>
-              <a:rPr lang="nb-NO" sz="800" dirty="0" smtClean="0">
-                <a:solidFill>
-                  <a:srgbClr val="FF0000"/>
-                </a:solidFill>
-                <a:latin typeface="Consolas" pitchFamily="49" charset="0"/>
-                <a:cs typeface="Consolas" pitchFamily="49" charset="0"/>
-              </a:rPr>
-              <a:t> (</a:t>
-            </a:r>
-            <a:r>
-              <a:rPr lang="nb-NO" sz="800" dirty="0" err="1" smtClean="0">
-                <a:solidFill>
-                  <a:srgbClr val="FF0000"/>
-                </a:solidFill>
-                <a:latin typeface="Consolas" pitchFamily="49" charset="0"/>
-                <a:cs typeface="Consolas" pitchFamily="49" charset="0"/>
-              </a:rPr>
-              <a:t>rs.next</a:t>
-            </a:r>
-            <a:r>
-              <a:rPr lang="nb-NO" sz="800" dirty="0" smtClean="0">
-                <a:solidFill>
-                  <a:srgbClr val="FF0000"/>
-                </a:solidFill>
-                <a:latin typeface="Consolas" pitchFamily="49" charset="0"/>
-                <a:cs typeface="Consolas" pitchFamily="49" charset="0"/>
-              </a:rPr>
-              <a:t>()) {</a:t>
-            </a:r>
-          </a:p>
-          <a:p>
-            <a:pPr>
-              <a:buNone/>
-            </a:pPr>
-            <a:r>
-              <a:rPr lang="nb-NO" sz="800" dirty="0" smtClean="0">
-                <a:solidFill>
-                  <a:srgbClr val="FF0000"/>
-                </a:solidFill>
-                <a:latin typeface="Consolas" pitchFamily="49" charset="0"/>
-                <a:cs typeface="Consolas" pitchFamily="49" charset="0"/>
-              </a:rPr>
-              <a:t>        </a:t>
-            </a:r>
-            <a:r>
-              <a:rPr lang="nb-NO" sz="800" dirty="0" err="1" smtClean="0">
-                <a:solidFill>
-                  <a:srgbClr val="FF0000"/>
-                </a:solidFill>
-                <a:latin typeface="Consolas" pitchFamily="49" charset="0"/>
-                <a:cs typeface="Consolas" pitchFamily="49" charset="0"/>
-              </a:rPr>
-              <a:t>return</a:t>
-            </a:r>
-            <a:r>
-              <a:rPr lang="nb-NO" sz="800" dirty="0" smtClean="0">
-                <a:solidFill>
-                  <a:srgbClr val="FF0000"/>
-                </a:solidFill>
-                <a:latin typeface="Consolas" pitchFamily="49" charset="0"/>
-                <a:cs typeface="Consolas" pitchFamily="49" charset="0"/>
-              </a:rPr>
-              <a:t> </a:t>
-            </a:r>
-            <a:r>
-              <a:rPr lang="nb-NO" sz="800" dirty="0" err="1" smtClean="0">
-                <a:solidFill>
-                  <a:srgbClr val="FF0000"/>
-                </a:solidFill>
-                <a:latin typeface="Consolas" pitchFamily="49" charset="0"/>
-                <a:cs typeface="Consolas" pitchFamily="49" charset="0"/>
-              </a:rPr>
-              <a:t>rs.getInt</a:t>
-            </a:r>
-            <a:r>
-              <a:rPr lang="nb-NO" sz="800" dirty="0" smtClean="0">
-                <a:solidFill>
-                  <a:srgbClr val="FF0000"/>
-                </a:solidFill>
-                <a:latin typeface="Consolas" pitchFamily="49" charset="0"/>
-                <a:cs typeface="Consolas" pitchFamily="49" charset="0"/>
-              </a:rPr>
-              <a:t>(1);</a:t>
-            </a:r>
-          </a:p>
-          <a:p>
-            <a:pPr>
-              <a:buNone/>
-            </a:pPr>
-            <a:r>
-              <a:rPr lang="nb-NO" sz="800" dirty="0" smtClean="0">
-                <a:solidFill>
-                  <a:srgbClr val="FF0000"/>
-                </a:solidFill>
-                <a:latin typeface="Consolas" pitchFamily="49" charset="0"/>
-                <a:cs typeface="Consolas" pitchFamily="49" charset="0"/>
-              </a:rPr>
-              <a:t>      }</a:t>
-            </a:r>
-          </a:p>
-          <a:p>
-            <a:pPr>
-              <a:buNone/>
-            </a:pPr>
-            <a:r>
-              <a:rPr lang="nb-NO" sz="800" dirty="0" smtClean="0">
-                <a:solidFill>
-                  <a:srgbClr val="FF0000"/>
-                </a:solidFill>
-                <a:latin typeface="Consolas" pitchFamily="49" charset="0"/>
-                <a:cs typeface="Consolas" pitchFamily="49" charset="0"/>
-              </a:rPr>
-              <a:t>    }</a:t>
-            </a:r>
-          </a:p>
-          <a:p>
-            <a:pPr>
-              <a:buNone/>
-            </a:pPr>
-            <a:r>
-              <a:rPr lang="nb-NO" sz="800" dirty="0" smtClean="0">
-                <a:solidFill>
-                  <a:srgbClr val="FF0000"/>
-                </a:solidFill>
-                <a:latin typeface="Consolas" pitchFamily="49" charset="0"/>
-                <a:cs typeface="Consolas" pitchFamily="49" charset="0"/>
-              </a:rPr>
-              <a:t>    </a:t>
-            </a:r>
-            <a:r>
-              <a:rPr lang="nb-NO" sz="800" dirty="0" err="1" smtClean="0">
-                <a:solidFill>
-                  <a:srgbClr val="FF0000"/>
-                </a:solidFill>
-                <a:latin typeface="Consolas" pitchFamily="49" charset="0"/>
-                <a:cs typeface="Consolas" pitchFamily="49" charset="0"/>
-              </a:rPr>
-              <a:t>catch</a:t>
-            </a:r>
-            <a:r>
-              <a:rPr lang="nb-NO" sz="800" dirty="0" smtClean="0">
-                <a:solidFill>
-                  <a:srgbClr val="FF0000"/>
-                </a:solidFill>
-                <a:latin typeface="Consolas" pitchFamily="49" charset="0"/>
-                <a:cs typeface="Consolas" pitchFamily="49" charset="0"/>
-              </a:rPr>
-              <a:t> (final </a:t>
-            </a:r>
-            <a:r>
-              <a:rPr lang="nb-NO" sz="800" dirty="0" err="1" smtClean="0">
-                <a:solidFill>
-                  <a:srgbClr val="FF0000"/>
-                </a:solidFill>
-                <a:latin typeface="Consolas" pitchFamily="49" charset="0"/>
-                <a:cs typeface="Consolas" pitchFamily="49" charset="0"/>
-              </a:rPr>
-              <a:t>SQLException</a:t>
-            </a:r>
-            <a:r>
-              <a:rPr lang="nb-NO" sz="800" dirty="0" smtClean="0">
-                <a:solidFill>
-                  <a:srgbClr val="FF0000"/>
-                </a:solidFill>
-                <a:latin typeface="Consolas" pitchFamily="49" charset="0"/>
-                <a:cs typeface="Consolas" pitchFamily="49" charset="0"/>
-              </a:rPr>
-              <a:t> e) {</a:t>
-            </a:r>
-          </a:p>
-          <a:p>
-            <a:pPr>
-              <a:buNone/>
-            </a:pPr>
-            <a:r>
-              <a:rPr lang="nb-NO" sz="800" dirty="0" smtClean="0">
-                <a:solidFill>
-                  <a:srgbClr val="FF0000"/>
-                </a:solidFill>
-                <a:latin typeface="Consolas" pitchFamily="49" charset="0"/>
-                <a:cs typeface="Consolas" pitchFamily="49" charset="0"/>
-              </a:rPr>
-              <a:t>      </a:t>
-            </a:r>
-            <a:r>
-              <a:rPr lang="nb-NO" sz="800" dirty="0" err="1" smtClean="0">
-                <a:solidFill>
-                  <a:srgbClr val="FF0000"/>
-                </a:solidFill>
-                <a:latin typeface="Consolas" pitchFamily="49" charset="0"/>
-                <a:cs typeface="Consolas" pitchFamily="49" charset="0"/>
-              </a:rPr>
-              <a:t>throw</a:t>
-            </a:r>
-            <a:r>
-              <a:rPr lang="nb-NO" sz="800" dirty="0" smtClean="0">
-                <a:solidFill>
-                  <a:srgbClr val="FF0000"/>
-                </a:solidFill>
-                <a:latin typeface="Consolas" pitchFamily="49" charset="0"/>
-                <a:cs typeface="Consolas" pitchFamily="49" charset="0"/>
-              </a:rPr>
-              <a:t> </a:t>
-            </a:r>
-            <a:r>
-              <a:rPr lang="nb-NO" sz="800" dirty="0" err="1" smtClean="0">
-                <a:solidFill>
-                  <a:srgbClr val="FF0000"/>
-                </a:solidFill>
-                <a:latin typeface="Consolas" pitchFamily="49" charset="0"/>
-                <a:cs typeface="Consolas" pitchFamily="49" charset="0"/>
-              </a:rPr>
-              <a:t>new</a:t>
-            </a:r>
-            <a:r>
-              <a:rPr lang="nb-NO" sz="800" dirty="0" smtClean="0">
-                <a:solidFill>
-                  <a:srgbClr val="FF0000"/>
-                </a:solidFill>
-                <a:latin typeface="Consolas" pitchFamily="49" charset="0"/>
-                <a:cs typeface="Consolas" pitchFamily="49" charset="0"/>
-              </a:rPr>
-              <a:t> </a:t>
-            </a:r>
-            <a:r>
-              <a:rPr lang="nb-NO" sz="800" dirty="0" err="1" smtClean="0">
-                <a:solidFill>
-                  <a:srgbClr val="FF0000"/>
-                </a:solidFill>
-                <a:latin typeface="Consolas" pitchFamily="49" charset="0"/>
-                <a:cs typeface="Consolas" pitchFamily="49" charset="0"/>
-              </a:rPr>
-              <a:t>DbException</a:t>
-            </a:r>
-            <a:r>
-              <a:rPr lang="nb-NO" sz="800" dirty="0" smtClean="0">
-                <a:solidFill>
-                  <a:srgbClr val="FF0000"/>
-                </a:solidFill>
-                <a:latin typeface="Consolas" pitchFamily="49" charset="0"/>
-                <a:cs typeface="Consolas" pitchFamily="49" charset="0"/>
-              </a:rPr>
-              <a:t>(e);</a:t>
-            </a:r>
-          </a:p>
-          <a:p>
-            <a:pPr>
-              <a:buNone/>
-            </a:pPr>
-            <a:r>
-              <a:rPr lang="nb-NO" sz="800" dirty="0" smtClean="0">
-                <a:solidFill>
-                  <a:srgbClr val="FF0000"/>
-                </a:solidFill>
-                <a:latin typeface="Consolas" pitchFamily="49" charset="0"/>
-                <a:cs typeface="Consolas" pitchFamily="49" charset="0"/>
-              </a:rPr>
-              <a:t>    }</a:t>
-            </a:r>
-          </a:p>
-          <a:p>
-            <a:pPr>
-              <a:buNone/>
-            </a:pPr>
-            <a:r>
-              <a:rPr lang="nb-NO" sz="800" dirty="0" smtClean="0">
-                <a:solidFill>
-                  <a:srgbClr val="FF0000"/>
-                </a:solidFill>
-                <a:latin typeface="Consolas" pitchFamily="49" charset="0"/>
-                <a:cs typeface="Consolas" pitchFamily="49" charset="0"/>
-              </a:rPr>
-              <a:t>    </a:t>
-            </a:r>
-            <a:r>
-              <a:rPr lang="nb-NO" sz="800" dirty="0" err="1" smtClean="0">
-                <a:solidFill>
-                  <a:srgbClr val="FF0000"/>
-                </a:solidFill>
-                <a:latin typeface="Consolas" pitchFamily="49" charset="0"/>
-                <a:cs typeface="Consolas" pitchFamily="49" charset="0"/>
-              </a:rPr>
-              <a:t>finally</a:t>
-            </a:r>
-            <a:r>
-              <a:rPr lang="nb-NO" sz="800" dirty="0" smtClean="0">
-                <a:solidFill>
-                  <a:srgbClr val="FF0000"/>
-                </a:solidFill>
-                <a:latin typeface="Consolas" pitchFamily="49" charset="0"/>
-                <a:cs typeface="Consolas" pitchFamily="49" charset="0"/>
-              </a:rPr>
-              <a:t> {</a:t>
-            </a:r>
-          </a:p>
-          <a:p>
-            <a:pPr>
-              <a:buNone/>
-            </a:pPr>
-            <a:r>
-              <a:rPr lang="nb-NO" sz="800" dirty="0" smtClean="0">
-                <a:solidFill>
-                  <a:srgbClr val="FF0000"/>
-                </a:solidFill>
-                <a:latin typeface="Consolas" pitchFamily="49" charset="0"/>
-                <a:cs typeface="Consolas" pitchFamily="49" charset="0"/>
-              </a:rPr>
-              <a:t>        </a:t>
-            </a:r>
-            <a:r>
-              <a:rPr lang="nb-NO" sz="800" dirty="0" err="1" smtClean="0">
-                <a:solidFill>
-                  <a:srgbClr val="FF0000"/>
-                </a:solidFill>
-                <a:latin typeface="Consolas" pitchFamily="49" charset="0"/>
-                <a:cs typeface="Consolas" pitchFamily="49" charset="0"/>
-              </a:rPr>
-              <a:t>try</a:t>
-            </a:r>
-            <a:r>
-              <a:rPr lang="nb-NO" sz="800" dirty="0" smtClean="0">
-                <a:solidFill>
-                  <a:srgbClr val="FF0000"/>
-                </a:solidFill>
-                <a:latin typeface="Consolas" pitchFamily="49" charset="0"/>
-                <a:cs typeface="Consolas" pitchFamily="49" charset="0"/>
-              </a:rPr>
-              <a:t> {</a:t>
-            </a:r>
-          </a:p>
-          <a:p>
-            <a:pPr>
-              <a:buNone/>
-            </a:pPr>
-            <a:r>
-              <a:rPr lang="nb-NO" sz="800" dirty="0" smtClean="0">
-                <a:solidFill>
-                  <a:srgbClr val="FF0000"/>
-                </a:solidFill>
-                <a:latin typeface="Consolas" pitchFamily="49" charset="0"/>
-                <a:cs typeface="Consolas" pitchFamily="49" charset="0"/>
-              </a:rPr>
-              <a:t>           </a:t>
-            </a:r>
-            <a:r>
-              <a:rPr lang="nb-NO" sz="800" dirty="0" err="1" smtClean="0">
-                <a:solidFill>
-                  <a:srgbClr val="FF0000"/>
-                </a:solidFill>
-                <a:latin typeface="Consolas" pitchFamily="49" charset="0"/>
-                <a:cs typeface="Consolas" pitchFamily="49" charset="0"/>
-              </a:rPr>
-              <a:t>rs.close</a:t>
-            </a:r>
-            <a:r>
-              <a:rPr lang="nb-NO" sz="800" dirty="0" smtClean="0">
-                <a:solidFill>
-                  <a:srgbClr val="FF0000"/>
-                </a:solidFill>
-                <a:latin typeface="Consolas" pitchFamily="49" charset="0"/>
-                <a:cs typeface="Consolas" pitchFamily="49" charset="0"/>
-              </a:rPr>
-              <a:t>();</a:t>
-            </a:r>
-          </a:p>
-          <a:p>
-            <a:pPr>
-              <a:buNone/>
-            </a:pPr>
-            <a:r>
-              <a:rPr lang="nb-NO" sz="800" dirty="0" smtClean="0">
-                <a:solidFill>
-                  <a:srgbClr val="FF0000"/>
-                </a:solidFill>
-                <a:latin typeface="Consolas" pitchFamily="49" charset="0"/>
-                <a:cs typeface="Consolas" pitchFamily="49" charset="0"/>
-              </a:rPr>
-              <a:t>           </a:t>
-            </a:r>
-            <a:r>
-              <a:rPr lang="nb-NO" sz="800" dirty="0" err="1" smtClean="0">
-                <a:solidFill>
-                  <a:srgbClr val="FF0000"/>
-                </a:solidFill>
-                <a:latin typeface="Consolas" pitchFamily="49" charset="0"/>
-                <a:cs typeface="Consolas" pitchFamily="49" charset="0"/>
-              </a:rPr>
-              <a:t>stmt.close</a:t>
-            </a:r>
-            <a:r>
-              <a:rPr lang="nb-NO" sz="800" dirty="0" smtClean="0">
-                <a:solidFill>
-                  <a:srgbClr val="FF0000"/>
-                </a:solidFill>
-                <a:latin typeface="Consolas" pitchFamily="49" charset="0"/>
-                <a:cs typeface="Consolas" pitchFamily="49" charset="0"/>
-              </a:rPr>
-              <a:t>();</a:t>
-            </a:r>
-          </a:p>
-          <a:p>
-            <a:pPr>
-              <a:buNone/>
-            </a:pPr>
-            <a:r>
-              <a:rPr lang="nb-NO" sz="800" dirty="0" smtClean="0">
-                <a:solidFill>
-                  <a:srgbClr val="FF0000"/>
-                </a:solidFill>
-                <a:latin typeface="Consolas" pitchFamily="49" charset="0"/>
-                <a:cs typeface="Consolas" pitchFamily="49" charset="0"/>
-              </a:rPr>
-              <a:t>           </a:t>
-            </a:r>
-            <a:r>
-              <a:rPr lang="nb-NO" sz="800" dirty="0" err="1" smtClean="0">
-                <a:solidFill>
-                  <a:srgbClr val="FF0000"/>
-                </a:solidFill>
-                <a:latin typeface="Consolas" pitchFamily="49" charset="0"/>
-                <a:cs typeface="Consolas" pitchFamily="49" charset="0"/>
-              </a:rPr>
-              <a:t>conn.close</a:t>
-            </a:r>
-            <a:r>
-              <a:rPr lang="nb-NO" sz="800" dirty="0" smtClean="0">
-                <a:solidFill>
-                  <a:srgbClr val="FF0000"/>
-                </a:solidFill>
-                <a:latin typeface="Consolas" pitchFamily="49" charset="0"/>
-                <a:cs typeface="Consolas" pitchFamily="49" charset="0"/>
-              </a:rPr>
-              <a:t>();</a:t>
-            </a:r>
-          </a:p>
-          <a:p>
-            <a:pPr>
-              <a:buNone/>
-            </a:pPr>
-            <a:r>
-              <a:rPr lang="nb-NO" sz="800" dirty="0" smtClean="0">
-                <a:solidFill>
-                  <a:srgbClr val="FF0000"/>
-                </a:solidFill>
-                <a:latin typeface="Consolas" pitchFamily="49" charset="0"/>
-                <a:cs typeface="Consolas" pitchFamily="49" charset="0"/>
-              </a:rPr>
-              <a:t>        }</a:t>
-            </a:r>
-          </a:p>
-          <a:p>
-            <a:pPr>
-              <a:buNone/>
-            </a:pPr>
-            <a:r>
-              <a:rPr lang="nb-NO" sz="800" dirty="0" smtClean="0">
-                <a:solidFill>
-                  <a:srgbClr val="FF0000"/>
-                </a:solidFill>
-                <a:latin typeface="Consolas" pitchFamily="49" charset="0"/>
-                <a:cs typeface="Consolas" pitchFamily="49" charset="0"/>
-              </a:rPr>
-              <a:t>        </a:t>
-            </a:r>
-            <a:r>
-              <a:rPr lang="nb-NO" sz="800" dirty="0" err="1" smtClean="0">
-                <a:solidFill>
-                  <a:srgbClr val="FF0000"/>
-                </a:solidFill>
-                <a:latin typeface="Consolas" pitchFamily="49" charset="0"/>
-                <a:cs typeface="Consolas" pitchFamily="49" charset="0"/>
-              </a:rPr>
-              <a:t>catch</a:t>
-            </a:r>
-            <a:r>
-              <a:rPr lang="nb-NO" sz="800" dirty="0" smtClean="0">
-                <a:solidFill>
-                  <a:srgbClr val="FF0000"/>
-                </a:solidFill>
-                <a:latin typeface="Consolas" pitchFamily="49" charset="0"/>
-                <a:cs typeface="Consolas" pitchFamily="49" charset="0"/>
-              </a:rPr>
-              <a:t> (</a:t>
-            </a:r>
-            <a:r>
-              <a:rPr lang="nb-NO" sz="800" dirty="0" err="1" smtClean="0">
-                <a:solidFill>
-                  <a:srgbClr val="FF0000"/>
-                </a:solidFill>
-                <a:latin typeface="Consolas" pitchFamily="49" charset="0"/>
-                <a:cs typeface="Consolas" pitchFamily="49" charset="0"/>
-              </a:rPr>
-              <a:t>SQLException</a:t>
-            </a:r>
-            <a:r>
-              <a:rPr lang="nb-NO" sz="800" dirty="0" smtClean="0">
-                <a:solidFill>
-                  <a:srgbClr val="FF0000"/>
-                </a:solidFill>
-                <a:latin typeface="Consolas" pitchFamily="49" charset="0"/>
-                <a:cs typeface="Consolas" pitchFamily="49" charset="0"/>
-              </a:rPr>
-              <a:t> </a:t>
-            </a:r>
-            <a:r>
-              <a:rPr lang="nb-NO" sz="800" dirty="0" err="1" smtClean="0">
-                <a:solidFill>
-                  <a:srgbClr val="FF0000"/>
-                </a:solidFill>
-                <a:latin typeface="Consolas" pitchFamily="49" charset="0"/>
-                <a:cs typeface="Consolas" pitchFamily="49" charset="0"/>
-              </a:rPr>
-              <a:t>ignore</a:t>
-            </a:r>
-            <a:r>
-              <a:rPr lang="nb-NO" sz="800" dirty="0" smtClean="0">
-                <a:solidFill>
-                  <a:srgbClr val="FF0000"/>
-                </a:solidFill>
-                <a:latin typeface="Consolas" pitchFamily="49" charset="0"/>
-                <a:cs typeface="Consolas" pitchFamily="49" charset="0"/>
-              </a:rPr>
-              <a:t>) {}</a:t>
-            </a:r>
-          </a:p>
-          <a:p>
-            <a:pPr>
-              <a:buNone/>
-            </a:pPr>
-            <a:r>
-              <a:rPr lang="nb-NO" sz="800" dirty="0" smtClean="0">
-                <a:solidFill>
-                  <a:srgbClr val="FF0000"/>
-                </a:solidFill>
-                <a:latin typeface="Consolas" pitchFamily="49" charset="0"/>
-                <a:cs typeface="Consolas" pitchFamily="49" charset="0"/>
-              </a:rPr>
-              <a:t>    }</a:t>
-            </a:r>
-          </a:p>
-          <a:p>
-            <a:pPr>
-              <a:buNone/>
-            </a:pPr>
-            <a:r>
-              <a:rPr lang="nb-NO" sz="800" dirty="0" smtClean="0">
-                <a:solidFill>
-                  <a:srgbClr val="FF0000"/>
-                </a:solidFill>
-                <a:latin typeface="Consolas" pitchFamily="49" charset="0"/>
-                <a:cs typeface="Consolas" pitchFamily="49" charset="0"/>
-              </a:rPr>
-              <a:t>  }</a:t>
-            </a:r>
-          </a:p>
-          <a:p>
-            <a:pPr>
-              <a:buNone/>
-            </a:pPr>
-            <a:r>
-              <a:rPr lang="nb-NO" sz="800" dirty="0" smtClean="0">
-                <a:solidFill>
-                  <a:srgbClr val="FF0000"/>
-                </a:solidFill>
-                <a:latin typeface="Consolas" pitchFamily="49" charset="0"/>
-                <a:cs typeface="Consolas" pitchFamily="49" charset="0"/>
-              </a:rPr>
-              <a:t>}</a:t>
-            </a:r>
-          </a:p>
-        </p:txBody>
-      </p:sp>
-      <p:sp>
-        <p:nvSpPr>
-          <p:cNvPr id="5" name="Content Placeholder 5"/>
-          <p:cNvSpPr txBox="1">
-            <a:spLocks/>
-          </p:cNvSpPr>
-          <p:nvPr/>
-        </p:nvSpPr>
-        <p:spPr>
-          <a:xfrm>
-            <a:off x="4648200" y="1142984"/>
-            <a:ext cx="4038600" cy="5500726"/>
-          </a:xfrm>
-          <a:prstGeom prst="rect">
-            <a:avLst/>
-          </a:prstGeom>
-        </p:spPr>
-        <p:txBody>
-          <a:bodyPr>
-            <a:normAutofit fontScale="25000" lnSpcReduction="20000"/>
-          </a:bodyPr>
-          <a:lstStyle>
-            <a:lvl1pPr marL="342900" indent="-342900" algn="l" rtl="0" fontAlgn="base">
-              <a:spcBef>
-                <a:spcPct val="20000"/>
-              </a:spcBef>
-              <a:spcAft>
-                <a:spcPct val="0"/>
-              </a:spcAft>
-              <a:buFont typeface="Arial" charset="0"/>
-              <a:buChar char="•"/>
-              <a:defRPr sz="3200" kern="1200">
-                <a:solidFill>
-                  <a:schemeClr val="tx1"/>
-                </a:solidFill>
-                <a:latin typeface="+mn-lt"/>
-                <a:ea typeface="+mn-ea"/>
-                <a:cs typeface="+mn-cs"/>
-              </a:defRPr>
-            </a:lvl1pPr>
-            <a:lvl2pPr marL="742950" indent="-285750" algn="l" rtl="0" fontAlgn="base">
-              <a:spcBef>
-                <a:spcPct val="20000"/>
-              </a:spcBef>
-              <a:spcAft>
-                <a:spcPct val="0"/>
-              </a:spcAft>
-              <a:buFont typeface="Arial" charset="0"/>
-              <a:buChar char="–"/>
-              <a:defRPr sz="2800" kern="1200">
-                <a:solidFill>
-                  <a:schemeClr val="tx1"/>
-                </a:solidFill>
-                <a:latin typeface="+mn-lt"/>
-                <a:ea typeface="+mn-ea"/>
-                <a:cs typeface="+mn-cs"/>
-              </a:defRPr>
-            </a:lvl2pPr>
-            <a:lvl3pPr marL="1143000" indent="-228600" algn="l" rtl="0" fontAlgn="base">
-              <a:spcBef>
-                <a:spcPct val="20000"/>
-              </a:spcBef>
-              <a:spcAft>
-                <a:spcPct val="0"/>
-              </a:spcAft>
-              <a:buFont typeface="Arial" charset="0"/>
-              <a:buChar char="•"/>
-              <a:defRPr sz="2400" kern="1200">
-                <a:solidFill>
-                  <a:schemeClr val="tx1"/>
-                </a:solidFill>
-                <a:latin typeface="+mn-lt"/>
-                <a:ea typeface="+mn-ea"/>
-                <a:cs typeface="+mn-cs"/>
-              </a:defRPr>
-            </a:lvl3pPr>
-            <a:lvl4pPr marL="1600200" indent="-228600" algn="l" rtl="0" fontAlgn="base">
-              <a:spcBef>
-                <a:spcPct val="20000"/>
-              </a:spcBef>
-              <a:spcAft>
-                <a:spcPct val="0"/>
-              </a:spcAft>
-              <a:buFont typeface="Arial" charset="0"/>
-              <a:buChar char="–"/>
-              <a:defRPr sz="2000" kern="1200">
-                <a:solidFill>
-                  <a:schemeClr val="tx1"/>
-                </a:solidFill>
-                <a:latin typeface="+mn-lt"/>
-                <a:ea typeface="+mn-ea"/>
-                <a:cs typeface="+mn-cs"/>
-              </a:defRPr>
-            </a:lvl4pPr>
-            <a:lvl5pPr marL="2057400" indent="-228600" algn="l" rtl="0" fontAlgn="base">
-              <a:spcBef>
-                <a:spcPct val="20000"/>
-              </a:spcBef>
-              <a:spcAft>
-                <a:spcPct val="0"/>
-              </a:spcAft>
-              <a:buFont typeface="Arial" charset="0"/>
-              <a:buChar char="»"/>
-              <a:defRPr sz="2000" kern="1200">
-                <a:solidFill>
-                  <a:schemeClr val="tx1"/>
-                </a:solidFill>
-                <a:latin typeface="+mn-lt"/>
-                <a:ea typeface="+mn-ea"/>
-                <a:cs typeface="+mn-cs"/>
-              </a:defRPr>
-            </a:lvl5pPr>
-            <a:lvl6pPr marL="2514600" indent="-228600" algn="l" defTabSz="914400" rtl="0" eaLnBrk="1" latinLnBrk="0" hangingPunct="1">
-              <a:spcBef>
-                <a:spcPct val="20000"/>
-              </a:spcBef>
-              <a:buFont typeface="Arial" pitchFamily="34" charset="0"/>
-              <a:buChar char="•"/>
-              <a:defRPr sz="2000" kern="1200">
-                <a:solidFill>
-                  <a:schemeClr val="tx1"/>
-                </a:solidFill>
-                <a:latin typeface="+mn-lt"/>
-                <a:ea typeface="+mn-ea"/>
-                <a:cs typeface="+mn-cs"/>
-              </a:defRPr>
-            </a:lvl6pPr>
-            <a:lvl7pPr marL="2971800" indent="-228600" algn="l" defTabSz="914400" rtl="0" eaLnBrk="1" latinLnBrk="0" hangingPunct="1">
-              <a:spcBef>
-                <a:spcPct val="20000"/>
-              </a:spcBef>
-              <a:buFont typeface="Arial" pitchFamily="34" charset="0"/>
-              <a:buChar char="•"/>
-              <a:defRPr sz="2000" kern="1200">
-                <a:solidFill>
-                  <a:schemeClr val="tx1"/>
-                </a:solidFill>
-                <a:latin typeface="+mn-lt"/>
-                <a:ea typeface="+mn-ea"/>
-                <a:cs typeface="+mn-cs"/>
-              </a:defRPr>
-            </a:lvl7pPr>
-            <a:lvl8pPr marL="3429000" indent="-228600" algn="l" defTabSz="914400" rtl="0" eaLnBrk="1" latinLnBrk="0" hangingPunct="1">
-              <a:spcBef>
-                <a:spcPct val="20000"/>
-              </a:spcBef>
-              <a:buFont typeface="Arial" pitchFamily="34" charset="0"/>
-              <a:buChar char="•"/>
-              <a:defRPr sz="2000" kern="1200">
-                <a:solidFill>
-                  <a:schemeClr val="tx1"/>
-                </a:solidFill>
-                <a:latin typeface="+mn-lt"/>
-                <a:ea typeface="+mn-ea"/>
-                <a:cs typeface="+mn-cs"/>
-              </a:defRPr>
-            </a:lvl8pPr>
-            <a:lvl9pPr marL="3886200" indent="-228600" algn="l" defTabSz="914400" rtl="0" eaLnBrk="1" latinLnBrk="0" hangingPunct="1">
-              <a:spcBef>
-                <a:spcPct val="20000"/>
-              </a:spcBef>
-              <a:buFont typeface="Arial" pitchFamily="34" charset="0"/>
-              <a:buChar char="•"/>
-              <a:defRPr sz="2000" kern="1200">
-                <a:solidFill>
-                  <a:schemeClr val="tx1"/>
-                </a:solidFill>
-                <a:latin typeface="+mn-lt"/>
-                <a:ea typeface="+mn-ea"/>
-                <a:cs typeface="+mn-cs"/>
-              </a:defRPr>
-            </a:lvl9pPr>
-          </a:lstStyle>
-          <a:p>
-            <a:pPr>
-              <a:buFont typeface="Arial" charset="0"/>
-              <a:buNone/>
-            </a:pPr>
-            <a:r>
-              <a:rPr lang="nb-NO" sz="3600" b="1" dirty="0" smtClean="0">
-                <a:solidFill>
-                  <a:srgbClr val="00B050"/>
-                </a:solidFill>
-                <a:latin typeface="Consolas" pitchFamily="49" charset="0"/>
-                <a:cs typeface="Consolas" pitchFamily="49" charset="0"/>
-              </a:rPr>
-              <a:t>@Repository </a:t>
-            </a:r>
-          </a:p>
-          <a:p>
-            <a:pPr>
-              <a:buFont typeface="Arial" charset="0"/>
-              <a:buNone/>
-            </a:pPr>
-            <a:r>
-              <a:rPr lang="nb-NO" sz="3600" b="1" dirty="0" smtClean="0">
-                <a:solidFill>
-                  <a:srgbClr val="00B050"/>
-                </a:solidFill>
-                <a:latin typeface="Consolas" pitchFamily="49" charset="0"/>
-                <a:cs typeface="Consolas" pitchFamily="49" charset="0"/>
-              </a:rPr>
-              <a:t>public class FishDao {</a:t>
-            </a:r>
-          </a:p>
-          <a:p>
-            <a:pPr>
-              <a:buFont typeface="Arial" charset="0"/>
-              <a:buNone/>
-            </a:pPr>
-            <a:r>
-              <a:rPr lang="nb-NO" sz="3600" b="1" dirty="0" smtClean="0">
-                <a:solidFill>
-                  <a:srgbClr val="00B050"/>
-                </a:solidFill>
-                <a:latin typeface="Consolas" pitchFamily="49" charset="0"/>
-                <a:cs typeface="Consolas" pitchFamily="49" charset="0"/>
-              </a:rPr>
-              <a:t>  private JdbcTemplate jdbcTemplate;</a:t>
-            </a:r>
-          </a:p>
-          <a:p>
-            <a:pPr>
-              <a:buFont typeface="Arial" charset="0"/>
-              <a:buNone/>
-            </a:pPr>
-            <a:endParaRPr lang="nb-NO" sz="3600" b="1" dirty="0" smtClean="0">
-              <a:solidFill>
-                <a:srgbClr val="00B050"/>
-              </a:solidFill>
-              <a:latin typeface="Consolas" pitchFamily="49" charset="0"/>
-              <a:cs typeface="Consolas" pitchFamily="49" charset="0"/>
-            </a:endParaRPr>
-          </a:p>
-          <a:p>
-            <a:pPr>
-              <a:buFont typeface="Arial" charset="0"/>
-              <a:buNone/>
-            </a:pPr>
-            <a:r>
-              <a:rPr lang="nb-NO" sz="3600" b="1" dirty="0" smtClean="0">
-                <a:solidFill>
-                  <a:srgbClr val="00B050"/>
-                </a:solidFill>
-                <a:latin typeface="Consolas" pitchFamily="49" charset="0"/>
-                <a:cs typeface="Consolas" pitchFamily="49" charset="0"/>
-              </a:rPr>
-              <a:t>  @Inject</a:t>
-            </a:r>
-          </a:p>
-          <a:p>
-            <a:pPr>
-              <a:buFont typeface="Arial" charset="0"/>
-              <a:buNone/>
-            </a:pPr>
-            <a:r>
-              <a:rPr lang="nb-NO" sz="3600" b="1" dirty="0" smtClean="0">
-                <a:solidFill>
-                  <a:srgbClr val="00B050"/>
-                </a:solidFill>
-                <a:latin typeface="Consolas" pitchFamily="49" charset="0"/>
-                <a:cs typeface="Consolas" pitchFamily="49" charset="0"/>
-              </a:rPr>
-              <a:t>  public void setDataSource(final DataSource dataSource) {</a:t>
-            </a:r>
-          </a:p>
-          <a:p>
-            <a:pPr>
-              <a:buFont typeface="Arial" charset="0"/>
-              <a:buNone/>
-            </a:pPr>
-            <a:r>
-              <a:rPr lang="nb-NO" sz="3600" b="1" dirty="0" smtClean="0">
-                <a:solidFill>
-                  <a:srgbClr val="00B050"/>
-                </a:solidFill>
-                <a:latin typeface="Consolas" pitchFamily="49" charset="0"/>
-                <a:cs typeface="Consolas" pitchFamily="49" charset="0"/>
-              </a:rPr>
-              <a:t>    this.jdbcTemplate = new JdbcTemplate(dataSource);</a:t>
-            </a:r>
-          </a:p>
-          <a:p>
-            <a:pPr>
-              <a:buFont typeface="Arial" charset="0"/>
-              <a:buNone/>
-            </a:pPr>
-            <a:r>
-              <a:rPr lang="nb-NO" sz="3600" b="1" dirty="0" smtClean="0">
-                <a:solidFill>
-                  <a:srgbClr val="00B050"/>
-                </a:solidFill>
-                <a:latin typeface="Consolas" pitchFamily="49" charset="0"/>
-                <a:cs typeface="Consolas" pitchFamily="49" charset="0"/>
-              </a:rPr>
-              <a:t>  }</a:t>
-            </a:r>
-          </a:p>
-          <a:p>
-            <a:pPr>
-              <a:buFont typeface="Arial" charset="0"/>
-              <a:buNone/>
-            </a:pPr>
-            <a:endParaRPr lang="nb-NO" sz="3600" b="1" dirty="0" smtClean="0">
-              <a:solidFill>
-                <a:srgbClr val="00B050"/>
-              </a:solidFill>
-              <a:latin typeface="Consolas" pitchFamily="49" charset="0"/>
-              <a:cs typeface="Consolas" pitchFamily="49" charset="0"/>
-            </a:endParaRPr>
-          </a:p>
-          <a:p>
-            <a:pPr>
-              <a:buFont typeface="Arial" charset="0"/>
-              <a:buNone/>
-            </a:pPr>
-            <a:r>
-              <a:rPr lang="nb-NO" sz="3600" b="1" dirty="0" smtClean="0">
-                <a:solidFill>
-                  <a:srgbClr val="00B050"/>
-                </a:solidFill>
-                <a:latin typeface="Consolas" pitchFamily="49" charset="0"/>
-                <a:cs typeface="Consolas" pitchFamily="49" charset="0"/>
-              </a:rPr>
-              <a:t>  public int getFishWeight() {</a:t>
-            </a:r>
-          </a:p>
-          <a:p>
-            <a:pPr>
-              <a:buFont typeface="Arial" charset="0"/>
-              <a:buNone/>
-            </a:pPr>
-            <a:r>
-              <a:rPr lang="nb-NO" sz="3600" b="1" dirty="0" smtClean="0">
-                <a:solidFill>
-                  <a:srgbClr val="00B050"/>
-                </a:solidFill>
-                <a:latin typeface="Consolas" pitchFamily="49" charset="0"/>
-                <a:cs typeface="Consolas" pitchFamily="49" charset="0"/>
-              </a:rPr>
-              <a:t>    return jdbcTemplate.queryForInt("select sum(weight) from Fish");</a:t>
-            </a:r>
-          </a:p>
-          <a:p>
-            <a:pPr>
-              <a:buFont typeface="Arial" charset="0"/>
-              <a:buNone/>
-            </a:pPr>
-            <a:r>
-              <a:rPr lang="nb-NO" sz="3600" b="1" dirty="0" smtClean="0">
-                <a:solidFill>
-                  <a:srgbClr val="00B050"/>
-                </a:solidFill>
-                <a:latin typeface="Consolas" pitchFamily="49" charset="0"/>
-                <a:cs typeface="Consolas" pitchFamily="49" charset="0"/>
-              </a:rPr>
-              <a:t>  }</a:t>
-            </a:r>
-          </a:p>
-          <a:p>
-            <a:pPr>
-              <a:buFont typeface="Arial" charset="0"/>
-              <a:buNone/>
-            </a:pPr>
-            <a:r>
-              <a:rPr lang="nb-NO" sz="3600" b="1" dirty="0" smtClean="0">
-                <a:solidFill>
-                  <a:srgbClr val="00B050"/>
-                </a:solidFill>
-                <a:latin typeface="Consolas" pitchFamily="49" charset="0"/>
-                <a:cs typeface="Consolas" pitchFamily="49" charset="0"/>
-              </a:rPr>
-              <a:t>}</a:t>
-            </a:r>
-          </a:p>
-          <a:p>
-            <a:pPr>
-              <a:buFont typeface="Arial" charset="0"/>
-              <a:buNone/>
-            </a:pPr>
-            <a:endParaRPr lang="nb-NO" sz="3600" b="1" dirty="0" smtClean="0">
-              <a:solidFill>
-                <a:srgbClr val="00B050"/>
-              </a:solidFill>
-              <a:latin typeface="Consolas" pitchFamily="49" charset="0"/>
-              <a:cs typeface="Consolas" pitchFamily="49" charset="0"/>
-            </a:endParaRPr>
-          </a:p>
-          <a:p>
-            <a:pPr>
-              <a:buFont typeface="Arial" charset="0"/>
-              <a:buNone/>
-            </a:pPr>
-            <a:endParaRPr lang="nb-NO" sz="3600" b="1" dirty="0" smtClean="0">
-              <a:solidFill>
-                <a:srgbClr val="00B050"/>
-              </a:solidFill>
-              <a:latin typeface="Consolas" pitchFamily="49" charset="0"/>
-              <a:cs typeface="Consolas" pitchFamily="49" charset="0"/>
-            </a:endParaRPr>
-          </a:p>
-          <a:p>
-            <a:pPr>
-              <a:buFont typeface="Arial" charset="0"/>
-              <a:buNone/>
-            </a:pPr>
-            <a:endParaRPr lang="nb-NO" sz="3600" b="1" dirty="0" smtClean="0">
-              <a:solidFill>
-                <a:srgbClr val="00B050"/>
-              </a:solidFill>
-              <a:latin typeface="Consolas" pitchFamily="49" charset="0"/>
-              <a:cs typeface="Consolas" pitchFamily="49" charset="0"/>
-            </a:endParaRPr>
-          </a:p>
-          <a:p>
-            <a:pPr>
-              <a:buFont typeface="Arial" charset="0"/>
-              <a:buNone/>
-            </a:pPr>
-            <a:endParaRPr lang="nb-NO" sz="3600" b="1" dirty="0" smtClean="0">
-              <a:solidFill>
-                <a:srgbClr val="00B050"/>
-              </a:solidFill>
-              <a:latin typeface="Consolas" pitchFamily="49" charset="0"/>
-              <a:cs typeface="Consolas" pitchFamily="49" charset="0"/>
-            </a:endParaRPr>
-          </a:p>
-          <a:p>
-            <a:pPr>
-              <a:buFont typeface="Arial" charset="0"/>
-              <a:buNone/>
-            </a:pPr>
-            <a:endParaRPr lang="nb-NO" sz="3600" b="1" dirty="0" smtClean="0">
-              <a:solidFill>
-                <a:srgbClr val="00B050"/>
-              </a:solidFill>
-              <a:latin typeface="Consolas" pitchFamily="49" charset="0"/>
-              <a:cs typeface="Consolas" pitchFamily="49" charset="0"/>
-            </a:endParaRPr>
-          </a:p>
-          <a:p>
-            <a:pPr>
-              <a:buFont typeface="Arial" charset="0"/>
-              <a:buNone/>
-            </a:pPr>
-            <a:endParaRPr lang="nb-NO" sz="3600" b="1" dirty="0" smtClean="0">
-              <a:solidFill>
-                <a:srgbClr val="00B050"/>
-              </a:solidFill>
-              <a:latin typeface="Consolas" pitchFamily="49" charset="0"/>
-              <a:cs typeface="Consolas" pitchFamily="49" charset="0"/>
-            </a:endParaRPr>
-          </a:p>
-          <a:p>
-            <a:pPr>
-              <a:buFont typeface="Arial" charset="0"/>
-              <a:buNone/>
-            </a:pPr>
-            <a:endParaRPr lang="nb-NO" sz="3600" b="1" dirty="0" smtClean="0">
-              <a:solidFill>
-                <a:srgbClr val="00B050"/>
-              </a:solidFill>
-              <a:latin typeface="Consolas" pitchFamily="49" charset="0"/>
-              <a:cs typeface="Consolas" pitchFamily="49" charset="0"/>
-            </a:endParaRPr>
-          </a:p>
-          <a:p>
-            <a:pPr>
-              <a:buFont typeface="Arial" charset="0"/>
-              <a:buNone/>
-            </a:pPr>
-            <a:endParaRPr lang="nb-NO" sz="3600" b="1" dirty="0" smtClean="0">
-              <a:solidFill>
-                <a:srgbClr val="00B050"/>
-              </a:solidFill>
-              <a:latin typeface="Consolas" pitchFamily="49" charset="0"/>
-              <a:cs typeface="Consolas" pitchFamily="49" charset="0"/>
-            </a:endParaRPr>
-          </a:p>
-          <a:p>
-            <a:pPr>
-              <a:buFont typeface="Arial" charset="0"/>
-              <a:buNone/>
-            </a:pPr>
-            <a:endParaRPr lang="nb-NO" sz="3600" b="1" dirty="0" smtClean="0">
-              <a:solidFill>
-                <a:srgbClr val="00B050"/>
-              </a:solidFill>
-              <a:latin typeface="Consolas" pitchFamily="49" charset="0"/>
-              <a:cs typeface="Consolas" pitchFamily="49" charset="0"/>
-            </a:endParaRPr>
-          </a:p>
-          <a:p>
-            <a:pPr>
-              <a:buFont typeface="Arial" charset="0"/>
-              <a:buNone/>
-            </a:pPr>
-            <a:endParaRPr lang="nb-NO" sz="3600" b="1" dirty="0" smtClean="0">
-              <a:solidFill>
-                <a:srgbClr val="00B050"/>
-              </a:solidFill>
-              <a:latin typeface="Consolas" pitchFamily="49" charset="0"/>
-              <a:cs typeface="Consolas" pitchFamily="49" charset="0"/>
-            </a:endParaRPr>
-          </a:p>
-          <a:p>
-            <a:pPr>
-              <a:buFont typeface="Arial" charset="0"/>
-              <a:buNone/>
-            </a:pPr>
-            <a:endParaRPr lang="nb-NO" sz="3600" b="1" dirty="0" smtClean="0">
-              <a:solidFill>
-                <a:srgbClr val="00B050"/>
-              </a:solidFill>
-              <a:latin typeface="Consolas" pitchFamily="49" charset="0"/>
-              <a:cs typeface="Consolas" pitchFamily="49" charset="0"/>
-            </a:endParaRPr>
-          </a:p>
-          <a:p>
-            <a:pPr>
-              <a:buFont typeface="Arial" charset="0"/>
-              <a:buNone/>
-            </a:pPr>
-            <a:endParaRPr lang="nb-NO" sz="3600" b="1" dirty="0" smtClean="0">
-              <a:solidFill>
-                <a:srgbClr val="00B050"/>
-              </a:solidFill>
-              <a:latin typeface="Consolas" pitchFamily="49" charset="0"/>
-              <a:cs typeface="Consolas" pitchFamily="49" charset="0"/>
-            </a:endParaRPr>
-          </a:p>
-          <a:p>
-            <a:pPr>
-              <a:buFont typeface="Arial" charset="0"/>
-              <a:buNone/>
-            </a:pPr>
-            <a:endParaRPr lang="nb-NO" sz="3600" b="1" dirty="0" smtClean="0">
-              <a:solidFill>
-                <a:srgbClr val="00B050"/>
-              </a:solidFill>
-              <a:latin typeface="Consolas" pitchFamily="49" charset="0"/>
-              <a:cs typeface="Consolas" pitchFamily="49" charset="0"/>
-            </a:endParaRPr>
-          </a:p>
-          <a:p>
-            <a:pPr>
-              <a:buFont typeface="Arial" charset="0"/>
-              <a:buNone/>
-            </a:pPr>
-            <a:r>
-              <a:rPr lang="nb-NO" sz="3600" b="1" dirty="0" smtClean="0">
-                <a:solidFill>
-                  <a:srgbClr val="00B050"/>
-                </a:solidFill>
-                <a:latin typeface="Consolas" pitchFamily="49" charset="0"/>
-                <a:cs typeface="Consolas" pitchFamily="49" charset="0"/>
-              </a:rPr>
-              <a:t>&lt;context:property-placeholder location="classpath:mydb.properties"/&gt;</a:t>
-            </a:r>
-          </a:p>
-          <a:p>
-            <a:pPr>
-              <a:buFont typeface="Arial" charset="0"/>
-              <a:buNone/>
-            </a:pPr>
-            <a:r>
-              <a:rPr lang="nb-NO" sz="3600" b="1" dirty="0" smtClean="0">
-                <a:solidFill>
-                  <a:srgbClr val="00B050"/>
-                </a:solidFill>
-                <a:latin typeface="Consolas" pitchFamily="49" charset="0"/>
-                <a:cs typeface="Consolas" pitchFamily="49" charset="0"/>
-              </a:rPr>
-              <a:t>&lt;context:component-scan base-package="no.mesan.db"/&gt;</a:t>
-            </a:r>
-          </a:p>
-          <a:p>
-            <a:pPr>
-              <a:buFont typeface="Arial" charset="0"/>
-              <a:buNone/>
-            </a:pPr>
-            <a:endParaRPr lang="nb-NO" sz="3600" b="1" dirty="0" smtClean="0">
-              <a:solidFill>
-                <a:srgbClr val="00B050"/>
-              </a:solidFill>
-              <a:latin typeface="Consolas" pitchFamily="49" charset="0"/>
-              <a:cs typeface="Consolas" pitchFamily="49" charset="0"/>
-            </a:endParaRPr>
-          </a:p>
-          <a:p>
-            <a:pPr>
-              <a:buFont typeface="Arial" charset="0"/>
-              <a:buNone/>
-            </a:pPr>
-            <a:r>
-              <a:rPr lang="nb-NO" sz="3600" b="1" dirty="0" smtClean="0">
-                <a:solidFill>
-                  <a:srgbClr val="00B050"/>
-                </a:solidFill>
-                <a:latin typeface="Consolas" pitchFamily="49" charset="0"/>
-                <a:cs typeface="Consolas" pitchFamily="49" charset="0"/>
-              </a:rPr>
-              <a:t>&lt;bean id="dataSource"</a:t>
-            </a:r>
-          </a:p>
-          <a:p>
-            <a:pPr>
-              <a:buFont typeface="Arial" charset="0"/>
-              <a:buNone/>
-            </a:pPr>
-            <a:r>
-              <a:rPr lang="nb-NO" sz="3600" b="1" dirty="0" smtClean="0">
-                <a:solidFill>
-                  <a:srgbClr val="00B050"/>
-                </a:solidFill>
-                <a:latin typeface="Consolas" pitchFamily="49" charset="0"/>
-                <a:cs typeface="Consolas" pitchFamily="49" charset="0"/>
-              </a:rPr>
-              <a:t>      class="org.apache.commons.dbcp.BasicDataSource"</a:t>
-            </a:r>
-          </a:p>
-          <a:p>
-            <a:pPr>
-              <a:buFont typeface="Arial" charset="0"/>
-              <a:buNone/>
-            </a:pPr>
-            <a:r>
-              <a:rPr lang="nb-NO" sz="3600" b="1" dirty="0" smtClean="0">
-                <a:solidFill>
-                  <a:srgbClr val="00B050"/>
-                </a:solidFill>
-                <a:latin typeface="Consolas" pitchFamily="49" charset="0"/>
-                <a:cs typeface="Consolas" pitchFamily="49" charset="0"/>
-              </a:rPr>
-              <a:t>      destroy-method="close"</a:t>
-            </a:r>
-          </a:p>
-          <a:p>
-            <a:pPr>
-              <a:buFont typeface="Arial" charset="0"/>
-              <a:buNone/>
-            </a:pPr>
-            <a:r>
-              <a:rPr lang="nb-NO" sz="3600" b="1" dirty="0" smtClean="0">
-                <a:solidFill>
-                  <a:srgbClr val="00B050"/>
-                </a:solidFill>
-                <a:latin typeface="Consolas" pitchFamily="49" charset="0"/>
-                <a:cs typeface="Consolas" pitchFamily="49" charset="0"/>
-              </a:rPr>
-              <a:t>      p:driverClassName="${db.driverClassName}"</a:t>
-            </a:r>
-          </a:p>
-          <a:p>
-            <a:pPr>
-              <a:buFont typeface="Arial" charset="0"/>
-              <a:buNone/>
-            </a:pPr>
-            <a:r>
-              <a:rPr lang="nb-NO" sz="3600" b="1" dirty="0" smtClean="0">
-                <a:solidFill>
-                  <a:srgbClr val="00B050"/>
-                </a:solidFill>
-                <a:latin typeface="Consolas" pitchFamily="49" charset="0"/>
-                <a:cs typeface="Consolas" pitchFamily="49" charset="0"/>
-              </a:rPr>
-              <a:t>      p:url="${db.url}"</a:t>
-            </a:r>
-          </a:p>
-          <a:p>
-            <a:pPr>
-              <a:buFont typeface="Arial" charset="0"/>
-              <a:buNone/>
-            </a:pPr>
-            <a:r>
-              <a:rPr lang="nb-NO" sz="3600" b="1" dirty="0" smtClean="0">
-                <a:solidFill>
-                  <a:srgbClr val="00B050"/>
-                </a:solidFill>
-                <a:latin typeface="Consolas" pitchFamily="49" charset="0"/>
-                <a:cs typeface="Consolas" pitchFamily="49" charset="0"/>
-              </a:rPr>
-              <a:t>      p:username="${db.user}"</a:t>
-            </a:r>
-          </a:p>
-          <a:p>
-            <a:pPr>
-              <a:buFont typeface="Arial" charset="0"/>
-              <a:buNone/>
-            </a:pPr>
-            <a:r>
-              <a:rPr lang="nb-NO" sz="3600" b="1" dirty="0" smtClean="0">
-                <a:solidFill>
-                  <a:srgbClr val="00B050"/>
-                </a:solidFill>
-                <a:latin typeface="Consolas" pitchFamily="49" charset="0"/>
-                <a:cs typeface="Consolas" pitchFamily="49" charset="0"/>
-              </a:rPr>
-              <a:t>      p:password="${db.pass}"/&gt;</a:t>
-            </a:r>
-          </a:p>
-          <a:p>
-            <a:pPr>
-              <a:buFont typeface="Arial" charset="0"/>
-              <a:buNone/>
-            </a:pPr>
-            <a:endParaRPr lang="nb-NO" b="1" dirty="0">
-              <a:solidFill>
-                <a:srgbClr val="00B050"/>
-              </a:solidFill>
-              <a:latin typeface="Consolas" pitchFamily="49" charset="0"/>
-              <a:cs typeface="Consolas" pitchFamily="49" charset="0"/>
-            </a:endParaRPr>
+            <a:r>
+              <a:rPr lang="nb-NO" dirty="0" smtClean="0"/>
+              <a:t>Forenkler ting ved å fjerne behov for boiler-plate</a:t>
+            </a:r>
+          </a:p>
+          <a:p>
+            <a:pPr lvl="1"/>
+            <a:r>
+              <a:rPr lang="nb-NO" dirty="0" smtClean="0"/>
+              <a:t>LdapTemplate</a:t>
+            </a:r>
+          </a:p>
+          <a:p>
+            <a:pPr lvl="1"/>
+            <a:r>
+              <a:rPr lang="nb-NO" dirty="0" smtClean="0"/>
+              <a:t>JmsTemplate</a:t>
+            </a:r>
+          </a:p>
+          <a:p>
+            <a:pPr lvl="1"/>
+            <a:r>
+              <a:rPr lang="nb-NO" dirty="0" smtClean="0"/>
+              <a:t>JdbcTemplate</a:t>
+            </a:r>
+            <a:endParaRPr lang="nb-NO" dirty="0"/>
           </a:p>
         </p:txBody>
       </p:sp>
     </p:spTree>
     <p:extLst>
       <p:ext uri="{BB962C8B-B14F-4D97-AF65-F5344CB8AC3E}">
-        <p14:creationId xmlns:p14="http://schemas.microsoft.com/office/powerpoint/2010/main" val="3386211516"/>
+        <p14:creationId xmlns:p14="http://schemas.microsoft.com/office/powerpoint/2010/main" val="495770934"/>
       </p:ext>
     </p:extLst>
   </p:cSld>
@@ -21241,7 +18825,7 @@
           <a:p>
             <a:r>
               <a:rPr lang="nb-NO" dirty="0" smtClean="0"/>
-              <a:t>Spring AOP</a:t>
+              <a:t>Templates - eksempel</a:t>
             </a:r>
             <a:endParaRPr lang="nb-NO" dirty="0"/>
           </a:p>
@@ -21249,78 +18833,2567 @@
       </p:sp>
       <p:sp>
         <p:nvSpPr>
-          <p:cNvPr id="3" name="Content Placeholder 2"/>
+          <p:cNvPr id="4" name="Content Placeholder 2"/>
           <p:cNvSpPr>
             <a:spLocks noGrp="1"/>
           </p:cNvSpPr>
           <p:nvPr>
-            <p:ph idx="1"/>
+            <p:ph sz="half" idx="1"/>
           </p:nvPr>
         </p:nvSpPr>
-        <p:spPr/>
+        <p:spPr>
+          <a:xfrm>
+            <a:off x="457200" y="1142984"/>
+            <a:ext cx="4546848" cy="5094328"/>
+          </a:xfrm>
+        </p:spPr>
         <p:txBody>
-          <a:bodyPr/>
+          <a:bodyPr>
+            <a:noAutofit/>
+          </a:bodyPr>
           <a:lstStyle/>
           <a:p>
-            <a:r>
-              <a:rPr lang="nb-NO" dirty="0" smtClean="0"/>
-              <a:t>AOP – Aspect Oriented Programming</a:t>
-            </a:r>
-          </a:p>
-          <a:p>
-            <a:r>
-              <a:rPr lang="nb-NO" dirty="0" smtClean="0"/>
-              <a:t>Legger til kode «rundt» en bønne</a:t>
-            </a:r>
-          </a:p>
-          <a:p>
-            <a:pPr lvl="1"/>
-            <a:r>
-              <a:rPr lang="nb-NO" dirty="0" smtClean="0"/>
-              <a:t>.. Og dermed også oppførsel uten å endre selve bønnen</a:t>
-            </a:r>
-          </a:p>
-          <a:p>
-            <a:r>
-              <a:rPr lang="nb-NO" dirty="0" smtClean="0"/>
-              <a:t>Brukes med forsiktighet – man mister fort litt kontroll</a:t>
-            </a:r>
-          </a:p>
-          <a:p>
-            <a:pPr lvl="1"/>
-            <a:r>
-              <a:rPr lang="nb-NO" dirty="0" smtClean="0"/>
-              <a:t>Eksempler:</a:t>
-            </a:r>
-          </a:p>
-          <a:p>
-            <a:pPr lvl="2"/>
-            <a:r>
-              <a:rPr lang="nb-NO" dirty="0" smtClean="0"/>
-              <a:t> AspektLogging</a:t>
-            </a:r>
-          </a:p>
-          <a:p>
-            <a:pPr lvl="2"/>
-            <a:r>
-              <a:rPr lang="nb-NO" dirty="0" smtClean="0"/>
-              <a:t>Wrapping av exceptions</a:t>
-            </a:r>
-          </a:p>
-          <a:p>
-            <a:pPr lvl="1"/>
-            <a:endParaRPr lang="nb-NO" dirty="0"/>
-          </a:p>
-          <a:p>
-            <a:pPr lvl="1"/>
-            <a:endParaRPr lang="nb-NO" dirty="0"/>
+            <a:pPr>
+              <a:buNone/>
+            </a:pPr>
+            <a:r>
+              <a:rPr lang="nb-NO" sz="800" dirty="0" err="1" smtClean="0">
+                <a:solidFill>
+                  <a:srgbClr val="FF0000"/>
+                </a:solidFill>
+                <a:latin typeface="Consolas" pitchFamily="49" charset="0"/>
+                <a:cs typeface="Consolas" pitchFamily="49" charset="0"/>
+              </a:rPr>
+              <a:t>public</a:t>
+            </a:r>
+            <a:r>
+              <a:rPr lang="nb-NO" sz="800" dirty="0" smtClean="0">
+                <a:solidFill>
+                  <a:srgbClr val="FF0000"/>
+                </a:solidFill>
+                <a:latin typeface="Consolas" pitchFamily="49" charset="0"/>
+                <a:cs typeface="Consolas" pitchFamily="49" charset="0"/>
+              </a:rPr>
+              <a:t> </a:t>
+            </a:r>
+            <a:r>
+              <a:rPr lang="nb-NO" sz="800" dirty="0" err="1" smtClean="0">
+                <a:solidFill>
+                  <a:srgbClr val="FF0000"/>
+                </a:solidFill>
+                <a:latin typeface="Consolas" pitchFamily="49" charset="0"/>
+                <a:cs typeface="Consolas" pitchFamily="49" charset="0"/>
+              </a:rPr>
+              <a:t>class</a:t>
+            </a:r>
+            <a:r>
+              <a:rPr lang="nb-NO" sz="800" dirty="0" smtClean="0">
+                <a:solidFill>
+                  <a:srgbClr val="FF0000"/>
+                </a:solidFill>
+                <a:latin typeface="Consolas" pitchFamily="49" charset="0"/>
+                <a:cs typeface="Consolas" pitchFamily="49" charset="0"/>
+              </a:rPr>
+              <a:t> </a:t>
+            </a:r>
+            <a:r>
+              <a:rPr lang="nb-NO" sz="800" dirty="0" err="1" smtClean="0">
+                <a:solidFill>
+                  <a:srgbClr val="FF0000"/>
+                </a:solidFill>
+                <a:latin typeface="Consolas" pitchFamily="49" charset="0"/>
+                <a:cs typeface="Consolas" pitchFamily="49" charset="0"/>
+              </a:rPr>
+              <a:t>FishDao</a:t>
+            </a:r>
+            <a:r>
+              <a:rPr lang="nb-NO" sz="800" dirty="0" smtClean="0">
+                <a:solidFill>
+                  <a:srgbClr val="FF0000"/>
+                </a:solidFill>
+                <a:latin typeface="Consolas" pitchFamily="49" charset="0"/>
+                <a:cs typeface="Consolas" pitchFamily="49" charset="0"/>
+              </a:rPr>
+              <a:t> {</a:t>
+            </a:r>
+          </a:p>
+          <a:p>
+            <a:pPr>
+              <a:buNone/>
+            </a:pPr>
+            <a:r>
+              <a:rPr lang="nb-NO" sz="800" dirty="0" smtClean="0">
+                <a:solidFill>
+                  <a:srgbClr val="FF0000"/>
+                </a:solidFill>
+                <a:latin typeface="Consolas" pitchFamily="49" charset="0"/>
+                <a:cs typeface="Consolas" pitchFamily="49" charset="0"/>
+              </a:rPr>
+              <a:t>  </a:t>
+            </a:r>
+            <a:r>
+              <a:rPr lang="nb-NO" sz="800" dirty="0" err="1" smtClean="0">
+                <a:solidFill>
+                  <a:srgbClr val="FF0000"/>
+                </a:solidFill>
+                <a:latin typeface="Consolas" pitchFamily="49" charset="0"/>
+                <a:cs typeface="Consolas" pitchFamily="49" charset="0"/>
+              </a:rPr>
+              <a:t>public</a:t>
+            </a:r>
+            <a:r>
+              <a:rPr lang="nb-NO" sz="800" dirty="0" smtClean="0">
+                <a:solidFill>
+                  <a:srgbClr val="FF0000"/>
+                </a:solidFill>
+                <a:latin typeface="Consolas" pitchFamily="49" charset="0"/>
+                <a:cs typeface="Consolas" pitchFamily="49" charset="0"/>
+              </a:rPr>
+              <a:t> </a:t>
+            </a:r>
+            <a:r>
+              <a:rPr lang="nb-NO" sz="800" dirty="0" err="1" smtClean="0">
+                <a:solidFill>
+                  <a:srgbClr val="FF0000"/>
+                </a:solidFill>
+                <a:latin typeface="Consolas" pitchFamily="49" charset="0"/>
+                <a:cs typeface="Consolas" pitchFamily="49" charset="0"/>
+              </a:rPr>
+              <a:t>int</a:t>
+            </a:r>
+            <a:r>
+              <a:rPr lang="nb-NO" sz="800" dirty="0" smtClean="0">
+                <a:solidFill>
+                  <a:srgbClr val="FF0000"/>
+                </a:solidFill>
+                <a:latin typeface="Consolas" pitchFamily="49" charset="0"/>
+                <a:cs typeface="Consolas" pitchFamily="49" charset="0"/>
+              </a:rPr>
+              <a:t> </a:t>
+            </a:r>
+            <a:r>
+              <a:rPr lang="nb-NO" sz="800" dirty="0" err="1" smtClean="0">
+                <a:solidFill>
+                  <a:srgbClr val="FF0000"/>
+                </a:solidFill>
+                <a:latin typeface="Consolas" pitchFamily="49" charset="0"/>
+                <a:cs typeface="Consolas" pitchFamily="49" charset="0"/>
+              </a:rPr>
+              <a:t>getFishWeight</a:t>
+            </a:r>
+            <a:r>
+              <a:rPr lang="nb-NO" sz="800" dirty="0" smtClean="0">
+                <a:solidFill>
+                  <a:srgbClr val="FF0000"/>
+                </a:solidFill>
+                <a:latin typeface="Consolas" pitchFamily="49" charset="0"/>
+                <a:cs typeface="Consolas" pitchFamily="49" charset="0"/>
+              </a:rPr>
+              <a:t>() {</a:t>
+            </a:r>
+          </a:p>
+          <a:p>
+            <a:pPr>
+              <a:buNone/>
+            </a:pPr>
+            <a:r>
+              <a:rPr lang="nb-NO" sz="800" dirty="0" smtClean="0">
+                <a:solidFill>
+                  <a:srgbClr val="FF0000"/>
+                </a:solidFill>
+                <a:latin typeface="Consolas" pitchFamily="49" charset="0"/>
+                <a:cs typeface="Consolas" pitchFamily="49" charset="0"/>
+              </a:rPr>
+              <a:t>    </a:t>
+            </a:r>
+            <a:r>
+              <a:rPr lang="nb-NO" sz="800" dirty="0" err="1" smtClean="0">
+                <a:solidFill>
+                  <a:srgbClr val="FF0000"/>
+                </a:solidFill>
+                <a:latin typeface="Consolas" pitchFamily="49" charset="0"/>
+                <a:cs typeface="Consolas" pitchFamily="49" charset="0"/>
+              </a:rPr>
+              <a:t>Connection</a:t>
+            </a:r>
+            <a:r>
+              <a:rPr lang="nb-NO" sz="800" dirty="0" smtClean="0">
+                <a:solidFill>
+                  <a:srgbClr val="FF0000"/>
+                </a:solidFill>
+                <a:latin typeface="Consolas" pitchFamily="49" charset="0"/>
+                <a:cs typeface="Consolas" pitchFamily="49" charset="0"/>
+              </a:rPr>
+              <a:t> </a:t>
+            </a:r>
+            <a:r>
+              <a:rPr lang="nb-NO" sz="800" dirty="0" err="1" smtClean="0">
+                <a:solidFill>
+                  <a:srgbClr val="FF0000"/>
+                </a:solidFill>
+                <a:latin typeface="Consolas" pitchFamily="49" charset="0"/>
+                <a:cs typeface="Consolas" pitchFamily="49" charset="0"/>
+              </a:rPr>
+              <a:t>conn</a:t>
+            </a:r>
+            <a:r>
+              <a:rPr lang="nb-NO" sz="800" dirty="0" smtClean="0">
+                <a:solidFill>
+                  <a:srgbClr val="FF0000"/>
+                </a:solidFill>
+                <a:latin typeface="Consolas" pitchFamily="49" charset="0"/>
+                <a:cs typeface="Consolas" pitchFamily="49" charset="0"/>
+              </a:rPr>
+              <a:t>= null;</a:t>
+            </a:r>
+          </a:p>
+          <a:p>
+            <a:pPr>
+              <a:buNone/>
+            </a:pPr>
+            <a:r>
+              <a:rPr lang="nb-NO" sz="800" dirty="0" smtClean="0">
+                <a:solidFill>
+                  <a:srgbClr val="FF0000"/>
+                </a:solidFill>
+                <a:latin typeface="Consolas" pitchFamily="49" charset="0"/>
+                <a:cs typeface="Consolas" pitchFamily="49" charset="0"/>
+              </a:rPr>
+              <a:t>    </a:t>
+            </a:r>
+            <a:r>
+              <a:rPr lang="nb-NO" sz="800" dirty="0" err="1" smtClean="0">
+                <a:solidFill>
+                  <a:srgbClr val="FF0000"/>
+                </a:solidFill>
+                <a:latin typeface="Consolas" pitchFamily="49" charset="0"/>
+                <a:cs typeface="Consolas" pitchFamily="49" charset="0"/>
+              </a:rPr>
+              <a:t>Statement</a:t>
+            </a:r>
+            <a:r>
+              <a:rPr lang="nb-NO" sz="800" dirty="0" smtClean="0">
+                <a:solidFill>
+                  <a:srgbClr val="FF0000"/>
+                </a:solidFill>
+                <a:latin typeface="Consolas" pitchFamily="49" charset="0"/>
+                <a:cs typeface="Consolas" pitchFamily="49" charset="0"/>
+              </a:rPr>
+              <a:t> </a:t>
+            </a:r>
+            <a:r>
+              <a:rPr lang="nb-NO" sz="800" dirty="0" err="1" smtClean="0">
+                <a:solidFill>
+                  <a:srgbClr val="FF0000"/>
+                </a:solidFill>
+                <a:latin typeface="Consolas" pitchFamily="49" charset="0"/>
+                <a:cs typeface="Consolas" pitchFamily="49" charset="0"/>
+              </a:rPr>
+              <a:t>stmt</a:t>
+            </a:r>
+            <a:r>
+              <a:rPr lang="nb-NO" sz="800" dirty="0" smtClean="0">
+                <a:solidFill>
+                  <a:srgbClr val="FF0000"/>
+                </a:solidFill>
+                <a:latin typeface="Consolas" pitchFamily="49" charset="0"/>
+                <a:cs typeface="Consolas" pitchFamily="49" charset="0"/>
+              </a:rPr>
+              <a:t>= null;</a:t>
+            </a:r>
+          </a:p>
+          <a:p>
+            <a:pPr>
+              <a:buNone/>
+            </a:pPr>
+            <a:r>
+              <a:rPr lang="nb-NO" sz="800" dirty="0" smtClean="0">
+                <a:solidFill>
+                  <a:srgbClr val="FF0000"/>
+                </a:solidFill>
+                <a:latin typeface="Consolas" pitchFamily="49" charset="0"/>
+                <a:cs typeface="Consolas" pitchFamily="49" charset="0"/>
+              </a:rPr>
+              <a:t>    </a:t>
+            </a:r>
+            <a:r>
+              <a:rPr lang="nb-NO" sz="800" dirty="0" err="1" smtClean="0">
+                <a:solidFill>
+                  <a:srgbClr val="FF0000"/>
+                </a:solidFill>
+                <a:latin typeface="Consolas" pitchFamily="49" charset="0"/>
+                <a:cs typeface="Consolas" pitchFamily="49" charset="0"/>
+              </a:rPr>
+              <a:t>ResultSet</a:t>
+            </a:r>
+            <a:r>
+              <a:rPr lang="nb-NO" sz="800" dirty="0" smtClean="0">
+                <a:solidFill>
+                  <a:srgbClr val="FF0000"/>
+                </a:solidFill>
+                <a:latin typeface="Consolas" pitchFamily="49" charset="0"/>
+                <a:cs typeface="Consolas" pitchFamily="49" charset="0"/>
+              </a:rPr>
+              <a:t> </a:t>
+            </a:r>
+            <a:r>
+              <a:rPr lang="nb-NO" sz="800" dirty="0" err="1" smtClean="0">
+                <a:solidFill>
+                  <a:srgbClr val="FF0000"/>
+                </a:solidFill>
+                <a:latin typeface="Consolas" pitchFamily="49" charset="0"/>
+                <a:cs typeface="Consolas" pitchFamily="49" charset="0"/>
+              </a:rPr>
+              <a:t>rs</a:t>
+            </a:r>
+            <a:r>
+              <a:rPr lang="nb-NO" sz="800" dirty="0" smtClean="0">
+                <a:solidFill>
+                  <a:srgbClr val="FF0000"/>
+                </a:solidFill>
+                <a:latin typeface="Consolas" pitchFamily="49" charset="0"/>
+                <a:cs typeface="Consolas" pitchFamily="49" charset="0"/>
+              </a:rPr>
+              <a:t>= null;</a:t>
+            </a:r>
+          </a:p>
+          <a:p>
+            <a:pPr>
+              <a:buNone/>
+            </a:pPr>
+            <a:r>
+              <a:rPr lang="nb-NO" sz="800" dirty="0" smtClean="0">
+                <a:solidFill>
+                  <a:srgbClr val="FF0000"/>
+                </a:solidFill>
+                <a:latin typeface="Consolas" pitchFamily="49" charset="0"/>
+                <a:cs typeface="Consolas" pitchFamily="49" charset="0"/>
+              </a:rPr>
+              <a:t>    </a:t>
+            </a:r>
+            <a:r>
+              <a:rPr lang="nb-NO" sz="800" dirty="0" err="1" smtClean="0">
+                <a:solidFill>
+                  <a:srgbClr val="FF0000"/>
+                </a:solidFill>
+                <a:latin typeface="Consolas" pitchFamily="49" charset="0"/>
+                <a:cs typeface="Consolas" pitchFamily="49" charset="0"/>
+              </a:rPr>
+              <a:t>Properties</a:t>
+            </a:r>
+            <a:r>
+              <a:rPr lang="nb-NO" sz="800" dirty="0" smtClean="0">
+                <a:solidFill>
+                  <a:srgbClr val="FF0000"/>
+                </a:solidFill>
+                <a:latin typeface="Consolas" pitchFamily="49" charset="0"/>
+                <a:cs typeface="Consolas" pitchFamily="49" charset="0"/>
+              </a:rPr>
+              <a:t> </a:t>
+            </a:r>
+            <a:r>
+              <a:rPr lang="nb-NO" sz="800" dirty="0" err="1" smtClean="0">
+                <a:solidFill>
+                  <a:srgbClr val="FF0000"/>
+                </a:solidFill>
+                <a:latin typeface="Consolas" pitchFamily="49" charset="0"/>
+                <a:cs typeface="Consolas" pitchFamily="49" charset="0"/>
+              </a:rPr>
+              <a:t>properties</a:t>
+            </a:r>
+            <a:r>
+              <a:rPr lang="nb-NO" sz="800" dirty="0" smtClean="0">
+                <a:solidFill>
+                  <a:srgbClr val="FF0000"/>
+                </a:solidFill>
+                <a:latin typeface="Consolas" pitchFamily="49" charset="0"/>
+                <a:cs typeface="Consolas" pitchFamily="49" charset="0"/>
+              </a:rPr>
+              <a:t>= </a:t>
+            </a:r>
+            <a:r>
+              <a:rPr lang="nb-NO" sz="800" dirty="0" err="1" smtClean="0">
+                <a:solidFill>
+                  <a:srgbClr val="FF0000"/>
+                </a:solidFill>
+                <a:latin typeface="Consolas" pitchFamily="49" charset="0"/>
+                <a:cs typeface="Consolas" pitchFamily="49" charset="0"/>
+              </a:rPr>
+              <a:t>new</a:t>
+            </a:r>
+            <a:r>
+              <a:rPr lang="nb-NO" sz="800" dirty="0" smtClean="0">
+                <a:solidFill>
+                  <a:srgbClr val="FF0000"/>
+                </a:solidFill>
+                <a:latin typeface="Consolas" pitchFamily="49" charset="0"/>
+                <a:cs typeface="Consolas" pitchFamily="49" charset="0"/>
+              </a:rPr>
+              <a:t> </a:t>
+            </a:r>
+            <a:r>
+              <a:rPr lang="nb-NO" sz="800" dirty="0" err="1" smtClean="0">
+                <a:solidFill>
+                  <a:srgbClr val="FF0000"/>
+                </a:solidFill>
+                <a:latin typeface="Consolas" pitchFamily="49" charset="0"/>
+                <a:cs typeface="Consolas" pitchFamily="49" charset="0"/>
+              </a:rPr>
+              <a:t>Properties</a:t>
+            </a:r>
+            <a:r>
+              <a:rPr lang="nb-NO" sz="800" dirty="0" smtClean="0">
+                <a:solidFill>
+                  <a:srgbClr val="FF0000"/>
+                </a:solidFill>
+                <a:latin typeface="Consolas" pitchFamily="49" charset="0"/>
+                <a:cs typeface="Consolas" pitchFamily="49" charset="0"/>
+              </a:rPr>
+              <a:t>();</a:t>
+            </a:r>
+          </a:p>
+          <a:p>
+            <a:pPr>
+              <a:buNone/>
+            </a:pPr>
+            <a:r>
+              <a:rPr lang="nb-NO" sz="800" dirty="0" smtClean="0">
+                <a:solidFill>
+                  <a:srgbClr val="FF0000"/>
+                </a:solidFill>
+                <a:latin typeface="Consolas" pitchFamily="49" charset="0"/>
+                <a:cs typeface="Consolas" pitchFamily="49" charset="0"/>
+              </a:rPr>
+              <a:t>    </a:t>
+            </a:r>
+            <a:r>
+              <a:rPr lang="nb-NO" sz="800" dirty="0" err="1" smtClean="0">
+                <a:solidFill>
+                  <a:srgbClr val="FF0000"/>
+                </a:solidFill>
+                <a:latin typeface="Consolas" pitchFamily="49" charset="0"/>
+                <a:cs typeface="Consolas" pitchFamily="49" charset="0"/>
+              </a:rPr>
+              <a:t>try</a:t>
+            </a:r>
+            <a:r>
+              <a:rPr lang="nb-NO" sz="800" dirty="0" smtClean="0">
+                <a:solidFill>
+                  <a:srgbClr val="FF0000"/>
+                </a:solidFill>
+                <a:latin typeface="Consolas" pitchFamily="49" charset="0"/>
+                <a:cs typeface="Consolas" pitchFamily="49" charset="0"/>
+              </a:rPr>
+              <a:t> {</a:t>
+            </a:r>
+          </a:p>
+          <a:p>
+            <a:pPr>
+              <a:buNone/>
+            </a:pPr>
+            <a:r>
+              <a:rPr lang="nb-NO" sz="800" dirty="0" smtClean="0">
+                <a:solidFill>
+                  <a:srgbClr val="FF0000"/>
+                </a:solidFill>
+                <a:latin typeface="Consolas" pitchFamily="49" charset="0"/>
+                <a:cs typeface="Consolas" pitchFamily="49" charset="0"/>
+              </a:rPr>
+              <a:t>      </a:t>
+            </a:r>
+            <a:r>
+              <a:rPr lang="nb-NO" sz="800" dirty="0" err="1" smtClean="0">
+                <a:solidFill>
+                  <a:srgbClr val="FF0000"/>
+                </a:solidFill>
+                <a:latin typeface="Consolas" pitchFamily="49" charset="0"/>
+                <a:cs typeface="Consolas" pitchFamily="49" charset="0"/>
+              </a:rPr>
+              <a:t>properties.load</a:t>
+            </a:r>
+            <a:r>
+              <a:rPr lang="nb-NO" sz="800" dirty="0" smtClean="0">
+                <a:solidFill>
+                  <a:srgbClr val="FF0000"/>
+                </a:solidFill>
+                <a:latin typeface="Consolas" pitchFamily="49" charset="0"/>
+                <a:cs typeface="Consolas" pitchFamily="49" charset="0"/>
+              </a:rPr>
+              <a:t>(</a:t>
+            </a:r>
+            <a:r>
+              <a:rPr lang="nb-NO" sz="800" dirty="0" err="1" smtClean="0">
+                <a:solidFill>
+                  <a:srgbClr val="FF0000"/>
+                </a:solidFill>
+                <a:latin typeface="Consolas" pitchFamily="49" charset="0"/>
+                <a:cs typeface="Consolas" pitchFamily="49" charset="0"/>
+              </a:rPr>
+              <a:t>new</a:t>
+            </a:r>
+            <a:r>
+              <a:rPr lang="nb-NO" sz="800" dirty="0" smtClean="0">
+                <a:solidFill>
+                  <a:srgbClr val="FF0000"/>
+                </a:solidFill>
+                <a:latin typeface="Consolas" pitchFamily="49" charset="0"/>
+                <a:cs typeface="Consolas" pitchFamily="49" charset="0"/>
+              </a:rPr>
+              <a:t> </a:t>
+            </a:r>
+            <a:r>
+              <a:rPr lang="nb-NO" sz="800" dirty="0" err="1" smtClean="0">
+                <a:solidFill>
+                  <a:srgbClr val="FF0000"/>
+                </a:solidFill>
+                <a:latin typeface="Consolas" pitchFamily="49" charset="0"/>
+                <a:cs typeface="Consolas" pitchFamily="49" charset="0"/>
+              </a:rPr>
+              <a:t>FileInputStream</a:t>
+            </a:r>
+            <a:r>
+              <a:rPr lang="nb-NO" sz="800" dirty="0" smtClean="0">
+                <a:solidFill>
+                  <a:srgbClr val="FF0000"/>
+                </a:solidFill>
+                <a:latin typeface="Consolas" pitchFamily="49" charset="0"/>
+                <a:cs typeface="Consolas" pitchFamily="49" charset="0"/>
+              </a:rPr>
+              <a:t>("</a:t>
+            </a:r>
+            <a:r>
+              <a:rPr lang="nb-NO" sz="800" dirty="0" err="1" smtClean="0">
+                <a:solidFill>
+                  <a:srgbClr val="FF0000"/>
+                </a:solidFill>
+                <a:latin typeface="Consolas" pitchFamily="49" charset="0"/>
+                <a:cs typeface="Consolas" pitchFamily="49" charset="0"/>
+              </a:rPr>
+              <a:t>mydb.properties</a:t>
+            </a:r>
+            <a:r>
+              <a:rPr lang="nb-NO" sz="800" dirty="0" smtClean="0">
+                <a:solidFill>
+                  <a:srgbClr val="FF0000"/>
+                </a:solidFill>
+                <a:latin typeface="Consolas" pitchFamily="49" charset="0"/>
+                <a:cs typeface="Consolas" pitchFamily="49" charset="0"/>
+              </a:rPr>
+              <a:t>"));</a:t>
+            </a:r>
+          </a:p>
+          <a:p>
+            <a:pPr>
+              <a:buNone/>
+            </a:pPr>
+            <a:r>
+              <a:rPr lang="nb-NO" sz="800" dirty="0" smtClean="0">
+                <a:solidFill>
+                  <a:srgbClr val="FF0000"/>
+                </a:solidFill>
+                <a:latin typeface="Consolas" pitchFamily="49" charset="0"/>
+                <a:cs typeface="Consolas" pitchFamily="49" charset="0"/>
+              </a:rPr>
+              <a:t>      </a:t>
+            </a:r>
+            <a:r>
+              <a:rPr lang="nb-NO" sz="800" dirty="0" err="1" smtClean="0">
+                <a:solidFill>
+                  <a:srgbClr val="FF0000"/>
+                </a:solidFill>
+                <a:latin typeface="Consolas" pitchFamily="49" charset="0"/>
+                <a:cs typeface="Consolas" pitchFamily="49" charset="0"/>
+              </a:rPr>
+              <a:t>Class.forName</a:t>
+            </a:r>
+            <a:r>
+              <a:rPr lang="nb-NO" sz="800" dirty="0" smtClean="0">
+                <a:solidFill>
+                  <a:srgbClr val="FF0000"/>
+                </a:solidFill>
+                <a:latin typeface="Consolas" pitchFamily="49" charset="0"/>
+                <a:cs typeface="Consolas" pitchFamily="49" charset="0"/>
+              </a:rPr>
+              <a:t>(</a:t>
+            </a:r>
+            <a:r>
+              <a:rPr lang="nb-NO" sz="800" dirty="0" err="1" smtClean="0">
+                <a:solidFill>
+                  <a:srgbClr val="FF0000"/>
+                </a:solidFill>
+                <a:latin typeface="Consolas" pitchFamily="49" charset="0"/>
+                <a:cs typeface="Consolas" pitchFamily="49" charset="0"/>
+              </a:rPr>
+              <a:t>properties.getProperty</a:t>
+            </a:r>
+            <a:r>
+              <a:rPr lang="nb-NO" sz="800" dirty="0" smtClean="0">
+                <a:solidFill>
+                  <a:srgbClr val="FF0000"/>
+                </a:solidFill>
+                <a:latin typeface="Consolas" pitchFamily="49" charset="0"/>
+                <a:cs typeface="Consolas" pitchFamily="49" charset="0"/>
+              </a:rPr>
+              <a:t>("</a:t>
+            </a:r>
+            <a:r>
+              <a:rPr lang="nb-NO" sz="800" dirty="0" err="1" smtClean="0">
+                <a:solidFill>
+                  <a:srgbClr val="FF0000"/>
+                </a:solidFill>
+                <a:latin typeface="Consolas" pitchFamily="49" charset="0"/>
+                <a:cs typeface="Consolas" pitchFamily="49" charset="0"/>
+              </a:rPr>
+              <a:t>driverClassName</a:t>
+            </a:r>
+            <a:r>
+              <a:rPr lang="nb-NO" sz="800" dirty="0" smtClean="0">
+                <a:solidFill>
+                  <a:srgbClr val="FF0000"/>
+                </a:solidFill>
+                <a:latin typeface="Consolas" pitchFamily="49" charset="0"/>
+                <a:cs typeface="Consolas" pitchFamily="49" charset="0"/>
+              </a:rPr>
+              <a:t>"));</a:t>
+            </a:r>
+          </a:p>
+          <a:p>
+            <a:pPr>
+              <a:buNone/>
+            </a:pPr>
+            <a:r>
+              <a:rPr lang="nb-NO" sz="800" dirty="0" smtClean="0">
+                <a:solidFill>
+                  <a:srgbClr val="FF0000"/>
+                </a:solidFill>
+                <a:latin typeface="Consolas" pitchFamily="49" charset="0"/>
+                <a:cs typeface="Consolas" pitchFamily="49" charset="0"/>
+              </a:rPr>
+              <a:t>    }</a:t>
+            </a:r>
+          </a:p>
+          <a:p>
+            <a:pPr>
+              <a:buNone/>
+            </a:pPr>
+            <a:r>
+              <a:rPr lang="nb-NO" sz="800" dirty="0" smtClean="0">
+                <a:solidFill>
+                  <a:srgbClr val="FF0000"/>
+                </a:solidFill>
+                <a:latin typeface="Consolas" pitchFamily="49" charset="0"/>
+                <a:cs typeface="Consolas" pitchFamily="49" charset="0"/>
+              </a:rPr>
+              <a:t>    </a:t>
+            </a:r>
+            <a:r>
+              <a:rPr lang="nb-NO" sz="800" dirty="0" err="1" smtClean="0">
+                <a:solidFill>
+                  <a:srgbClr val="FF0000"/>
+                </a:solidFill>
+                <a:latin typeface="Consolas" pitchFamily="49" charset="0"/>
+                <a:cs typeface="Consolas" pitchFamily="49" charset="0"/>
+              </a:rPr>
+              <a:t>catch</a:t>
+            </a:r>
+            <a:r>
+              <a:rPr lang="nb-NO" sz="800" dirty="0" smtClean="0">
+                <a:solidFill>
+                  <a:srgbClr val="FF0000"/>
+                </a:solidFill>
+                <a:latin typeface="Consolas" pitchFamily="49" charset="0"/>
+                <a:cs typeface="Consolas" pitchFamily="49" charset="0"/>
+              </a:rPr>
+              <a:t> (final </a:t>
+            </a:r>
+            <a:r>
+              <a:rPr lang="nb-NO" sz="800" dirty="0" err="1" smtClean="0">
+                <a:solidFill>
+                  <a:srgbClr val="FF0000"/>
+                </a:solidFill>
+                <a:latin typeface="Consolas" pitchFamily="49" charset="0"/>
+                <a:cs typeface="Consolas" pitchFamily="49" charset="0"/>
+              </a:rPr>
+              <a:t>IOException</a:t>
+            </a:r>
+            <a:r>
+              <a:rPr lang="nb-NO" sz="800" dirty="0" smtClean="0">
+                <a:solidFill>
+                  <a:srgbClr val="FF0000"/>
+                </a:solidFill>
+                <a:latin typeface="Consolas" pitchFamily="49" charset="0"/>
+                <a:cs typeface="Consolas" pitchFamily="49" charset="0"/>
+              </a:rPr>
+              <a:t> e) {</a:t>
+            </a:r>
+          </a:p>
+          <a:p>
+            <a:pPr>
+              <a:buNone/>
+            </a:pPr>
+            <a:r>
+              <a:rPr lang="nb-NO" sz="800" dirty="0" smtClean="0">
+                <a:solidFill>
+                  <a:srgbClr val="FF0000"/>
+                </a:solidFill>
+                <a:latin typeface="Consolas" pitchFamily="49" charset="0"/>
+                <a:cs typeface="Consolas" pitchFamily="49" charset="0"/>
+              </a:rPr>
+              <a:t>        </a:t>
+            </a:r>
+            <a:r>
+              <a:rPr lang="nb-NO" sz="800" dirty="0" err="1" smtClean="0">
+                <a:solidFill>
+                  <a:srgbClr val="FF0000"/>
+                </a:solidFill>
+                <a:latin typeface="Consolas" pitchFamily="49" charset="0"/>
+                <a:cs typeface="Consolas" pitchFamily="49" charset="0"/>
+              </a:rPr>
+              <a:t>throw</a:t>
+            </a:r>
+            <a:r>
+              <a:rPr lang="nb-NO" sz="800" dirty="0" smtClean="0">
+                <a:solidFill>
+                  <a:srgbClr val="FF0000"/>
+                </a:solidFill>
+                <a:latin typeface="Consolas" pitchFamily="49" charset="0"/>
+                <a:cs typeface="Consolas" pitchFamily="49" charset="0"/>
+              </a:rPr>
+              <a:t> </a:t>
+            </a:r>
+            <a:r>
+              <a:rPr lang="nb-NO" sz="800" dirty="0" err="1" smtClean="0">
+                <a:solidFill>
+                  <a:srgbClr val="FF0000"/>
+                </a:solidFill>
+                <a:latin typeface="Consolas" pitchFamily="49" charset="0"/>
+                <a:cs typeface="Consolas" pitchFamily="49" charset="0"/>
+              </a:rPr>
+              <a:t>new</a:t>
+            </a:r>
+            <a:r>
+              <a:rPr lang="nb-NO" sz="800" dirty="0" smtClean="0">
+                <a:solidFill>
+                  <a:srgbClr val="FF0000"/>
+                </a:solidFill>
+                <a:latin typeface="Consolas" pitchFamily="49" charset="0"/>
+                <a:cs typeface="Consolas" pitchFamily="49" charset="0"/>
+              </a:rPr>
+              <a:t> </a:t>
+            </a:r>
+            <a:r>
+              <a:rPr lang="nb-NO" sz="800" dirty="0" err="1" smtClean="0">
+                <a:solidFill>
+                  <a:srgbClr val="FF0000"/>
+                </a:solidFill>
+                <a:latin typeface="Consolas" pitchFamily="49" charset="0"/>
+                <a:cs typeface="Consolas" pitchFamily="49" charset="0"/>
+              </a:rPr>
+              <a:t>DbException</a:t>
+            </a:r>
+            <a:r>
+              <a:rPr lang="nb-NO" sz="800" dirty="0" smtClean="0">
+                <a:solidFill>
+                  <a:srgbClr val="FF0000"/>
+                </a:solidFill>
+                <a:latin typeface="Consolas" pitchFamily="49" charset="0"/>
+                <a:cs typeface="Consolas" pitchFamily="49" charset="0"/>
+              </a:rPr>
+              <a:t>(e);</a:t>
+            </a:r>
+          </a:p>
+          <a:p>
+            <a:pPr>
+              <a:buNone/>
+            </a:pPr>
+            <a:r>
+              <a:rPr lang="nb-NO" sz="800" dirty="0" smtClean="0">
+                <a:solidFill>
+                  <a:srgbClr val="FF0000"/>
+                </a:solidFill>
+                <a:latin typeface="Consolas" pitchFamily="49" charset="0"/>
+                <a:cs typeface="Consolas" pitchFamily="49" charset="0"/>
+              </a:rPr>
+              <a:t>    }</a:t>
+            </a:r>
+          </a:p>
+          <a:p>
+            <a:pPr>
+              <a:buNone/>
+            </a:pPr>
+            <a:r>
+              <a:rPr lang="nb-NO" sz="800" dirty="0" smtClean="0">
+                <a:solidFill>
+                  <a:srgbClr val="FF0000"/>
+                </a:solidFill>
+                <a:latin typeface="Consolas" pitchFamily="49" charset="0"/>
+                <a:cs typeface="Consolas" pitchFamily="49" charset="0"/>
+              </a:rPr>
+              <a:t>    </a:t>
+            </a:r>
+            <a:r>
+              <a:rPr lang="nb-NO" sz="800" dirty="0" err="1" smtClean="0">
+                <a:solidFill>
+                  <a:srgbClr val="FF0000"/>
+                </a:solidFill>
+                <a:latin typeface="Consolas" pitchFamily="49" charset="0"/>
+                <a:cs typeface="Consolas" pitchFamily="49" charset="0"/>
+              </a:rPr>
+              <a:t>catch</a:t>
+            </a:r>
+            <a:r>
+              <a:rPr lang="nb-NO" sz="800" dirty="0" smtClean="0">
+                <a:solidFill>
+                  <a:srgbClr val="FF0000"/>
+                </a:solidFill>
+                <a:latin typeface="Consolas" pitchFamily="49" charset="0"/>
+                <a:cs typeface="Consolas" pitchFamily="49" charset="0"/>
+              </a:rPr>
+              <a:t> (final </a:t>
+            </a:r>
+            <a:r>
+              <a:rPr lang="nb-NO" sz="800" dirty="0" err="1" smtClean="0">
+                <a:solidFill>
+                  <a:srgbClr val="FF0000"/>
+                </a:solidFill>
+                <a:latin typeface="Consolas" pitchFamily="49" charset="0"/>
+                <a:cs typeface="Consolas" pitchFamily="49" charset="0"/>
+              </a:rPr>
+              <a:t>ClassNotFoundException</a:t>
+            </a:r>
+            <a:r>
+              <a:rPr lang="nb-NO" sz="800" dirty="0" smtClean="0">
+                <a:solidFill>
+                  <a:srgbClr val="FF0000"/>
+                </a:solidFill>
+                <a:latin typeface="Consolas" pitchFamily="49" charset="0"/>
+                <a:cs typeface="Consolas" pitchFamily="49" charset="0"/>
+              </a:rPr>
+              <a:t> e) {</a:t>
+            </a:r>
+          </a:p>
+          <a:p>
+            <a:pPr>
+              <a:buNone/>
+            </a:pPr>
+            <a:r>
+              <a:rPr lang="nb-NO" sz="800" dirty="0" smtClean="0">
+                <a:solidFill>
+                  <a:srgbClr val="FF0000"/>
+                </a:solidFill>
+                <a:latin typeface="Consolas" pitchFamily="49" charset="0"/>
+                <a:cs typeface="Consolas" pitchFamily="49" charset="0"/>
+              </a:rPr>
+              <a:t>      </a:t>
+            </a:r>
+            <a:r>
+              <a:rPr lang="nb-NO" sz="800" dirty="0" err="1" smtClean="0">
+                <a:solidFill>
+                  <a:srgbClr val="FF0000"/>
+                </a:solidFill>
+                <a:latin typeface="Consolas" pitchFamily="49" charset="0"/>
+                <a:cs typeface="Consolas" pitchFamily="49" charset="0"/>
+              </a:rPr>
+              <a:t>throw</a:t>
+            </a:r>
+            <a:r>
+              <a:rPr lang="nb-NO" sz="800" dirty="0" smtClean="0">
+                <a:solidFill>
+                  <a:srgbClr val="FF0000"/>
+                </a:solidFill>
+                <a:latin typeface="Consolas" pitchFamily="49" charset="0"/>
+                <a:cs typeface="Consolas" pitchFamily="49" charset="0"/>
+              </a:rPr>
+              <a:t> </a:t>
+            </a:r>
+            <a:r>
+              <a:rPr lang="nb-NO" sz="800" dirty="0" err="1" smtClean="0">
+                <a:solidFill>
+                  <a:srgbClr val="FF0000"/>
+                </a:solidFill>
+                <a:latin typeface="Consolas" pitchFamily="49" charset="0"/>
+                <a:cs typeface="Consolas" pitchFamily="49" charset="0"/>
+              </a:rPr>
+              <a:t>new</a:t>
+            </a:r>
+            <a:r>
+              <a:rPr lang="nb-NO" sz="800" dirty="0" smtClean="0">
+                <a:solidFill>
+                  <a:srgbClr val="FF0000"/>
+                </a:solidFill>
+                <a:latin typeface="Consolas" pitchFamily="49" charset="0"/>
+                <a:cs typeface="Consolas" pitchFamily="49" charset="0"/>
+              </a:rPr>
+              <a:t> </a:t>
+            </a:r>
+            <a:r>
+              <a:rPr lang="nb-NO" sz="800" dirty="0" err="1" smtClean="0">
+                <a:solidFill>
+                  <a:srgbClr val="FF0000"/>
+                </a:solidFill>
+                <a:latin typeface="Consolas" pitchFamily="49" charset="0"/>
+                <a:cs typeface="Consolas" pitchFamily="49" charset="0"/>
+              </a:rPr>
+              <a:t>DbException</a:t>
+            </a:r>
+            <a:r>
+              <a:rPr lang="nb-NO" sz="800" dirty="0" smtClean="0">
+                <a:solidFill>
+                  <a:srgbClr val="FF0000"/>
+                </a:solidFill>
+                <a:latin typeface="Consolas" pitchFamily="49" charset="0"/>
+                <a:cs typeface="Consolas" pitchFamily="49" charset="0"/>
+              </a:rPr>
+              <a:t>(e);</a:t>
+            </a:r>
+          </a:p>
+          <a:p>
+            <a:pPr>
+              <a:buNone/>
+            </a:pPr>
+            <a:r>
+              <a:rPr lang="nb-NO" sz="800" dirty="0" smtClean="0">
+                <a:solidFill>
+                  <a:srgbClr val="FF0000"/>
+                </a:solidFill>
+                <a:latin typeface="Consolas" pitchFamily="49" charset="0"/>
+                <a:cs typeface="Consolas" pitchFamily="49" charset="0"/>
+              </a:rPr>
+              <a:t>    }</a:t>
+            </a:r>
+          </a:p>
+          <a:p>
+            <a:pPr>
+              <a:buNone/>
+            </a:pPr>
+            <a:r>
+              <a:rPr lang="nb-NO" sz="800" dirty="0" smtClean="0">
+                <a:solidFill>
+                  <a:srgbClr val="FF0000"/>
+                </a:solidFill>
+                <a:latin typeface="Consolas" pitchFamily="49" charset="0"/>
+                <a:cs typeface="Consolas" pitchFamily="49" charset="0"/>
+              </a:rPr>
+              <a:t>    </a:t>
+            </a:r>
+            <a:r>
+              <a:rPr lang="nb-NO" sz="800" dirty="0" err="1" smtClean="0">
+                <a:solidFill>
+                  <a:srgbClr val="FF0000"/>
+                </a:solidFill>
+                <a:latin typeface="Consolas" pitchFamily="49" charset="0"/>
+                <a:cs typeface="Consolas" pitchFamily="49" charset="0"/>
+              </a:rPr>
+              <a:t>try</a:t>
+            </a:r>
+            <a:r>
+              <a:rPr lang="nb-NO" sz="800" dirty="0" smtClean="0">
+                <a:solidFill>
+                  <a:srgbClr val="FF0000"/>
+                </a:solidFill>
+                <a:latin typeface="Consolas" pitchFamily="49" charset="0"/>
+                <a:cs typeface="Consolas" pitchFamily="49" charset="0"/>
+              </a:rPr>
+              <a:t> {</a:t>
+            </a:r>
+          </a:p>
+          <a:p>
+            <a:pPr>
+              <a:buNone/>
+            </a:pPr>
+            <a:r>
+              <a:rPr lang="nb-NO" sz="800" dirty="0" smtClean="0">
+                <a:solidFill>
+                  <a:srgbClr val="FF0000"/>
+                </a:solidFill>
+                <a:latin typeface="Consolas" pitchFamily="49" charset="0"/>
+                <a:cs typeface="Consolas" pitchFamily="49" charset="0"/>
+              </a:rPr>
+              <a:t>      </a:t>
+            </a:r>
+            <a:r>
+              <a:rPr lang="nb-NO" sz="800" dirty="0" err="1" smtClean="0">
+                <a:solidFill>
+                  <a:srgbClr val="FF0000"/>
+                </a:solidFill>
+                <a:latin typeface="Consolas" pitchFamily="49" charset="0"/>
+                <a:cs typeface="Consolas" pitchFamily="49" charset="0"/>
+              </a:rPr>
+              <a:t>conn</a:t>
+            </a:r>
+            <a:r>
+              <a:rPr lang="nb-NO" sz="800" dirty="0" smtClean="0">
+                <a:solidFill>
+                  <a:srgbClr val="FF0000"/>
+                </a:solidFill>
+                <a:latin typeface="Consolas" pitchFamily="49" charset="0"/>
+                <a:cs typeface="Consolas" pitchFamily="49" charset="0"/>
+              </a:rPr>
+              <a:t>= </a:t>
+            </a:r>
+            <a:r>
+              <a:rPr lang="nb-NO" sz="800" dirty="0" err="1" smtClean="0">
+                <a:solidFill>
+                  <a:srgbClr val="FF0000"/>
+                </a:solidFill>
+                <a:latin typeface="Consolas" pitchFamily="49" charset="0"/>
+                <a:cs typeface="Consolas" pitchFamily="49" charset="0"/>
+              </a:rPr>
+              <a:t>DriverManager.getConnection</a:t>
+            </a:r>
+            <a:r>
+              <a:rPr lang="nb-NO" sz="800" dirty="0" smtClean="0">
+                <a:solidFill>
+                  <a:srgbClr val="FF0000"/>
+                </a:solidFill>
+                <a:latin typeface="Consolas" pitchFamily="49" charset="0"/>
+                <a:cs typeface="Consolas" pitchFamily="49" charset="0"/>
+              </a:rPr>
+              <a:t>(</a:t>
+            </a:r>
+            <a:r>
+              <a:rPr lang="nb-NO" sz="800" dirty="0" err="1" smtClean="0">
+                <a:solidFill>
+                  <a:srgbClr val="FF0000"/>
+                </a:solidFill>
+                <a:latin typeface="Consolas" pitchFamily="49" charset="0"/>
+                <a:cs typeface="Consolas" pitchFamily="49" charset="0"/>
+              </a:rPr>
+              <a:t>properties.getProperty</a:t>
+            </a:r>
+            <a:r>
+              <a:rPr lang="nb-NO" sz="800" dirty="0" smtClean="0">
+                <a:solidFill>
+                  <a:srgbClr val="FF0000"/>
+                </a:solidFill>
+                <a:latin typeface="Consolas" pitchFamily="49" charset="0"/>
+                <a:cs typeface="Consolas" pitchFamily="49" charset="0"/>
+              </a:rPr>
+              <a:t>("url"),</a:t>
+            </a:r>
+          </a:p>
+          <a:p>
+            <a:pPr>
+              <a:buNone/>
+            </a:pPr>
+            <a:r>
+              <a:rPr lang="nb-NO" sz="800" dirty="0" smtClean="0">
+                <a:solidFill>
+                  <a:srgbClr val="FF0000"/>
+                </a:solidFill>
+                <a:latin typeface="Consolas" pitchFamily="49" charset="0"/>
+                <a:cs typeface="Consolas" pitchFamily="49" charset="0"/>
+              </a:rPr>
+              <a:t>                                        </a:t>
+            </a:r>
+            <a:r>
+              <a:rPr lang="nb-NO" sz="800" dirty="0" err="1" smtClean="0">
+                <a:solidFill>
+                  <a:srgbClr val="FF0000"/>
+                </a:solidFill>
+                <a:latin typeface="Consolas" pitchFamily="49" charset="0"/>
+                <a:cs typeface="Consolas" pitchFamily="49" charset="0"/>
+              </a:rPr>
+              <a:t>properties</a:t>
+            </a:r>
+            <a:r>
+              <a:rPr lang="nb-NO" sz="800" dirty="0" smtClean="0">
+                <a:solidFill>
+                  <a:srgbClr val="FF0000"/>
+                </a:solidFill>
+                <a:latin typeface="Consolas" pitchFamily="49" charset="0"/>
+                <a:cs typeface="Consolas" pitchFamily="49" charset="0"/>
+              </a:rPr>
+              <a:t>);</a:t>
+            </a:r>
+          </a:p>
+          <a:p>
+            <a:pPr>
+              <a:buNone/>
+            </a:pPr>
+            <a:r>
+              <a:rPr lang="nb-NO" sz="800" dirty="0" smtClean="0">
+                <a:solidFill>
+                  <a:srgbClr val="FF0000"/>
+                </a:solidFill>
+                <a:latin typeface="Consolas" pitchFamily="49" charset="0"/>
+                <a:cs typeface="Consolas" pitchFamily="49" charset="0"/>
+              </a:rPr>
+              <a:t>      </a:t>
+            </a:r>
+            <a:r>
+              <a:rPr lang="nb-NO" sz="800" dirty="0" err="1" smtClean="0">
+                <a:solidFill>
+                  <a:srgbClr val="FF0000"/>
+                </a:solidFill>
+                <a:latin typeface="Consolas" pitchFamily="49" charset="0"/>
+                <a:cs typeface="Consolas" pitchFamily="49" charset="0"/>
+              </a:rPr>
+              <a:t>stmt</a:t>
+            </a:r>
+            <a:r>
+              <a:rPr lang="nb-NO" sz="800" dirty="0" smtClean="0">
+                <a:solidFill>
+                  <a:srgbClr val="FF0000"/>
+                </a:solidFill>
+                <a:latin typeface="Consolas" pitchFamily="49" charset="0"/>
+                <a:cs typeface="Consolas" pitchFamily="49" charset="0"/>
+              </a:rPr>
+              <a:t>= </a:t>
+            </a:r>
+            <a:r>
+              <a:rPr lang="nb-NO" sz="800" dirty="0" err="1" smtClean="0">
+                <a:solidFill>
+                  <a:srgbClr val="FF0000"/>
+                </a:solidFill>
+                <a:latin typeface="Consolas" pitchFamily="49" charset="0"/>
+                <a:cs typeface="Consolas" pitchFamily="49" charset="0"/>
+              </a:rPr>
+              <a:t>conn.createStatement</a:t>
+            </a:r>
+            <a:r>
+              <a:rPr lang="nb-NO" sz="800" dirty="0" smtClean="0">
+                <a:solidFill>
+                  <a:srgbClr val="FF0000"/>
+                </a:solidFill>
+                <a:latin typeface="Consolas" pitchFamily="49" charset="0"/>
+                <a:cs typeface="Consolas" pitchFamily="49" charset="0"/>
+              </a:rPr>
+              <a:t>();</a:t>
+            </a:r>
+          </a:p>
+          <a:p>
+            <a:pPr>
+              <a:buNone/>
+            </a:pPr>
+            <a:r>
+              <a:rPr lang="nb-NO" sz="800" dirty="0" smtClean="0">
+                <a:solidFill>
+                  <a:srgbClr val="FF0000"/>
+                </a:solidFill>
+                <a:latin typeface="Consolas" pitchFamily="49" charset="0"/>
+                <a:cs typeface="Consolas" pitchFamily="49" charset="0"/>
+              </a:rPr>
+              <a:t>      </a:t>
+            </a:r>
+            <a:r>
+              <a:rPr lang="nb-NO" sz="800" dirty="0" err="1" smtClean="0">
+                <a:solidFill>
+                  <a:srgbClr val="FF0000"/>
+                </a:solidFill>
+                <a:latin typeface="Consolas" pitchFamily="49" charset="0"/>
+                <a:cs typeface="Consolas" pitchFamily="49" charset="0"/>
+              </a:rPr>
+              <a:t>rs</a:t>
+            </a:r>
+            <a:r>
+              <a:rPr lang="nb-NO" sz="800" dirty="0" smtClean="0">
+                <a:solidFill>
+                  <a:srgbClr val="FF0000"/>
+                </a:solidFill>
+                <a:latin typeface="Consolas" pitchFamily="49" charset="0"/>
+                <a:cs typeface="Consolas" pitchFamily="49" charset="0"/>
+              </a:rPr>
+              <a:t>= </a:t>
+            </a:r>
+            <a:r>
+              <a:rPr lang="nb-NO" sz="800" dirty="0" err="1" smtClean="0">
+                <a:solidFill>
+                  <a:srgbClr val="FF0000"/>
+                </a:solidFill>
+                <a:latin typeface="Consolas" pitchFamily="49" charset="0"/>
+                <a:cs typeface="Consolas" pitchFamily="49" charset="0"/>
+              </a:rPr>
+              <a:t>stmt.executeQuery</a:t>
+            </a:r>
+            <a:r>
+              <a:rPr lang="nb-NO" sz="800" dirty="0" smtClean="0">
+                <a:solidFill>
+                  <a:srgbClr val="FF0000"/>
+                </a:solidFill>
+                <a:latin typeface="Consolas" pitchFamily="49" charset="0"/>
+                <a:cs typeface="Consolas" pitchFamily="49" charset="0"/>
+              </a:rPr>
+              <a:t>("</a:t>
+            </a:r>
+            <a:r>
+              <a:rPr lang="nb-NO" sz="800" dirty="0" err="1" smtClean="0">
+                <a:solidFill>
+                  <a:srgbClr val="FF0000"/>
+                </a:solidFill>
+                <a:latin typeface="Consolas" pitchFamily="49" charset="0"/>
+                <a:cs typeface="Consolas" pitchFamily="49" charset="0"/>
+              </a:rPr>
+              <a:t>select</a:t>
+            </a:r>
+            <a:r>
+              <a:rPr lang="nb-NO" sz="800" dirty="0" smtClean="0">
+                <a:solidFill>
+                  <a:srgbClr val="FF0000"/>
+                </a:solidFill>
+                <a:latin typeface="Consolas" pitchFamily="49" charset="0"/>
+                <a:cs typeface="Consolas" pitchFamily="49" charset="0"/>
+              </a:rPr>
+              <a:t> sum(</a:t>
+            </a:r>
+            <a:r>
+              <a:rPr lang="nb-NO" sz="800" dirty="0" err="1" smtClean="0">
+                <a:solidFill>
+                  <a:srgbClr val="FF0000"/>
+                </a:solidFill>
+                <a:latin typeface="Consolas" pitchFamily="49" charset="0"/>
+                <a:cs typeface="Consolas" pitchFamily="49" charset="0"/>
+              </a:rPr>
+              <a:t>weight</a:t>
+            </a:r>
+            <a:r>
+              <a:rPr lang="nb-NO" sz="800" dirty="0" smtClean="0">
+                <a:solidFill>
+                  <a:srgbClr val="FF0000"/>
+                </a:solidFill>
+                <a:latin typeface="Consolas" pitchFamily="49" charset="0"/>
+                <a:cs typeface="Consolas" pitchFamily="49" charset="0"/>
+              </a:rPr>
+              <a:t>) from </a:t>
+            </a:r>
+            <a:r>
+              <a:rPr lang="nb-NO" sz="800" dirty="0" err="1" smtClean="0">
+                <a:solidFill>
+                  <a:srgbClr val="FF0000"/>
+                </a:solidFill>
+                <a:latin typeface="Consolas" pitchFamily="49" charset="0"/>
+                <a:cs typeface="Consolas" pitchFamily="49" charset="0"/>
+              </a:rPr>
+              <a:t>Fish</a:t>
+            </a:r>
+            <a:r>
+              <a:rPr lang="nb-NO" sz="800" dirty="0" smtClean="0">
+                <a:solidFill>
+                  <a:srgbClr val="FF0000"/>
+                </a:solidFill>
+                <a:latin typeface="Consolas" pitchFamily="49" charset="0"/>
+                <a:cs typeface="Consolas" pitchFamily="49" charset="0"/>
+              </a:rPr>
+              <a:t>");</a:t>
+            </a:r>
+          </a:p>
+          <a:p>
+            <a:pPr>
+              <a:buNone/>
+            </a:pPr>
+            <a:r>
+              <a:rPr lang="nb-NO" sz="800" dirty="0" smtClean="0">
+                <a:solidFill>
+                  <a:srgbClr val="FF0000"/>
+                </a:solidFill>
+                <a:latin typeface="Consolas" pitchFamily="49" charset="0"/>
+                <a:cs typeface="Consolas" pitchFamily="49" charset="0"/>
+              </a:rPr>
+              <a:t>      </a:t>
+            </a:r>
+            <a:r>
+              <a:rPr lang="nb-NO" sz="800" dirty="0" err="1" smtClean="0">
+                <a:solidFill>
+                  <a:srgbClr val="FF0000"/>
+                </a:solidFill>
+                <a:latin typeface="Consolas" pitchFamily="49" charset="0"/>
+                <a:cs typeface="Consolas" pitchFamily="49" charset="0"/>
+              </a:rPr>
+              <a:t>if</a:t>
+            </a:r>
+            <a:r>
+              <a:rPr lang="nb-NO" sz="800" dirty="0" smtClean="0">
+                <a:solidFill>
+                  <a:srgbClr val="FF0000"/>
+                </a:solidFill>
+                <a:latin typeface="Consolas" pitchFamily="49" charset="0"/>
+                <a:cs typeface="Consolas" pitchFamily="49" charset="0"/>
+              </a:rPr>
+              <a:t> (</a:t>
+            </a:r>
+            <a:r>
+              <a:rPr lang="nb-NO" sz="800" dirty="0" err="1" smtClean="0">
+                <a:solidFill>
+                  <a:srgbClr val="FF0000"/>
+                </a:solidFill>
+                <a:latin typeface="Consolas" pitchFamily="49" charset="0"/>
+                <a:cs typeface="Consolas" pitchFamily="49" charset="0"/>
+              </a:rPr>
+              <a:t>rs.next</a:t>
+            </a:r>
+            <a:r>
+              <a:rPr lang="nb-NO" sz="800" dirty="0" smtClean="0">
+                <a:solidFill>
+                  <a:srgbClr val="FF0000"/>
+                </a:solidFill>
+                <a:latin typeface="Consolas" pitchFamily="49" charset="0"/>
+                <a:cs typeface="Consolas" pitchFamily="49" charset="0"/>
+              </a:rPr>
+              <a:t>()) {</a:t>
+            </a:r>
+          </a:p>
+          <a:p>
+            <a:pPr>
+              <a:buNone/>
+            </a:pPr>
+            <a:r>
+              <a:rPr lang="nb-NO" sz="800" dirty="0" smtClean="0">
+                <a:solidFill>
+                  <a:srgbClr val="FF0000"/>
+                </a:solidFill>
+                <a:latin typeface="Consolas" pitchFamily="49" charset="0"/>
+                <a:cs typeface="Consolas" pitchFamily="49" charset="0"/>
+              </a:rPr>
+              <a:t>        </a:t>
+            </a:r>
+            <a:r>
+              <a:rPr lang="nb-NO" sz="800" dirty="0" err="1" smtClean="0">
+                <a:solidFill>
+                  <a:srgbClr val="FF0000"/>
+                </a:solidFill>
+                <a:latin typeface="Consolas" pitchFamily="49" charset="0"/>
+                <a:cs typeface="Consolas" pitchFamily="49" charset="0"/>
+              </a:rPr>
+              <a:t>return</a:t>
+            </a:r>
+            <a:r>
+              <a:rPr lang="nb-NO" sz="800" dirty="0" smtClean="0">
+                <a:solidFill>
+                  <a:srgbClr val="FF0000"/>
+                </a:solidFill>
+                <a:latin typeface="Consolas" pitchFamily="49" charset="0"/>
+                <a:cs typeface="Consolas" pitchFamily="49" charset="0"/>
+              </a:rPr>
+              <a:t> </a:t>
+            </a:r>
+            <a:r>
+              <a:rPr lang="nb-NO" sz="800" dirty="0" err="1" smtClean="0">
+                <a:solidFill>
+                  <a:srgbClr val="FF0000"/>
+                </a:solidFill>
+                <a:latin typeface="Consolas" pitchFamily="49" charset="0"/>
+                <a:cs typeface="Consolas" pitchFamily="49" charset="0"/>
+              </a:rPr>
+              <a:t>rs.getInt</a:t>
+            </a:r>
+            <a:r>
+              <a:rPr lang="nb-NO" sz="800" dirty="0" smtClean="0">
+                <a:solidFill>
+                  <a:srgbClr val="FF0000"/>
+                </a:solidFill>
+                <a:latin typeface="Consolas" pitchFamily="49" charset="0"/>
+                <a:cs typeface="Consolas" pitchFamily="49" charset="0"/>
+              </a:rPr>
+              <a:t>(1);</a:t>
+            </a:r>
+          </a:p>
+          <a:p>
+            <a:pPr>
+              <a:buNone/>
+            </a:pPr>
+            <a:r>
+              <a:rPr lang="nb-NO" sz="800" dirty="0" smtClean="0">
+                <a:solidFill>
+                  <a:srgbClr val="FF0000"/>
+                </a:solidFill>
+                <a:latin typeface="Consolas" pitchFamily="49" charset="0"/>
+                <a:cs typeface="Consolas" pitchFamily="49" charset="0"/>
+              </a:rPr>
+              <a:t>      }</a:t>
+            </a:r>
+          </a:p>
+          <a:p>
+            <a:pPr>
+              <a:buNone/>
+            </a:pPr>
+            <a:r>
+              <a:rPr lang="nb-NO" sz="800" dirty="0" smtClean="0">
+                <a:solidFill>
+                  <a:srgbClr val="FF0000"/>
+                </a:solidFill>
+                <a:latin typeface="Consolas" pitchFamily="49" charset="0"/>
+                <a:cs typeface="Consolas" pitchFamily="49" charset="0"/>
+              </a:rPr>
+              <a:t>    }</a:t>
+            </a:r>
+          </a:p>
+          <a:p>
+            <a:pPr>
+              <a:buNone/>
+            </a:pPr>
+            <a:r>
+              <a:rPr lang="nb-NO" sz="800" dirty="0" smtClean="0">
+                <a:solidFill>
+                  <a:srgbClr val="FF0000"/>
+                </a:solidFill>
+                <a:latin typeface="Consolas" pitchFamily="49" charset="0"/>
+                <a:cs typeface="Consolas" pitchFamily="49" charset="0"/>
+              </a:rPr>
+              <a:t>    </a:t>
+            </a:r>
+            <a:r>
+              <a:rPr lang="nb-NO" sz="800" dirty="0" err="1" smtClean="0">
+                <a:solidFill>
+                  <a:srgbClr val="FF0000"/>
+                </a:solidFill>
+                <a:latin typeface="Consolas" pitchFamily="49" charset="0"/>
+                <a:cs typeface="Consolas" pitchFamily="49" charset="0"/>
+              </a:rPr>
+              <a:t>catch</a:t>
+            </a:r>
+            <a:r>
+              <a:rPr lang="nb-NO" sz="800" dirty="0" smtClean="0">
+                <a:solidFill>
+                  <a:srgbClr val="FF0000"/>
+                </a:solidFill>
+                <a:latin typeface="Consolas" pitchFamily="49" charset="0"/>
+                <a:cs typeface="Consolas" pitchFamily="49" charset="0"/>
+              </a:rPr>
+              <a:t> (final </a:t>
+            </a:r>
+            <a:r>
+              <a:rPr lang="nb-NO" sz="800" dirty="0" err="1" smtClean="0">
+                <a:solidFill>
+                  <a:srgbClr val="FF0000"/>
+                </a:solidFill>
+                <a:latin typeface="Consolas" pitchFamily="49" charset="0"/>
+                <a:cs typeface="Consolas" pitchFamily="49" charset="0"/>
+              </a:rPr>
+              <a:t>SQLException</a:t>
+            </a:r>
+            <a:r>
+              <a:rPr lang="nb-NO" sz="800" dirty="0" smtClean="0">
+                <a:solidFill>
+                  <a:srgbClr val="FF0000"/>
+                </a:solidFill>
+                <a:latin typeface="Consolas" pitchFamily="49" charset="0"/>
+                <a:cs typeface="Consolas" pitchFamily="49" charset="0"/>
+              </a:rPr>
+              <a:t> e) {</a:t>
+            </a:r>
+          </a:p>
+          <a:p>
+            <a:pPr>
+              <a:buNone/>
+            </a:pPr>
+            <a:r>
+              <a:rPr lang="nb-NO" sz="800" dirty="0" smtClean="0">
+                <a:solidFill>
+                  <a:srgbClr val="FF0000"/>
+                </a:solidFill>
+                <a:latin typeface="Consolas" pitchFamily="49" charset="0"/>
+                <a:cs typeface="Consolas" pitchFamily="49" charset="0"/>
+              </a:rPr>
+              <a:t>      </a:t>
+            </a:r>
+            <a:r>
+              <a:rPr lang="nb-NO" sz="800" dirty="0" err="1" smtClean="0">
+                <a:solidFill>
+                  <a:srgbClr val="FF0000"/>
+                </a:solidFill>
+                <a:latin typeface="Consolas" pitchFamily="49" charset="0"/>
+                <a:cs typeface="Consolas" pitchFamily="49" charset="0"/>
+              </a:rPr>
+              <a:t>throw</a:t>
+            </a:r>
+            <a:r>
+              <a:rPr lang="nb-NO" sz="800" dirty="0" smtClean="0">
+                <a:solidFill>
+                  <a:srgbClr val="FF0000"/>
+                </a:solidFill>
+                <a:latin typeface="Consolas" pitchFamily="49" charset="0"/>
+                <a:cs typeface="Consolas" pitchFamily="49" charset="0"/>
+              </a:rPr>
+              <a:t> </a:t>
+            </a:r>
+            <a:r>
+              <a:rPr lang="nb-NO" sz="800" dirty="0" err="1" smtClean="0">
+                <a:solidFill>
+                  <a:srgbClr val="FF0000"/>
+                </a:solidFill>
+                <a:latin typeface="Consolas" pitchFamily="49" charset="0"/>
+                <a:cs typeface="Consolas" pitchFamily="49" charset="0"/>
+              </a:rPr>
+              <a:t>new</a:t>
+            </a:r>
+            <a:r>
+              <a:rPr lang="nb-NO" sz="800" dirty="0" smtClean="0">
+                <a:solidFill>
+                  <a:srgbClr val="FF0000"/>
+                </a:solidFill>
+                <a:latin typeface="Consolas" pitchFamily="49" charset="0"/>
+                <a:cs typeface="Consolas" pitchFamily="49" charset="0"/>
+              </a:rPr>
+              <a:t> </a:t>
+            </a:r>
+            <a:r>
+              <a:rPr lang="nb-NO" sz="800" dirty="0" err="1" smtClean="0">
+                <a:solidFill>
+                  <a:srgbClr val="FF0000"/>
+                </a:solidFill>
+                <a:latin typeface="Consolas" pitchFamily="49" charset="0"/>
+                <a:cs typeface="Consolas" pitchFamily="49" charset="0"/>
+              </a:rPr>
+              <a:t>DbException</a:t>
+            </a:r>
+            <a:r>
+              <a:rPr lang="nb-NO" sz="800" dirty="0" smtClean="0">
+                <a:solidFill>
+                  <a:srgbClr val="FF0000"/>
+                </a:solidFill>
+                <a:latin typeface="Consolas" pitchFamily="49" charset="0"/>
+                <a:cs typeface="Consolas" pitchFamily="49" charset="0"/>
+              </a:rPr>
+              <a:t>(e);</a:t>
+            </a:r>
+          </a:p>
+          <a:p>
+            <a:pPr>
+              <a:buNone/>
+            </a:pPr>
+            <a:r>
+              <a:rPr lang="nb-NO" sz="800" dirty="0" smtClean="0">
+                <a:solidFill>
+                  <a:srgbClr val="FF0000"/>
+                </a:solidFill>
+                <a:latin typeface="Consolas" pitchFamily="49" charset="0"/>
+                <a:cs typeface="Consolas" pitchFamily="49" charset="0"/>
+              </a:rPr>
+              <a:t>    }</a:t>
+            </a:r>
+          </a:p>
+          <a:p>
+            <a:pPr>
+              <a:buNone/>
+            </a:pPr>
+            <a:r>
+              <a:rPr lang="nb-NO" sz="800" dirty="0" smtClean="0">
+                <a:solidFill>
+                  <a:srgbClr val="FF0000"/>
+                </a:solidFill>
+                <a:latin typeface="Consolas" pitchFamily="49" charset="0"/>
+                <a:cs typeface="Consolas" pitchFamily="49" charset="0"/>
+              </a:rPr>
+              <a:t>    </a:t>
+            </a:r>
+            <a:r>
+              <a:rPr lang="nb-NO" sz="800" dirty="0" err="1" smtClean="0">
+                <a:solidFill>
+                  <a:srgbClr val="FF0000"/>
+                </a:solidFill>
+                <a:latin typeface="Consolas" pitchFamily="49" charset="0"/>
+                <a:cs typeface="Consolas" pitchFamily="49" charset="0"/>
+              </a:rPr>
+              <a:t>finally</a:t>
+            </a:r>
+            <a:r>
+              <a:rPr lang="nb-NO" sz="800" dirty="0" smtClean="0">
+                <a:solidFill>
+                  <a:srgbClr val="FF0000"/>
+                </a:solidFill>
+                <a:latin typeface="Consolas" pitchFamily="49" charset="0"/>
+                <a:cs typeface="Consolas" pitchFamily="49" charset="0"/>
+              </a:rPr>
+              <a:t> {</a:t>
+            </a:r>
+          </a:p>
+          <a:p>
+            <a:pPr>
+              <a:buNone/>
+            </a:pPr>
+            <a:r>
+              <a:rPr lang="nb-NO" sz="800" dirty="0" smtClean="0">
+                <a:solidFill>
+                  <a:srgbClr val="FF0000"/>
+                </a:solidFill>
+                <a:latin typeface="Consolas" pitchFamily="49" charset="0"/>
+                <a:cs typeface="Consolas" pitchFamily="49" charset="0"/>
+              </a:rPr>
+              <a:t>        </a:t>
+            </a:r>
+            <a:r>
+              <a:rPr lang="nb-NO" sz="800" dirty="0" err="1" smtClean="0">
+                <a:solidFill>
+                  <a:srgbClr val="FF0000"/>
+                </a:solidFill>
+                <a:latin typeface="Consolas" pitchFamily="49" charset="0"/>
+                <a:cs typeface="Consolas" pitchFamily="49" charset="0"/>
+              </a:rPr>
+              <a:t>try</a:t>
+            </a:r>
+            <a:r>
+              <a:rPr lang="nb-NO" sz="800" dirty="0" smtClean="0">
+                <a:solidFill>
+                  <a:srgbClr val="FF0000"/>
+                </a:solidFill>
+                <a:latin typeface="Consolas" pitchFamily="49" charset="0"/>
+                <a:cs typeface="Consolas" pitchFamily="49" charset="0"/>
+              </a:rPr>
+              <a:t> {</a:t>
+            </a:r>
+          </a:p>
+          <a:p>
+            <a:pPr>
+              <a:buNone/>
+            </a:pPr>
+            <a:r>
+              <a:rPr lang="nb-NO" sz="800" dirty="0" smtClean="0">
+                <a:solidFill>
+                  <a:srgbClr val="FF0000"/>
+                </a:solidFill>
+                <a:latin typeface="Consolas" pitchFamily="49" charset="0"/>
+                <a:cs typeface="Consolas" pitchFamily="49" charset="0"/>
+              </a:rPr>
+              <a:t>           </a:t>
+            </a:r>
+            <a:r>
+              <a:rPr lang="nb-NO" sz="800" dirty="0" err="1" smtClean="0">
+                <a:solidFill>
+                  <a:srgbClr val="FF0000"/>
+                </a:solidFill>
+                <a:latin typeface="Consolas" pitchFamily="49" charset="0"/>
+                <a:cs typeface="Consolas" pitchFamily="49" charset="0"/>
+              </a:rPr>
+              <a:t>rs.close</a:t>
+            </a:r>
+            <a:r>
+              <a:rPr lang="nb-NO" sz="800" dirty="0" smtClean="0">
+                <a:solidFill>
+                  <a:srgbClr val="FF0000"/>
+                </a:solidFill>
+                <a:latin typeface="Consolas" pitchFamily="49" charset="0"/>
+                <a:cs typeface="Consolas" pitchFamily="49" charset="0"/>
+              </a:rPr>
+              <a:t>();</a:t>
+            </a:r>
+          </a:p>
+          <a:p>
+            <a:pPr>
+              <a:buNone/>
+            </a:pPr>
+            <a:r>
+              <a:rPr lang="nb-NO" sz="800" dirty="0" smtClean="0">
+                <a:solidFill>
+                  <a:srgbClr val="FF0000"/>
+                </a:solidFill>
+                <a:latin typeface="Consolas" pitchFamily="49" charset="0"/>
+                <a:cs typeface="Consolas" pitchFamily="49" charset="0"/>
+              </a:rPr>
+              <a:t>           </a:t>
+            </a:r>
+            <a:r>
+              <a:rPr lang="nb-NO" sz="800" dirty="0" err="1" smtClean="0">
+                <a:solidFill>
+                  <a:srgbClr val="FF0000"/>
+                </a:solidFill>
+                <a:latin typeface="Consolas" pitchFamily="49" charset="0"/>
+                <a:cs typeface="Consolas" pitchFamily="49" charset="0"/>
+              </a:rPr>
+              <a:t>stmt.close</a:t>
+            </a:r>
+            <a:r>
+              <a:rPr lang="nb-NO" sz="800" dirty="0" smtClean="0">
+                <a:solidFill>
+                  <a:srgbClr val="FF0000"/>
+                </a:solidFill>
+                <a:latin typeface="Consolas" pitchFamily="49" charset="0"/>
+                <a:cs typeface="Consolas" pitchFamily="49" charset="0"/>
+              </a:rPr>
+              <a:t>();</a:t>
+            </a:r>
+          </a:p>
+          <a:p>
+            <a:pPr>
+              <a:buNone/>
+            </a:pPr>
+            <a:r>
+              <a:rPr lang="nb-NO" sz="800" dirty="0" smtClean="0">
+                <a:solidFill>
+                  <a:srgbClr val="FF0000"/>
+                </a:solidFill>
+                <a:latin typeface="Consolas" pitchFamily="49" charset="0"/>
+                <a:cs typeface="Consolas" pitchFamily="49" charset="0"/>
+              </a:rPr>
+              <a:t>           </a:t>
+            </a:r>
+            <a:r>
+              <a:rPr lang="nb-NO" sz="800" dirty="0" err="1" smtClean="0">
+                <a:solidFill>
+                  <a:srgbClr val="FF0000"/>
+                </a:solidFill>
+                <a:latin typeface="Consolas" pitchFamily="49" charset="0"/>
+                <a:cs typeface="Consolas" pitchFamily="49" charset="0"/>
+              </a:rPr>
+              <a:t>conn.close</a:t>
+            </a:r>
+            <a:r>
+              <a:rPr lang="nb-NO" sz="800" dirty="0" smtClean="0">
+                <a:solidFill>
+                  <a:srgbClr val="FF0000"/>
+                </a:solidFill>
+                <a:latin typeface="Consolas" pitchFamily="49" charset="0"/>
+                <a:cs typeface="Consolas" pitchFamily="49" charset="0"/>
+              </a:rPr>
+              <a:t>();</a:t>
+            </a:r>
+          </a:p>
+          <a:p>
+            <a:pPr>
+              <a:buNone/>
+            </a:pPr>
+            <a:r>
+              <a:rPr lang="nb-NO" sz="800" dirty="0" smtClean="0">
+                <a:solidFill>
+                  <a:srgbClr val="FF0000"/>
+                </a:solidFill>
+                <a:latin typeface="Consolas" pitchFamily="49" charset="0"/>
+                <a:cs typeface="Consolas" pitchFamily="49" charset="0"/>
+              </a:rPr>
+              <a:t>        }</a:t>
+            </a:r>
+          </a:p>
+          <a:p>
+            <a:pPr>
+              <a:buNone/>
+            </a:pPr>
+            <a:r>
+              <a:rPr lang="nb-NO" sz="800" dirty="0" smtClean="0">
+                <a:solidFill>
+                  <a:srgbClr val="FF0000"/>
+                </a:solidFill>
+                <a:latin typeface="Consolas" pitchFamily="49" charset="0"/>
+                <a:cs typeface="Consolas" pitchFamily="49" charset="0"/>
+              </a:rPr>
+              <a:t>        </a:t>
+            </a:r>
+            <a:r>
+              <a:rPr lang="nb-NO" sz="800" dirty="0" err="1" smtClean="0">
+                <a:solidFill>
+                  <a:srgbClr val="FF0000"/>
+                </a:solidFill>
+                <a:latin typeface="Consolas" pitchFamily="49" charset="0"/>
+                <a:cs typeface="Consolas" pitchFamily="49" charset="0"/>
+              </a:rPr>
+              <a:t>catch</a:t>
+            </a:r>
+            <a:r>
+              <a:rPr lang="nb-NO" sz="800" dirty="0" smtClean="0">
+                <a:solidFill>
+                  <a:srgbClr val="FF0000"/>
+                </a:solidFill>
+                <a:latin typeface="Consolas" pitchFamily="49" charset="0"/>
+                <a:cs typeface="Consolas" pitchFamily="49" charset="0"/>
+              </a:rPr>
+              <a:t> (</a:t>
+            </a:r>
+            <a:r>
+              <a:rPr lang="nb-NO" sz="800" dirty="0" err="1" smtClean="0">
+                <a:solidFill>
+                  <a:srgbClr val="FF0000"/>
+                </a:solidFill>
+                <a:latin typeface="Consolas" pitchFamily="49" charset="0"/>
+                <a:cs typeface="Consolas" pitchFamily="49" charset="0"/>
+              </a:rPr>
+              <a:t>SQLException</a:t>
+            </a:r>
+            <a:r>
+              <a:rPr lang="nb-NO" sz="800" dirty="0" smtClean="0">
+                <a:solidFill>
+                  <a:srgbClr val="FF0000"/>
+                </a:solidFill>
+                <a:latin typeface="Consolas" pitchFamily="49" charset="0"/>
+                <a:cs typeface="Consolas" pitchFamily="49" charset="0"/>
+              </a:rPr>
+              <a:t> </a:t>
+            </a:r>
+            <a:r>
+              <a:rPr lang="nb-NO" sz="800" dirty="0" err="1" smtClean="0">
+                <a:solidFill>
+                  <a:srgbClr val="FF0000"/>
+                </a:solidFill>
+                <a:latin typeface="Consolas" pitchFamily="49" charset="0"/>
+                <a:cs typeface="Consolas" pitchFamily="49" charset="0"/>
+              </a:rPr>
+              <a:t>ignore</a:t>
+            </a:r>
+            <a:r>
+              <a:rPr lang="nb-NO" sz="800" dirty="0" smtClean="0">
+                <a:solidFill>
+                  <a:srgbClr val="FF0000"/>
+                </a:solidFill>
+                <a:latin typeface="Consolas" pitchFamily="49" charset="0"/>
+                <a:cs typeface="Consolas" pitchFamily="49" charset="0"/>
+              </a:rPr>
+              <a:t>) {}</a:t>
+            </a:r>
+          </a:p>
+          <a:p>
+            <a:pPr>
+              <a:buNone/>
+            </a:pPr>
+            <a:r>
+              <a:rPr lang="nb-NO" sz="800" dirty="0" smtClean="0">
+                <a:solidFill>
+                  <a:srgbClr val="FF0000"/>
+                </a:solidFill>
+                <a:latin typeface="Consolas" pitchFamily="49" charset="0"/>
+                <a:cs typeface="Consolas" pitchFamily="49" charset="0"/>
+              </a:rPr>
+              <a:t>    }</a:t>
+            </a:r>
+          </a:p>
+          <a:p>
+            <a:pPr>
+              <a:buNone/>
+            </a:pPr>
+            <a:r>
+              <a:rPr lang="nb-NO" sz="800" dirty="0" smtClean="0">
+                <a:solidFill>
+                  <a:srgbClr val="FF0000"/>
+                </a:solidFill>
+                <a:latin typeface="Consolas" pitchFamily="49" charset="0"/>
+                <a:cs typeface="Consolas" pitchFamily="49" charset="0"/>
+              </a:rPr>
+              <a:t>  }</a:t>
+            </a:r>
+          </a:p>
+          <a:p>
+            <a:pPr>
+              <a:buNone/>
+            </a:pPr>
+            <a:r>
+              <a:rPr lang="nb-NO" sz="800" dirty="0" smtClean="0">
+                <a:solidFill>
+                  <a:srgbClr val="FF0000"/>
+                </a:solidFill>
+                <a:latin typeface="Consolas" pitchFamily="49" charset="0"/>
+                <a:cs typeface="Consolas" pitchFamily="49" charset="0"/>
+              </a:rPr>
+              <a:t>}</a:t>
+            </a:r>
+          </a:p>
+        </p:txBody>
+      </p:sp>
+      <p:sp>
+        <p:nvSpPr>
+          <p:cNvPr id="5" name="Content Placeholder 5"/>
+          <p:cNvSpPr txBox="1">
+            <a:spLocks/>
+          </p:cNvSpPr>
+          <p:nvPr/>
+        </p:nvSpPr>
+        <p:spPr>
+          <a:xfrm>
+            <a:off x="4648200" y="1142984"/>
+            <a:ext cx="4038600" cy="5500726"/>
+          </a:xfrm>
+          <a:prstGeom prst="rect">
+            <a:avLst/>
+          </a:prstGeom>
+        </p:spPr>
+        <p:txBody>
+          <a:bodyPr>
+            <a:normAutofit fontScale="25000" lnSpcReduction="20000"/>
+          </a:bodyPr>
+          <a:lstStyle>
+            <a:lvl1pPr marL="342900" indent="-342900" algn="l" rtl="0" fontAlgn="base">
+              <a:spcBef>
+                <a:spcPct val="20000"/>
+              </a:spcBef>
+              <a:spcAft>
+                <a:spcPct val="0"/>
+              </a:spcAft>
+              <a:buFont typeface="Arial" charset="0"/>
+              <a:buChar char="•"/>
+              <a:defRPr sz="3200" kern="1200">
+                <a:solidFill>
+                  <a:schemeClr val="tx1"/>
+                </a:solidFill>
+                <a:latin typeface="+mn-lt"/>
+                <a:ea typeface="+mn-ea"/>
+                <a:cs typeface="+mn-cs"/>
+              </a:defRPr>
+            </a:lvl1pPr>
+            <a:lvl2pPr marL="742950" indent="-285750" algn="l" rtl="0" fontAlgn="base">
+              <a:spcBef>
+                <a:spcPct val="20000"/>
+              </a:spcBef>
+              <a:spcAft>
+                <a:spcPct val="0"/>
+              </a:spcAft>
+              <a:buFont typeface="Arial" charset="0"/>
+              <a:buChar char="–"/>
+              <a:defRPr sz="2800" kern="1200">
+                <a:solidFill>
+                  <a:schemeClr val="tx1"/>
+                </a:solidFill>
+                <a:latin typeface="+mn-lt"/>
+                <a:ea typeface="+mn-ea"/>
+                <a:cs typeface="+mn-cs"/>
+              </a:defRPr>
+            </a:lvl2pPr>
+            <a:lvl3pPr marL="1143000" indent="-228600" algn="l" rtl="0" fontAlgn="base">
+              <a:spcBef>
+                <a:spcPct val="20000"/>
+              </a:spcBef>
+              <a:spcAft>
+                <a:spcPct val="0"/>
+              </a:spcAft>
+              <a:buFont typeface="Arial" charset="0"/>
+              <a:buChar char="•"/>
+              <a:defRPr sz="2400" kern="1200">
+                <a:solidFill>
+                  <a:schemeClr val="tx1"/>
+                </a:solidFill>
+                <a:latin typeface="+mn-lt"/>
+                <a:ea typeface="+mn-ea"/>
+                <a:cs typeface="+mn-cs"/>
+              </a:defRPr>
+            </a:lvl3pPr>
+            <a:lvl4pPr marL="1600200" indent="-228600" algn="l" rtl="0" fontAlgn="base">
+              <a:spcBef>
+                <a:spcPct val="20000"/>
+              </a:spcBef>
+              <a:spcAft>
+                <a:spcPct val="0"/>
+              </a:spcAft>
+              <a:buFont typeface="Arial" charset="0"/>
+              <a:buChar char="–"/>
+              <a:defRPr sz="2000" kern="1200">
+                <a:solidFill>
+                  <a:schemeClr val="tx1"/>
+                </a:solidFill>
+                <a:latin typeface="+mn-lt"/>
+                <a:ea typeface="+mn-ea"/>
+                <a:cs typeface="+mn-cs"/>
+              </a:defRPr>
+            </a:lvl4pPr>
+            <a:lvl5pPr marL="2057400" indent="-228600" algn="l" rtl="0" fontAlgn="base">
+              <a:spcBef>
+                <a:spcPct val="20000"/>
+              </a:spcBef>
+              <a:spcAft>
+                <a:spcPct val="0"/>
+              </a:spcAft>
+              <a:buFont typeface="Arial" charset="0"/>
+              <a:buChar char="»"/>
+              <a:defRPr sz="2000" kern="1200">
+                <a:solidFill>
+                  <a:schemeClr val="tx1"/>
+                </a:solidFill>
+                <a:latin typeface="+mn-lt"/>
+                <a:ea typeface="+mn-ea"/>
+                <a:cs typeface="+mn-cs"/>
+              </a:defRPr>
+            </a:lvl5pPr>
+            <a:lvl6pPr marL="2514600" indent="-228600" algn="l" defTabSz="914400" rtl="0" eaLnBrk="1" latinLnBrk="0" hangingPunct="1">
+              <a:spcBef>
+                <a:spcPct val="20000"/>
+              </a:spcBef>
+              <a:buFont typeface="Arial" pitchFamily="34" charset="0"/>
+              <a:buChar char="•"/>
+              <a:defRPr sz="2000" kern="1200">
+                <a:solidFill>
+                  <a:schemeClr val="tx1"/>
+                </a:solidFill>
+                <a:latin typeface="+mn-lt"/>
+                <a:ea typeface="+mn-ea"/>
+                <a:cs typeface="+mn-cs"/>
+              </a:defRPr>
+            </a:lvl6pPr>
+            <a:lvl7pPr marL="2971800" indent="-228600" algn="l" defTabSz="914400" rtl="0" eaLnBrk="1" latinLnBrk="0" hangingPunct="1">
+              <a:spcBef>
+                <a:spcPct val="20000"/>
+              </a:spcBef>
+              <a:buFont typeface="Arial" pitchFamily="34" charset="0"/>
+              <a:buChar char="•"/>
+              <a:defRPr sz="2000" kern="1200">
+                <a:solidFill>
+                  <a:schemeClr val="tx1"/>
+                </a:solidFill>
+                <a:latin typeface="+mn-lt"/>
+                <a:ea typeface="+mn-ea"/>
+                <a:cs typeface="+mn-cs"/>
+              </a:defRPr>
+            </a:lvl7pPr>
+            <a:lvl8pPr marL="3429000" indent="-228600" algn="l" defTabSz="914400" rtl="0" eaLnBrk="1" latinLnBrk="0" hangingPunct="1">
+              <a:spcBef>
+                <a:spcPct val="20000"/>
+              </a:spcBef>
+              <a:buFont typeface="Arial" pitchFamily="34" charset="0"/>
+              <a:buChar char="•"/>
+              <a:defRPr sz="2000" kern="1200">
+                <a:solidFill>
+                  <a:schemeClr val="tx1"/>
+                </a:solidFill>
+                <a:latin typeface="+mn-lt"/>
+                <a:ea typeface="+mn-ea"/>
+                <a:cs typeface="+mn-cs"/>
+              </a:defRPr>
+            </a:lvl8pPr>
+            <a:lvl9pPr marL="3886200" indent="-228600" algn="l" defTabSz="914400" rtl="0" eaLnBrk="1" latinLnBrk="0" hangingPunct="1">
+              <a:spcBef>
+                <a:spcPct val="20000"/>
+              </a:spcBef>
+              <a:buFont typeface="Arial" pitchFamily="34" charset="0"/>
+              <a:buChar char="•"/>
+              <a:defRPr sz="2000" kern="1200">
+                <a:solidFill>
+                  <a:schemeClr val="tx1"/>
+                </a:solidFill>
+                <a:latin typeface="+mn-lt"/>
+                <a:ea typeface="+mn-ea"/>
+                <a:cs typeface="+mn-cs"/>
+              </a:defRPr>
+            </a:lvl9pPr>
+          </a:lstStyle>
+          <a:p>
+            <a:pPr>
+              <a:buFont typeface="Arial" charset="0"/>
+              <a:buNone/>
+            </a:pPr>
+            <a:r>
+              <a:rPr lang="nb-NO" sz="3600" b="1" dirty="0" smtClean="0">
+                <a:solidFill>
+                  <a:srgbClr val="00B050"/>
+                </a:solidFill>
+                <a:latin typeface="Consolas" pitchFamily="49" charset="0"/>
+                <a:cs typeface="Consolas" pitchFamily="49" charset="0"/>
+              </a:rPr>
+              <a:t>@Repository </a:t>
+            </a:r>
+          </a:p>
+          <a:p>
+            <a:pPr>
+              <a:buFont typeface="Arial" charset="0"/>
+              <a:buNone/>
+            </a:pPr>
+            <a:r>
+              <a:rPr lang="nb-NO" sz="3600" b="1" dirty="0" smtClean="0">
+                <a:solidFill>
+                  <a:srgbClr val="00B050"/>
+                </a:solidFill>
+                <a:latin typeface="Consolas" pitchFamily="49" charset="0"/>
+                <a:cs typeface="Consolas" pitchFamily="49" charset="0"/>
+              </a:rPr>
+              <a:t>public class FishDao {</a:t>
+            </a:r>
+          </a:p>
+          <a:p>
+            <a:pPr>
+              <a:buFont typeface="Arial" charset="0"/>
+              <a:buNone/>
+            </a:pPr>
+            <a:r>
+              <a:rPr lang="nb-NO" sz="3600" b="1" dirty="0" smtClean="0">
+                <a:solidFill>
+                  <a:srgbClr val="00B050"/>
+                </a:solidFill>
+                <a:latin typeface="Consolas" pitchFamily="49" charset="0"/>
+                <a:cs typeface="Consolas" pitchFamily="49" charset="0"/>
+              </a:rPr>
+              <a:t>  private JdbcTemplate jdbcTemplate;</a:t>
+            </a:r>
+          </a:p>
+          <a:p>
+            <a:pPr>
+              <a:buFont typeface="Arial" charset="0"/>
+              <a:buNone/>
+            </a:pPr>
+            <a:endParaRPr lang="nb-NO" sz="3600" b="1" dirty="0" smtClean="0">
+              <a:solidFill>
+                <a:srgbClr val="00B050"/>
+              </a:solidFill>
+              <a:latin typeface="Consolas" pitchFamily="49" charset="0"/>
+              <a:cs typeface="Consolas" pitchFamily="49" charset="0"/>
+            </a:endParaRPr>
+          </a:p>
+          <a:p>
+            <a:pPr>
+              <a:buFont typeface="Arial" charset="0"/>
+              <a:buNone/>
+            </a:pPr>
+            <a:r>
+              <a:rPr lang="nb-NO" sz="3600" b="1" dirty="0" smtClean="0">
+                <a:solidFill>
+                  <a:srgbClr val="00B050"/>
+                </a:solidFill>
+                <a:latin typeface="Consolas" pitchFamily="49" charset="0"/>
+                <a:cs typeface="Consolas" pitchFamily="49" charset="0"/>
+              </a:rPr>
+              <a:t>  @Inject</a:t>
+            </a:r>
+          </a:p>
+          <a:p>
+            <a:pPr>
+              <a:buFont typeface="Arial" charset="0"/>
+              <a:buNone/>
+            </a:pPr>
+            <a:r>
+              <a:rPr lang="nb-NO" sz="3600" b="1" dirty="0" smtClean="0">
+                <a:solidFill>
+                  <a:srgbClr val="00B050"/>
+                </a:solidFill>
+                <a:latin typeface="Consolas" pitchFamily="49" charset="0"/>
+                <a:cs typeface="Consolas" pitchFamily="49" charset="0"/>
+              </a:rPr>
+              <a:t>  public void setDataSource(final DataSource dataSource) {</a:t>
+            </a:r>
+          </a:p>
+          <a:p>
+            <a:pPr>
+              <a:buFont typeface="Arial" charset="0"/>
+              <a:buNone/>
+            </a:pPr>
+            <a:r>
+              <a:rPr lang="nb-NO" sz="3600" b="1" dirty="0" smtClean="0">
+                <a:solidFill>
+                  <a:srgbClr val="00B050"/>
+                </a:solidFill>
+                <a:latin typeface="Consolas" pitchFamily="49" charset="0"/>
+                <a:cs typeface="Consolas" pitchFamily="49" charset="0"/>
+              </a:rPr>
+              <a:t>    this.jdbcTemplate = new JdbcTemplate(dataSource);</a:t>
+            </a:r>
+          </a:p>
+          <a:p>
+            <a:pPr>
+              <a:buFont typeface="Arial" charset="0"/>
+              <a:buNone/>
+            </a:pPr>
+            <a:r>
+              <a:rPr lang="nb-NO" sz="3600" b="1" dirty="0" smtClean="0">
+                <a:solidFill>
+                  <a:srgbClr val="00B050"/>
+                </a:solidFill>
+                <a:latin typeface="Consolas" pitchFamily="49" charset="0"/>
+                <a:cs typeface="Consolas" pitchFamily="49" charset="0"/>
+              </a:rPr>
+              <a:t>  }</a:t>
+            </a:r>
+          </a:p>
+          <a:p>
+            <a:pPr>
+              <a:buFont typeface="Arial" charset="0"/>
+              <a:buNone/>
+            </a:pPr>
+            <a:endParaRPr lang="nb-NO" sz="3600" b="1" dirty="0" smtClean="0">
+              <a:solidFill>
+                <a:srgbClr val="00B050"/>
+              </a:solidFill>
+              <a:latin typeface="Consolas" pitchFamily="49" charset="0"/>
+              <a:cs typeface="Consolas" pitchFamily="49" charset="0"/>
+            </a:endParaRPr>
+          </a:p>
+          <a:p>
+            <a:pPr>
+              <a:buFont typeface="Arial" charset="0"/>
+              <a:buNone/>
+            </a:pPr>
+            <a:r>
+              <a:rPr lang="nb-NO" sz="3600" b="1" dirty="0" smtClean="0">
+                <a:solidFill>
+                  <a:srgbClr val="00B050"/>
+                </a:solidFill>
+                <a:latin typeface="Consolas" pitchFamily="49" charset="0"/>
+                <a:cs typeface="Consolas" pitchFamily="49" charset="0"/>
+              </a:rPr>
+              <a:t>  public int getFishWeight() {</a:t>
+            </a:r>
+          </a:p>
+          <a:p>
+            <a:pPr>
+              <a:buFont typeface="Arial" charset="0"/>
+              <a:buNone/>
+            </a:pPr>
+            <a:r>
+              <a:rPr lang="nb-NO" sz="3600" b="1" dirty="0" smtClean="0">
+                <a:solidFill>
+                  <a:srgbClr val="00B050"/>
+                </a:solidFill>
+                <a:latin typeface="Consolas" pitchFamily="49" charset="0"/>
+                <a:cs typeface="Consolas" pitchFamily="49" charset="0"/>
+              </a:rPr>
+              <a:t>    return jdbcTemplate.queryForInt("select sum(weight) from Fish");</a:t>
+            </a:r>
+          </a:p>
+          <a:p>
+            <a:pPr>
+              <a:buFont typeface="Arial" charset="0"/>
+              <a:buNone/>
+            </a:pPr>
+            <a:r>
+              <a:rPr lang="nb-NO" sz="3600" b="1" dirty="0" smtClean="0">
+                <a:solidFill>
+                  <a:srgbClr val="00B050"/>
+                </a:solidFill>
+                <a:latin typeface="Consolas" pitchFamily="49" charset="0"/>
+                <a:cs typeface="Consolas" pitchFamily="49" charset="0"/>
+              </a:rPr>
+              <a:t>  }</a:t>
+            </a:r>
+          </a:p>
+          <a:p>
+            <a:pPr>
+              <a:buFont typeface="Arial" charset="0"/>
+              <a:buNone/>
+            </a:pPr>
+            <a:r>
+              <a:rPr lang="nb-NO" sz="3600" b="1" dirty="0" smtClean="0">
+                <a:solidFill>
+                  <a:srgbClr val="00B050"/>
+                </a:solidFill>
+                <a:latin typeface="Consolas" pitchFamily="49" charset="0"/>
+                <a:cs typeface="Consolas" pitchFamily="49" charset="0"/>
+              </a:rPr>
+              <a:t>}</a:t>
+            </a:r>
+          </a:p>
+          <a:p>
+            <a:pPr>
+              <a:buFont typeface="Arial" charset="0"/>
+              <a:buNone/>
+            </a:pPr>
+            <a:endParaRPr lang="nb-NO" sz="3600" b="1" dirty="0" smtClean="0">
+              <a:solidFill>
+                <a:srgbClr val="00B050"/>
+              </a:solidFill>
+              <a:latin typeface="Consolas" pitchFamily="49" charset="0"/>
+              <a:cs typeface="Consolas" pitchFamily="49" charset="0"/>
+            </a:endParaRPr>
+          </a:p>
+          <a:p>
+            <a:pPr>
+              <a:buFont typeface="Arial" charset="0"/>
+              <a:buNone/>
+            </a:pPr>
+            <a:endParaRPr lang="nb-NO" sz="3600" b="1" dirty="0" smtClean="0">
+              <a:solidFill>
+                <a:srgbClr val="00B050"/>
+              </a:solidFill>
+              <a:latin typeface="Consolas" pitchFamily="49" charset="0"/>
+              <a:cs typeface="Consolas" pitchFamily="49" charset="0"/>
+            </a:endParaRPr>
+          </a:p>
+          <a:p>
+            <a:pPr>
+              <a:buFont typeface="Arial" charset="0"/>
+              <a:buNone/>
+            </a:pPr>
+            <a:endParaRPr lang="nb-NO" sz="3600" b="1" dirty="0" smtClean="0">
+              <a:solidFill>
+                <a:srgbClr val="00B050"/>
+              </a:solidFill>
+              <a:latin typeface="Consolas" pitchFamily="49" charset="0"/>
+              <a:cs typeface="Consolas" pitchFamily="49" charset="0"/>
+            </a:endParaRPr>
+          </a:p>
+          <a:p>
+            <a:pPr>
+              <a:buFont typeface="Arial" charset="0"/>
+              <a:buNone/>
+            </a:pPr>
+            <a:endParaRPr lang="nb-NO" sz="3600" b="1" dirty="0" smtClean="0">
+              <a:solidFill>
+                <a:srgbClr val="00B050"/>
+              </a:solidFill>
+              <a:latin typeface="Consolas" pitchFamily="49" charset="0"/>
+              <a:cs typeface="Consolas" pitchFamily="49" charset="0"/>
+            </a:endParaRPr>
+          </a:p>
+          <a:p>
+            <a:pPr>
+              <a:buFont typeface="Arial" charset="0"/>
+              <a:buNone/>
+            </a:pPr>
+            <a:endParaRPr lang="nb-NO" sz="3600" b="1" dirty="0" smtClean="0">
+              <a:solidFill>
+                <a:srgbClr val="00B050"/>
+              </a:solidFill>
+              <a:latin typeface="Consolas" pitchFamily="49" charset="0"/>
+              <a:cs typeface="Consolas" pitchFamily="49" charset="0"/>
+            </a:endParaRPr>
+          </a:p>
+          <a:p>
+            <a:pPr>
+              <a:buFont typeface="Arial" charset="0"/>
+              <a:buNone/>
+            </a:pPr>
+            <a:endParaRPr lang="nb-NO" sz="3600" b="1" dirty="0" smtClean="0">
+              <a:solidFill>
+                <a:srgbClr val="00B050"/>
+              </a:solidFill>
+              <a:latin typeface="Consolas" pitchFamily="49" charset="0"/>
+              <a:cs typeface="Consolas" pitchFamily="49" charset="0"/>
+            </a:endParaRPr>
+          </a:p>
+          <a:p>
+            <a:pPr>
+              <a:buFont typeface="Arial" charset="0"/>
+              <a:buNone/>
+            </a:pPr>
+            <a:endParaRPr lang="nb-NO" sz="3600" b="1" dirty="0" smtClean="0">
+              <a:solidFill>
+                <a:srgbClr val="00B050"/>
+              </a:solidFill>
+              <a:latin typeface="Consolas" pitchFamily="49" charset="0"/>
+              <a:cs typeface="Consolas" pitchFamily="49" charset="0"/>
+            </a:endParaRPr>
+          </a:p>
+          <a:p>
+            <a:pPr>
+              <a:buFont typeface="Arial" charset="0"/>
+              <a:buNone/>
+            </a:pPr>
+            <a:endParaRPr lang="nb-NO" sz="3600" b="1" dirty="0" smtClean="0">
+              <a:solidFill>
+                <a:srgbClr val="00B050"/>
+              </a:solidFill>
+              <a:latin typeface="Consolas" pitchFamily="49" charset="0"/>
+              <a:cs typeface="Consolas" pitchFamily="49" charset="0"/>
+            </a:endParaRPr>
+          </a:p>
+          <a:p>
+            <a:pPr>
+              <a:buFont typeface="Arial" charset="0"/>
+              <a:buNone/>
+            </a:pPr>
+            <a:endParaRPr lang="nb-NO" sz="3600" b="1" dirty="0" smtClean="0">
+              <a:solidFill>
+                <a:srgbClr val="00B050"/>
+              </a:solidFill>
+              <a:latin typeface="Consolas" pitchFamily="49" charset="0"/>
+              <a:cs typeface="Consolas" pitchFamily="49" charset="0"/>
+            </a:endParaRPr>
+          </a:p>
+          <a:p>
+            <a:pPr>
+              <a:buFont typeface="Arial" charset="0"/>
+              <a:buNone/>
+            </a:pPr>
+            <a:endParaRPr lang="nb-NO" sz="3600" b="1" dirty="0" smtClean="0">
+              <a:solidFill>
+                <a:srgbClr val="00B050"/>
+              </a:solidFill>
+              <a:latin typeface="Consolas" pitchFamily="49" charset="0"/>
+              <a:cs typeface="Consolas" pitchFamily="49" charset="0"/>
+            </a:endParaRPr>
+          </a:p>
+          <a:p>
+            <a:pPr>
+              <a:buFont typeface="Arial" charset="0"/>
+              <a:buNone/>
+            </a:pPr>
+            <a:endParaRPr lang="nb-NO" sz="3600" b="1" dirty="0" smtClean="0">
+              <a:solidFill>
+                <a:srgbClr val="00B050"/>
+              </a:solidFill>
+              <a:latin typeface="Consolas" pitchFamily="49" charset="0"/>
+              <a:cs typeface="Consolas" pitchFamily="49" charset="0"/>
+            </a:endParaRPr>
+          </a:p>
+          <a:p>
+            <a:pPr>
+              <a:buFont typeface="Arial" charset="0"/>
+              <a:buNone/>
+            </a:pPr>
+            <a:endParaRPr lang="nb-NO" sz="3600" b="1" dirty="0" smtClean="0">
+              <a:solidFill>
+                <a:srgbClr val="00B050"/>
+              </a:solidFill>
+              <a:latin typeface="Consolas" pitchFamily="49" charset="0"/>
+              <a:cs typeface="Consolas" pitchFamily="49" charset="0"/>
+            </a:endParaRPr>
+          </a:p>
+          <a:p>
+            <a:pPr>
+              <a:buFont typeface="Arial" charset="0"/>
+              <a:buNone/>
+            </a:pPr>
+            <a:endParaRPr lang="nb-NO" sz="3600" b="1" dirty="0" smtClean="0">
+              <a:solidFill>
+                <a:srgbClr val="00B050"/>
+              </a:solidFill>
+              <a:latin typeface="Consolas" pitchFamily="49" charset="0"/>
+              <a:cs typeface="Consolas" pitchFamily="49" charset="0"/>
+            </a:endParaRPr>
+          </a:p>
+          <a:p>
+            <a:pPr>
+              <a:buFont typeface="Arial" charset="0"/>
+              <a:buNone/>
+            </a:pPr>
+            <a:r>
+              <a:rPr lang="nb-NO" sz="3600" b="1" dirty="0" smtClean="0">
+                <a:solidFill>
+                  <a:srgbClr val="00B050"/>
+                </a:solidFill>
+                <a:latin typeface="Consolas" pitchFamily="49" charset="0"/>
+                <a:cs typeface="Consolas" pitchFamily="49" charset="0"/>
+              </a:rPr>
+              <a:t>&lt;context:property-placeholder location="classpath:mydb.properties"/&gt;</a:t>
+            </a:r>
+          </a:p>
+          <a:p>
+            <a:pPr>
+              <a:buFont typeface="Arial" charset="0"/>
+              <a:buNone/>
+            </a:pPr>
+            <a:r>
+              <a:rPr lang="nb-NO" sz="3600" b="1" dirty="0" smtClean="0">
+                <a:solidFill>
+                  <a:srgbClr val="00B050"/>
+                </a:solidFill>
+                <a:latin typeface="Consolas" pitchFamily="49" charset="0"/>
+                <a:cs typeface="Consolas" pitchFamily="49" charset="0"/>
+              </a:rPr>
+              <a:t>&lt;context:component-scan base-package="no.mesan.db"/&gt;</a:t>
+            </a:r>
+          </a:p>
+          <a:p>
+            <a:pPr>
+              <a:buFont typeface="Arial" charset="0"/>
+              <a:buNone/>
+            </a:pPr>
+            <a:endParaRPr lang="nb-NO" sz="3600" b="1" dirty="0" smtClean="0">
+              <a:solidFill>
+                <a:srgbClr val="00B050"/>
+              </a:solidFill>
+              <a:latin typeface="Consolas" pitchFamily="49" charset="0"/>
+              <a:cs typeface="Consolas" pitchFamily="49" charset="0"/>
+            </a:endParaRPr>
+          </a:p>
+          <a:p>
+            <a:pPr>
+              <a:buFont typeface="Arial" charset="0"/>
+              <a:buNone/>
+            </a:pPr>
+            <a:r>
+              <a:rPr lang="nb-NO" sz="3600" b="1" dirty="0" smtClean="0">
+                <a:solidFill>
+                  <a:srgbClr val="00B050"/>
+                </a:solidFill>
+                <a:latin typeface="Consolas" pitchFamily="49" charset="0"/>
+                <a:cs typeface="Consolas" pitchFamily="49" charset="0"/>
+              </a:rPr>
+              <a:t>&lt;bean id="dataSource"</a:t>
+            </a:r>
+          </a:p>
+          <a:p>
+            <a:pPr>
+              <a:buFont typeface="Arial" charset="0"/>
+              <a:buNone/>
+            </a:pPr>
+            <a:r>
+              <a:rPr lang="nb-NO" sz="3600" b="1" dirty="0" smtClean="0">
+                <a:solidFill>
+                  <a:srgbClr val="00B050"/>
+                </a:solidFill>
+                <a:latin typeface="Consolas" pitchFamily="49" charset="0"/>
+                <a:cs typeface="Consolas" pitchFamily="49" charset="0"/>
+              </a:rPr>
+              <a:t>      class="org.apache.commons.dbcp.BasicDataSource"</a:t>
+            </a:r>
+          </a:p>
+          <a:p>
+            <a:pPr>
+              <a:buFont typeface="Arial" charset="0"/>
+              <a:buNone/>
+            </a:pPr>
+            <a:r>
+              <a:rPr lang="nb-NO" sz="3600" b="1" dirty="0" smtClean="0">
+                <a:solidFill>
+                  <a:srgbClr val="00B050"/>
+                </a:solidFill>
+                <a:latin typeface="Consolas" pitchFamily="49" charset="0"/>
+                <a:cs typeface="Consolas" pitchFamily="49" charset="0"/>
+              </a:rPr>
+              <a:t>      destroy-method="close"</a:t>
+            </a:r>
+          </a:p>
+          <a:p>
+            <a:pPr>
+              <a:buFont typeface="Arial" charset="0"/>
+              <a:buNone/>
+            </a:pPr>
+            <a:r>
+              <a:rPr lang="nb-NO" sz="3600" b="1" dirty="0" smtClean="0">
+                <a:solidFill>
+                  <a:srgbClr val="00B050"/>
+                </a:solidFill>
+                <a:latin typeface="Consolas" pitchFamily="49" charset="0"/>
+                <a:cs typeface="Consolas" pitchFamily="49" charset="0"/>
+              </a:rPr>
+              <a:t>      p:driverClassName="${db.driverClassName}"</a:t>
+            </a:r>
+          </a:p>
+          <a:p>
+            <a:pPr>
+              <a:buFont typeface="Arial" charset="0"/>
+              <a:buNone/>
+            </a:pPr>
+            <a:r>
+              <a:rPr lang="nb-NO" sz="3600" b="1" dirty="0" smtClean="0">
+                <a:solidFill>
+                  <a:srgbClr val="00B050"/>
+                </a:solidFill>
+                <a:latin typeface="Consolas" pitchFamily="49" charset="0"/>
+                <a:cs typeface="Consolas" pitchFamily="49" charset="0"/>
+              </a:rPr>
+              <a:t>      p:url="${db.url}"</a:t>
+            </a:r>
+          </a:p>
+          <a:p>
+            <a:pPr>
+              <a:buFont typeface="Arial" charset="0"/>
+              <a:buNone/>
+            </a:pPr>
+            <a:r>
+              <a:rPr lang="nb-NO" sz="3600" b="1" dirty="0" smtClean="0">
+                <a:solidFill>
+                  <a:srgbClr val="00B050"/>
+                </a:solidFill>
+                <a:latin typeface="Consolas" pitchFamily="49" charset="0"/>
+                <a:cs typeface="Consolas" pitchFamily="49" charset="0"/>
+              </a:rPr>
+              <a:t>      p:username="${db.user}"</a:t>
+            </a:r>
+          </a:p>
+          <a:p>
+            <a:pPr>
+              <a:buFont typeface="Arial" charset="0"/>
+              <a:buNone/>
+            </a:pPr>
+            <a:r>
+              <a:rPr lang="nb-NO" sz="3600" b="1" dirty="0" smtClean="0">
+                <a:solidFill>
+                  <a:srgbClr val="00B050"/>
+                </a:solidFill>
+                <a:latin typeface="Consolas" pitchFamily="49" charset="0"/>
+                <a:cs typeface="Consolas" pitchFamily="49" charset="0"/>
+              </a:rPr>
+              <a:t>      p:password="${db.pass}"/&gt;</a:t>
+            </a:r>
+          </a:p>
+          <a:p>
+            <a:pPr>
+              <a:buFont typeface="Arial" charset="0"/>
+              <a:buNone/>
+            </a:pPr>
+            <a:endParaRPr lang="nb-NO" b="1" dirty="0">
+              <a:solidFill>
+                <a:srgbClr val="00B050"/>
+              </a:solidFill>
+              <a:latin typeface="Consolas" pitchFamily="49" charset="0"/>
+              <a:cs typeface="Consolas" pitchFamily="49" charset="0"/>
+            </a:endParaRPr>
           </a:p>
         </p:txBody>
       </p:sp>
     </p:spTree>
     <p:extLst>
       <p:ext uri="{BB962C8B-B14F-4D97-AF65-F5344CB8AC3E}">
-        <p14:creationId xmlns:p14="http://schemas.microsoft.com/office/powerpoint/2010/main" val="2142567307"/>
+        <p14:creationId xmlns:p14="http://schemas.microsoft.com/office/powerpoint/2010/main" val="3386211516"/>
       </p:ext>
     </p:extLst>
   </p:cSld>
@@ -21374,6 +21447,139 @@
           <a:p>
             <a:r>
               <a:rPr lang="nb-NO" dirty="0" smtClean="0"/>
+              <a:t>Spring AOP</a:t>
+            </a:r>
+            <a:endParaRPr lang="nb-NO" dirty="0"/>
+          </a:p>
+        </p:txBody>
+      </p:sp>
+      <p:sp>
+        <p:nvSpPr>
+          <p:cNvPr id="3" name="Content Placeholder 2"/>
+          <p:cNvSpPr>
+            <a:spLocks noGrp="1"/>
+          </p:cNvSpPr>
+          <p:nvPr>
+            <p:ph idx="1"/>
+          </p:nvPr>
+        </p:nvSpPr>
+        <p:spPr/>
+        <p:txBody>
+          <a:bodyPr/>
+          <a:lstStyle/>
+          <a:p>
+            <a:r>
+              <a:rPr lang="nb-NO" dirty="0" smtClean="0"/>
+              <a:t>AOP – Aspect Oriented Programming</a:t>
+            </a:r>
+          </a:p>
+          <a:p>
+            <a:r>
+              <a:rPr lang="nb-NO" dirty="0" smtClean="0"/>
+              <a:t>Legger til kode «rundt» en bønne</a:t>
+            </a:r>
+          </a:p>
+          <a:p>
+            <a:pPr lvl="1"/>
+            <a:r>
+              <a:rPr lang="nb-NO" dirty="0" smtClean="0"/>
+              <a:t>.. Og dermed også oppførsel uten å endre selve bønnen</a:t>
+            </a:r>
+          </a:p>
+          <a:p>
+            <a:r>
+              <a:rPr lang="nb-NO" dirty="0" smtClean="0"/>
+              <a:t>Brukes med forsiktighet – man mister fort litt kontroll</a:t>
+            </a:r>
+          </a:p>
+          <a:p>
+            <a:pPr lvl="1"/>
+            <a:r>
+              <a:rPr lang="nb-NO" dirty="0" smtClean="0"/>
+              <a:t>Eksempler:</a:t>
+            </a:r>
+          </a:p>
+          <a:p>
+            <a:pPr lvl="2"/>
+            <a:r>
+              <a:rPr lang="nb-NO" dirty="0" smtClean="0"/>
+              <a:t> AspektLogging</a:t>
+            </a:r>
+          </a:p>
+          <a:p>
+            <a:pPr lvl="2"/>
+            <a:r>
+              <a:rPr lang="nb-NO" dirty="0" smtClean="0"/>
+              <a:t>Wrapping av exceptions</a:t>
+            </a:r>
+          </a:p>
+          <a:p>
+            <a:pPr lvl="1"/>
+            <a:endParaRPr lang="nb-NO" dirty="0"/>
+          </a:p>
+          <a:p>
+            <a:pPr lvl="1"/>
+            <a:endParaRPr lang="nb-NO" dirty="0"/>
+          </a:p>
+        </p:txBody>
+      </p:sp>
+    </p:spTree>
+    <p:extLst>
+      <p:ext uri="{BB962C8B-B14F-4D97-AF65-F5344CB8AC3E}">
+        <p14:creationId xmlns:p14="http://schemas.microsoft.com/office/powerpoint/2010/main" val="2142567307"/>
+      </p:ext>
+    </p:extLst>
+  </p:cSld>
+  <p:clrMapOvr>
+    <a:masterClrMapping/>
+  </p:clrMapOvr>
+  <p:transition>
+    <p:wedge/>
+  </p:transition>
+  <p:timing>
+    <p:tnLst>
+      <p:par>
+        <p:cTn id="1" dur="indefinite" restart="never" nodeType="tmRoot"/>
+      </p:par>
+    </p:tnLst>
+  </p:timing>
+</p:sld>
+</file>
+
+<file path=ppt/slides/slide25.xml><?xml version="1.0" encoding="utf-8"?>
+<p:sld xmlns:a="http://schemas.openxmlformats.org/drawingml/2006/main" xmlns:r="http://schemas.openxmlformats.org/officeDocument/2006/relationships" xmlns:p="http://schemas.openxmlformats.org/presentationml/2006/main">
+  <p:cSld>
+    <p:spTree>
+      <p:nvGrpSpPr>
+        <p:cNvPr id="1" name=""/>
+        <p:cNvGrpSpPr/>
+        <p:nvPr/>
+      </p:nvGrpSpPr>
+      <p:grpSpPr>
+        <a:xfrm>
+          <a:off x="0" y="0"/>
+          <a:ext cx="0" cy="0"/>
+          <a:chOff x="0" y="0"/>
+          <a:chExt cx="0" cy="0"/>
+        </a:xfrm>
+      </p:grpSpPr>
+      <p:sp>
+        <p:nvSpPr>
+          <p:cNvPr id="2" name="Title 1"/>
+          <p:cNvSpPr>
+            <a:spLocks noGrp="1"/>
+          </p:cNvSpPr>
+          <p:nvPr>
+            <p:ph type="title"/>
+          </p:nvPr>
+        </p:nvSpPr>
+        <p:spPr/>
+        <p:txBody>
+          <a:bodyPr/>
+          <a:lstStyle/>
+          <a:p>
+            <a:r>
+              <a:rPr lang="nb-NO" dirty="0" smtClean="0"/>
               <a:t>Testing</a:t>
             </a:r>
             <a:endParaRPr lang="nb-NO" dirty="0"/>
@@ -21452,7 +21658,7 @@
 </p:sld>
 </file>
 
-<file path=ppt/slides/slide25.xml><?xml version="1.0" encoding="utf-8"?>
+<file path=ppt/slides/slide26.xml><?xml version="1.0" encoding="utf-8"?>
 <p:sld xmlns:a="http://schemas.openxmlformats.org/drawingml/2006/main" xmlns:r="http://schemas.openxmlformats.org/officeDocument/2006/relationships" xmlns:p="http://schemas.openxmlformats.org/presentationml/2006/main">
   <p:cSld>
     <p:spTree>

--- a/adm/Spring.pptx
+++ b/adm/Spring.pptx
@@ -3632,5256 +3632,6 @@
       <dsp:cNvGrpSpPr/>
     </dsp:nvGrpSpPr>
     <dsp:grpSpPr/>
-    <dsp:sp modelId="{39C289AD-84BD-41DA-B4AF-A6FA89ADF559}">
-      <dsp:nvSpPr>
-        <dsp:cNvPr id="0" name=""/>
-        <dsp:cNvSpPr/>
-      </dsp:nvSpPr>
-      <dsp:spPr>
-        <a:xfrm>
-          <a:off x="7505" y="512680"/>
-          <a:ext cx="1209398" cy="604699"/>
-        </a:xfrm>
-        <a:prstGeom prst="roundRect">
-          <a:avLst>
-            <a:gd name="adj" fmla="val 10000"/>
-          </a:avLst>
-        </a:prstGeom>
-        <a:gradFill rotWithShape="0">
-          <a:gsLst>
-            <a:gs pos="0">
-              <a:schemeClr val="lt1">
-                <a:hueOff val="0"/>
-                <a:satOff val="0"/>
-                <a:lumOff val="0"/>
-                <a:alphaOff val="0"/>
-                <a:shade val="51000"/>
-                <a:satMod val="130000"/>
-              </a:schemeClr>
-            </a:gs>
-            <a:gs pos="80000">
-              <a:schemeClr val="lt1">
-                <a:hueOff val="0"/>
-                <a:satOff val="0"/>
-                <a:lumOff val="0"/>
-                <a:alphaOff val="0"/>
-                <a:shade val="93000"/>
-                <a:satMod val="130000"/>
-              </a:schemeClr>
-            </a:gs>
-            <a:gs pos="100000">
-              <a:schemeClr val="lt1">
-                <a:hueOff val="0"/>
-                <a:satOff val="0"/>
-                <a:lumOff val="0"/>
-                <a:alphaOff val="0"/>
-                <a:shade val="94000"/>
-                <a:satMod val="135000"/>
-              </a:schemeClr>
-            </a:gs>
-          </a:gsLst>
-          <a:lin ang="16200000" scaled="0"/>
-        </a:gradFill>
-        <a:ln>
-          <a:noFill/>
-        </a:ln>
-        <a:effectLst>
-          <a:outerShdw blurRad="40000" dist="23000" dir="5400000" rotWithShape="0">
-            <a:srgbClr val="000000">
-              <a:alpha val="35000"/>
-            </a:srgbClr>
-          </a:outerShdw>
-        </a:effectLst>
-        <a:scene3d>
-          <a:camera prst="orthographicFront"/>
-          <a:lightRig rig="flat" dir="t"/>
-        </a:scene3d>
-        <a:sp3d prstMaterial="plastic">
-          <a:bevelT w="120900" h="88900"/>
-          <a:bevelB w="88900" h="31750" prst="angle"/>
-        </a:sp3d>
-      </dsp:spPr>
-      <dsp:style>
-        <a:lnRef idx="0">
-          <a:scrgbClr r="0" g="0" b="0"/>
-        </a:lnRef>
-        <a:fillRef idx="3">
-          <a:scrgbClr r="0" g="0" b="0"/>
-        </a:fillRef>
-        <a:effectRef idx="2">
-          <a:scrgbClr r="0" g="0" b="0"/>
-        </a:effectRef>
-        <a:fontRef idx="minor">
-          <a:schemeClr val="lt1"/>
-        </a:fontRef>
-      </dsp:style>
-      <dsp:txBody>
-        <a:bodyPr spcFirstLastPara="0" vert="horz" wrap="square" lIns="26670" tIns="17780" rIns="26670" bIns="17780" numCol="1" spcCol="1270" anchor="ctr" anchorCtr="0">
-          <a:noAutofit/>
-        </a:bodyPr>
-        <a:lstStyle/>
-        <a:p>
-          <a:pPr lvl="0" algn="ctr" defTabSz="622300">
-            <a:lnSpc>
-              <a:spcPct val="90000"/>
-            </a:lnSpc>
-            <a:spcBef>
-              <a:spcPct val="0"/>
-            </a:spcBef>
-            <a:spcAft>
-              <a:spcPct val="35000"/>
-            </a:spcAft>
-          </a:pPr>
-          <a:r>
-            <a:rPr lang="nb-NO" sz="1400" kern="1200" dirty="0" err="1" smtClean="0"/>
-            <a:t>Core</a:t>
-          </a:r>
-          <a:endParaRPr lang="nb-NO" sz="1400" kern="1200" dirty="0"/>
-        </a:p>
-      </dsp:txBody>
-      <dsp:txXfrm>
-        <a:off x="25216" y="530391"/>
-        <a:ext cx="1173976" cy="569277"/>
-      </dsp:txXfrm>
-    </dsp:sp>
-    <dsp:sp modelId="{4324D7E3-3396-4A94-BD44-B3CCE12830A0}">
-      <dsp:nvSpPr>
-        <dsp:cNvPr id="0" name=""/>
-        <dsp:cNvSpPr/>
-      </dsp:nvSpPr>
-      <dsp:spPr>
-        <a:xfrm>
-          <a:off x="128444" y="1117379"/>
-          <a:ext cx="120939" cy="453524"/>
-        </a:xfrm>
-        <a:custGeom>
-          <a:avLst/>
-          <a:gdLst/>
-          <a:ahLst/>
-          <a:cxnLst/>
-          <a:rect l="0" t="0" r="0" b="0"/>
-          <a:pathLst>
-            <a:path>
-              <a:moveTo>
-                <a:pt x="0" y="0"/>
-              </a:moveTo>
-              <a:lnTo>
-                <a:pt x="0" y="453524"/>
-              </a:lnTo>
-              <a:lnTo>
-                <a:pt x="120939" y="453524"/>
-              </a:lnTo>
-            </a:path>
-          </a:pathLst>
-        </a:custGeom>
-        <a:noFill/>
-        <a:ln w="25400" cap="flat" cmpd="sng" algn="ctr">
-          <a:solidFill>
-            <a:schemeClr val="accent2">
-              <a:shade val="60000"/>
-              <a:hueOff val="0"/>
-              <a:satOff val="0"/>
-              <a:lumOff val="0"/>
-              <a:alphaOff val="0"/>
-            </a:schemeClr>
-          </a:solidFill>
-          <a:prstDash val="solid"/>
-        </a:ln>
-        <a:effectLst/>
-        <a:scene3d>
-          <a:camera prst="orthographicFront"/>
-          <a:lightRig rig="flat" dir="t"/>
-        </a:scene3d>
-        <a:sp3d prstMaterial="matte"/>
-      </dsp:spPr>
-      <dsp:style>
-        <a:lnRef idx="2">
-          <a:scrgbClr r="0" g="0" b="0"/>
-        </a:lnRef>
-        <a:fillRef idx="0">
-          <a:scrgbClr r="0" g="0" b="0"/>
-        </a:fillRef>
-        <a:effectRef idx="0">
-          <a:scrgbClr r="0" g="0" b="0"/>
-        </a:effectRef>
-        <a:fontRef idx="minor"/>
-      </dsp:style>
-    </dsp:sp>
-    <dsp:sp modelId="{EFCA80F9-9EC3-4107-91F2-88A048BB0747}">
-      <dsp:nvSpPr>
-        <dsp:cNvPr id="0" name=""/>
-        <dsp:cNvSpPr/>
-      </dsp:nvSpPr>
-      <dsp:spPr>
-        <a:xfrm>
-          <a:off x="249384" y="1268554"/>
-          <a:ext cx="967518" cy="604699"/>
-        </a:xfrm>
-        <a:prstGeom prst="roundRect">
-          <a:avLst>
-            <a:gd name="adj" fmla="val 10000"/>
-          </a:avLst>
-        </a:prstGeom>
-        <a:solidFill>
-          <a:schemeClr val="accent2">
-            <a:alpha val="90000"/>
-            <a:tint val="40000"/>
-            <a:hueOff val="0"/>
-            <a:satOff val="0"/>
-            <a:lumOff val="0"/>
-            <a:alphaOff val="0"/>
-          </a:schemeClr>
-        </a:solidFill>
-        <a:ln w="9525" cap="flat" cmpd="sng" algn="ctr">
-          <a:solidFill>
-            <a:schemeClr val="accent2">
-              <a:hueOff val="0"/>
-              <a:satOff val="0"/>
-              <a:lumOff val="0"/>
-              <a:alphaOff val="0"/>
-            </a:schemeClr>
-          </a:solidFill>
-          <a:prstDash val="solid"/>
-        </a:ln>
-        <a:effectLst>
-          <a:outerShdw blurRad="40000" dist="23000" dir="5400000" rotWithShape="0">
-            <a:srgbClr val="000000">
-              <a:alpha val="35000"/>
-            </a:srgbClr>
-          </a:outerShdw>
-        </a:effectLst>
-        <a:scene3d>
-          <a:camera prst="orthographicFront"/>
-          <a:lightRig rig="flat" dir="t"/>
-        </a:scene3d>
-        <a:sp3d z="-190500" extrusionH="12700" prstMaterial="plastic">
-          <a:bevelT w="50800" h="50800"/>
-        </a:sp3d>
-      </dsp:spPr>
-      <dsp:style>
-        <a:lnRef idx="1">
-          <a:scrgbClr r="0" g="0" b="0"/>
-        </a:lnRef>
-        <a:fillRef idx="1">
-          <a:scrgbClr r="0" g="0" b="0"/>
-        </a:fillRef>
-        <a:effectRef idx="2">
-          <a:scrgbClr r="0" g="0" b="0"/>
-        </a:effectRef>
-        <a:fontRef idx="minor"/>
-      </dsp:style>
-      <dsp:txBody>
-        <a:bodyPr spcFirstLastPara="0" vert="horz" wrap="square" lIns="17145" tIns="11430" rIns="17145" bIns="11430" numCol="1" spcCol="1270" anchor="ctr" anchorCtr="0">
-          <a:noAutofit/>
-        </a:bodyPr>
-        <a:lstStyle/>
-        <a:p>
-          <a:pPr lvl="0" algn="ctr" defTabSz="400050">
-            <a:lnSpc>
-              <a:spcPct val="90000"/>
-            </a:lnSpc>
-            <a:spcBef>
-              <a:spcPct val="0"/>
-            </a:spcBef>
-            <a:spcAft>
-              <a:spcPct val="35000"/>
-            </a:spcAft>
-          </a:pPr>
-          <a:r>
-            <a:rPr lang="nb-NO" sz="900" kern="1200" dirty="0" smtClean="0"/>
-            <a:t>DI</a:t>
-          </a:r>
-          <a:endParaRPr lang="nb-NO" sz="900" kern="1200" dirty="0"/>
-        </a:p>
-      </dsp:txBody>
-      <dsp:txXfrm>
-        <a:off x="267095" y="1286265"/>
-        <a:ext cx="932096" cy="569277"/>
-      </dsp:txXfrm>
-    </dsp:sp>
-    <dsp:sp modelId="{54413D6B-0942-4186-A24C-277FFB9FEC60}">
-      <dsp:nvSpPr>
-        <dsp:cNvPr id="0" name=""/>
-        <dsp:cNvSpPr/>
-      </dsp:nvSpPr>
-      <dsp:spPr>
-        <a:xfrm>
-          <a:off x="128444" y="1117379"/>
-          <a:ext cx="120939" cy="1209398"/>
-        </a:xfrm>
-        <a:custGeom>
-          <a:avLst/>
-          <a:gdLst/>
-          <a:ahLst/>
-          <a:cxnLst/>
-          <a:rect l="0" t="0" r="0" b="0"/>
-          <a:pathLst>
-            <a:path>
-              <a:moveTo>
-                <a:pt x="0" y="0"/>
-              </a:moveTo>
-              <a:lnTo>
-                <a:pt x="0" y="1209398"/>
-              </a:lnTo>
-              <a:lnTo>
-                <a:pt x="120939" y="1209398"/>
-              </a:lnTo>
-            </a:path>
-          </a:pathLst>
-        </a:custGeom>
-        <a:noFill/>
-        <a:ln w="25400" cap="flat" cmpd="sng" algn="ctr">
-          <a:solidFill>
-            <a:schemeClr val="accent2">
-              <a:shade val="60000"/>
-              <a:hueOff val="0"/>
-              <a:satOff val="0"/>
-              <a:lumOff val="0"/>
-              <a:alphaOff val="0"/>
-            </a:schemeClr>
-          </a:solidFill>
-          <a:prstDash val="solid"/>
-        </a:ln>
-        <a:effectLst/>
-        <a:scene3d>
-          <a:camera prst="orthographicFront"/>
-          <a:lightRig rig="flat" dir="t"/>
-        </a:scene3d>
-        <a:sp3d prstMaterial="matte"/>
-      </dsp:spPr>
-      <dsp:style>
-        <a:lnRef idx="2">
-          <a:scrgbClr r="0" g="0" b="0"/>
-        </a:lnRef>
-        <a:fillRef idx="0">
-          <a:scrgbClr r="0" g="0" b="0"/>
-        </a:fillRef>
-        <a:effectRef idx="0">
-          <a:scrgbClr r="0" g="0" b="0"/>
-        </a:effectRef>
-        <a:fontRef idx="minor"/>
-      </dsp:style>
-    </dsp:sp>
-    <dsp:sp modelId="{9D50A5C4-5516-4E8D-BBBC-8C012A9EB9F8}">
-      <dsp:nvSpPr>
-        <dsp:cNvPr id="0" name=""/>
-        <dsp:cNvSpPr/>
-      </dsp:nvSpPr>
-      <dsp:spPr>
-        <a:xfrm>
-          <a:off x="249384" y="2024428"/>
-          <a:ext cx="967518" cy="604699"/>
-        </a:xfrm>
-        <a:prstGeom prst="roundRect">
-          <a:avLst>
-            <a:gd name="adj" fmla="val 10000"/>
-          </a:avLst>
-        </a:prstGeom>
-        <a:solidFill>
-          <a:schemeClr val="accent2">
-            <a:alpha val="90000"/>
-            <a:tint val="40000"/>
-            <a:hueOff val="0"/>
-            <a:satOff val="0"/>
-            <a:lumOff val="0"/>
-            <a:alphaOff val="0"/>
-          </a:schemeClr>
-        </a:solidFill>
-        <a:ln w="9525" cap="flat" cmpd="sng" algn="ctr">
-          <a:solidFill>
-            <a:schemeClr val="accent2">
-              <a:hueOff val="0"/>
-              <a:satOff val="0"/>
-              <a:lumOff val="0"/>
-              <a:alphaOff val="0"/>
-            </a:schemeClr>
-          </a:solidFill>
-          <a:prstDash val="solid"/>
-        </a:ln>
-        <a:effectLst>
-          <a:outerShdw blurRad="40000" dist="23000" dir="5400000" rotWithShape="0">
-            <a:srgbClr val="000000">
-              <a:alpha val="35000"/>
-            </a:srgbClr>
-          </a:outerShdw>
-        </a:effectLst>
-        <a:scene3d>
-          <a:camera prst="orthographicFront"/>
-          <a:lightRig rig="flat" dir="t"/>
-        </a:scene3d>
-        <a:sp3d z="-190500" extrusionH="12700" prstMaterial="plastic">
-          <a:bevelT w="50800" h="50800"/>
-        </a:sp3d>
-      </dsp:spPr>
-      <dsp:style>
-        <a:lnRef idx="1">
-          <a:scrgbClr r="0" g="0" b="0"/>
-        </a:lnRef>
-        <a:fillRef idx="1">
-          <a:scrgbClr r="0" g="0" b="0"/>
-        </a:fillRef>
-        <a:effectRef idx="2">
-          <a:scrgbClr r="0" g="0" b="0"/>
-        </a:effectRef>
-        <a:fontRef idx="minor"/>
-      </dsp:style>
-      <dsp:txBody>
-        <a:bodyPr spcFirstLastPara="0" vert="horz" wrap="square" lIns="17145" tIns="11430" rIns="17145" bIns="11430" numCol="1" spcCol="1270" anchor="ctr" anchorCtr="0">
-          <a:noAutofit/>
-        </a:bodyPr>
-        <a:lstStyle/>
-        <a:p>
-          <a:pPr lvl="0" algn="ctr" defTabSz="400050">
-            <a:lnSpc>
-              <a:spcPct val="90000"/>
-            </a:lnSpc>
-            <a:spcBef>
-              <a:spcPct val="0"/>
-            </a:spcBef>
-            <a:spcAft>
-              <a:spcPct val="35000"/>
-            </a:spcAft>
-          </a:pPr>
-          <a:r>
-            <a:rPr lang="nb-NO" sz="900" kern="1200" dirty="0" err="1" smtClean="0"/>
-            <a:t>Beans</a:t>
-          </a:r>
-          <a:endParaRPr lang="nb-NO" sz="900" kern="1200" dirty="0"/>
-        </a:p>
-      </dsp:txBody>
-      <dsp:txXfrm>
-        <a:off x="267095" y="2042139"/>
-        <a:ext cx="932096" cy="569277"/>
-      </dsp:txXfrm>
-    </dsp:sp>
-    <dsp:sp modelId="{248A0287-E3B5-43DA-A28F-20F100D230C3}">
-      <dsp:nvSpPr>
-        <dsp:cNvPr id="0" name=""/>
-        <dsp:cNvSpPr/>
-      </dsp:nvSpPr>
-      <dsp:spPr>
-        <a:xfrm>
-          <a:off x="128444" y="1117379"/>
-          <a:ext cx="120939" cy="1965272"/>
-        </a:xfrm>
-        <a:custGeom>
-          <a:avLst/>
-          <a:gdLst/>
-          <a:ahLst/>
-          <a:cxnLst/>
-          <a:rect l="0" t="0" r="0" b="0"/>
-          <a:pathLst>
-            <a:path>
-              <a:moveTo>
-                <a:pt x="0" y="0"/>
-              </a:moveTo>
-              <a:lnTo>
-                <a:pt x="0" y="1965272"/>
-              </a:lnTo>
-              <a:lnTo>
-                <a:pt x="120939" y="1965272"/>
-              </a:lnTo>
-            </a:path>
-          </a:pathLst>
-        </a:custGeom>
-        <a:noFill/>
-        <a:ln w="25400" cap="flat" cmpd="sng" algn="ctr">
-          <a:solidFill>
-            <a:schemeClr val="accent2">
-              <a:shade val="60000"/>
-              <a:hueOff val="0"/>
-              <a:satOff val="0"/>
-              <a:lumOff val="0"/>
-              <a:alphaOff val="0"/>
-            </a:schemeClr>
-          </a:solidFill>
-          <a:prstDash val="solid"/>
-        </a:ln>
-        <a:effectLst/>
-        <a:scene3d>
-          <a:camera prst="orthographicFront"/>
-          <a:lightRig rig="flat" dir="t"/>
-        </a:scene3d>
-        <a:sp3d prstMaterial="matte"/>
-      </dsp:spPr>
-      <dsp:style>
-        <a:lnRef idx="2">
-          <a:scrgbClr r="0" g="0" b="0"/>
-        </a:lnRef>
-        <a:fillRef idx="0">
-          <a:scrgbClr r="0" g="0" b="0"/>
-        </a:fillRef>
-        <a:effectRef idx="0">
-          <a:scrgbClr r="0" g="0" b="0"/>
-        </a:effectRef>
-        <a:fontRef idx="minor"/>
-      </dsp:style>
-    </dsp:sp>
-    <dsp:sp modelId="{B6494B0C-FDC5-4BB2-B794-BE68CABAA4ED}">
-      <dsp:nvSpPr>
-        <dsp:cNvPr id="0" name=""/>
-        <dsp:cNvSpPr/>
-      </dsp:nvSpPr>
-      <dsp:spPr>
-        <a:xfrm>
-          <a:off x="249384" y="2780302"/>
-          <a:ext cx="967518" cy="604699"/>
-        </a:xfrm>
-        <a:prstGeom prst="roundRect">
-          <a:avLst>
-            <a:gd name="adj" fmla="val 10000"/>
-          </a:avLst>
-        </a:prstGeom>
-        <a:solidFill>
-          <a:schemeClr val="accent2">
-            <a:alpha val="90000"/>
-            <a:tint val="40000"/>
-            <a:hueOff val="0"/>
-            <a:satOff val="0"/>
-            <a:lumOff val="0"/>
-            <a:alphaOff val="0"/>
-          </a:schemeClr>
-        </a:solidFill>
-        <a:ln w="9525" cap="flat" cmpd="sng" algn="ctr">
-          <a:solidFill>
-            <a:schemeClr val="accent2">
-              <a:hueOff val="0"/>
-              <a:satOff val="0"/>
-              <a:lumOff val="0"/>
-              <a:alphaOff val="0"/>
-            </a:schemeClr>
-          </a:solidFill>
-          <a:prstDash val="solid"/>
-        </a:ln>
-        <a:effectLst>
-          <a:outerShdw blurRad="40000" dist="23000" dir="5400000" rotWithShape="0">
-            <a:srgbClr val="000000">
-              <a:alpha val="35000"/>
-            </a:srgbClr>
-          </a:outerShdw>
-        </a:effectLst>
-        <a:scene3d>
-          <a:camera prst="orthographicFront"/>
-          <a:lightRig rig="flat" dir="t"/>
-        </a:scene3d>
-        <a:sp3d z="-190500" extrusionH="12700" prstMaterial="plastic">
-          <a:bevelT w="50800" h="50800"/>
-        </a:sp3d>
-      </dsp:spPr>
-      <dsp:style>
-        <a:lnRef idx="1">
-          <a:scrgbClr r="0" g="0" b="0"/>
-        </a:lnRef>
-        <a:fillRef idx="1">
-          <a:scrgbClr r="0" g="0" b="0"/>
-        </a:fillRef>
-        <a:effectRef idx="2">
-          <a:scrgbClr r="0" g="0" b="0"/>
-        </a:effectRef>
-        <a:fontRef idx="minor"/>
-      </dsp:style>
-      <dsp:txBody>
-        <a:bodyPr spcFirstLastPara="0" vert="horz" wrap="square" lIns="17145" tIns="11430" rIns="17145" bIns="11430" numCol="1" spcCol="1270" anchor="ctr" anchorCtr="0">
-          <a:noAutofit/>
-        </a:bodyPr>
-        <a:lstStyle/>
-        <a:p>
-          <a:pPr lvl="0" algn="ctr" defTabSz="400050">
-            <a:lnSpc>
-              <a:spcPct val="90000"/>
-            </a:lnSpc>
-            <a:spcBef>
-              <a:spcPct val="0"/>
-            </a:spcBef>
-            <a:spcAft>
-              <a:spcPct val="35000"/>
-            </a:spcAft>
-          </a:pPr>
-          <a:r>
-            <a:rPr lang="nb-NO" sz="900" kern="1200" dirty="0" err="1" smtClean="0"/>
-            <a:t>Context</a:t>
-          </a:r>
-          <a:endParaRPr lang="nb-NO" sz="900" kern="1200" dirty="0"/>
-        </a:p>
-      </dsp:txBody>
-      <dsp:txXfrm>
-        <a:off x="267095" y="2798013"/>
-        <a:ext cx="932096" cy="569277"/>
-      </dsp:txXfrm>
-    </dsp:sp>
-    <dsp:sp modelId="{D75867BA-0FDC-43C2-AF78-A84DE25146B6}">
-      <dsp:nvSpPr>
-        <dsp:cNvPr id="0" name=""/>
-        <dsp:cNvSpPr/>
-      </dsp:nvSpPr>
-      <dsp:spPr>
-        <a:xfrm>
-          <a:off x="128444" y="1117379"/>
-          <a:ext cx="120939" cy="2721146"/>
-        </a:xfrm>
-        <a:custGeom>
-          <a:avLst/>
-          <a:gdLst/>
-          <a:ahLst/>
-          <a:cxnLst/>
-          <a:rect l="0" t="0" r="0" b="0"/>
-          <a:pathLst>
-            <a:path>
-              <a:moveTo>
-                <a:pt x="0" y="0"/>
-              </a:moveTo>
-              <a:lnTo>
-                <a:pt x="0" y="2721146"/>
-              </a:lnTo>
-              <a:lnTo>
-                <a:pt x="120939" y="2721146"/>
-              </a:lnTo>
-            </a:path>
-          </a:pathLst>
-        </a:custGeom>
-        <a:noFill/>
-        <a:ln w="25400" cap="flat" cmpd="sng" algn="ctr">
-          <a:solidFill>
-            <a:schemeClr val="accent2">
-              <a:shade val="60000"/>
-              <a:hueOff val="0"/>
-              <a:satOff val="0"/>
-              <a:lumOff val="0"/>
-              <a:alphaOff val="0"/>
-            </a:schemeClr>
-          </a:solidFill>
-          <a:prstDash val="solid"/>
-        </a:ln>
-        <a:effectLst/>
-        <a:scene3d>
-          <a:camera prst="orthographicFront"/>
-          <a:lightRig rig="flat" dir="t"/>
-        </a:scene3d>
-        <a:sp3d prstMaterial="matte"/>
-      </dsp:spPr>
-      <dsp:style>
-        <a:lnRef idx="2">
-          <a:scrgbClr r="0" g="0" b="0"/>
-        </a:lnRef>
-        <a:fillRef idx="0">
-          <a:scrgbClr r="0" g="0" b="0"/>
-        </a:fillRef>
-        <a:effectRef idx="0">
-          <a:scrgbClr r="0" g="0" b="0"/>
-        </a:effectRef>
-        <a:fontRef idx="minor"/>
-      </dsp:style>
-    </dsp:sp>
-    <dsp:sp modelId="{7198E8F6-51EB-4808-A156-D53DB93A0993}">
-      <dsp:nvSpPr>
-        <dsp:cNvPr id="0" name=""/>
-        <dsp:cNvSpPr/>
-      </dsp:nvSpPr>
-      <dsp:spPr>
-        <a:xfrm>
-          <a:off x="249384" y="3536176"/>
-          <a:ext cx="967518" cy="604699"/>
-        </a:xfrm>
-        <a:prstGeom prst="roundRect">
-          <a:avLst>
-            <a:gd name="adj" fmla="val 10000"/>
-          </a:avLst>
-        </a:prstGeom>
-        <a:solidFill>
-          <a:schemeClr val="accent2">
-            <a:alpha val="90000"/>
-            <a:tint val="40000"/>
-            <a:hueOff val="0"/>
-            <a:satOff val="0"/>
-            <a:lumOff val="0"/>
-            <a:alphaOff val="0"/>
-          </a:schemeClr>
-        </a:solidFill>
-        <a:ln w="9525" cap="flat" cmpd="sng" algn="ctr">
-          <a:solidFill>
-            <a:schemeClr val="accent2">
-              <a:hueOff val="0"/>
-              <a:satOff val="0"/>
-              <a:lumOff val="0"/>
-              <a:alphaOff val="0"/>
-            </a:schemeClr>
-          </a:solidFill>
-          <a:prstDash val="solid"/>
-        </a:ln>
-        <a:effectLst>
-          <a:outerShdw blurRad="40000" dist="23000" dir="5400000" rotWithShape="0">
-            <a:srgbClr val="000000">
-              <a:alpha val="35000"/>
-            </a:srgbClr>
-          </a:outerShdw>
-        </a:effectLst>
-        <a:scene3d>
-          <a:camera prst="orthographicFront"/>
-          <a:lightRig rig="flat" dir="t"/>
-        </a:scene3d>
-        <a:sp3d z="-190500" extrusionH="12700" prstMaterial="plastic">
-          <a:bevelT w="50800" h="50800"/>
-        </a:sp3d>
-      </dsp:spPr>
-      <dsp:style>
-        <a:lnRef idx="1">
-          <a:scrgbClr r="0" g="0" b="0"/>
-        </a:lnRef>
-        <a:fillRef idx="1">
-          <a:scrgbClr r="0" g="0" b="0"/>
-        </a:fillRef>
-        <a:effectRef idx="2">
-          <a:scrgbClr r="0" g="0" b="0"/>
-        </a:effectRef>
-        <a:fontRef idx="minor"/>
-      </dsp:style>
-      <dsp:txBody>
-        <a:bodyPr spcFirstLastPara="0" vert="horz" wrap="square" lIns="17145" tIns="11430" rIns="17145" bIns="11430" numCol="1" spcCol="1270" anchor="ctr" anchorCtr="0">
-          <a:noAutofit/>
-        </a:bodyPr>
-        <a:lstStyle/>
-        <a:p>
-          <a:pPr lvl="0" algn="ctr" defTabSz="400050">
-            <a:lnSpc>
-              <a:spcPct val="90000"/>
-            </a:lnSpc>
-            <a:spcBef>
-              <a:spcPct val="0"/>
-            </a:spcBef>
-            <a:spcAft>
-              <a:spcPct val="35000"/>
-            </a:spcAft>
-          </a:pPr>
-          <a:r>
-            <a:rPr lang="nb-NO" sz="900" kern="1200" dirty="0" err="1" smtClean="0"/>
-            <a:t>SpEL</a:t>
-          </a:r>
-          <a:endParaRPr lang="nb-NO" sz="900" kern="1200" dirty="0"/>
-        </a:p>
-      </dsp:txBody>
-      <dsp:txXfrm>
-        <a:off x="267095" y="3553887"/>
-        <a:ext cx="932096" cy="569277"/>
-      </dsp:txXfrm>
-    </dsp:sp>
-    <dsp:sp modelId="{474D7F36-DA73-4DE0-904F-DB64106F087F}">
-      <dsp:nvSpPr>
-        <dsp:cNvPr id="0" name=""/>
-        <dsp:cNvSpPr/>
-      </dsp:nvSpPr>
-      <dsp:spPr>
-        <a:xfrm>
-          <a:off x="1519253" y="512680"/>
-          <a:ext cx="1209398" cy="604699"/>
-        </a:xfrm>
-        <a:prstGeom prst="roundRect">
-          <a:avLst>
-            <a:gd name="adj" fmla="val 10000"/>
-          </a:avLst>
-        </a:prstGeom>
-        <a:gradFill rotWithShape="0">
-          <a:gsLst>
-            <a:gs pos="0">
-              <a:schemeClr val="lt1">
-                <a:hueOff val="0"/>
-                <a:satOff val="0"/>
-                <a:lumOff val="0"/>
-                <a:alphaOff val="0"/>
-                <a:shade val="51000"/>
-                <a:satMod val="130000"/>
-              </a:schemeClr>
-            </a:gs>
-            <a:gs pos="80000">
-              <a:schemeClr val="lt1">
-                <a:hueOff val="0"/>
-                <a:satOff val="0"/>
-                <a:lumOff val="0"/>
-                <a:alphaOff val="0"/>
-                <a:shade val="93000"/>
-                <a:satMod val="130000"/>
-              </a:schemeClr>
-            </a:gs>
-            <a:gs pos="100000">
-              <a:schemeClr val="lt1">
-                <a:hueOff val="0"/>
-                <a:satOff val="0"/>
-                <a:lumOff val="0"/>
-                <a:alphaOff val="0"/>
-                <a:shade val="94000"/>
-                <a:satMod val="135000"/>
-              </a:schemeClr>
-            </a:gs>
-          </a:gsLst>
-          <a:lin ang="16200000" scaled="0"/>
-        </a:gradFill>
-        <a:ln>
-          <a:noFill/>
-        </a:ln>
-        <a:effectLst>
-          <a:outerShdw blurRad="40000" dist="23000" dir="5400000" rotWithShape="0">
-            <a:srgbClr val="000000">
-              <a:alpha val="35000"/>
-            </a:srgbClr>
-          </a:outerShdw>
-        </a:effectLst>
-        <a:scene3d>
-          <a:camera prst="orthographicFront"/>
-          <a:lightRig rig="flat" dir="t"/>
-        </a:scene3d>
-        <a:sp3d prstMaterial="plastic">
-          <a:bevelT w="120900" h="88900"/>
-          <a:bevelB w="88900" h="31750" prst="angle"/>
-        </a:sp3d>
-      </dsp:spPr>
-      <dsp:style>
-        <a:lnRef idx="0">
-          <a:scrgbClr r="0" g="0" b="0"/>
-        </a:lnRef>
-        <a:fillRef idx="3">
-          <a:scrgbClr r="0" g="0" b="0"/>
-        </a:fillRef>
-        <a:effectRef idx="2">
-          <a:scrgbClr r="0" g="0" b="0"/>
-        </a:effectRef>
-        <a:fontRef idx="minor">
-          <a:schemeClr val="lt1"/>
-        </a:fontRef>
-      </dsp:style>
-      <dsp:txBody>
-        <a:bodyPr spcFirstLastPara="0" vert="horz" wrap="square" lIns="26670" tIns="17780" rIns="26670" bIns="17780" numCol="1" spcCol="1270" anchor="ctr" anchorCtr="0">
-          <a:noAutofit/>
-        </a:bodyPr>
-        <a:lstStyle/>
-        <a:p>
-          <a:pPr lvl="0" algn="ctr" defTabSz="622300">
-            <a:lnSpc>
-              <a:spcPct val="90000"/>
-            </a:lnSpc>
-            <a:spcBef>
-              <a:spcPct val="0"/>
-            </a:spcBef>
-            <a:spcAft>
-              <a:spcPct val="35000"/>
-            </a:spcAft>
-          </a:pPr>
-          <a:r>
-            <a:rPr lang="nb-NO" sz="1400" kern="1200" dirty="0" smtClean="0"/>
-            <a:t>Data Access / </a:t>
-          </a:r>
-          <a:r>
-            <a:rPr lang="nb-NO" sz="1400" kern="1200" dirty="0" err="1" smtClean="0"/>
-            <a:t>Integration</a:t>
-          </a:r>
-          <a:endParaRPr lang="nb-NO" sz="1400" kern="1200" dirty="0"/>
-        </a:p>
-      </dsp:txBody>
-      <dsp:txXfrm>
-        <a:off x="1536964" y="530391"/>
-        <a:ext cx="1173976" cy="569277"/>
-      </dsp:txXfrm>
-    </dsp:sp>
-    <dsp:sp modelId="{6DF814D5-E4A8-4CEA-832E-47B063D273C8}">
-      <dsp:nvSpPr>
-        <dsp:cNvPr id="0" name=""/>
-        <dsp:cNvSpPr/>
-      </dsp:nvSpPr>
-      <dsp:spPr>
-        <a:xfrm>
-          <a:off x="1640193" y="1117379"/>
-          <a:ext cx="120939" cy="453524"/>
-        </a:xfrm>
-        <a:custGeom>
-          <a:avLst/>
-          <a:gdLst/>
-          <a:ahLst/>
-          <a:cxnLst/>
-          <a:rect l="0" t="0" r="0" b="0"/>
-          <a:pathLst>
-            <a:path>
-              <a:moveTo>
-                <a:pt x="0" y="0"/>
-              </a:moveTo>
-              <a:lnTo>
-                <a:pt x="0" y="453524"/>
-              </a:lnTo>
-              <a:lnTo>
-                <a:pt x="120939" y="453524"/>
-              </a:lnTo>
-            </a:path>
-          </a:pathLst>
-        </a:custGeom>
-        <a:noFill/>
-        <a:ln w="25400" cap="flat" cmpd="sng" algn="ctr">
-          <a:solidFill>
-            <a:schemeClr val="accent2">
-              <a:shade val="60000"/>
-              <a:hueOff val="0"/>
-              <a:satOff val="0"/>
-              <a:lumOff val="0"/>
-              <a:alphaOff val="0"/>
-            </a:schemeClr>
-          </a:solidFill>
-          <a:prstDash val="solid"/>
-        </a:ln>
-        <a:effectLst/>
-        <a:scene3d>
-          <a:camera prst="orthographicFront"/>
-          <a:lightRig rig="flat" dir="t"/>
-        </a:scene3d>
-        <a:sp3d prstMaterial="matte"/>
-      </dsp:spPr>
-      <dsp:style>
-        <a:lnRef idx="2">
-          <a:scrgbClr r="0" g="0" b="0"/>
-        </a:lnRef>
-        <a:fillRef idx="0">
-          <a:scrgbClr r="0" g="0" b="0"/>
-        </a:fillRef>
-        <a:effectRef idx="0">
-          <a:scrgbClr r="0" g="0" b="0"/>
-        </a:effectRef>
-        <a:fontRef idx="minor"/>
-      </dsp:style>
-    </dsp:sp>
-    <dsp:sp modelId="{C7DE9EBD-DF87-48EA-93B6-EB15B235BFBF}">
-      <dsp:nvSpPr>
-        <dsp:cNvPr id="0" name=""/>
-        <dsp:cNvSpPr/>
-      </dsp:nvSpPr>
-      <dsp:spPr>
-        <a:xfrm>
-          <a:off x="1761133" y="1268554"/>
-          <a:ext cx="967518" cy="604699"/>
-        </a:xfrm>
-        <a:prstGeom prst="roundRect">
-          <a:avLst>
-            <a:gd name="adj" fmla="val 10000"/>
-          </a:avLst>
-        </a:prstGeom>
-        <a:solidFill>
-          <a:schemeClr val="accent2">
-            <a:alpha val="90000"/>
-            <a:tint val="40000"/>
-            <a:hueOff val="0"/>
-            <a:satOff val="0"/>
-            <a:lumOff val="0"/>
-            <a:alphaOff val="0"/>
-          </a:schemeClr>
-        </a:solidFill>
-        <a:ln w="9525" cap="flat" cmpd="sng" algn="ctr">
-          <a:solidFill>
-            <a:schemeClr val="accent2">
-              <a:hueOff val="0"/>
-              <a:satOff val="0"/>
-              <a:lumOff val="0"/>
-              <a:alphaOff val="0"/>
-            </a:schemeClr>
-          </a:solidFill>
-          <a:prstDash val="solid"/>
-        </a:ln>
-        <a:effectLst>
-          <a:outerShdw blurRad="40000" dist="23000" dir="5400000" rotWithShape="0">
-            <a:srgbClr val="000000">
-              <a:alpha val="35000"/>
-            </a:srgbClr>
-          </a:outerShdw>
-        </a:effectLst>
-        <a:scene3d>
-          <a:camera prst="orthographicFront"/>
-          <a:lightRig rig="flat" dir="t"/>
-        </a:scene3d>
-        <a:sp3d z="-190500" extrusionH="12700" prstMaterial="plastic">
-          <a:bevelT w="50800" h="50800"/>
-        </a:sp3d>
-      </dsp:spPr>
-      <dsp:style>
-        <a:lnRef idx="1">
-          <a:scrgbClr r="0" g="0" b="0"/>
-        </a:lnRef>
-        <a:fillRef idx="1">
-          <a:scrgbClr r="0" g="0" b="0"/>
-        </a:fillRef>
-        <a:effectRef idx="2">
-          <a:scrgbClr r="0" g="0" b="0"/>
-        </a:effectRef>
-        <a:fontRef idx="minor"/>
-      </dsp:style>
-      <dsp:txBody>
-        <a:bodyPr spcFirstLastPara="0" vert="horz" wrap="square" lIns="17145" tIns="11430" rIns="17145" bIns="11430" numCol="1" spcCol="1270" anchor="ctr" anchorCtr="0">
-          <a:noAutofit/>
-        </a:bodyPr>
-        <a:lstStyle/>
-        <a:p>
-          <a:pPr lvl="0" algn="ctr" defTabSz="400050">
-            <a:lnSpc>
-              <a:spcPct val="90000"/>
-            </a:lnSpc>
-            <a:spcBef>
-              <a:spcPct val="0"/>
-            </a:spcBef>
-            <a:spcAft>
-              <a:spcPct val="35000"/>
-            </a:spcAft>
-          </a:pPr>
-          <a:r>
-            <a:rPr lang="nb-NO" sz="900" kern="1200" dirty="0" smtClean="0"/>
-            <a:t>JDBC</a:t>
-          </a:r>
-          <a:endParaRPr lang="nb-NO" sz="900" kern="1200" dirty="0"/>
-        </a:p>
-      </dsp:txBody>
-      <dsp:txXfrm>
-        <a:off x="1778844" y="1286265"/>
-        <a:ext cx="932096" cy="569277"/>
-      </dsp:txXfrm>
-    </dsp:sp>
-    <dsp:sp modelId="{EAD227F3-C11A-4D96-B8D0-E8059B91A380}">
-      <dsp:nvSpPr>
-        <dsp:cNvPr id="0" name=""/>
-        <dsp:cNvSpPr/>
-      </dsp:nvSpPr>
-      <dsp:spPr>
-        <a:xfrm>
-          <a:off x="1640193" y="1117379"/>
-          <a:ext cx="120939" cy="1209398"/>
-        </a:xfrm>
-        <a:custGeom>
-          <a:avLst/>
-          <a:gdLst/>
-          <a:ahLst/>
-          <a:cxnLst/>
-          <a:rect l="0" t="0" r="0" b="0"/>
-          <a:pathLst>
-            <a:path>
-              <a:moveTo>
-                <a:pt x="0" y="0"/>
-              </a:moveTo>
-              <a:lnTo>
-                <a:pt x="0" y="1209398"/>
-              </a:lnTo>
-              <a:lnTo>
-                <a:pt x="120939" y="1209398"/>
-              </a:lnTo>
-            </a:path>
-          </a:pathLst>
-        </a:custGeom>
-        <a:noFill/>
-        <a:ln w="25400" cap="flat" cmpd="sng" algn="ctr">
-          <a:solidFill>
-            <a:schemeClr val="accent2">
-              <a:shade val="60000"/>
-              <a:hueOff val="0"/>
-              <a:satOff val="0"/>
-              <a:lumOff val="0"/>
-              <a:alphaOff val="0"/>
-            </a:schemeClr>
-          </a:solidFill>
-          <a:prstDash val="solid"/>
-        </a:ln>
-        <a:effectLst/>
-        <a:scene3d>
-          <a:camera prst="orthographicFront"/>
-          <a:lightRig rig="flat" dir="t"/>
-        </a:scene3d>
-        <a:sp3d prstMaterial="matte"/>
-      </dsp:spPr>
-      <dsp:style>
-        <a:lnRef idx="2">
-          <a:scrgbClr r="0" g="0" b="0"/>
-        </a:lnRef>
-        <a:fillRef idx="0">
-          <a:scrgbClr r="0" g="0" b="0"/>
-        </a:fillRef>
-        <a:effectRef idx="0">
-          <a:scrgbClr r="0" g="0" b="0"/>
-        </a:effectRef>
-        <a:fontRef idx="minor"/>
-      </dsp:style>
-    </dsp:sp>
-    <dsp:sp modelId="{464029FD-26BC-486E-8D6C-5E6A1FF0F34F}">
-      <dsp:nvSpPr>
-        <dsp:cNvPr id="0" name=""/>
-        <dsp:cNvSpPr/>
-      </dsp:nvSpPr>
-      <dsp:spPr>
-        <a:xfrm>
-          <a:off x="1761133" y="2024428"/>
-          <a:ext cx="967518" cy="604699"/>
-        </a:xfrm>
-        <a:prstGeom prst="roundRect">
-          <a:avLst>
-            <a:gd name="adj" fmla="val 10000"/>
-          </a:avLst>
-        </a:prstGeom>
-        <a:solidFill>
-          <a:schemeClr val="accent2">
-            <a:alpha val="90000"/>
-            <a:tint val="40000"/>
-            <a:hueOff val="0"/>
-            <a:satOff val="0"/>
-            <a:lumOff val="0"/>
-            <a:alphaOff val="0"/>
-          </a:schemeClr>
-        </a:solidFill>
-        <a:ln w="9525" cap="flat" cmpd="sng" algn="ctr">
-          <a:solidFill>
-            <a:schemeClr val="accent2">
-              <a:hueOff val="0"/>
-              <a:satOff val="0"/>
-              <a:lumOff val="0"/>
-              <a:alphaOff val="0"/>
-            </a:schemeClr>
-          </a:solidFill>
-          <a:prstDash val="solid"/>
-        </a:ln>
-        <a:effectLst>
-          <a:outerShdw blurRad="40000" dist="23000" dir="5400000" rotWithShape="0">
-            <a:srgbClr val="000000">
-              <a:alpha val="35000"/>
-            </a:srgbClr>
-          </a:outerShdw>
-        </a:effectLst>
-        <a:scene3d>
-          <a:camera prst="orthographicFront"/>
-          <a:lightRig rig="flat" dir="t"/>
-        </a:scene3d>
-        <a:sp3d z="-190500" extrusionH="12700" prstMaterial="plastic">
-          <a:bevelT w="50800" h="50800"/>
-        </a:sp3d>
-      </dsp:spPr>
-      <dsp:style>
-        <a:lnRef idx="1">
-          <a:scrgbClr r="0" g="0" b="0"/>
-        </a:lnRef>
-        <a:fillRef idx="1">
-          <a:scrgbClr r="0" g="0" b="0"/>
-        </a:fillRef>
-        <a:effectRef idx="2">
-          <a:scrgbClr r="0" g="0" b="0"/>
-        </a:effectRef>
-        <a:fontRef idx="minor"/>
-      </dsp:style>
-      <dsp:txBody>
-        <a:bodyPr spcFirstLastPara="0" vert="horz" wrap="square" lIns="17145" tIns="11430" rIns="17145" bIns="11430" numCol="1" spcCol="1270" anchor="ctr" anchorCtr="0">
-          <a:noAutofit/>
-        </a:bodyPr>
-        <a:lstStyle/>
-        <a:p>
-          <a:pPr lvl="0" algn="ctr" defTabSz="400050">
-            <a:lnSpc>
-              <a:spcPct val="90000"/>
-            </a:lnSpc>
-            <a:spcBef>
-              <a:spcPct val="0"/>
-            </a:spcBef>
-            <a:spcAft>
-              <a:spcPct val="35000"/>
-            </a:spcAft>
-          </a:pPr>
-          <a:r>
-            <a:rPr lang="nb-NO" sz="900" kern="1200" dirty="0" smtClean="0"/>
-            <a:t>ORM</a:t>
-          </a:r>
-          <a:endParaRPr lang="nb-NO" sz="900" kern="1200" dirty="0"/>
-        </a:p>
-      </dsp:txBody>
-      <dsp:txXfrm>
-        <a:off x="1778844" y="2042139"/>
-        <a:ext cx="932096" cy="569277"/>
-      </dsp:txXfrm>
-    </dsp:sp>
-    <dsp:sp modelId="{1CCD8AF6-6511-4098-AEC5-1C15416280C9}">
-      <dsp:nvSpPr>
-        <dsp:cNvPr id="0" name=""/>
-        <dsp:cNvSpPr/>
-      </dsp:nvSpPr>
-      <dsp:spPr>
-        <a:xfrm>
-          <a:off x="1640193" y="1117379"/>
-          <a:ext cx="120939" cy="1965272"/>
-        </a:xfrm>
-        <a:custGeom>
-          <a:avLst/>
-          <a:gdLst/>
-          <a:ahLst/>
-          <a:cxnLst/>
-          <a:rect l="0" t="0" r="0" b="0"/>
-          <a:pathLst>
-            <a:path>
-              <a:moveTo>
-                <a:pt x="0" y="0"/>
-              </a:moveTo>
-              <a:lnTo>
-                <a:pt x="0" y="1965272"/>
-              </a:lnTo>
-              <a:lnTo>
-                <a:pt x="120939" y="1965272"/>
-              </a:lnTo>
-            </a:path>
-          </a:pathLst>
-        </a:custGeom>
-        <a:noFill/>
-        <a:ln w="25400" cap="flat" cmpd="sng" algn="ctr">
-          <a:solidFill>
-            <a:schemeClr val="accent2">
-              <a:shade val="60000"/>
-              <a:hueOff val="0"/>
-              <a:satOff val="0"/>
-              <a:lumOff val="0"/>
-              <a:alphaOff val="0"/>
-            </a:schemeClr>
-          </a:solidFill>
-          <a:prstDash val="solid"/>
-        </a:ln>
-        <a:effectLst/>
-        <a:scene3d>
-          <a:camera prst="orthographicFront"/>
-          <a:lightRig rig="flat" dir="t"/>
-        </a:scene3d>
-        <a:sp3d prstMaterial="matte"/>
-      </dsp:spPr>
-      <dsp:style>
-        <a:lnRef idx="2">
-          <a:scrgbClr r="0" g="0" b="0"/>
-        </a:lnRef>
-        <a:fillRef idx="0">
-          <a:scrgbClr r="0" g="0" b="0"/>
-        </a:fillRef>
-        <a:effectRef idx="0">
-          <a:scrgbClr r="0" g="0" b="0"/>
-        </a:effectRef>
-        <a:fontRef idx="minor"/>
-      </dsp:style>
-    </dsp:sp>
-    <dsp:sp modelId="{7065F44B-21C9-487F-AA37-D754F3FA90DB}">
-      <dsp:nvSpPr>
-        <dsp:cNvPr id="0" name=""/>
-        <dsp:cNvSpPr/>
-      </dsp:nvSpPr>
-      <dsp:spPr>
-        <a:xfrm>
-          <a:off x="1761133" y="2780302"/>
-          <a:ext cx="967518" cy="604699"/>
-        </a:xfrm>
-        <a:prstGeom prst="roundRect">
-          <a:avLst>
-            <a:gd name="adj" fmla="val 10000"/>
-          </a:avLst>
-        </a:prstGeom>
-        <a:solidFill>
-          <a:schemeClr val="accent2">
-            <a:alpha val="90000"/>
-            <a:tint val="40000"/>
-            <a:hueOff val="0"/>
-            <a:satOff val="0"/>
-            <a:lumOff val="0"/>
-            <a:alphaOff val="0"/>
-          </a:schemeClr>
-        </a:solidFill>
-        <a:ln w="9525" cap="flat" cmpd="sng" algn="ctr">
-          <a:solidFill>
-            <a:schemeClr val="accent2">
-              <a:hueOff val="0"/>
-              <a:satOff val="0"/>
-              <a:lumOff val="0"/>
-              <a:alphaOff val="0"/>
-            </a:schemeClr>
-          </a:solidFill>
-          <a:prstDash val="solid"/>
-        </a:ln>
-        <a:effectLst>
-          <a:outerShdw blurRad="40000" dist="23000" dir="5400000" rotWithShape="0">
-            <a:srgbClr val="000000">
-              <a:alpha val="35000"/>
-            </a:srgbClr>
-          </a:outerShdw>
-        </a:effectLst>
-        <a:scene3d>
-          <a:camera prst="orthographicFront"/>
-          <a:lightRig rig="flat" dir="t"/>
-        </a:scene3d>
-        <a:sp3d z="-190500" extrusionH="12700" prstMaterial="plastic">
-          <a:bevelT w="50800" h="50800"/>
-        </a:sp3d>
-      </dsp:spPr>
-      <dsp:style>
-        <a:lnRef idx="1">
-          <a:scrgbClr r="0" g="0" b="0"/>
-        </a:lnRef>
-        <a:fillRef idx="1">
-          <a:scrgbClr r="0" g="0" b="0"/>
-        </a:fillRef>
-        <a:effectRef idx="2">
-          <a:scrgbClr r="0" g="0" b="0"/>
-        </a:effectRef>
-        <a:fontRef idx="minor"/>
-      </dsp:style>
-      <dsp:txBody>
-        <a:bodyPr spcFirstLastPara="0" vert="horz" wrap="square" lIns="17145" tIns="11430" rIns="17145" bIns="11430" numCol="1" spcCol="1270" anchor="ctr" anchorCtr="0">
-          <a:noAutofit/>
-        </a:bodyPr>
-        <a:lstStyle/>
-        <a:p>
-          <a:pPr lvl="0" algn="ctr" defTabSz="400050">
-            <a:lnSpc>
-              <a:spcPct val="90000"/>
-            </a:lnSpc>
-            <a:spcBef>
-              <a:spcPct val="0"/>
-            </a:spcBef>
-            <a:spcAft>
-              <a:spcPct val="35000"/>
-            </a:spcAft>
-          </a:pPr>
-          <a:r>
-            <a:rPr lang="nb-NO" sz="900" kern="1200" dirty="0" smtClean="0"/>
-            <a:t>TX</a:t>
-          </a:r>
-          <a:endParaRPr lang="nb-NO" sz="900" kern="1200" dirty="0"/>
-        </a:p>
-      </dsp:txBody>
-      <dsp:txXfrm>
-        <a:off x="1778844" y="2798013"/>
-        <a:ext cx="932096" cy="569277"/>
-      </dsp:txXfrm>
-    </dsp:sp>
-    <dsp:sp modelId="{D1DCFDDC-1903-4091-B079-7E90C6B98CD7}">
-      <dsp:nvSpPr>
-        <dsp:cNvPr id="0" name=""/>
-        <dsp:cNvSpPr/>
-      </dsp:nvSpPr>
-      <dsp:spPr>
-        <a:xfrm>
-          <a:off x="1640193" y="1117379"/>
-          <a:ext cx="120939" cy="2721146"/>
-        </a:xfrm>
-        <a:custGeom>
-          <a:avLst/>
-          <a:gdLst/>
-          <a:ahLst/>
-          <a:cxnLst/>
-          <a:rect l="0" t="0" r="0" b="0"/>
-          <a:pathLst>
-            <a:path>
-              <a:moveTo>
-                <a:pt x="0" y="0"/>
-              </a:moveTo>
-              <a:lnTo>
-                <a:pt x="0" y="2721146"/>
-              </a:lnTo>
-              <a:lnTo>
-                <a:pt x="120939" y="2721146"/>
-              </a:lnTo>
-            </a:path>
-          </a:pathLst>
-        </a:custGeom>
-        <a:noFill/>
-        <a:ln w="25400" cap="flat" cmpd="sng" algn="ctr">
-          <a:solidFill>
-            <a:schemeClr val="accent2">
-              <a:shade val="60000"/>
-              <a:hueOff val="0"/>
-              <a:satOff val="0"/>
-              <a:lumOff val="0"/>
-              <a:alphaOff val="0"/>
-            </a:schemeClr>
-          </a:solidFill>
-          <a:prstDash val="solid"/>
-        </a:ln>
-        <a:effectLst/>
-        <a:scene3d>
-          <a:camera prst="orthographicFront"/>
-          <a:lightRig rig="flat" dir="t"/>
-        </a:scene3d>
-        <a:sp3d prstMaterial="matte"/>
-      </dsp:spPr>
-      <dsp:style>
-        <a:lnRef idx="2">
-          <a:scrgbClr r="0" g="0" b="0"/>
-        </a:lnRef>
-        <a:fillRef idx="0">
-          <a:scrgbClr r="0" g="0" b="0"/>
-        </a:fillRef>
-        <a:effectRef idx="0">
-          <a:scrgbClr r="0" g="0" b="0"/>
-        </a:effectRef>
-        <a:fontRef idx="minor"/>
-      </dsp:style>
-    </dsp:sp>
-    <dsp:sp modelId="{EACEC716-9394-4F65-81F4-5AABDF5ED346}">
-      <dsp:nvSpPr>
-        <dsp:cNvPr id="0" name=""/>
-        <dsp:cNvSpPr/>
-      </dsp:nvSpPr>
-      <dsp:spPr>
-        <a:xfrm>
-          <a:off x="1761133" y="3536176"/>
-          <a:ext cx="967518" cy="604699"/>
-        </a:xfrm>
-        <a:prstGeom prst="roundRect">
-          <a:avLst>
-            <a:gd name="adj" fmla="val 10000"/>
-          </a:avLst>
-        </a:prstGeom>
-        <a:solidFill>
-          <a:schemeClr val="accent2">
-            <a:alpha val="90000"/>
-            <a:tint val="40000"/>
-            <a:hueOff val="0"/>
-            <a:satOff val="0"/>
-            <a:lumOff val="0"/>
-            <a:alphaOff val="0"/>
-          </a:schemeClr>
-        </a:solidFill>
-        <a:ln w="9525" cap="flat" cmpd="sng" algn="ctr">
-          <a:solidFill>
-            <a:schemeClr val="accent2">
-              <a:hueOff val="0"/>
-              <a:satOff val="0"/>
-              <a:lumOff val="0"/>
-              <a:alphaOff val="0"/>
-            </a:schemeClr>
-          </a:solidFill>
-          <a:prstDash val="solid"/>
-        </a:ln>
-        <a:effectLst>
-          <a:outerShdw blurRad="40000" dist="23000" dir="5400000" rotWithShape="0">
-            <a:srgbClr val="000000">
-              <a:alpha val="35000"/>
-            </a:srgbClr>
-          </a:outerShdw>
-        </a:effectLst>
-        <a:scene3d>
-          <a:camera prst="orthographicFront"/>
-          <a:lightRig rig="flat" dir="t"/>
-        </a:scene3d>
-        <a:sp3d z="-190500" extrusionH="12700" prstMaterial="plastic">
-          <a:bevelT w="50800" h="50800"/>
-        </a:sp3d>
-      </dsp:spPr>
-      <dsp:style>
-        <a:lnRef idx="1">
-          <a:scrgbClr r="0" g="0" b="0"/>
-        </a:lnRef>
-        <a:fillRef idx="1">
-          <a:scrgbClr r="0" g="0" b="0"/>
-        </a:fillRef>
-        <a:effectRef idx="2">
-          <a:scrgbClr r="0" g="0" b="0"/>
-        </a:effectRef>
-        <a:fontRef idx="minor"/>
-      </dsp:style>
-      <dsp:txBody>
-        <a:bodyPr spcFirstLastPara="0" vert="horz" wrap="square" lIns="17145" tIns="11430" rIns="17145" bIns="11430" numCol="1" spcCol="1270" anchor="ctr" anchorCtr="0">
-          <a:noAutofit/>
-        </a:bodyPr>
-        <a:lstStyle/>
-        <a:p>
-          <a:pPr lvl="0" algn="ctr" defTabSz="400050">
-            <a:lnSpc>
-              <a:spcPct val="90000"/>
-            </a:lnSpc>
-            <a:spcBef>
-              <a:spcPct val="0"/>
-            </a:spcBef>
-            <a:spcAft>
-              <a:spcPct val="35000"/>
-            </a:spcAft>
-          </a:pPr>
-          <a:r>
-            <a:rPr lang="nb-NO" sz="900" kern="1200" dirty="0" smtClean="0"/>
-            <a:t>OXM</a:t>
-          </a:r>
-          <a:endParaRPr lang="nb-NO" sz="900" kern="1200" dirty="0"/>
-        </a:p>
-      </dsp:txBody>
-      <dsp:txXfrm>
-        <a:off x="1778844" y="3553887"/>
-        <a:ext cx="932096" cy="569277"/>
-      </dsp:txXfrm>
-    </dsp:sp>
-    <dsp:sp modelId="{FEB273E7-5564-44D9-AA3D-21D7524B209D}">
-      <dsp:nvSpPr>
-        <dsp:cNvPr id="0" name=""/>
-        <dsp:cNvSpPr/>
-      </dsp:nvSpPr>
-      <dsp:spPr>
-        <a:xfrm>
-          <a:off x="1640193" y="1117379"/>
-          <a:ext cx="120939" cy="3477020"/>
-        </a:xfrm>
-        <a:custGeom>
-          <a:avLst/>
-          <a:gdLst/>
-          <a:ahLst/>
-          <a:cxnLst/>
-          <a:rect l="0" t="0" r="0" b="0"/>
-          <a:pathLst>
-            <a:path>
-              <a:moveTo>
-                <a:pt x="0" y="0"/>
-              </a:moveTo>
-              <a:lnTo>
-                <a:pt x="0" y="3477020"/>
-              </a:lnTo>
-              <a:lnTo>
-                <a:pt x="120939" y="3477020"/>
-              </a:lnTo>
-            </a:path>
-          </a:pathLst>
-        </a:custGeom>
-        <a:noFill/>
-        <a:ln w="25400" cap="flat" cmpd="sng" algn="ctr">
-          <a:solidFill>
-            <a:schemeClr val="accent2">
-              <a:shade val="60000"/>
-              <a:hueOff val="0"/>
-              <a:satOff val="0"/>
-              <a:lumOff val="0"/>
-              <a:alphaOff val="0"/>
-            </a:schemeClr>
-          </a:solidFill>
-          <a:prstDash val="solid"/>
-        </a:ln>
-        <a:effectLst/>
-        <a:scene3d>
-          <a:camera prst="orthographicFront"/>
-          <a:lightRig rig="flat" dir="t"/>
-        </a:scene3d>
-        <a:sp3d prstMaterial="matte"/>
-      </dsp:spPr>
-      <dsp:style>
-        <a:lnRef idx="2">
-          <a:scrgbClr r="0" g="0" b="0"/>
-        </a:lnRef>
-        <a:fillRef idx="0">
-          <a:scrgbClr r="0" g="0" b="0"/>
-        </a:fillRef>
-        <a:effectRef idx="0">
-          <a:scrgbClr r="0" g="0" b="0"/>
-        </a:effectRef>
-        <a:fontRef idx="minor"/>
-      </dsp:style>
-    </dsp:sp>
-    <dsp:sp modelId="{19542448-3E27-48BF-B575-DDD7351C1B18}">
-      <dsp:nvSpPr>
-        <dsp:cNvPr id="0" name=""/>
-        <dsp:cNvSpPr/>
-      </dsp:nvSpPr>
-      <dsp:spPr>
-        <a:xfrm>
-          <a:off x="1761133" y="4292050"/>
-          <a:ext cx="967518" cy="604699"/>
-        </a:xfrm>
-        <a:prstGeom prst="roundRect">
-          <a:avLst>
-            <a:gd name="adj" fmla="val 10000"/>
-          </a:avLst>
-        </a:prstGeom>
-        <a:solidFill>
-          <a:schemeClr val="accent2">
-            <a:alpha val="90000"/>
-            <a:tint val="40000"/>
-            <a:hueOff val="0"/>
-            <a:satOff val="0"/>
-            <a:lumOff val="0"/>
-            <a:alphaOff val="0"/>
-          </a:schemeClr>
-        </a:solidFill>
-        <a:ln w="9525" cap="flat" cmpd="sng" algn="ctr">
-          <a:solidFill>
-            <a:schemeClr val="accent2">
-              <a:hueOff val="0"/>
-              <a:satOff val="0"/>
-              <a:lumOff val="0"/>
-              <a:alphaOff val="0"/>
-            </a:schemeClr>
-          </a:solidFill>
-          <a:prstDash val="solid"/>
-        </a:ln>
-        <a:effectLst>
-          <a:outerShdw blurRad="40000" dist="23000" dir="5400000" rotWithShape="0">
-            <a:srgbClr val="000000">
-              <a:alpha val="35000"/>
-            </a:srgbClr>
-          </a:outerShdw>
-        </a:effectLst>
-        <a:scene3d>
-          <a:camera prst="orthographicFront"/>
-          <a:lightRig rig="flat" dir="t"/>
-        </a:scene3d>
-        <a:sp3d z="-190500" extrusionH="12700" prstMaterial="plastic">
-          <a:bevelT w="50800" h="50800"/>
-        </a:sp3d>
-      </dsp:spPr>
-      <dsp:style>
-        <a:lnRef idx="1">
-          <a:scrgbClr r="0" g="0" b="0"/>
-        </a:lnRef>
-        <a:fillRef idx="1">
-          <a:scrgbClr r="0" g="0" b="0"/>
-        </a:fillRef>
-        <a:effectRef idx="2">
-          <a:scrgbClr r="0" g="0" b="0"/>
-        </a:effectRef>
-        <a:fontRef idx="minor"/>
-      </dsp:style>
-      <dsp:txBody>
-        <a:bodyPr spcFirstLastPara="0" vert="horz" wrap="square" lIns="17145" tIns="11430" rIns="17145" bIns="11430" numCol="1" spcCol="1270" anchor="ctr" anchorCtr="0">
-          <a:noAutofit/>
-        </a:bodyPr>
-        <a:lstStyle/>
-        <a:p>
-          <a:pPr lvl="0" algn="ctr" defTabSz="400050">
-            <a:lnSpc>
-              <a:spcPct val="90000"/>
-            </a:lnSpc>
-            <a:spcBef>
-              <a:spcPct val="0"/>
-            </a:spcBef>
-            <a:spcAft>
-              <a:spcPct val="35000"/>
-            </a:spcAft>
-          </a:pPr>
-          <a:r>
-            <a:rPr lang="nb-NO" sz="900" kern="1200" dirty="0" smtClean="0"/>
-            <a:t>JMS</a:t>
-          </a:r>
-          <a:endParaRPr lang="nb-NO" sz="900" kern="1200" dirty="0"/>
-        </a:p>
-      </dsp:txBody>
-      <dsp:txXfrm>
-        <a:off x="1778844" y="4309761"/>
-        <a:ext cx="932096" cy="569277"/>
-      </dsp:txXfrm>
-    </dsp:sp>
-    <dsp:sp modelId="{153DC256-80D7-4E5D-BB8F-5A67E953E501}">
-      <dsp:nvSpPr>
-        <dsp:cNvPr id="0" name=""/>
-        <dsp:cNvSpPr/>
-      </dsp:nvSpPr>
-      <dsp:spPr>
-        <a:xfrm>
-          <a:off x="3031001" y="512680"/>
-          <a:ext cx="1209398" cy="604699"/>
-        </a:xfrm>
-        <a:prstGeom prst="roundRect">
-          <a:avLst>
-            <a:gd name="adj" fmla="val 10000"/>
-          </a:avLst>
-        </a:prstGeom>
-        <a:gradFill rotWithShape="0">
-          <a:gsLst>
-            <a:gs pos="0">
-              <a:schemeClr val="lt1">
-                <a:hueOff val="0"/>
-                <a:satOff val="0"/>
-                <a:lumOff val="0"/>
-                <a:alphaOff val="0"/>
-                <a:shade val="51000"/>
-                <a:satMod val="130000"/>
-              </a:schemeClr>
-            </a:gs>
-            <a:gs pos="80000">
-              <a:schemeClr val="lt1">
-                <a:hueOff val="0"/>
-                <a:satOff val="0"/>
-                <a:lumOff val="0"/>
-                <a:alphaOff val="0"/>
-                <a:shade val="93000"/>
-                <a:satMod val="130000"/>
-              </a:schemeClr>
-            </a:gs>
-            <a:gs pos="100000">
-              <a:schemeClr val="lt1">
-                <a:hueOff val="0"/>
-                <a:satOff val="0"/>
-                <a:lumOff val="0"/>
-                <a:alphaOff val="0"/>
-                <a:shade val="94000"/>
-                <a:satMod val="135000"/>
-              </a:schemeClr>
-            </a:gs>
-          </a:gsLst>
-          <a:lin ang="16200000" scaled="0"/>
-        </a:gradFill>
-        <a:ln>
-          <a:noFill/>
-        </a:ln>
-        <a:effectLst>
-          <a:outerShdw blurRad="40000" dist="23000" dir="5400000" rotWithShape="0">
-            <a:srgbClr val="000000">
-              <a:alpha val="35000"/>
-            </a:srgbClr>
-          </a:outerShdw>
-        </a:effectLst>
-        <a:scene3d>
-          <a:camera prst="orthographicFront"/>
-          <a:lightRig rig="flat" dir="t"/>
-        </a:scene3d>
-        <a:sp3d prstMaterial="plastic">
-          <a:bevelT w="120900" h="88900"/>
-          <a:bevelB w="88900" h="31750" prst="angle"/>
-        </a:sp3d>
-      </dsp:spPr>
-      <dsp:style>
-        <a:lnRef idx="0">
-          <a:scrgbClr r="0" g="0" b="0"/>
-        </a:lnRef>
-        <a:fillRef idx="3">
-          <a:scrgbClr r="0" g="0" b="0"/>
-        </a:fillRef>
-        <a:effectRef idx="2">
-          <a:scrgbClr r="0" g="0" b="0"/>
-        </a:effectRef>
-        <a:fontRef idx="minor">
-          <a:schemeClr val="lt1"/>
-        </a:fontRef>
-      </dsp:style>
-      <dsp:txBody>
-        <a:bodyPr spcFirstLastPara="0" vert="horz" wrap="square" lIns="26670" tIns="17780" rIns="26670" bIns="17780" numCol="1" spcCol="1270" anchor="ctr" anchorCtr="0">
-          <a:noAutofit/>
-        </a:bodyPr>
-        <a:lstStyle/>
-        <a:p>
-          <a:pPr lvl="0" algn="ctr" defTabSz="622300">
-            <a:lnSpc>
-              <a:spcPct val="90000"/>
-            </a:lnSpc>
-            <a:spcBef>
-              <a:spcPct val="0"/>
-            </a:spcBef>
-            <a:spcAft>
-              <a:spcPct val="35000"/>
-            </a:spcAft>
-          </a:pPr>
-          <a:r>
-            <a:rPr lang="nb-NO" sz="1400" kern="1200" smtClean="0"/>
-            <a:t>Web</a:t>
-          </a:r>
-          <a:endParaRPr lang="nb-NO" sz="1400" kern="1200" dirty="0"/>
-        </a:p>
-      </dsp:txBody>
-      <dsp:txXfrm>
-        <a:off x="3048712" y="530391"/>
-        <a:ext cx="1173976" cy="569277"/>
-      </dsp:txXfrm>
-    </dsp:sp>
-    <dsp:sp modelId="{5A2C54A8-437C-4D17-974C-CD2999118592}">
-      <dsp:nvSpPr>
-        <dsp:cNvPr id="0" name=""/>
-        <dsp:cNvSpPr/>
-      </dsp:nvSpPr>
-      <dsp:spPr>
-        <a:xfrm>
-          <a:off x="3151941" y="1117379"/>
-          <a:ext cx="120939" cy="453524"/>
-        </a:xfrm>
-        <a:custGeom>
-          <a:avLst/>
-          <a:gdLst/>
-          <a:ahLst/>
-          <a:cxnLst/>
-          <a:rect l="0" t="0" r="0" b="0"/>
-          <a:pathLst>
-            <a:path>
-              <a:moveTo>
-                <a:pt x="0" y="0"/>
-              </a:moveTo>
-              <a:lnTo>
-                <a:pt x="0" y="453524"/>
-              </a:lnTo>
-              <a:lnTo>
-                <a:pt x="120939" y="453524"/>
-              </a:lnTo>
-            </a:path>
-          </a:pathLst>
-        </a:custGeom>
-        <a:noFill/>
-        <a:ln w="25400" cap="flat" cmpd="sng" algn="ctr">
-          <a:solidFill>
-            <a:schemeClr val="accent2">
-              <a:shade val="60000"/>
-              <a:hueOff val="0"/>
-              <a:satOff val="0"/>
-              <a:lumOff val="0"/>
-              <a:alphaOff val="0"/>
-            </a:schemeClr>
-          </a:solidFill>
-          <a:prstDash val="solid"/>
-        </a:ln>
-        <a:effectLst/>
-        <a:scene3d>
-          <a:camera prst="orthographicFront"/>
-          <a:lightRig rig="flat" dir="t"/>
-        </a:scene3d>
-        <a:sp3d prstMaterial="matte"/>
-      </dsp:spPr>
-      <dsp:style>
-        <a:lnRef idx="2">
-          <a:scrgbClr r="0" g="0" b="0"/>
-        </a:lnRef>
-        <a:fillRef idx="0">
-          <a:scrgbClr r="0" g="0" b="0"/>
-        </a:fillRef>
-        <a:effectRef idx="0">
-          <a:scrgbClr r="0" g="0" b="0"/>
-        </a:effectRef>
-        <a:fontRef idx="minor"/>
-      </dsp:style>
-    </dsp:sp>
-    <dsp:sp modelId="{DC920448-86D7-42DB-BF8D-6955684FEBEA}">
-      <dsp:nvSpPr>
-        <dsp:cNvPr id="0" name=""/>
-        <dsp:cNvSpPr/>
-      </dsp:nvSpPr>
-      <dsp:spPr>
-        <a:xfrm>
-          <a:off x="3272881" y="1268554"/>
-          <a:ext cx="967518" cy="604699"/>
-        </a:xfrm>
-        <a:prstGeom prst="roundRect">
-          <a:avLst>
-            <a:gd name="adj" fmla="val 10000"/>
-          </a:avLst>
-        </a:prstGeom>
-        <a:solidFill>
-          <a:schemeClr val="accent2">
-            <a:alpha val="90000"/>
-            <a:tint val="40000"/>
-            <a:hueOff val="0"/>
-            <a:satOff val="0"/>
-            <a:lumOff val="0"/>
-            <a:alphaOff val="0"/>
-          </a:schemeClr>
-        </a:solidFill>
-        <a:ln w="9525" cap="flat" cmpd="sng" algn="ctr">
-          <a:solidFill>
-            <a:schemeClr val="accent2">
-              <a:hueOff val="0"/>
-              <a:satOff val="0"/>
-              <a:lumOff val="0"/>
-              <a:alphaOff val="0"/>
-            </a:schemeClr>
-          </a:solidFill>
-          <a:prstDash val="solid"/>
-        </a:ln>
-        <a:effectLst>
-          <a:outerShdw blurRad="40000" dist="23000" dir="5400000" rotWithShape="0">
-            <a:srgbClr val="000000">
-              <a:alpha val="35000"/>
-            </a:srgbClr>
-          </a:outerShdw>
-        </a:effectLst>
-        <a:scene3d>
-          <a:camera prst="orthographicFront"/>
-          <a:lightRig rig="flat" dir="t"/>
-        </a:scene3d>
-        <a:sp3d z="-190500" extrusionH="12700" prstMaterial="plastic">
-          <a:bevelT w="50800" h="50800"/>
-        </a:sp3d>
-      </dsp:spPr>
-      <dsp:style>
-        <a:lnRef idx="1">
-          <a:scrgbClr r="0" g="0" b="0"/>
-        </a:lnRef>
-        <a:fillRef idx="1">
-          <a:scrgbClr r="0" g="0" b="0"/>
-        </a:fillRef>
-        <a:effectRef idx="2">
-          <a:scrgbClr r="0" g="0" b="0"/>
-        </a:effectRef>
-        <a:fontRef idx="minor"/>
-      </dsp:style>
-      <dsp:txBody>
-        <a:bodyPr spcFirstLastPara="0" vert="horz" wrap="square" lIns="17145" tIns="11430" rIns="17145" bIns="11430" numCol="1" spcCol="1270" anchor="ctr" anchorCtr="0">
-          <a:noAutofit/>
-        </a:bodyPr>
-        <a:lstStyle/>
-        <a:p>
-          <a:pPr lvl="0" algn="ctr" defTabSz="400050">
-            <a:lnSpc>
-              <a:spcPct val="90000"/>
-            </a:lnSpc>
-            <a:spcBef>
-              <a:spcPct val="0"/>
-            </a:spcBef>
-            <a:spcAft>
-              <a:spcPct val="35000"/>
-            </a:spcAft>
-          </a:pPr>
-          <a:r>
-            <a:rPr lang="nb-NO" sz="900" kern="1200" dirty="0" smtClean="0"/>
-            <a:t>MVC</a:t>
-          </a:r>
-          <a:endParaRPr lang="nb-NO" sz="900" kern="1200" dirty="0"/>
-        </a:p>
-      </dsp:txBody>
-      <dsp:txXfrm>
-        <a:off x="3290592" y="1286265"/>
-        <a:ext cx="932096" cy="569277"/>
-      </dsp:txXfrm>
-    </dsp:sp>
-    <dsp:sp modelId="{301CFD4A-EEDA-4C43-9C20-08EA66041D8F}">
-      <dsp:nvSpPr>
-        <dsp:cNvPr id="0" name=""/>
-        <dsp:cNvSpPr/>
-      </dsp:nvSpPr>
-      <dsp:spPr>
-        <a:xfrm>
-          <a:off x="3151941" y="1117379"/>
-          <a:ext cx="120939" cy="1209398"/>
-        </a:xfrm>
-        <a:custGeom>
-          <a:avLst/>
-          <a:gdLst/>
-          <a:ahLst/>
-          <a:cxnLst/>
-          <a:rect l="0" t="0" r="0" b="0"/>
-          <a:pathLst>
-            <a:path>
-              <a:moveTo>
-                <a:pt x="0" y="0"/>
-              </a:moveTo>
-              <a:lnTo>
-                <a:pt x="0" y="1209398"/>
-              </a:lnTo>
-              <a:lnTo>
-                <a:pt x="120939" y="1209398"/>
-              </a:lnTo>
-            </a:path>
-          </a:pathLst>
-        </a:custGeom>
-        <a:noFill/>
-        <a:ln w="25400" cap="flat" cmpd="sng" algn="ctr">
-          <a:solidFill>
-            <a:schemeClr val="accent2">
-              <a:shade val="60000"/>
-              <a:hueOff val="0"/>
-              <a:satOff val="0"/>
-              <a:lumOff val="0"/>
-              <a:alphaOff val="0"/>
-            </a:schemeClr>
-          </a:solidFill>
-          <a:prstDash val="solid"/>
-        </a:ln>
-        <a:effectLst/>
-        <a:scene3d>
-          <a:camera prst="orthographicFront"/>
-          <a:lightRig rig="flat" dir="t"/>
-        </a:scene3d>
-        <a:sp3d prstMaterial="matte"/>
-      </dsp:spPr>
-      <dsp:style>
-        <a:lnRef idx="2">
-          <a:scrgbClr r="0" g="0" b="0"/>
-        </a:lnRef>
-        <a:fillRef idx="0">
-          <a:scrgbClr r="0" g="0" b="0"/>
-        </a:fillRef>
-        <a:effectRef idx="0">
-          <a:scrgbClr r="0" g="0" b="0"/>
-        </a:effectRef>
-        <a:fontRef idx="minor"/>
-      </dsp:style>
-    </dsp:sp>
-    <dsp:sp modelId="{9F3C4C65-CC78-4B8F-A38C-936A55CF9496}">
-      <dsp:nvSpPr>
-        <dsp:cNvPr id="0" name=""/>
-        <dsp:cNvSpPr/>
-      </dsp:nvSpPr>
-      <dsp:spPr>
-        <a:xfrm>
-          <a:off x="3272881" y="2024428"/>
-          <a:ext cx="967518" cy="604699"/>
-        </a:xfrm>
-        <a:prstGeom prst="roundRect">
-          <a:avLst>
-            <a:gd name="adj" fmla="val 10000"/>
-          </a:avLst>
-        </a:prstGeom>
-        <a:solidFill>
-          <a:schemeClr val="accent2">
-            <a:alpha val="90000"/>
-            <a:tint val="40000"/>
-            <a:hueOff val="0"/>
-            <a:satOff val="0"/>
-            <a:lumOff val="0"/>
-            <a:alphaOff val="0"/>
-          </a:schemeClr>
-        </a:solidFill>
-        <a:ln w="9525" cap="flat" cmpd="sng" algn="ctr">
-          <a:solidFill>
-            <a:schemeClr val="accent2">
-              <a:hueOff val="0"/>
-              <a:satOff val="0"/>
-              <a:lumOff val="0"/>
-              <a:alphaOff val="0"/>
-            </a:schemeClr>
-          </a:solidFill>
-          <a:prstDash val="solid"/>
-        </a:ln>
-        <a:effectLst>
-          <a:outerShdw blurRad="40000" dist="23000" dir="5400000" rotWithShape="0">
-            <a:srgbClr val="000000">
-              <a:alpha val="35000"/>
-            </a:srgbClr>
-          </a:outerShdw>
-        </a:effectLst>
-        <a:scene3d>
-          <a:camera prst="orthographicFront"/>
-          <a:lightRig rig="flat" dir="t"/>
-        </a:scene3d>
-        <a:sp3d z="-190500" extrusionH="12700" prstMaterial="plastic">
-          <a:bevelT w="50800" h="50800"/>
-        </a:sp3d>
-      </dsp:spPr>
-      <dsp:style>
-        <a:lnRef idx="1">
-          <a:scrgbClr r="0" g="0" b="0"/>
-        </a:lnRef>
-        <a:fillRef idx="1">
-          <a:scrgbClr r="0" g="0" b="0"/>
-        </a:fillRef>
-        <a:effectRef idx="2">
-          <a:scrgbClr r="0" g="0" b="0"/>
-        </a:effectRef>
-        <a:fontRef idx="minor"/>
-      </dsp:style>
-      <dsp:txBody>
-        <a:bodyPr spcFirstLastPara="0" vert="horz" wrap="square" lIns="17145" tIns="11430" rIns="17145" bIns="11430" numCol="1" spcCol="1270" anchor="ctr" anchorCtr="0">
-          <a:noAutofit/>
-        </a:bodyPr>
-        <a:lstStyle/>
-        <a:p>
-          <a:pPr lvl="0" algn="ctr" defTabSz="400050">
-            <a:lnSpc>
-              <a:spcPct val="90000"/>
-            </a:lnSpc>
-            <a:spcBef>
-              <a:spcPct val="0"/>
-            </a:spcBef>
-            <a:spcAft>
-              <a:spcPct val="35000"/>
-            </a:spcAft>
-          </a:pPr>
-          <a:r>
-            <a:rPr lang="nb-NO" sz="900" kern="1200" dirty="0" err="1" smtClean="0"/>
-            <a:t>WebFlow</a:t>
-          </a:r>
-          <a:endParaRPr lang="nb-NO" sz="900" kern="1200" dirty="0"/>
-        </a:p>
-      </dsp:txBody>
-      <dsp:txXfrm>
-        <a:off x="3290592" y="2042139"/>
-        <a:ext cx="932096" cy="569277"/>
-      </dsp:txXfrm>
-    </dsp:sp>
-    <dsp:sp modelId="{D51E4F91-13F0-4178-AB0A-A6F7AE9EEACA}">
-      <dsp:nvSpPr>
-        <dsp:cNvPr id="0" name=""/>
-        <dsp:cNvSpPr/>
-      </dsp:nvSpPr>
-      <dsp:spPr>
-        <a:xfrm>
-          <a:off x="3151941" y="1117379"/>
-          <a:ext cx="120939" cy="1965272"/>
-        </a:xfrm>
-        <a:custGeom>
-          <a:avLst/>
-          <a:gdLst/>
-          <a:ahLst/>
-          <a:cxnLst/>
-          <a:rect l="0" t="0" r="0" b="0"/>
-          <a:pathLst>
-            <a:path>
-              <a:moveTo>
-                <a:pt x="0" y="0"/>
-              </a:moveTo>
-              <a:lnTo>
-                <a:pt x="0" y="1965272"/>
-              </a:lnTo>
-              <a:lnTo>
-                <a:pt x="120939" y="1965272"/>
-              </a:lnTo>
-            </a:path>
-          </a:pathLst>
-        </a:custGeom>
-        <a:noFill/>
-        <a:ln w="25400" cap="flat" cmpd="sng" algn="ctr">
-          <a:solidFill>
-            <a:schemeClr val="accent2">
-              <a:shade val="60000"/>
-              <a:hueOff val="0"/>
-              <a:satOff val="0"/>
-              <a:lumOff val="0"/>
-              <a:alphaOff val="0"/>
-            </a:schemeClr>
-          </a:solidFill>
-          <a:prstDash val="solid"/>
-        </a:ln>
-        <a:effectLst/>
-        <a:scene3d>
-          <a:camera prst="orthographicFront"/>
-          <a:lightRig rig="flat" dir="t"/>
-        </a:scene3d>
-        <a:sp3d prstMaterial="matte"/>
-      </dsp:spPr>
-      <dsp:style>
-        <a:lnRef idx="2">
-          <a:scrgbClr r="0" g="0" b="0"/>
-        </a:lnRef>
-        <a:fillRef idx="0">
-          <a:scrgbClr r="0" g="0" b="0"/>
-        </a:fillRef>
-        <a:effectRef idx="0">
-          <a:scrgbClr r="0" g="0" b="0"/>
-        </a:effectRef>
-        <a:fontRef idx="minor"/>
-      </dsp:style>
-    </dsp:sp>
-    <dsp:sp modelId="{0460E792-B149-4DFC-A8A1-13736AB7D5E7}">
-      <dsp:nvSpPr>
-        <dsp:cNvPr id="0" name=""/>
-        <dsp:cNvSpPr/>
-      </dsp:nvSpPr>
-      <dsp:spPr>
-        <a:xfrm>
-          <a:off x="3272881" y="2780302"/>
-          <a:ext cx="967518" cy="604699"/>
-        </a:xfrm>
-        <a:prstGeom prst="roundRect">
-          <a:avLst>
-            <a:gd name="adj" fmla="val 10000"/>
-          </a:avLst>
-        </a:prstGeom>
-        <a:solidFill>
-          <a:schemeClr val="accent2">
-            <a:alpha val="90000"/>
-            <a:tint val="40000"/>
-            <a:hueOff val="0"/>
-            <a:satOff val="0"/>
-            <a:lumOff val="0"/>
-            <a:alphaOff val="0"/>
-          </a:schemeClr>
-        </a:solidFill>
-        <a:ln w="9525" cap="flat" cmpd="sng" algn="ctr">
-          <a:solidFill>
-            <a:schemeClr val="accent2">
-              <a:hueOff val="0"/>
-              <a:satOff val="0"/>
-              <a:lumOff val="0"/>
-              <a:alphaOff val="0"/>
-            </a:schemeClr>
-          </a:solidFill>
-          <a:prstDash val="solid"/>
-        </a:ln>
-        <a:effectLst>
-          <a:outerShdw blurRad="40000" dist="23000" dir="5400000" rotWithShape="0">
-            <a:srgbClr val="000000">
-              <a:alpha val="35000"/>
-            </a:srgbClr>
-          </a:outerShdw>
-        </a:effectLst>
-        <a:scene3d>
-          <a:camera prst="orthographicFront"/>
-          <a:lightRig rig="flat" dir="t"/>
-        </a:scene3d>
-        <a:sp3d z="-190500" extrusionH="12700" prstMaterial="plastic">
-          <a:bevelT w="50800" h="50800"/>
-        </a:sp3d>
-      </dsp:spPr>
-      <dsp:style>
-        <a:lnRef idx="1">
-          <a:scrgbClr r="0" g="0" b="0"/>
-        </a:lnRef>
-        <a:fillRef idx="1">
-          <a:scrgbClr r="0" g="0" b="0"/>
-        </a:fillRef>
-        <a:effectRef idx="2">
-          <a:scrgbClr r="0" g="0" b="0"/>
-        </a:effectRef>
-        <a:fontRef idx="minor"/>
-      </dsp:style>
-      <dsp:txBody>
-        <a:bodyPr spcFirstLastPara="0" vert="horz" wrap="square" lIns="17145" tIns="11430" rIns="17145" bIns="11430" numCol="1" spcCol="1270" anchor="ctr" anchorCtr="0">
-          <a:noAutofit/>
-        </a:bodyPr>
-        <a:lstStyle/>
-        <a:p>
-          <a:pPr lvl="0" algn="ctr" defTabSz="400050">
-            <a:lnSpc>
-              <a:spcPct val="90000"/>
-            </a:lnSpc>
-            <a:spcBef>
-              <a:spcPct val="0"/>
-            </a:spcBef>
-            <a:spcAft>
-              <a:spcPct val="35000"/>
-            </a:spcAft>
-          </a:pPr>
-          <a:r>
-            <a:rPr lang="nb-NO" sz="900" kern="1200" dirty="0" smtClean="0"/>
-            <a:t>Servlet</a:t>
-          </a:r>
-          <a:endParaRPr lang="nb-NO" sz="900" kern="1200" dirty="0"/>
-        </a:p>
-      </dsp:txBody>
-      <dsp:txXfrm>
-        <a:off x="3290592" y="2798013"/>
-        <a:ext cx="932096" cy="569277"/>
-      </dsp:txXfrm>
-    </dsp:sp>
-    <dsp:sp modelId="{2D684A86-3AC2-4CC5-8A21-733A2410022F}">
-      <dsp:nvSpPr>
-        <dsp:cNvPr id="0" name=""/>
-        <dsp:cNvSpPr/>
-      </dsp:nvSpPr>
-      <dsp:spPr>
-        <a:xfrm>
-          <a:off x="3151941" y="1117379"/>
-          <a:ext cx="120939" cy="2721146"/>
-        </a:xfrm>
-        <a:custGeom>
-          <a:avLst/>
-          <a:gdLst/>
-          <a:ahLst/>
-          <a:cxnLst/>
-          <a:rect l="0" t="0" r="0" b="0"/>
-          <a:pathLst>
-            <a:path>
-              <a:moveTo>
-                <a:pt x="0" y="0"/>
-              </a:moveTo>
-              <a:lnTo>
-                <a:pt x="0" y="2721146"/>
-              </a:lnTo>
-              <a:lnTo>
-                <a:pt x="120939" y="2721146"/>
-              </a:lnTo>
-            </a:path>
-          </a:pathLst>
-        </a:custGeom>
-        <a:noFill/>
-        <a:ln w="25400" cap="flat" cmpd="sng" algn="ctr">
-          <a:solidFill>
-            <a:schemeClr val="accent2">
-              <a:shade val="60000"/>
-              <a:hueOff val="0"/>
-              <a:satOff val="0"/>
-              <a:lumOff val="0"/>
-              <a:alphaOff val="0"/>
-            </a:schemeClr>
-          </a:solidFill>
-          <a:prstDash val="solid"/>
-        </a:ln>
-        <a:effectLst/>
-        <a:scene3d>
-          <a:camera prst="orthographicFront"/>
-          <a:lightRig rig="flat" dir="t"/>
-        </a:scene3d>
-        <a:sp3d prstMaterial="matte"/>
-      </dsp:spPr>
-      <dsp:style>
-        <a:lnRef idx="2">
-          <a:scrgbClr r="0" g="0" b="0"/>
-        </a:lnRef>
-        <a:fillRef idx="0">
-          <a:scrgbClr r="0" g="0" b="0"/>
-        </a:fillRef>
-        <a:effectRef idx="0">
-          <a:scrgbClr r="0" g="0" b="0"/>
-        </a:effectRef>
-        <a:fontRef idx="minor"/>
-      </dsp:style>
-    </dsp:sp>
-    <dsp:sp modelId="{F5BE59D2-C8AD-45CA-8616-A981BD78ACED}">
-      <dsp:nvSpPr>
-        <dsp:cNvPr id="0" name=""/>
-        <dsp:cNvSpPr/>
-      </dsp:nvSpPr>
-      <dsp:spPr>
-        <a:xfrm>
-          <a:off x="3272881" y="3536176"/>
-          <a:ext cx="967518" cy="604699"/>
-        </a:xfrm>
-        <a:prstGeom prst="roundRect">
-          <a:avLst>
-            <a:gd name="adj" fmla="val 10000"/>
-          </a:avLst>
-        </a:prstGeom>
-        <a:solidFill>
-          <a:schemeClr val="accent2">
-            <a:alpha val="90000"/>
-            <a:tint val="40000"/>
-            <a:hueOff val="0"/>
-            <a:satOff val="0"/>
-            <a:lumOff val="0"/>
-            <a:alphaOff val="0"/>
-          </a:schemeClr>
-        </a:solidFill>
-        <a:ln w="9525" cap="flat" cmpd="sng" algn="ctr">
-          <a:solidFill>
-            <a:schemeClr val="accent2">
-              <a:hueOff val="0"/>
-              <a:satOff val="0"/>
-              <a:lumOff val="0"/>
-              <a:alphaOff val="0"/>
-            </a:schemeClr>
-          </a:solidFill>
-          <a:prstDash val="solid"/>
-        </a:ln>
-        <a:effectLst>
-          <a:outerShdw blurRad="40000" dist="23000" dir="5400000" rotWithShape="0">
-            <a:srgbClr val="000000">
-              <a:alpha val="35000"/>
-            </a:srgbClr>
-          </a:outerShdw>
-        </a:effectLst>
-        <a:scene3d>
-          <a:camera prst="orthographicFront"/>
-          <a:lightRig rig="flat" dir="t"/>
-        </a:scene3d>
-        <a:sp3d z="-190500" extrusionH="12700" prstMaterial="plastic">
-          <a:bevelT w="50800" h="50800"/>
-        </a:sp3d>
-      </dsp:spPr>
-      <dsp:style>
-        <a:lnRef idx="1">
-          <a:scrgbClr r="0" g="0" b="0"/>
-        </a:lnRef>
-        <a:fillRef idx="1">
-          <a:scrgbClr r="0" g="0" b="0"/>
-        </a:fillRef>
-        <a:effectRef idx="2">
-          <a:scrgbClr r="0" g="0" b="0"/>
-        </a:effectRef>
-        <a:fontRef idx="minor"/>
-      </dsp:style>
-      <dsp:txBody>
-        <a:bodyPr spcFirstLastPara="0" vert="horz" wrap="square" lIns="17145" tIns="11430" rIns="17145" bIns="11430" numCol="1" spcCol="1270" anchor="ctr" anchorCtr="0">
-          <a:noAutofit/>
-        </a:bodyPr>
-        <a:lstStyle/>
-        <a:p>
-          <a:pPr lvl="0" algn="ctr" defTabSz="400050">
-            <a:lnSpc>
-              <a:spcPct val="90000"/>
-            </a:lnSpc>
-            <a:spcBef>
-              <a:spcPct val="0"/>
-            </a:spcBef>
-            <a:spcAft>
-              <a:spcPct val="35000"/>
-            </a:spcAft>
-          </a:pPr>
-          <a:r>
-            <a:rPr lang="nb-NO" sz="900" kern="1200" dirty="0" err="1" smtClean="0"/>
-            <a:t>Portlet</a:t>
-          </a:r>
-          <a:endParaRPr lang="nb-NO" sz="900" kern="1200" dirty="0"/>
-        </a:p>
-      </dsp:txBody>
-      <dsp:txXfrm>
-        <a:off x="3290592" y="3553887"/>
-        <a:ext cx="932096" cy="569277"/>
-      </dsp:txXfrm>
-    </dsp:sp>
-    <dsp:sp modelId="{8EAEC910-3ED2-4D3D-A9AD-A3DC72E0091B}">
-      <dsp:nvSpPr>
-        <dsp:cNvPr id="0" name=""/>
-        <dsp:cNvSpPr/>
-      </dsp:nvSpPr>
-      <dsp:spPr>
-        <a:xfrm>
-          <a:off x="4542749" y="512680"/>
-          <a:ext cx="1209398" cy="604699"/>
-        </a:xfrm>
-        <a:prstGeom prst="roundRect">
-          <a:avLst>
-            <a:gd name="adj" fmla="val 10000"/>
-          </a:avLst>
-        </a:prstGeom>
-        <a:gradFill rotWithShape="0">
-          <a:gsLst>
-            <a:gs pos="0">
-              <a:schemeClr val="lt1">
-                <a:hueOff val="0"/>
-                <a:satOff val="0"/>
-                <a:lumOff val="0"/>
-                <a:alphaOff val="0"/>
-                <a:shade val="51000"/>
-                <a:satMod val="130000"/>
-              </a:schemeClr>
-            </a:gs>
-            <a:gs pos="80000">
-              <a:schemeClr val="lt1">
-                <a:hueOff val="0"/>
-                <a:satOff val="0"/>
-                <a:lumOff val="0"/>
-                <a:alphaOff val="0"/>
-                <a:shade val="93000"/>
-                <a:satMod val="130000"/>
-              </a:schemeClr>
-            </a:gs>
-            <a:gs pos="100000">
-              <a:schemeClr val="lt1">
-                <a:hueOff val="0"/>
-                <a:satOff val="0"/>
-                <a:lumOff val="0"/>
-                <a:alphaOff val="0"/>
-                <a:shade val="94000"/>
-                <a:satMod val="135000"/>
-              </a:schemeClr>
-            </a:gs>
-          </a:gsLst>
-          <a:lin ang="16200000" scaled="0"/>
-        </a:gradFill>
-        <a:ln>
-          <a:noFill/>
-        </a:ln>
-        <a:effectLst>
-          <a:outerShdw blurRad="40000" dist="23000" dir="5400000" rotWithShape="0">
-            <a:srgbClr val="000000">
-              <a:alpha val="35000"/>
-            </a:srgbClr>
-          </a:outerShdw>
-        </a:effectLst>
-        <a:scene3d>
-          <a:camera prst="orthographicFront"/>
-          <a:lightRig rig="flat" dir="t"/>
-        </a:scene3d>
-        <a:sp3d prstMaterial="plastic">
-          <a:bevelT w="120900" h="88900"/>
-          <a:bevelB w="88900" h="31750" prst="angle"/>
-        </a:sp3d>
-      </dsp:spPr>
-      <dsp:style>
-        <a:lnRef idx="0">
-          <a:scrgbClr r="0" g="0" b="0"/>
-        </a:lnRef>
-        <a:fillRef idx="3">
-          <a:scrgbClr r="0" g="0" b="0"/>
-        </a:fillRef>
-        <a:effectRef idx="2">
-          <a:scrgbClr r="0" g="0" b="0"/>
-        </a:effectRef>
-        <a:fontRef idx="minor">
-          <a:schemeClr val="lt1"/>
-        </a:fontRef>
-      </dsp:style>
-      <dsp:txBody>
-        <a:bodyPr spcFirstLastPara="0" vert="horz" wrap="square" lIns="26670" tIns="17780" rIns="26670" bIns="17780" numCol="1" spcCol="1270" anchor="ctr" anchorCtr="0">
-          <a:noAutofit/>
-        </a:bodyPr>
-        <a:lstStyle/>
-        <a:p>
-          <a:pPr lvl="0" algn="ctr" defTabSz="622300">
-            <a:lnSpc>
-              <a:spcPct val="90000"/>
-            </a:lnSpc>
-            <a:spcBef>
-              <a:spcPct val="0"/>
-            </a:spcBef>
-            <a:spcAft>
-              <a:spcPct val="35000"/>
-            </a:spcAft>
-          </a:pPr>
-          <a:r>
-            <a:rPr lang="nb-NO" sz="1400" kern="1200" dirty="0" err="1" smtClean="0"/>
-            <a:t>Misc</a:t>
-          </a:r>
-          <a:endParaRPr lang="nb-NO" sz="1400" kern="1200" dirty="0"/>
-        </a:p>
-      </dsp:txBody>
-      <dsp:txXfrm>
-        <a:off x="4560460" y="530391"/>
-        <a:ext cx="1173976" cy="569277"/>
-      </dsp:txXfrm>
-    </dsp:sp>
-    <dsp:sp modelId="{B8CB12A7-6B61-467A-B1CE-D7DAD4C8CD84}">
-      <dsp:nvSpPr>
-        <dsp:cNvPr id="0" name=""/>
-        <dsp:cNvSpPr/>
-      </dsp:nvSpPr>
-      <dsp:spPr>
-        <a:xfrm>
-          <a:off x="4663689" y="1117379"/>
-          <a:ext cx="120939" cy="453524"/>
-        </a:xfrm>
-        <a:custGeom>
-          <a:avLst/>
-          <a:gdLst/>
-          <a:ahLst/>
-          <a:cxnLst/>
-          <a:rect l="0" t="0" r="0" b="0"/>
-          <a:pathLst>
-            <a:path>
-              <a:moveTo>
-                <a:pt x="0" y="0"/>
-              </a:moveTo>
-              <a:lnTo>
-                <a:pt x="0" y="453524"/>
-              </a:lnTo>
-              <a:lnTo>
-                <a:pt x="120939" y="453524"/>
-              </a:lnTo>
-            </a:path>
-          </a:pathLst>
-        </a:custGeom>
-        <a:noFill/>
-        <a:ln w="25400" cap="flat" cmpd="sng" algn="ctr">
-          <a:solidFill>
-            <a:schemeClr val="accent2">
-              <a:shade val="60000"/>
-              <a:hueOff val="0"/>
-              <a:satOff val="0"/>
-              <a:lumOff val="0"/>
-              <a:alphaOff val="0"/>
-            </a:schemeClr>
-          </a:solidFill>
-          <a:prstDash val="solid"/>
-        </a:ln>
-        <a:effectLst/>
-        <a:scene3d>
-          <a:camera prst="orthographicFront"/>
-          <a:lightRig rig="flat" dir="t"/>
-        </a:scene3d>
-        <a:sp3d prstMaterial="matte"/>
-      </dsp:spPr>
-      <dsp:style>
-        <a:lnRef idx="2">
-          <a:scrgbClr r="0" g="0" b="0"/>
-        </a:lnRef>
-        <a:fillRef idx="0">
-          <a:scrgbClr r="0" g="0" b="0"/>
-        </a:fillRef>
-        <a:effectRef idx="0">
-          <a:scrgbClr r="0" g="0" b="0"/>
-        </a:effectRef>
-        <a:fontRef idx="minor"/>
-      </dsp:style>
-    </dsp:sp>
-    <dsp:sp modelId="{042B2322-1121-4C89-A530-550C785B0D76}">
-      <dsp:nvSpPr>
-        <dsp:cNvPr id="0" name=""/>
-        <dsp:cNvSpPr/>
-      </dsp:nvSpPr>
-      <dsp:spPr>
-        <a:xfrm>
-          <a:off x="4784629" y="1268554"/>
-          <a:ext cx="967518" cy="604699"/>
-        </a:xfrm>
-        <a:prstGeom prst="roundRect">
-          <a:avLst>
-            <a:gd name="adj" fmla="val 10000"/>
-          </a:avLst>
-        </a:prstGeom>
-        <a:solidFill>
-          <a:schemeClr val="accent2">
-            <a:alpha val="90000"/>
-            <a:tint val="40000"/>
-            <a:hueOff val="0"/>
-            <a:satOff val="0"/>
-            <a:lumOff val="0"/>
-            <a:alphaOff val="0"/>
-          </a:schemeClr>
-        </a:solidFill>
-        <a:ln w="9525" cap="flat" cmpd="sng" algn="ctr">
-          <a:solidFill>
-            <a:schemeClr val="accent2">
-              <a:hueOff val="0"/>
-              <a:satOff val="0"/>
-              <a:lumOff val="0"/>
-              <a:alphaOff val="0"/>
-            </a:schemeClr>
-          </a:solidFill>
-          <a:prstDash val="solid"/>
-        </a:ln>
-        <a:effectLst>
-          <a:outerShdw blurRad="40000" dist="23000" dir="5400000" rotWithShape="0">
-            <a:srgbClr val="000000">
-              <a:alpha val="35000"/>
-            </a:srgbClr>
-          </a:outerShdw>
-        </a:effectLst>
-        <a:scene3d>
-          <a:camera prst="orthographicFront"/>
-          <a:lightRig rig="flat" dir="t"/>
-        </a:scene3d>
-        <a:sp3d z="-190500" extrusionH="12700" prstMaterial="plastic">
-          <a:bevelT w="50800" h="50800"/>
-        </a:sp3d>
-      </dsp:spPr>
-      <dsp:style>
-        <a:lnRef idx="1">
-          <a:scrgbClr r="0" g="0" b="0"/>
-        </a:lnRef>
-        <a:fillRef idx="1">
-          <a:scrgbClr r="0" g="0" b="0"/>
-        </a:fillRef>
-        <a:effectRef idx="2">
-          <a:scrgbClr r="0" g="0" b="0"/>
-        </a:effectRef>
-        <a:fontRef idx="minor"/>
-      </dsp:style>
-      <dsp:txBody>
-        <a:bodyPr spcFirstLastPara="0" vert="horz" wrap="square" lIns="17145" tIns="11430" rIns="17145" bIns="11430" numCol="1" spcCol="1270" anchor="ctr" anchorCtr="0">
-          <a:noAutofit/>
-        </a:bodyPr>
-        <a:lstStyle/>
-        <a:p>
-          <a:pPr lvl="0" algn="ctr" defTabSz="400050">
-            <a:lnSpc>
-              <a:spcPct val="90000"/>
-            </a:lnSpc>
-            <a:spcBef>
-              <a:spcPct val="0"/>
-            </a:spcBef>
-            <a:spcAft>
-              <a:spcPct val="35000"/>
-            </a:spcAft>
-          </a:pPr>
-          <a:r>
-            <a:rPr lang="nb-NO" sz="900" kern="1200" dirty="0" smtClean="0"/>
-            <a:t>Test</a:t>
-          </a:r>
-          <a:endParaRPr lang="nb-NO" sz="900" kern="1200" dirty="0"/>
-        </a:p>
-      </dsp:txBody>
-      <dsp:txXfrm>
-        <a:off x="4802340" y="1286265"/>
-        <a:ext cx="932096" cy="569277"/>
-      </dsp:txXfrm>
-    </dsp:sp>
-    <dsp:sp modelId="{84833E33-5C66-46E9-BDE9-4F049AB91DA4}">
-      <dsp:nvSpPr>
-        <dsp:cNvPr id="0" name=""/>
-        <dsp:cNvSpPr/>
-      </dsp:nvSpPr>
-      <dsp:spPr>
-        <a:xfrm>
-          <a:off x="4663689" y="1117379"/>
-          <a:ext cx="120939" cy="1209398"/>
-        </a:xfrm>
-        <a:custGeom>
-          <a:avLst/>
-          <a:gdLst/>
-          <a:ahLst/>
-          <a:cxnLst/>
-          <a:rect l="0" t="0" r="0" b="0"/>
-          <a:pathLst>
-            <a:path>
-              <a:moveTo>
-                <a:pt x="0" y="0"/>
-              </a:moveTo>
-              <a:lnTo>
-                <a:pt x="0" y="1209398"/>
-              </a:lnTo>
-              <a:lnTo>
-                <a:pt x="120939" y="1209398"/>
-              </a:lnTo>
-            </a:path>
-          </a:pathLst>
-        </a:custGeom>
-        <a:noFill/>
-        <a:ln w="25400" cap="flat" cmpd="sng" algn="ctr">
-          <a:solidFill>
-            <a:schemeClr val="accent2">
-              <a:shade val="60000"/>
-              <a:hueOff val="0"/>
-              <a:satOff val="0"/>
-              <a:lumOff val="0"/>
-              <a:alphaOff val="0"/>
-            </a:schemeClr>
-          </a:solidFill>
-          <a:prstDash val="solid"/>
-        </a:ln>
-        <a:effectLst/>
-        <a:scene3d>
-          <a:camera prst="orthographicFront"/>
-          <a:lightRig rig="flat" dir="t"/>
-        </a:scene3d>
-        <a:sp3d prstMaterial="matte"/>
-      </dsp:spPr>
-      <dsp:style>
-        <a:lnRef idx="2">
-          <a:scrgbClr r="0" g="0" b="0"/>
-        </a:lnRef>
-        <a:fillRef idx="0">
-          <a:scrgbClr r="0" g="0" b="0"/>
-        </a:fillRef>
-        <a:effectRef idx="0">
-          <a:scrgbClr r="0" g="0" b="0"/>
-        </a:effectRef>
-        <a:fontRef idx="minor"/>
-      </dsp:style>
-    </dsp:sp>
-    <dsp:sp modelId="{24C88D04-6F2F-479A-B34B-17DF233B13E0}">
-      <dsp:nvSpPr>
-        <dsp:cNvPr id="0" name=""/>
-        <dsp:cNvSpPr/>
-      </dsp:nvSpPr>
-      <dsp:spPr>
-        <a:xfrm>
-          <a:off x="4784629" y="2024428"/>
-          <a:ext cx="967518" cy="604699"/>
-        </a:xfrm>
-        <a:prstGeom prst="roundRect">
-          <a:avLst>
-            <a:gd name="adj" fmla="val 10000"/>
-          </a:avLst>
-        </a:prstGeom>
-        <a:solidFill>
-          <a:schemeClr val="accent2">
-            <a:alpha val="90000"/>
-            <a:tint val="40000"/>
-            <a:hueOff val="0"/>
-            <a:satOff val="0"/>
-            <a:lumOff val="0"/>
-            <a:alphaOff val="0"/>
-          </a:schemeClr>
-        </a:solidFill>
-        <a:ln w="9525" cap="flat" cmpd="sng" algn="ctr">
-          <a:solidFill>
-            <a:schemeClr val="accent2">
-              <a:hueOff val="0"/>
-              <a:satOff val="0"/>
-              <a:lumOff val="0"/>
-              <a:alphaOff val="0"/>
-            </a:schemeClr>
-          </a:solidFill>
-          <a:prstDash val="solid"/>
-        </a:ln>
-        <a:effectLst>
-          <a:outerShdw blurRad="40000" dist="23000" dir="5400000" rotWithShape="0">
-            <a:srgbClr val="000000">
-              <a:alpha val="35000"/>
-            </a:srgbClr>
-          </a:outerShdw>
-        </a:effectLst>
-        <a:scene3d>
-          <a:camera prst="orthographicFront"/>
-          <a:lightRig rig="flat" dir="t"/>
-        </a:scene3d>
-        <a:sp3d z="-190500" extrusionH="12700" prstMaterial="plastic">
-          <a:bevelT w="50800" h="50800"/>
-        </a:sp3d>
-      </dsp:spPr>
-      <dsp:style>
-        <a:lnRef idx="1">
-          <a:scrgbClr r="0" g="0" b="0"/>
-        </a:lnRef>
-        <a:fillRef idx="1">
-          <a:scrgbClr r="0" g="0" b="0"/>
-        </a:fillRef>
-        <a:effectRef idx="2">
-          <a:scrgbClr r="0" g="0" b="0"/>
-        </a:effectRef>
-        <a:fontRef idx="minor"/>
-      </dsp:style>
-      <dsp:txBody>
-        <a:bodyPr spcFirstLastPara="0" vert="horz" wrap="square" lIns="17145" tIns="11430" rIns="17145" bIns="11430" numCol="1" spcCol="1270" anchor="ctr" anchorCtr="0">
-          <a:noAutofit/>
-        </a:bodyPr>
-        <a:lstStyle/>
-        <a:p>
-          <a:pPr lvl="0" algn="ctr" defTabSz="400050">
-            <a:lnSpc>
-              <a:spcPct val="90000"/>
-            </a:lnSpc>
-            <a:spcBef>
-              <a:spcPct val="0"/>
-            </a:spcBef>
-            <a:spcAft>
-              <a:spcPct val="35000"/>
-            </a:spcAft>
-          </a:pPr>
-          <a:r>
-            <a:rPr lang="nb-NO" sz="900" kern="1200" dirty="0" smtClean="0"/>
-            <a:t>AOP</a:t>
-          </a:r>
-          <a:endParaRPr lang="nb-NO" sz="900" kern="1200" dirty="0"/>
-        </a:p>
-      </dsp:txBody>
-      <dsp:txXfrm>
-        <a:off x="4802340" y="2042139"/>
-        <a:ext cx="932096" cy="569277"/>
-      </dsp:txXfrm>
-    </dsp:sp>
-    <dsp:sp modelId="{DADD4A01-3BCD-4A98-8821-D0B15AD296FA}">
-      <dsp:nvSpPr>
-        <dsp:cNvPr id="0" name=""/>
-        <dsp:cNvSpPr/>
-      </dsp:nvSpPr>
-      <dsp:spPr>
-        <a:xfrm>
-          <a:off x="4663689" y="1117379"/>
-          <a:ext cx="120939" cy="1965272"/>
-        </a:xfrm>
-        <a:custGeom>
-          <a:avLst/>
-          <a:gdLst/>
-          <a:ahLst/>
-          <a:cxnLst/>
-          <a:rect l="0" t="0" r="0" b="0"/>
-          <a:pathLst>
-            <a:path>
-              <a:moveTo>
-                <a:pt x="0" y="0"/>
-              </a:moveTo>
-              <a:lnTo>
-                <a:pt x="0" y="1965272"/>
-              </a:lnTo>
-              <a:lnTo>
-                <a:pt x="120939" y="1965272"/>
-              </a:lnTo>
-            </a:path>
-          </a:pathLst>
-        </a:custGeom>
-        <a:noFill/>
-        <a:ln w="25400" cap="flat" cmpd="sng" algn="ctr">
-          <a:solidFill>
-            <a:schemeClr val="accent2">
-              <a:shade val="60000"/>
-              <a:hueOff val="0"/>
-              <a:satOff val="0"/>
-              <a:lumOff val="0"/>
-              <a:alphaOff val="0"/>
-            </a:schemeClr>
-          </a:solidFill>
-          <a:prstDash val="solid"/>
-        </a:ln>
-        <a:effectLst/>
-        <a:scene3d>
-          <a:camera prst="orthographicFront"/>
-          <a:lightRig rig="flat" dir="t"/>
-        </a:scene3d>
-        <a:sp3d prstMaterial="matte"/>
-      </dsp:spPr>
-      <dsp:style>
-        <a:lnRef idx="2">
-          <a:scrgbClr r="0" g="0" b="0"/>
-        </a:lnRef>
-        <a:fillRef idx="0">
-          <a:scrgbClr r="0" g="0" b="0"/>
-        </a:fillRef>
-        <a:effectRef idx="0">
-          <a:scrgbClr r="0" g="0" b="0"/>
-        </a:effectRef>
-        <a:fontRef idx="minor"/>
-      </dsp:style>
-    </dsp:sp>
-    <dsp:sp modelId="{069EB718-7DAE-4327-B57C-C8BC47770FD4}">
-      <dsp:nvSpPr>
-        <dsp:cNvPr id="0" name=""/>
-        <dsp:cNvSpPr/>
-      </dsp:nvSpPr>
-      <dsp:spPr>
-        <a:xfrm>
-          <a:off x="4784629" y="2780302"/>
-          <a:ext cx="967518" cy="604699"/>
-        </a:xfrm>
-        <a:prstGeom prst="roundRect">
-          <a:avLst>
-            <a:gd name="adj" fmla="val 10000"/>
-          </a:avLst>
-        </a:prstGeom>
-        <a:solidFill>
-          <a:schemeClr val="accent2">
-            <a:alpha val="90000"/>
-            <a:tint val="40000"/>
-            <a:hueOff val="0"/>
-            <a:satOff val="0"/>
-            <a:lumOff val="0"/>
-            <a:alphaOff val="0"/>
-          </a:schemeClr>
-        </a:solidFill>
-        <a:ln w="9525" cap="flat" cmpd="sng" algn="ctr">
-          <a:solidFill>
-            <a:schemeClr val="accent2">
-              <a:hueOff val="0"/>
-              <a:satOff val="0"/>
-              <a:lumOff val="0"/>
-              <a:alphaOff val="0"/>
-            </a:schemeClr>
-          </a:solidFill>
-          <a:prstDash val="solid"/>
-        </a:ln>
-        <a:effectLst>
-          <a:outerShdw blurRad="40000" dist="23000" dir="5400000" rotWithShape="0">
-            <a:srgbClr val="000000">
-              <a:alpha val="35000"/>
-            </a:srgbClr>
-          </a:outerShdw>
-        </a:effectLst>
-        <a:scene3d>
-          <a:camera prst="orthographicFront"/>
-          <a:lightRig rig="flat" dir="t"/>
-        </a:scene3d>
-        <a:sp3d z="-190500" extrusionH="12700" prstMaterial="plastic">
-          <a:bevelT w="50800" h="50800"/>
-        </a:sp3d>
-      </dsp:spPr>
-      <dsp:style>
-        <a:lnRef idx="1">
-          <a:scrgbClr r="0" g="0" b="0"/>
-        </a:lnRef>
-        <a:fillRef idx="1">
-          <a:scrgbClr r="0" g="0" b="0"/>
-        </a:fillRef>
-        <a:effectRef idx="2">
-          <a:scrgbClr r="0" g="0" b="0"/>
-        </a:effectRef>
-        <a:fontRef idx="minor"/>
-      </dsp:style>
-      <dsp:txBody>
-        <a:bodyPr spcFirstLastPara="0" vert="horz" wrap="square" lIns="17145" tIns="11430" rIns="17145" bIns="11430" numCol="1" spcCol="1270" anchor="ctr" anchorCtr="0">
-          <a:noAutofit/>
-        </a:bodyPr>
-        <a:lstStyle/>
-        <a:p>
-          <a:pPr lvl="0" algn="ctr" defTabSz="400050">
-            <a:lnSpc>
-              <a:spcPct val="90000"/>
-            </a:lnSpc>
-            <a:spcBef>
-              <a:spcPct val="0"/>
-            </a:spcBef>
-            <a:spcAft>
-              <a:spcPct val="35000"/>
-            </a:spcAft>
-          </a:pPr>
-          <a:r>
-            <a:rPr lang="nb-NO" sz="900" kern="1200" dirty="0" err="1" smtClean="0"/>
-            <a:t>Instrumentation</a:t>
-          </a:r>
-          <a:endParaRPr lang="nb-NO" sz="900" kern="1200" dirty="0" smtClean="0"/>
-        </a:p>
-      </dsp:txBody>
-      <dsp:txXfrm>
-        <a:off x="4802340" y="2798013"/>
-        <a:ext cx="932096" cy="569277"/>
-      </dsp:txXfrm>
-    </dsp:sp>
-    <dsp:sp modelId="{86AE6B9C-7A0E-4CAF-8357-080D5161AB73}">
-      <dsp:nvSpPr>
-        <dsp:cNvPr id="0" name=""/>
-        <dsp:cNvSpPr/>
-      </dsp:nvSpPr>
-      <dsp:spPr>
-        <a:xfrm>
-          <a:off x="4663689" y="1117379"/>
-          <a:ext cx="120939" cy="2721146"/>
-        </a:xfrm>
-        <a:custGeom>
-          <a:avLst/>
-          <a:gdLst/>
-          <a:ahLst/>
-          <a:cxnLst/>
-          <a:rect l="0" t="0" r="0" b="0"/>
-          <a:pathLst>
-            <a:path>
-              <a:moveTo>
-                <a:pt x="0" y="0"/>
-              </a:moveTo>
-              <a:lnTo>
-                <a:pt x="0" y="2721146"/>
-              </a:lnTo>
-              <a:lnTo>
-                <a:pt x="120939" y="2721146"/>
-              </a:lnTo>
-            </a:path>
-          </a:pathLst>
-        </a:custGeom>
-        <a:noFill/>
-        <a:ln w="25400" cap="flat" cmpd="sng" algn="ctr">
-          <a:solidFill>
-            <a:schemeClr val="accent2">
-              <a:shade val="60000"/>
-              <a:hueOff val="0"/>
-              <a:satOff val="0"/>
-              <a:lumOff val="0"/>
-              <a:alphaOff val="0"/>
-            </a:schemeClr>
-          </a:solidFill>
-          <a:prstDash val="solid"/>
-        </a:ln>
-        <a:effectLst/>
-        <a:scene3d>
-          <a:camera prst="orthographicFront"/>
-          <a:lightRig rig="flat" dir="t"/>
-        </a:scene3d>
-        <a:sp3d prstMaterial="matte"/>
-      </dsp:spPr>
-      <dsp:style>
-        <a:lnRef idx="2">
-          <a:scrgbClr r="0" g="0" b="0"/>
-        </a:lnRef>
-        <a:fillRef idx="0">
-          <a:scrgbClr r="0" g="0" b="0"/>
-        </a:fillRef>
-        <a:effectRef idx="0">
-          <a:scrgbClr r="0" g="0" b="0"/>
-        </a:effectRef>
-        <a:fontRef idx="minor"/>
-      </dsp:style>
-    </dsp:sp>
-    <dsp:sp modelId="{74570B70-5A2E-4B45-9B65-60BB9377A093}">
-      <dsp:nvSpPr>
-        <dsp:cNvPr id="0" name=""/>
-        <dsp:cNvSpPr/>
-      </dsp:nvSpPr>
-      <dsp:spPr>
-        <a:xfrm>
-          <a:off x="4784629" y="3536176"/>
-          <a:ext cx="967518" cy="604699"/>
-        </a:xfrm>
-        <a:prstGeom prst="roundRect">
-          <a:avLst>
-            <a:gd name="adj" fmla="val 10000"/>
-          </a:avLst>
-        </a:prstGeom>
-        <a:solidFill>
-          <a:schemeClr val="accent2">
-            <a:alpha val="90000"/>
-            <a:tint val="40000"/>
-            <a:hueOff val="0"/>
-            <a:satOff val="0"/>
-            <a:lumOff val="0"/>
-            <a:alphaOff val="0"/>
-          </a:schemeClr>
-        </a:solidFill>
-        <a:ln w="9525" cap="flat" cmpd="sng" algn="ctr">
-          <a:solidFill>
-            <a:schemeClr val="accent2">
-              <a:hueOff val="0"/>
-              <a:satOff val="0"/>
-              <a:lumOff val="0"/>
-              <a:alphaOff val="0"/>
-            </a:schemeClr>
-          </a:solidFill>
-          <a:prstDash val="solid"/>
-        </a:ln>
-        <a:effectLst>
-          <a:outerShdw blurRad="40000" dist="23000" dir="5400000" rotWithShape="0">
-            <a:srgbClr val="000000">
-              <a:alpha val="35000"/>
-            </a:srgbClr>
-          </a:outerShdw>
-        </a:effectLst>
-        <a:scene3d>
-          <a:camera prst="orthographicFront"/>
-          <a:lightRig rig="flat" dir="t"/>
-        </a:scene3d>
-        <a:sp3d z="-190500" extrusionH="12700" prstMaterial="plastic">
-          <a:bevelT w="50800" h="50800"/>
-        </a:sp3d>
-      </dsp:spPr>
-      <dsp:style>
-        <a:lnRef idx="1">
-          <a:scrgbClr r="0" g="0" b="0"/>
-        </a:lnRef>
-        <a:fillRef idx="1">
-          <a:scrgbClr r="0" g="0" b="0"/>
-        </a:fillRef>
-        <a:effectRef idx="2">
-          <a:scrgbClr r="0" g="0" b="0"/>
-        </a:effectRef>
-        <a:fontRef idx="minor"/>
-      </dsp:style>
-      <dsp:txBody>
-        <a:bodyPr spcFirstLastPara="0" vert="horz" wrap="square" lIns="17145" tIns="11430" rIns="17145" bIns="11430" numCol="1" spcCol="1270" anchor="ctr" anchorCtr="0">
-          <a:noAutofit/>
-        </a:bodyPr>
-        <a:lstStyle/>
-        <a:p>
-          <a:pPr lvl="0" algn="ctr" defTabSz="400050">
-            <a:lnSpc>
-              <a:spcPct val="90000"/>
-            </a:lnSpc>
-            <a:spcBef>
-              <a:spcPct val="0"/>
-            </a:spcBef>
-            <a:spcAft>
-              <a:spcPct val="35000"/>
-            </a:spcAft>
-          </a:pPr>
-          <a:r>
-            <a:rPr lang="nb-NO" sz="900" kern="1200" dirty="0" err="1" smtClean="0"/>
-            <a:t>Scheduling</a:t>
-          </a:r>
-          <a:endParaRPr lang="nb-NO" sz="900" kern="1200" dirty="0" smtClean="0"/>
-        </a:p>
-      </dsp:txBody>
-      <dsp:txXfrm>
-        <a:off x="4802340" y="3553887"/>
-        <a:ext cx="932096" cy="569277"/>
-      </dsp:txXfrm>
-    </dsp:sp>
-    <dsp:sp modelId="{150C0875-E450-4BC3-BC85-10A6E528AE44}">
-      <dsp:nvSpPr>
-        <dsp:cNvPr id="0" name=""/>
-        <dsp:cNvSpPr/>
-      </dsp:nvSpPr>
-      <dsp:spPr>
-        <a:xfrm>
-          <a:off x="4663689" y="1117379"/>
-          <a:ext cx="120939" cy="3477020"/>
-        </a:xfrm>
-        <a:custGeom>
-          <a:avLst/>
-          <a:gdLst/>
-          <a:ahLst/>
-          <a:cxnLst/>
-          <a:rect l="0" t="0" r="0" b="0"/>
-          <a:pathLst>
-            <a:path>
-              <a:moveTo>
-                <a:pt x="0" y="0"/>
-              </a:moveTo>
-              <a:lnTo>
-                <a:pt x="0" y="3477020"/>
-              </a:lnTo>
-              <a:lnTo>
-                <a:pt x="120939" y="3477020"/>
-              </a:lnTo>
-            </a:path>
-          </a:pathLst>
-        </a:custGeom>
-        <a:noFill/>
-        <a:ln w="25400" cap="flat" cmpd="sng" algn="ctr">
-          <a:solidFill>
-            <a:schemeClr val="accent2">
-              <a:shade val="60000"/>
-              <a:hueOff val="0"/>
-              <a:satOff val="0"/>
-              <a:lumOff val="0"/>
-              <a:alphaOff val="0"/>
-            </a:schemeClr>
-          </a:solidFill>
-          <a:prstDash val="solid"/>
-        </a:ln>
-        <a:effectLst/>
-        <a:scene3d>
-          <a:camera prst="orthographicFront"/>
-          <a:lightRig rig="flat" dir="t"/>
-        </a:scene3d>
-        <a:sp3d prstMaterial="matte"/>
-      </dsp:spPr>
-      <dsp:style>
-        <a:lnRef idx="2">
-          <a:scrgbClr r="0" g="0" b="0"/>
-        </a:lnRef>
-        <a:fillRef idx="0">
-          <a:scrgbClr r="0" g="0" b="0"/>
-        </a:fillRef>
-        <a:effectRef idx="0">
-          <a:scrgbClr r="0" g="0" b="0"/>
-        </a:effectRef>
-        <a:fontRef idx="minor"/>
-      </dsp:style>
-    </dsp:sp>
-    <dsp:sp modelId="{1B16B09E-F38A-43F6-B9BC-6AB9A60054FE}">
-      <dsp:nvSpPr>
-        <dsp:cNvPr id="0" name=""/>
-        <dsp:cNvSpPr/>
-      </dsp:nvSpPr>
-      <dsp:spPr>
-        <a:xfrm>
-          <a:off x="4784629" y="4292050"/>
-          <a:ext cx="967518" cy="604699"/>
-        </a:xfrm>
-        <a:prstGeom prst="roundRect">
-          <a:avLst>
-            <a:gd name="adj" fmla="val 10000"/>
-          </a:avLst>
-        </a:prstGeom>
-        <a:solidFill>
-          <a:schemeClr val="accent2">
-            <a:alpha val="90000"/>
-            <a:tint val="40000"/>
-            <a:hueOff val="0"/>
-            <a:satOff val="0"/>
-            <a:lumOff val="0"/>
-            <a:alphaOff val="0"/>
-          </a:schemeClr>
-        </a:solidFill>
-        <a:ln w="9525" cap="flat" cmpd="sng" algn="ctr">
-          <a:solidFill>
-            <a:schemeClr val="accent2">
-              <a:hueOff val="0"/>
-              <a:satOff val="0"/>
-              <a:lumOff val="0"/>
-              <a:alphaOff val="0"/>
-            </a:schemeClr>
-          </a:solidFill>
-          <a:prstDash val="solid"/>
-        </a:ln>
-        <a:effectLst>
-          <a:outerShdw blurRad="40000" dist="23000" dir="5400000" rotWithShape="0">
-            <a:srgbClr val="000000">
-              <a:alpha val="35000"/>
-            </a:srgbClr>
-          </a:outerShdw>
-        </a:effectLst>
-        <a:scene3d>
-          <a:camera prst="orthographicFront"/>
-          <a:lightRig rig="flat" dir="t"/>
-        </a:scene3d>
-        <a:sp3d z="-190500" extrusionH="12700" prstMaterial="plastic">
-          <a:bevelT w="50800" h="50800"/>
-        </a:sp3d>
-      </dsp:spPr>
-      <dsp:style>
-        <a:lnRef idx="1">
-          <a:scrgbClr r="0" g="0" b="0"/>
-        </a:lnRef>
-        <a:fillRef idx="1">
-          <a:scrgbClr r="0" g="0" b="0"/>
-        </a:fillRef>
-        <a:effectRef idx="2">
-          <a:scrgbClr r="0" g="0" b="0"/>
-        </a:effectRef>
-        <a:fontRef idx="minor"/>
-      </dsp:style>
-      <dsp:txBody>
-        <a:bodyPr spcFirstLastPara="0" vert="horz" wrap="square" lIns="17145" tIns="11430" rIns="17145" bIns="11430" numCol="1" spcCol="1270" anchor="ctr" anchorCtr="0">
-          <a:noAutofit/>
-        </a:bodyPr>
-        <a:lstStyle/>
-        <a:p>
-          <a:pPr lvl="0" algn="ctr" defTabSz="400050">
-            <a:lnSpc>
-              <a:spcPct val="90000"/>
-            </a:lnSpc>
-            <a:spcBef>
-              <a:spcPct val="0"/>
-            </a:spcBef>
-            <a:spcAft>
-              <a:spcPct val="35000"/>
-            </a:spcAft>
-          </a:pPr>
-          <a:r>
-            <a:rPr lang="nb-NO" sz="900" kern="1200" dirty="0" err="1" smtClean="0"/>
-            <a:t>Dynamic</a:t>
-          </a:r>
-          <a:r>
-            <a:rPr lang="nb-NO" sz="900" kern="1200" dirty="0" smtClean="0"/>
-            <a:t> lang</a:t>
-          </a:r>
-        </a:p>
-      </dsp:txBody>
-      <dsp:txXfrm>
-        <a:off x="4802340" y="4309761"/>
-        <a:ext cx="932096" cy="569277"/>
-      </dsp:txXfrm>
-    </dsp:sp>
-    <dsp:sp modelId="{0E94361D-BB15-4DCA-9D34-0DACABCA4412}">
-      <dsp:nvSpPr>
-        <dsp:cNvPr id="0" name=""/>
-        <dsp:cNvSpPr/>
-      </dsp:nvSpPr>
-      <dsp:spPr>
-        <a:xfrm>
-          <a:off x="6054498" y="512680"/>
-          <a:ext cx="1209398" cy="604699"/>
-        </a:xfrm>
-        <a:prstGeom prst="roundRect">
-          <a:avLst>
-            <a:gd name="adj" fmla="val 10000"/>
-          </a:avLst>
-        </a:prstGeom>
-        <a:gradFill rotWithShape="0">
-          <a:gsLst>
-            <a:gs pos="0">
-              <a:schemeClr val="lt1">
-                <a:hueOff val="0"/>
-                <a:satOff val="0"/>
-                <a:lumOff val="0"/>
-                <a:alphaOff val="0"/>
-                <a:shade val="51000"/>
-                <a:satMod val="130000"/>
-              </a:schemeClr>
-            </a:gs>
-            <a:gs pos="80000">
-              <a:schemeClr val="lt1">
-                <a:hueOff val="0"/>
-                <a:satOff val="0"/>
-                <a:lumOff val="0"/>
-                <a:alphaOff val="0"/>
-                <a:shade val="93000"/>
-                <a:satMod val="130000"/>
-              </a:schemeClr>
-            </a:gs>
-            <a:gs pos="100000">
-              <a:schemeClr val="lt1">
-                <a:hueOff val="0"/>
-                <a:satOff val="0"/>
-                <a:lumOff val="0"/>
-                <a:alphaOff val="0"/>
-                <a:shade val="94000"/>
-                <a:satMod val="135000"/>
-              </a:schemeClr>
-            </a:gs>
-          </a:gsLst>
-          <a:lin ang="16200000" scaled="0"/>
-        </a:gradFill>
-        <a:ln>
-          <a:noFill/>
-        </a:ln>
-        <a:effectLst>
-          <a:outerShdw blurRad="40000" dist="23000" dir="5400000" rotWithShape="0">
-            <a:srgbClr val="000000">
-              <a:alpha val="35000"/>
-            </a:srgbClr>
-          </a:outerShdw>
-        </a:effectLst>
-        <a:scene3d>
-          <a:camera prst="orthographicFront"/>
-          <a:lightRig rig="flat" dir="t"/>
-        </a:scene3d>
-        <a:sp3d prstMaterial="plastic">
-          <a:bevelT w="120900" h="88900"/>
-          <a:bevelB w="88900" h="31750" prst="angle"/>
-        </a:sp3d>
-      </dsp:spPr>
-      <dsp:style>
-        <a:lnRef idx="0">
-          <a:scrgbClr r="0" g="0" b="0"/>
-        </a:lnRef>
-        <a:fillRef idx="3">
-          <a:scrgbClr r="0" g="0" b="0"/>
-        </a:fillRef>
-        <a:effectRef idx="2">
-          <a:scrgbClr r="0" g="0" b="0"/>
-        </a:effectRef>
-        <a:fontRef idx="minor">
-          <a:schemeClr val="lt1"/>
-        </a:fontRef>
-      </dsp:style>
-      <dsp:txBody>
-        <a:bodyPr spcFirstLastPara="0" vert="horz" wrap="square" lIns="26670" tIns="17780" rIns="26670" bIns="17780" numCol="1" spcCol="1270" anchor="ctr" anchorCtr="0">
-          <a:noAutofit/>
-        </a:bodyPr>
-        <a:lstStyle/>
-        <a:p>
-          <a:pPr lvl="0" algn="ctr" defTabSz="622300">
-            <a:lnSpc>
-              <a:spcPct val="90000"/>
-            </a:lnSpc>
-            <a:spcBef>
-              <a:spcPct val="0"/>
-            </a:spcBef>
-            <a:spcAft>
-              <a:spcPct val="35000"/>
-            </a:spcAft>
-          </a:pPr>
-          <a:r>
-            <a:rPr lang="nb-NO" sz="1400" kern="1200" dirty="0" smtClean="0"/>
-            <a:t>Projects</a:t>
-          </a:r>
-        </a:p>
-      </dsp:txBody>
-      <dsp:txXfrm>
-        <a:off x="6072209" y="530391"/>
-        <a:ext cx="1173976" cy="569277"/>
-      </dsp:txXfrm>
-    </dsp:sp>
-    <dsp:sp modelId="{9E1C4B44-56D6-44C6-B4D1-4D6E013EF4F9}">
-      <dsp:nvSpPr>
-        <dsp:cNvPr id="0" name=""/>
-        <dsp:cNvSpPr/>
-      </dsp:nvSpPr>
-      <dsp:spPr>
-        <a:xfrm>
-          <a:off x="6175437" y="1117379"/>
-          <a:ext cx="120939" cy="453524"/>
-        </a:xfrm>
-        <a:custGeom>
-          <a:avLst/>
-          <a:gdLst/>
-          <a:ahLst/>
-          <a:cxnLst/>
-          <a:rect l="0" t="0" r="0" b="0"/>
-          <a:pathLst>
-            <a:path>
-              <a:moveTo>
-                <a:pt x="0" y="0"/>
-              </a:moveTo>
-              <a:lnTo>
-                <a:pt x="0" y="453524"/>
-              </a:lnTo>
-              <a:lnTo>
-                <a:pt x="120939" y="453524"/>
-              </a:lnTo>
-            </a:path>
-          </a:pathLst>
-        </a:custGeom>
-        <a:noFill/>
-        <a:ln w="25400" cap="flat" cmpd="sng" algn="ctr">
-          <a:solidFill>
-            <a:schemeClr val="accent2">
-              <a:shade val="60000"/>
-              <a:hueOff val="0"/>
-              <a:satOff val="0"/>
-              <a:lumOff val="0"/>
-              <a:alphaOff val="0"/>
-            </a:schemeClr>
-          </a:solidFill>
-          <a:prstDash val="solid"/>
-        </a:ln>
-        <a:effectLst/>
-        <a:scene3d>
-          <a:camera prst="orthographicFront"/>
-          <a:lightRig rig="flat" dir="t"/>
-        </a:scene3d>
-        <a:sp3d prstMaterial="matte"/>
-      </dsp:spPr>
-      <dsp:style>
-        <a:lnRef idx="2">
-          <a:scrgbClr r="0" g="0" b="0"/>
-        </a:lnRef>
-        <a:fillRef idx="0">
-          <a:scrgbClr r="0" g="0" b="0"/>
-        </a:fillRef>
-        <a:effectRef idx="0">
-          <a:scrgbClr r="0" g="0" b="0"/>
-        </a:effectRef>
-        <a:fontRef idx="minor"/>
-      </dsp:style>
-    </dsp:sp>
-    <dsp:sp modelId="{063A5D9E-5190-4BF1-9827-D3E29D6973D6}">
-      <dsp:nvSpPr>
-        <dsp:cNvPr id="0" name=""/>
-        <dsp:cNvSpPr/>
-      </dsp:nvSpPr>
-      <dsp:spPr>
-        <a:xfrm>
-          <a:off x="6296377" y="1268554"/>
-          <a:ext cx="967518" cy="604699"/>
-        </a:xfrm>
-        <a:prstGeom prst="roundRect">
-          <a:avLst>
-            <a:gd name="adj" fmla="val 10000"/>
-          </a:avLst>
-        </a:prstGeom>
-        <a:solidFill>
-          <a:schemeClr val="accent2">
-            <a:alpha val="90000"/>
-            <a:tint val="40000"/>
-            <a:hueOff val="0"/>
-            <a:satOff val="0"/>
-            <a:lumOff val="0"/>
-            <a:alphaOff val="0"/>
-          </a:schemeClr>
-        </a:solidFill>
-        <a:ln w="9525" cap="flat" cmpd="sng" algn="ctr">
-          <a:solidFill>
-            <a:schemeClr val="accent2">
-              <a:hueOff val="0"/>
-              <a:satOff val="0"/>
-              <a:lumOff val="0"/>
-              <a:alphaOff val="0"/>
-            </a:schemeClr>
-          </a:solidFill>
-          <a:prstDash val="solid"/>
-        </a:ln>
-        <a:effectLst>
-          <a:outerShdw blurRad="40000" dist="23000" dir="5400000" rotWithShape="0">
-            <a:srgbClr val="000000">
-              <a:alpha val="35000"/>
-            </a:srgbClr>
-          </a:outerShdw>
-        </a:effectLst>
-        <a:scene3d>
-          <a:camera prst="orthographicFront"/>
-          <a:lightRig rig="flat" dir="t"/>
-        </a:scene3d>
-        <a:sp3d z="-190500" extrusionH="12700" prstMaterial="plastic">
-          <a:bevelT w="50800" h="50800"/>
-        </a:sp3d>
-      </dsp:spPr>
-      <dsp:style>
-        <a:lnRef idx="1">
-          <a:scrgbClr r="0" g="0" b="0"/>
-        </a:lnRef>
-        <a:fillRef idx="1">
-          <a:scrgbClr r="0" g="0" b="0"/>
-        </a:fillRef>
-        <a:effectRef idx="2">
-          <a:scrgbClr r="0" g="0" b="0"/>
-        </a:effectRef>
-        <a:fontRef idx="minor"/>
-      </dsp:style>
-      <dsp:txBody>
-        <a:bodyPr spcFirstLastPara="0" vert="horz" wrap="square" lIns="17145" tIns="11430" rIns="17145" bIns="11430" numCol="1" spcCol="1270" anchor="ctr" anchorCtr="0">
-          <a:noAutofit/>
-        </a:bodyPr>
-        <a:lstStyle/>
-        <a:p>
-          <a:pPr lvl="0" algn="ctr" defTabSz="400050">
-            <a:lnSpc>
-              <a:spcPct val="90000"/>
-            </a:lnSpc>
-            <a:spcBef>
-              <a:spcPct val="0"/>
-            </a:spcBef>
-            <a:spcAft>
-              <a:spcPct val="35000"/>
-            </a:spcAft>
-          </a:pPr>
-          <a:r>
-            <a:rPr lang="nb-NO" sz="900" kern="1200" dirty="0" smtClean="0"/>
-            <a:t>Batch</a:t>
-          </a:r>
-          <a:endParaRPr lang="nb-NO" sz="900" kern="1200" dirty="0"/>
-        </a:p>
-      </dsp:txBody>
-      <dsp:txXfrm>
-        <a:off x="6314088" y="1286265"/>
-        <a:ext cx="932096" cy="569277"/>
-      </dsp:txXfrm>
-    </dsp:sp>
-    <dsp:sp modelId="{19B8365C-B7E1-4693-B6C9-009FF8A8BB10}">
-      <dsp:nvSpPr>
-        <dsp:cNvPr id="0" name=""/>
-        <dsp:cNvSpPr/>
-      </dsp:nvSpPr>
-      <dsp:spPr>
-        <a:xfrm>
-          <a:off x="6175437" y="1117379"/>
-          <a:ext cx="120939" cy="1209398"/>
-        </a:xfrm>
-        <a:custGeom>
-          <a:avLst/>
-          <a:gdLst/>
-          <a:ahLst/>
-          <a:cxnLst/>
-          <a:rect l="0" t="0" r="0" b="0"/>
-          <a:pathLst>
-            <a:path>
-              <a:moveTo>
-                <a:pt x="0" y="0"/>
-              </a:moveTo>
-              <a:lnTo>
-                <a:pt x="0" y="1209398"/>
-              </a:lnTo>
-              <a:lnTo>
-                <a:pt x="120939" y="1209398"/>
-              </a:lnTo>
-            </a:path>
-          </a:pathLst>
-        </a:custGeom>
-        <a:noFill/>
-        <a:ln w="25400" cap="flat" cmpd="sng" algn="ctr">
-          <a:solidFill>
-            <a:schemeClr val="accent2">
-              <a:shade val="60000"/>
-              <a:hueOff val="0"/>
-              <a:satOff val="0"/>
-              <a:lumOff val="0"/>
-              <a:alphaOff val="0"/>
-            </a:schemeClr>
-          </a:solidFill>
-          <a:prstDash val="solid"/>
-        </a:ln>
-        <a:effectLst/>
-        <a:scene3d>
-          <a:camera prst="orthographicFront"/>
-          <a:lightRig rig="flat" dir="t"/>
-        </a:scene3d>
-        <a:sp3d prstMaterial="matte"/>
-      </dsp:spPr>
-      <dsp:style>
-        <a:lnRef idx="2">
-          <a:scrgbClr r="0" g="0" b="0"/>
-        </a:lnRef>
-        <a:fillRef idx="0">
-          <a:scrgbClr r="0" g="0" b="0"/>
-        </a:fillRef>
-        <a:effectRef idx="0">
-          <a:scrgbClr r="0" g="0" b="0"/>
-        </a:effectRef>
-        <a:fontRef idx="minor"/>
-      </dsp:style>
-    </dsp:sp>
-    <dsp:sp modelId="{E9EED31F-070A-4BEE-8993-2D05E74CB1EB}">
-      <dsp:nvSpPr>
-        <dsp:cNvPr id="0" name=""/>
-        <dsp:cNvSpPr/>
-      </dsp:nvSpPr>
-      <dsp:spPr>
-        <a:xfrm>
-          <a:off x="6296377" y="2024428"/>
-          <a:ext cx="967518" cy="604699"/>
-        </a:xfrm>
-        <a:prstGeom prst="roundRect">
-          <a:avLst>
-            <a:gd name="adj" fmla="val 10000"/>
-          </a:avLst>
-        </a:prstGeom>
-        <a:solidFill>
-          <a:schemeClr val="accent2">
-            <a:alpha val="90000"/>
-            <a:tint val="40000"/>
-            <a:hueOff val="0"/>
-            <a:satOff val="0"/>
-            <a:lumOff val="0"/>
-            <a:alphaOff val="0"/>
-          </a:schemeClr>
-        </a:solidFill>
-        <a:ln w="9525" cap="flat" cmpd="sng" algn="ctr">
-          <a:solidFill>
-            <a:schemeClr val="accent2">
-              <a:hueOff val="0"/>
-              <a:satOff val="0"/>
-              <a:lumOff val="0"/>
-              <a:alphaOff val="0"/>
-            </a:schemeClr>
-          </a:solidFill>
-          <a:prstDash val="solid"/>
-        </a:ln>
-        <a:effectLst>
-          <a:outerShdw blurRad="40000" dist="23000" dir="5400000" rotWithShape="0">
-            <a:srgbClr val="000000">
-              <a:alpha val="35000"/>
-            </a:srgbClr>
-          </a:outerShdw>
-        </a:effectLst>
-        <a:scene3d>
-          <a:camera prst="orthographicFront"/>
-          <a:lightRig rig="flat" dir="t"/>
-        </a:scene3d>
-        <a:sp3d z="-190500" extrusionH="12700" prstMaterial="plastic">
-          <a:bevelT w="50800" h="50800"/>
-        </a:sp3d>
-      </dsp:spPr>
-      <dsp:style>
-        <a:lnRef idx="1">
-          <a:scrgbClr r="0" g="0" b="0"/>
-        </a:lnRef>
-        <a:fillRef idx="1">
-          <a:scrgbClr r="0" g="0" b="0"/>
-        </a:fillRef>
-        <a:effectRef idx="2">
-          <a:scrgbClr r="0" g="0" b="0"/>
-        </a:effectRef>
-        <a:fontRef idx="minor"/>
-      </dsp:style>
-      <dsp:txBody>
-        <a:bodyPr spcFirstLastPara="0" vert="horz" wrap="square" lIns="17145" tIns="11430" rIns="17145" bIns="11430" numCol="1" spcCol="1270" anchor="ctr" anchorCtr="0">
-          <a:noAutofit/>
-        </a:bodyPr>
-        <a:lstStyle/>
-        <a:p>
-          <a:pPr lvl="0" algn="ctr" defTabSz="400050">
-            <a:lnSpc>
-              <a:spcPct val="90000"/>
-            </a:lnSpc>
-            <a:spcBef>
-              <a:spcPct val="0"/>
-            </a:spcBef>
-            <a:spcAft>
-              <a:spcPct val="35000"/>
-            </a:spcAft>
-          </a:pPr>
-          <a:r>
-            <a:rPr lang="nb-NO" sz="900" kern="1200" dirty="0" smtClean="0"/>
-            <a:t>Security</a:t>
-          </a:r>
-          <a:endParaRPr lang="nb-NO" sz="900" kern="1200" dirty="0"/>
-        </a:p>
-      </dsp:txBody>
-      <dsp:txXfrm>
-        <a:off x="6314088" y="2042139"/>
-        <a:ext cx="932096" cy="569277"/>
-      </dsp:txXfrm>
-    </dsp:sp>
-    <dsp:sp modelId="{DBD0F60F-0A90-4685-8708-C8FEB6381120}">
-      <dsp:nvSpPr>
-        <dsp:cNvPr id="0" name=""/>
-        <dsp:cNvSpPr/>
-      </dsp:nvSpPr>
-      <dsp:spPr>
-        <a:xfrm>
-          <a:off x="6175437" y="1117379"/>
-          <a:ext cx="120939" cy="1965272"/>
-        </a:xfrm>
-        <a:custGeom>
-          <a:avLst/>
-          <a:gdLst/>
-          <a:ahLst/>
-          <a:cxnLst/>
-          <a:rect l="0" t="0" r="0" b="0"/>
-          <a:pathLst>
-            <a:path>
-              <a:moveTo>
-                <a:pt x="0" y="0"/>
-              </a:moveTo>
-              <a:lnTo>
-                <a:pt x="0" y="1965272"/>
-              </a:lnTo>
-              <a:lnTo>
-                <a:pt x="120939" y="1965272"/>
-              </a:lnTo>
-            </a:path>
-          </a:pathLst>
-        </a:custGeom>
-        <a:noFill/>
-        <a:ln w="25400" cap="flat" cmpd="sng" algn="ctr">
-          <a:solidFill>
-            <a:schemeClr val="accent2">
-              <a:shade val="60000"/>
-              <a:hueOff val="0"/>
-              <a:satOff val="0"/>
-              <a:lumOff val="0"/>
-              <a:alphaOff val="0"/>
-            </a:schemeClr>
-          </a:solidFill>
-          <a:prstDash val="solid"/>
-        </a:ln>
-        <a:effectLst/>
-        <a:scene3d>
-          <a:camera prst="orthographicFront"/>
-          <a:lightRig rig="flat" dir="t"/>
-        </a:scene3d>
-        <a:sp3d prstMaterial="matte"/>
-      </dsp:spPr>
-      <dsp:style>
-        <a:lnRef idx="2">
-          <a:scrgbClr r="0" g="0" b="0"/>
-        </a:lnRef>
-        <a:fillRef idx="0">
-          <a:scrgbClr r="0" g="0" b="0"/>
-        </a:fillRef>
-        <a:effectRef idx="0">
-          <a:scrgbClr r="0" g="0" b="0"/>
-        </a:effectRef>
-        <a:fontRef idx="minor"/>
-      </dsp:style>
-    </dsp:sp>
-    <dsp:sp modelId="{779AD7A2-BB17-4003-862A-EEA908E9A096}">
-      <dsp:nvSpPr>
-        <dsp:cNvPr id="0" name=""/>
-        <dsp:cNvSpPr/>
-      </dsp:nvSpPr>
-      <dsp:spPr>
-        <a:xfrm>
-          <a:off x="6296377" y="2780302"/>
-          <a:ext cx="967518" cy="604699"/>
-        </a:xfrm>
-        <a:prstGeom prst="roundRect">
-          <a:avLst>
-            <a:gd name="adj" fmla="val 10000"/>
-          </a:avLst>
-        </a:prstGeom>
-        <a:solidFill>
-          <a:schemeClr val="accent2">
-            <a:alpha val="90000"/>
-            <a:tint val="40000"/>
-            <a:hueOff val="0"/>
-            <a:satOff val="0"/>
-            <a:lumOff val="0"/>
-            <a:alphaOff val="0"/>
-          </a:schemeClr>
-        </a:solidFill>
-        <a:ln w="9525" cap="flat" cmpd="sng" algn="ctr">
-          <a:solidFill>
-            <a:schemeClr val="accent2">
-              <a:hueOff val="0"/>
-              <a:satOff val="0"/>
-              <a:lumOff val="0"/>
-              <a:alphaOff val="0"/>
-            </a:schemeClr>
-          </a:solidFill>
-          <a:prstDash val="solid"/>
-        </a:ln>
-        <a:effectLst>
-          <a:outerShdw blurRad="40000" dist="23000" dir="5400000" rotWithShape="0">
-            <a:srgbClr val="000000">
-              <a:alpha val="35000"/>
-            </a:srgbClr>
-          </a:outerShdw>
-        </a:effectLst>
-        <a:scene3d>
-          <a:camera prst="orthographicFront"/>
-          <a:lightRig rig="flat" dir="t"/>
-        </a:scene3d>
-        <a:sp3d z="-190500" extrusionH="12700" prstMaterial="plastic">
-          <a:bevelT w="50800" h="50800"/>
-        </a:sp3d>
-      </dsp:spPr>
-      <dsp:style>
-        <a:lnRef idx="1">
-          <a:scrgbClr r="0" g="0" b="0"/>
-        </a:lnRef>
-        <a:fillRef idx="1">
-          <a:scrgbClr r="0" g="0" b="0"/>
-        </a:fillRef>
-        <a:effectRef idx="2">
-          <a:scrgbClr r="0" g="0" b="0"/>
-        </a:effectRef>
-        <a:fontRef idx="minor"/>
-      </dsp:style>
-      <dsp:txBody>
-        <a:bodyPr spcFirstLastPara="0" vert="horz" wrap="square" lIns="17145" tIns="11430" rIns="17145" bIns="11430" numCol="1" spcCol="1270" anchor="ctr" anchorCtr="0">
-          <a:noAutofit/>
-        </a:bodyPr>
-        <a:lstStyle/>
-        <a:p>
-          <a:pPr lvl="0" algn="ctr" defTabSz="400050">
-            <a:lnSpc>
-              <a:spcPct val="90000"/>
-            </a:lnSpc>
-            <a:spcBef>
-              <a:spcPct val="0"/>
-            </a:spcBef>
-            <a:spcAft>
-              <a:spcPct val="35000"/>
-            </a:spcAft>
-          </a:pPr>
-          <a:r>
-            <a:rPr lang="nb-NO" sz="900" kern="1200" dirty="0" smtClean="0"/>
-            <a:t>WS</a:t>
-          </a:r>
-          <a:endParaRPr lang="nb-NO" sz="900" kern="1200" dirty="0"/>
-        </a:p>
-      </dsp:txBody>
-      <dsp:txXfrm>
-        <a:off x="6314088" y="2798013"/>
-        <a:ext cx="932096" cy="569277"/>
-      </dsp:txXfrm>
-    </dsp:sp>
-    <dsp:sp modelId="{CDD15DD5-38BD-4435-935C-44E71FFAD053}">
-      <dsp:nvSpPr>
-        <dsp:cNvPr id="0" name=""/>
-        <dsp:cNvSpPr/>
-      </dsp:nvSpPr>
-      <dsp:spPr>
-        <a:xfrm>
-          <a:off x="6175437" y="1117379"/>
-          <a:ext cx="120939" cy="2721146"/>
-        </a:xfrm>
-        <a:custGeom>
-          <a:avLst/>
-          <a:gdLst/>
-          <a:ahLst/>
-          <a:cxnLst/>
-          <a:rect l="0" t="0" r="0" b="0"/>
-          <a:pathLst>
-            <a:path>
-              <a:moveTo>
-                <a:pt x="0" y="0"/>
-              </a:moveTo>
-              <a:lnTo>
-                <a:pt x="0" y="2721146"/>
-              </a:lnTo>
-              <a:lnTo>
-                <a:pt x="120939" y="2721146"/>
-              </a:lnTo>
-            </a:path>
-          </a:pathLst>
-        </a:custGeom>
-        <a:noFill/>
-        <a:ln w="25400" cap="flat" cmpd="sng" algn="ctr">
-          <a:solidFill>
-            <a:schemeClr val="accent2">
-              <a:shade val="60000"/>
-              <a:hueOff val="0"/>
-              <a:satOff val="0"/>
-              <a:lumOff val="0"/>
-              <a:alphaOff val="0"/>
-            </a:schemeClr>
-          </a:solidFill>
-          <a:prstDash val="solid"/>
-        </a:ln>
-        <a:effectLst/>
-        <a:scene3d>
-          <a:camera prst="orthographicFront"/>
-          <a:lightRig rig="flat" dir="t"/>
-        </a:scene3d>
-        <a:sp3d prstMaterial="matte"/>
-      </dsp:spPr>
-      <dsp:style>
-        <a:lnRef idx="2">
-          <a:scrgbClr r="0" g="0" b="0"/>
-        </a:lnRef>
-        <a:fillRef idx="0">
-          <a:scrgbClr r="0" g="0" b="0"/>
-        </a:fillRef>
-        <a:effectRef idx="0">
-          <a:scrgbClr r="0" g="0" b="0"/>
-        </a:effectRef>
-        <a:fontRef idx="minor"/>
-      </dsp:style>
-    </dsp:sp>
-    <dsp:sp modelId="{84797B46-DD68-4881-BDFB-9E128D3BE187}">
-      <dsp:nvSpPr>
-        <dsp:cNvPr id="0" name=""/>
-        <dsp:cNvSpPr/>
-      </dsp:nvSpPr>
-      <dsp:spPr>
-        <a:xfrm>
-          <a:off x="6296377" y="3536176"/>
-          <a:ext cx="967518" cy="604699"/>
-        </a:xfrm>
-        <a:prstGeom prst="roundRect">
-          <a:avLst>
-            <a:gd name="adj" fmla="val 10000"/>
-          </a:avLst>
-        </a:prstGeom>
-        <a:solidFill>
-          <a:schemeClr val="accent2">
-            <a:alpha val="90000"/>
-            <a:tint val="40000"/>
-            <a:hueOff val="0"/>
-            <a:satOff val="0"/>
-            <a:lumOff val="0"/>
-            <a:alphaOff val="0"/>
-          </a:schemeClr>
-        </a:solidFill>
-        <a:ln w="9525" cap="flat" cmpd="sng" algn="ctr">
-          <a:solidFill>
-            <a:schemeClr val="accent2">
-              <a:hueOff val="0"/>
-              <a:satOff val="0"/>
-              <a:lumOff val="0"/>
-              <a:alphaOff val="0"/>
-            </a:schemeClr>
-          </a:solidFill>
-          <a:prstDash val="solid"/>
-        </a:ln>
-        <a:effectLst>
-          <a:outerShdw blurRad="40000" dist="23000" dir="5400000" rotWithShape="0">
-            <a:srgbClr val="000000">
-              <a:alpha val="35000"/>
-            </a:srgbClr>
-          </a:outerShdw>
-        </a:effectLst>
-        <a:scene3d>
-          <a:camera prst="orthographicFront"/>
-          <a:lightRig rig="flat" dir="t"/>
-        </a:scene3d>
-        <a:sp3d z="-190500" extrusionH="12700" prstMaterial="plastic">
-          <a:bevelT w="50800" h="50800"/>
-        </a:sp3d>
-      </dsp:spPr>
-      <dsp:style>
-        <a:lnRef idx="1">
-          <a:scrgbClr r="0" g="0" b="0"/>
-        </a:lnRef>
-        <a:fillRef idx="1">
-          <a:scrgbClr r="0" g="0" b="0"/>
-        </a:fillRef>
-        <a:effectRef idx="2">
-          <a:scrgbClr r="0" g="0" b="0"/>
-        </a:effectRef>
-        <a:fontRef idx="minor"/>
-      </dsp:style>
-      <dsp:txBody>
-        <a:bodyPr spcFirstLastPara="0" vert="horz" wrap="square" lIns="17145" tIns="11430" rIns="17145" bIns="11430" numCol="1" spcCol="1270" anchor="ctr" anchorCtr="0">
-          <a:noAutofit/>
-        </a:bodyPr>
-        <a:lstStyle/>
-        <a:p>
-          <a:pPr lvl="0" algn="ctr" defTabSz="400050">
-            <a:lnSpc>
-              <a:spcPct val="90000"/>
-            </a:lnSpc>
-            <a:spcBef>
-              <a:spcPct val="0"/>
-            </a:spcBef>
-            <a:spcAft>
-              <a:spcPct val="35000"/>
-            </a:spcAft>
-          </a:pPr>
-          <a:r>
-            <a:rPr lang="nb-NO" sz="900" kern="1200" dirty="0" err="1" smtClean="0"/>
-            <a:t>Dynamic</a:t>
-          </a:r>
-          <a:r>
-            <a:rPr lang="nb-NO" sz="900" kern="1200" dirty="0" smtClean="0"/>
-            <a:t> </a:t>
-          </a:r>
-          <a:r>
-            <a:rPr lang="nb-NO" sz="900" kern="1200" dirty="0" err="1" smtClean="0"/>
-            <a:t>Modules</a:t>
-          </a:r>
-          <a:endParaRPr lang="nb-NO" sz="900" kern="1200" dirty="0"/>
-        </a:p>
-      </dsp:txBody>
-      <dsp:txXfrm>
-        <a:off x="6314088" y="3553887"/>
-        <a:ext cx="932096" cy="569277"/>
-      </dsp:txXfrm>
-    </dsp:sp>
-    <dsp:sp modelId="{6C73AD8F-65D9-415F-A249-3EE74426E55A}">
-      <dsp:nvSpPr>
-        <dsp:cNvPr id="0" name=""/>
-        <dsp:cNvSpPr/>
-      </dsp:nvSpPr>
-      <dsp:spPr>
-        <a:xfrm>
-          <a:off x="6175437" y="1117379"/>
-          <a:ext cx="120939" cy="3477020"/>
-        </a:xfrm>
-        <a:custGeom>
-          <a:avLst/>
-          <a:gdLst/>
-          <a:ahLst/>
-          <a:cxnLst/>
-          <a:rect l="0" t="0" r="0" b="0"/>
-          <a:pathLst>
-            <a:path>
-              <a:moveTo>
-                <a:pt x="0" y="0"/>
-              </a:moveTo>
-              <a:lnTo>
-                <a:pt x="0" y="3477020"/>
-              </a:lnTo>
-              <a:lnTo>
-                <a:pt x="120939" y="3477020"/>
-              </a:lnTo>
-            </a:path>
-          </a:pathLst>
-        </a:custGeom>
-        <a:noFill/>
-        <a:ln w="25400" cap="flat" cmpd="sng" algn="ctr">
-          <a:solidFill>
-            <a:schemeClr val="accent2">
-              <a:shade val="60000"/>
-              <a:hueOff val="0"/>
-              <a:satOff val="0"/>
-              <a:lumOff val="0"/>
-              <a:alphaOff val="0"/>
-            </a:schemeClr>
-          </a:solidFill>
-          <a:prstDash val="solid"/>
-        </a:ln>
-        <a:effectLst/>
-        <a:scene3d>
-          <a:camera prst="orthographicFront"/>
-          <a:lightRig rig="flat" dir="t"/>
-        </a:scene3d>
-        <a:sp3d prstMaterial="matte"/>
-      </dsp:spPr>
-      <dsp:style>
-        <a:lnRef idx="2">
-          <a:scrgbClr r="0" g="0" b="0"/>
-        </a:lnRef>
-        <a:fillRef idx="0">
-          <a:scrgbClr r="0" g="0" b="0"/>
-        </a:fillRef>
-        <a:effectRef idx="0">
-          <a:scrgbClr r="0" g="0" b="0"/>
-        </a:effectRef>
-        <a:fontRef idx="minor"/>
-      </dsp:style>
-    </dsp:sp>
-    <dsp:sp modelId="{3F78E075-A902-498A-9217-E850164FBBC2}">
-      <dsp:nvSpPr>
-        <dsp:cNvPr id="0" name=""/>
-        <dsp:cNvSpPr/>
-      </dsp:nvSpPr>
-      <dsp:spPr>
-        <a:xfrm>
-          <a:off x="6296377" y="4292050"/>
-          <a:ext cx="967518" cy="604699"/>
-        </a:xfrm>
-        <a:prstGeom prst="roundRect">
-          <a:avLst>
-            <a:gd name="adj" fmla="val 10000"/>
-          </a:avLst>
-        </a:prstGeom>
-        <a:solidFill>
-          <a:schemeClr val="accent2">
-            <a:alpha val="90000"/>
-            <a:tint val="40000"/>
-            <a:hueOff val="0"/>
-            <a:satOff val="0"/>
-            <a:lumOff val="0"/>
-            <a:alphaOff val="0"/>
-          </a:schemeClr>
-        </a:solidFill>
-        <a:ln w="9525" cap="flat" cmpd="sng" algn="ctr">
-          <a:solidFill>
-            <a:schemeClr val="accent2">
-              <a:hueOff val="0"/>
-              <a:satOff val="0"/>
-              <a:lumOff val="0"/>
-              <a:alphaOff val="0"/>
-            </a:schemeClr>
-          </a:solidFill>
-          <a:prstDash val="solid"/>
-        </a:ln>
-        <a:effectLst>
-          <a:outerShdw blurRad="40000" dist="23000" dir="5400000" rotWithShape="0">
-            <a:srgbClr val="000000">
-              <a:alpha val="35000"/>
-            </a:srgbClr>
-          </a:outerShdw>
-        </a:effectLst>
-        <a:scene3d>
-          <a:camera prst="orthographicFront"/>
-          <a:lightRig rig="flat" dir="t"/>
-        </a:scene3d>
-        <a:sp3d z="-190500" extrusionH="12700" prstMaterial="plastic">
-          <a:bevelT w="50800" h="50800"/>
-        </a:sp3d>
-      </dsp:spPr>
-      <dsp:style>
-        <a:lnRef idx="1">
-          <a:scrgbClr r="0" g="0" b="0"/>
-        </a:lnRef>
-        <a:fillRef idx="1">
-          <a:scrgbClr r="0" g="0" b="0"/>
-        </a:fillRef>
-        <a:effectRef idx="2">
-          <a:scrgbClr r="0" g="0" b="0"/>
-        </a:effectRef>
-        <a:fontRef idx="minor"/>
-      </dsp:style>
-      <dsp:txBody>
-        <a:bodyPr spcFirstLastPara="0" vert="horz" wrap="square" lIns="17145" tIns="11430" rIns="17145" bIns="11430" numCol="1" spcCol="1270" anchor="ctr" anchorCtr="0">
-          <a:noAutofit/>
-        </a:bodyPr>
-        <a:lstStyle/>
-        <a:p>
-          <a:pPr lvl="0" algn="ctr" defTabSz="400050">
-            <a:lnSpc>
-              <a:spcPct val="90000"/>
-            </a:lnSpc>
-            <a:spcBef>
-              <a:spcPct val="0"/>
-            </a:spcBef>
-            <a:spcAft>
-              <a:spcPct val="35000"/>
-            </a:spcAft>
-          </a:pPr>
-          <a:r>
-            <a:rPr lang="nb-NO" sz="900" kern="1200" dirty="0" err="1" smtClean="0"/>
-            <a:t>Integration</a:t>
-          </a:r>
-          <a:endParaRPr lang="nb-NO" sz="900" kern="1200" dirty="0"/>
-        </a:p>
-      </dsp:txBody>
-      <dsp:txXfrm>
-        <a:off x="6314088" y="4309761"/>
-        <a:ext cx="932096" cy="569277"/>
-      </dsp:txXfrm>
-    </dsp:sp>
-    <dsp:sp modelId="{2167CA12-F302-4E93-84DF-301CD4C73FF3}">
-      <dsp:nvSpPr>
-        <dsp:cNvPr id="0" name=""/>
-        <dsp:cNvSpPr/>
-      </dsp:nvSpPr>
-      <dsp:spPr>
-        <a:xfrm>
-          <a:off x="6175437" y="1117379"/>
-          <a:ext cx="120939" cy="4232895"/>
-        </a:xfrm>
-        <a:custGeom>
-          <a:avLst/>
-          <a:gdLst/>
-          <a:ahLst/>
-          <a:cxnLst/>
-          <a:rect l="0" t="0" r="0" b="0"/>
-          <a:pathLst>
-            <a:path>
-              <a:moveTo>
-                <a:pt x="0" y="0"/>
-              </a:moveTo>
-              <a:lnTo>
-                <a:pt x="0" y="4232895"/>
-              </a:lnTo>
-              <a:lnTo>
-                <a:pt x="120939" y="4232895"/>
-              </a:lnTo>
-            </a:path>
-          </a:pathLst>
-        </a:custGeom>
-        <a:noFill/>
-        <a:ln w="25400" cap="flat" cmpd="sng" algn="ctr">
-          <a:solidFill>
-            <a:schemeClr val="accent2">
-              <a:shade val="60000"/>
-              <a:hueOff val="0"/>
-              <a:satOff val="0"/>
-              <a:lumOff val="0"/>
-              <a:alphaOff val="0"/>
-            </a:schemeClr>
-          </a:solidFill>
-          <a:prstDash val="solid"/>
-        </a:ln>
-        <a:effectLst/>
-        <a:scene3d>
-          <a:camera prst="orthographicFront"/>
-          <a:lightRig rig="flat" dir="t"/>
-        </a:scene3d>
-        <a:sp3d prstMaterial="matte"/>
-      </dsp:spPr>
-      <dsp:style>
-        <a:lnRef idx="2">
-          <a:scrgbClr r="0" g="0" b="0"/>
-        </a:lnRef>
-        <a:fillRef idx="0">
-          <a:scrgbClr r="0" g="0" b="0"/>
-        </a:fillRef>
-        <a:effectRef idx="0">
-          <a:scrgbClr r="0" g="0" b="0"/>
-        </a:effectRef>
-        <a:fontRef idx="minor"/>
-      </dsp:style>
-    </dsp:sp>
-    <dsp:sp modelId="{E81B4B0C-09B3-4918-A641-068947D96707}">
-      <dsp:nvSpPr>
-        <dsp:cNvPr id="0" name=""/>
-        <dsp:cNvSpPr/>
-      </dsp:nvSpPr>
-      <dsp:spPr>
-        <a:xfrm>
-          <a:off x="6296377" y="5047924"/>
-          <a:ext cx="967518" cy="604699"/>
-        </a:xfrm>
-        <a:prstGeom prst="roundRect">
-          <a:avLst>
-            <a:gd name="adj" fmla="val 10000"/>
-          </a:avLst>
-        </a:prstGeom>
-        <a:solidFill>
-          <a:schemeClr val="accent2">
-            <a:alpha val="90000"/>
-            <a:tint val="40000"/>
-            <a:hueOff val="0"/>
-            <a:satOff val="0"/>
-            <a:lumOff val="0"/>
-            <a:alphaOff val="0"/>
-          </a:schemeClr>
-        </a:solidFill>
-        <a:ln w="9525" cap="flat" cmpd="sng" algn="ctr">
-          <a:solidFill>
-            <a:schemeClr val="accent2">
-              <a:hueOff val="0"/>
-              <a:satOff val="0"/>
-              <a:lumOff val="0"/>
-              <a:alphaOff val="0"/>
-            </a:schemeClr>
-          </a:solidFill>
-          <a:prstDash val="solid"/>
-        </a:ln>
-        <a:effectLst>
-          <a:outerShdw blurRad="40000" dist="23000" dir="5400000" rotWithShape="0">
-            <a:srgbClr val="000000">
-              <a:alpha val="35000"/>
-            </a:srgbClr>
-          </a:outerShdw>
-        </a:effectLst>
-        <a:scene3d>
-          <a:camera prst="orthographicFront"/>
-          <a:lightRig rig="flat" dir="t"/>
-        </a:scene3d>
-        <a:sp3d z="-190500" extrusionH="12700" prstMaterial="plastic">
-          <a:bevelT w="50800" h="50800"/>
-        </a:sp3d>
-      </dsp:spPr>
-      <dsp:style>
-        <a:lnRef idx="1">
-          <a:scrgbClr r="0" g="0" b="0"/>
-        </a:lnRef>
-        <a:fillRef idx="1">
-          <a:scrgbClr r="0" g="0" b="0"/>
-        </a:fillRef>
-        <a:effectRef idx="2">
-          <a:scrgbClr r="0" g="0" b="0"/>
-        </a:effectRef>
-        <a:fontRef idx="minor"/>
-      </dsp:style>
-      <dsp:txBody>
-        <a:bodyPr spcFirstLastPara="0" vert="horz" wrap="square" lIns="17145" tIns="11430" rIns="17145" bIns="11430" numCol="1" spcCol="1270" anchor="t" anchorCtr="0">
-          <a:noAutofit/>
-        </a:bodyPr>
-        <a:lstStyle/>
-        <a:p>
-          <a:pPr lvl="0" algn="l" defTabSz="400050">
-            <a:lnSpc>
-              <a:spcPct val="90000"/>
-            </a:lnSpc>
-            <a:spcBef>
-              <a:spcPct val="0"/>
-            </a:spcBef>
-            <a:spcAft>
-              <a:spcPct val="35000"/>
-            </a:spcAft>
-          </a:pPr>
-          <a:r>
-            <a:rPr lang="nb-NO" sz="900" kern="1200" smtClean="0"/>
-            <a:t>+</a:t>
-          </a:r>
-          <a:endParaRPr lang="nb-NO" sz="900" kern="1200" dirty="0"/>
-        </a:p>
-        <a:p>
-          <a:pPr marL="57150" lvl="1" indent="-57150" algn="l" defTabSz="311150">
-            <a:lnSpc>
-              <a:spcPct val="90000"/>
-            </a:lnSpc>
-            <a:spcBef>
-              <a:spcPct val="0"/>
-            </a:spcBef>
-            <a:spcAft>
-              <a:spcPct val="15000"/>
-            </a:spcAft>
-            <a:buChar char="••"/>
-          </a:pPr>
-          <a:r>
-            <a:rPr lang="nb-NO" sz="700" kern="1200" dirty="0" smtClean="0"/>
-            <a:t>LDAP,RCP</a:t>
-          </a:r>
-          <a:endParaRPr lang="nb-NO" sz="700" kern="1200" dirty="0"/>
-        </a:p>
-        <a:p>
-          <a:pPr marL="57150" lvl="1" indent="-57150" algn="l" defTabSz="311150">
-            <a:lnSpc>
-              <a:spcPct val="90000"/>
-            </a:lnSpc>
-            <a:spcBef>
-              <a:spcPct val="0"/>
-            </a:spcBef>
-            <a:spcAft>
-              <a:spcPct val="15000"/>
-            </a:spcAft>
-            <a:buChar char="••"/>
-          </a:pPr>
-          <a:r>
-            <a:rPr lang="nb-NO" sz="700" kern="1200" dirty="0" err="1" smtClean="0"/>
-            <a:t>Modules</a:t>
-          </a:r>
-          <a:r>
-            <a:rPr lang="nb-NO" sz="700" kern="1200" dirty="0" smtClean="0"/>
-            <a:t>, </a:t>
-          </a:r>
-          <a:r>
-            <a:rPr lang="nb-NO" sz="700" kern="1200" dirty="0" err="1" smtClean="0"/>
-            <a:t>Extensions</a:t>
-          </a:r>
-          <a:endParaRPr lang="nb-NO" sz="700" kern="1200" dirty="0"/>
-        </a:p>
-        <a:p>
-          <a:pPr marL="57150" lvl="1" indent="-57150" algn="l" defTabSz="311150">
-            <a:lnSpc>
-              <a:spcPct val="90000"/>
-            </a:lnSpc>
-            <a:spcBef>
-              <a:spcPct val="0"/>
-            </a:spcBef>
-            <a:spcAft>
-              <a:spcPct val="15000"/>
-            </a:spcAft>
-            <a:buChar char="••"/>
-          </a:pPr>
-          <a:r>
-            <a:rPr lang="nb-NO" sz="700" kern="1200" dirty="0" err="1" smtClean="0"/>
-            <a:t>Spring.NET</a:t>
-          </a:r>
-          <a:endParaRPr lang="nb-NO" sz="700" kern="1200"/>
-        </a:p>
-      </dsp:txBody>
-      <dsp:txXfrm>
-        <a:off x="6314088" y="5065635"/>
-        <a:ext cx="932096" cy="569277"/>
-      </dsp:txXfrm>
-    </dsp:sp>
-    <dsp:sp modelId="{8D0CF975-0B11-4A4C-BD9D-A996CE08D670}">
-      <dsp:nvSpPr>
-        <dsp:cNvPr id="0" name=""/>
-        <dsp:cNvSpPr/>
-      </dsp:nvSpPr>
-      <dsp:spPr>
-        <a:xfrm>
-          <a:off x="7566246" y="512680"/>
-          <a:ext cx="1209398" cy="604699"/>
-        </a:xfrm>
-        <a:prstGeom prst="roundRect">
-          <a:avLst>
-            <a:gd name="adj" fmla="val 10000"/>
-          </a:avLst>
-        </a:prstGeom>
-        <a:gradFill rotWithShape="0">
-          <a:gsLst>
-            <a:gs pos="0">
-              <a:schemeClr val="lt1">
-                <a:hueOff val="0"/>
-                <a:satOff val="0"/>
-                <a:lumOff val="0"/>
-                <a:alphaOff val="0"/>
-                <a:shade val="51000"/>
-                <a:satMod val="130000"/>
-              </a:schemeClr>
-            </a:gs>
-            <a:gs pos="80000">
-              <a:schemeClr val="lt1">
-                <a:hueOff val="0"/>
-                <a:satOff val="0"/>
-                <a:lumOff val="0"/>
-                <a:alphaOff val="0"/>
-                <a:shade val="93000"/>
-                <a:satMod val="130000"/>
-              </a:schemeClr>
-            </a:gs>
-            <a:gs pos="100000">
-              <a:schemeClr val="lt1">
-                <a:hueOff val="0"/>
-                <a:satOff val="0"/>
-                <a:lumOff val="0"/>
-                <a:alphaOff val="0"/>
-                <a:shade val="94000"/>
-                <a:satMod val="135000"/>
-              </a:schemeClr>
-            </a:gs>
-          </a:gsLst>
-          <a:lin ang="16200000" scaled="0"/>
-        </a:gradFill>
-        <a:ln>
-          <a:noFill/>
-        </a:ln>
-        <a:effectLst>
-          <a:outerShdw blurRad="40000" dist="23000" dir="5400000" rotWithShape="0">
-            <a:srgbClr val="000000">
-              <a:alpha val="35000"/>
-            </a:srgbClr>
-          </a:outerShdw>
-        </a:effectLst>
-        <a:scene3d>
-          <a:camera prst="orthographicFront"/>
-          <a:lightRig rig="flat" dir="t"/>
-        </a:scene3d>
-        <a:sp3d prstMaterial="plastic">
-          <a:bevelT w="120900" h="88900"/>
-          <a:bevelB w="88900" h="31750" prst="angle"/>
-        </a:sp3d>
-      </dsp:spPr>
-      <dsp:style>
-        <a:lnRef idx="0">
-          <a:scrgbClr r="0" g="0" b="0"/>
-        </a:lnRef>
-        <a:fillRef idx="3">
-          <a:scrgbClr r="0" g="0" b="0"/>
-        </a:fillRef>
-        <a:effectRef idx="2">
-          <a:scrgbClr r="0" g="0" b="0"/>
-        </a:effectRef>
-        <a:fontRef idx="minor">
-          <a:schemeClr val="lt1"/>
-        </a:fontRef>
-      </dsp:style>
-      <dsp:txBody>
-        <a:bodyPr spcFirstLastPara="0" vert="horz" wrap="square" lIns="26670" tIns="17780" rIns="26670" bIns="17780" numCol="1" spcCol="1270" anchor="ctr" anchorCtr="0">
-          <a:noAutofit/>
-        </a:bodyPr>
-        <a:lstStyle/>
-        <a:p>
-          <a:pPr lvl="0" algn="ctr" defTabSz="622300">
-            <a:lnSpc>
-              <a:spcPct val="90000"/>
-            </a:lnSpc>
-            <a:spcBef>
-              <a:spcPct val="0"/>
-            </a:spcBef>
-            <a:spcAft>
-              <a:spcPct val="35000"/>
-            </a:spcAft>
-          </a:pPr>
-          <a:r>
-            <a:rPr lang="nb-NO" sz="1400" kern="1200" dirty="0" err="1" smtClean="0"/>
-            <a:t>Products/tools</a:t>
-          </a:r>
-          <a:endParaRPr lang="nb-NO" sz="1400" kern="1200" dirty="0"/>
-        </a:p>
-      </dsp:txBody>
-      <dsp:txXfrm>
-        <a:off x="7583957" y="530391"/>
-        <a:ext cx="1173976" cy="569277"/>
-      </dsp:txXfrm>
-    </dsp:sp>
-    <dsp:sp modelId="{DF7E0226-1961-4D86-AB68-6DF20DE0F7A6}">
-      <dsp:nvSpPr>
-        <dsp:cNvPr id="0" name=""/>
-        <dsp:cNvSpPr/>
-      </dsp:nvSpPr>
-      <dsp:spPr>
-        <a:xfrm>
-          <a:off x="7687186" y="1117379"/>
-          <a:ext cx="120939" cy="453524"/>
-        </a:xfrm>
-        <a:custGeom>
-          <a:avLst/>
-          <a:gdLst/>
-          <a:ahLst/>
-          <a:cxnLst/>
-          <a:rect l="0" t="0" r="0" b="0"/>
-          <a:pathLst>
-            <a:path>
-              <a:moveTo>
-                <a:pt x="0" y="0"/>
-              </a:moveTo>
-              <a:lnTo>
-                <a:pt x="0" y="453524"/>
-              </a:lnTo>
-              <a:lnTo>
-                <a:pt x="120939" y="453524"/>
-              </a:lnTo>
-            </a:path>
-          </a:pathLst>
-        </a:custGeom>
-        <a:noFill/>
-        <a:ln w="25400" cap="flat" cmpd="sng" algn="ctr">
-          <a:solidFill>
-            <a:schemeClr val="accent2">
-              <a:shade val="60000"/>
-              <a:hueOff val="0"/>
-              <a:satOff val="0"/>
-              <a:lumOff val="0"/>
-              <a:alphaOff val="0"/>
-            </a:schemeClr>
-          </a:solidFill>
-          <a:prstDash val="solid"/>
-        </a:ln>
-        <a:effectLst/>
-        <a:scene3d>
-          <a:camera prst="orthographicFront"/>
-          <a:lightRig rig="flat" dir="t"/>
-        </a:scene3d>
-        <a:sp3d prstMaterial="matte"/>
-      </dsp:spPr>
-      <dsp:style>
-        <a:lnRef idx="2">
-          <a:scrgbClr r="0" g="0" b="0"/>
-        </a:lnRef>
-        <a:fillRef idx="0">
-          <a:scrgbClr r="0" g="0" b="0"/>
-        </a:fillRef>
-        <a:effectRef idx="0">
-          <a:scrgbClr r="0" g="0" b="0"/>
-        </a:effectRef>
-        <a:fontRef idx="minor"/>
-      </dsp:style>
-    </dsp:sp>
-    <dsp:sp modelId="{CCC4E94B-C1C0-406D-8A96-E81268E786A9}">
-      <dsp:nvSpPr>
-        <dsp:cNvPr id="0" name=""/>
-        <dsp:cNvSpPr/>
-      </dsp:nvSpPr>
-      <dsp:spPr>
-        <a:xfrm>
-          <a:off x="7808125" y="1268554"/>
-          <a:ext cx="967518" cy="604699"/>
-        </a:xfrm>
-        <a:prstGeom prst="roundRect">
-          <a:avLst>
-            <a:gd name="adj" fmla="val 10000"/>
-          </a:avLst>
-        </a:prstGeom>
-        <a:solidFill>
-          <a:schemeClr val="accent2">
-            <a:alpha val="90000"/>
-            <a:tint val="40000"/>
-            <a:hueOff val="0"/>
-            <a:satOff val="0"/>
-            <a:lumOff val="0"/>
-            <a:alphaOff val="0"/>
-          </a:schemeClr>
-        </a:solidFill>
-        <a:ln w="9525" cap="flat" cmpd="sng" algn="ctr">
-          <a:solidFill>
-            <a:schemeClr val="accent2">
-              <a:hueOff val="0"/>
-              <a:satOff val="0"/>
-              <a:lumOff val="0"/>
-              <a:alphaOff val="0"/>
-            </a:schemeClr>
-          </a:solidFill>
-          <a:prstDash val="solid"/>
-        </a:ln>
-        <a:effectLst>
-          <a:outerShdw blurRad="40000" dist="23000" dir="5400000" rotWithShape="0">
-            <a:srgbClr val="000000">
-              <a:alpha val="35000"/>
-            </a:srgbClr>
-          </a:outerShdw>
-        </a:effectLst>
-        <a:scene3d>
-          <a:camera prst="orthographicFront"/>
-          <a:lightRig rig="flat" dir="t"/>
-        </a:scene3d>
-        <a:sp3d z="-190500" extrusionH="12700" prstMaterial="plastic">
-          <a:bevelT w="50800" h="50800"/>
-        </a:sp3d>
-      </dsp:spPr>
-      <dsp:style>
-        <a:lnRef idx="1">
-          <a:scrgbClr r="0" g="0" b="0"/>
-        </a:lnRef>
-        <a:fillRef idx="1">
-          <a:scrgbClr r="0" g="0" b="0"/>
-        </a:fillRef>
-        <a:effectRef idx="2">
-          <a:scrgbClr r="0" g="0" b="0"/>
-        </a:effectRef>
-        <a:fontRef idx="minor"/>
-      </dsp:style>
-      <dsp:txBody>
-        <a:bodyPr spcFirstLastPara="0" vert="horz" wrap="square" lIns="17145" tIns="11430" rIns="17145" bIns="11430" numCol="1" spcCol="1270" anchor="ctr" anchorCtr="0">
-          <a:noAutofit/>
-        </a:bodyPr>
-        <a:lstStyle/>
-        <a:p>
-          <a:pPr lvl="0" algn="ctr" defTabSz="400050">
-            <a:lnSpc>
-              <a:spcPct val="90000"/>
-            </a:lnSpc>
-            <a:spcBef>
-              <a:spcPct val="0"/>
-            </a:spcBef>
-            <a:spcAft>
-              <a:spcPct val="35000"/>
-            </a:spcAft>
-          </a:pPr>
-          <a:r>
-            <a:rPr lang="nb-NO" sz="900" kern="1200" dirty="0" smtClean="0"/>
-            <a:t>Spring IDE</a:t>
-          </a:r>
-          <a:endParaRPr lang="nb-NO" sz="900" kern="1200" dirty="0"/>
-        </a:p>
-      </dsp:txBody>
-      <dsp:txXfrm>
-        <a:off x="7825836" y="1286265"/>
-        <a:ext cx="932096" cy="569277"/>
-      </dsp:txXfrm>
-    </dsp:sp>
-    <dsp:sp modelId="{E4C0CDFE-EDA9-4746-8C17-35B55259EF61}">
-      <dsp:nvSpPr>
-        <dsp:cNvPr id="0" name=""/>
-        <dsp:cNvSpPr/>
-      </dsp:nvSpPr>
-      <dsp:spPr>
-        <a:xfrm>
-          <a:off x="7687186" y="1117379"/>
-          <a:ext cx="120939" cy="1209398"/>
-        </a:xfrm>
-        <a:custGeom>
-          <a:avLst/>
-          <a:gdLst/>
-          <a:ahLst/>
-          <a:cxnLst/>
-          <a:rect l="0" t="0" r="0" b="0"/>
-          <a:pathLst>
-            <a:path>
-              <a:moveTo>
-                <a:pt x="0" y="0"/>
-              </a:moveTo>
-              <a:lnTo>
-                <a:pt x="0" y="1209398"/>
-              </a:lnTo>
-              <a:lnTo>
-                <a:pt x="120939" y="1209398"/>
-              </a:lnTo>
-            </a:path>
-          </a:pathLst>
-        </a:custGeom>
-        <a:noFill/>
-        <a:ln w="25400" cap="flat" cmpd="sng" algn="ctr">
-          <a:solidFill>
-            <a:schemeClr val="accent2">
-              <a:shade val="60000"/>
-              <a:hueOff val="0"/>
-              <a:satOff val="0"/>
-              <a:lumOff val="0"/>
-              <a:alphaOff val="0"/>
-            </a:schemeClr>
-          </a:solidFill>
-          <a:prstDash val="solid"/>
-        </a:ln>
-        <a:effectLst/>
-        <a:scene3d>
-          <a:camera prst="orthographicFront"/>
-          <a:lightRig rig="flat" dir="t"/>
-        </a:scene3d>
-        <a:sp3d prstMaterial="matte"/>
-      </dsp:spPr>
-      <dsp:style>
-        <a:lnRef idx="2">
-          <a:scrgbClr r="0" g="0" b="0"/>
-        </a:lnRef>
-        <a:fillRef idx="0">
-          <a:scrgbClr r="0" g="0" b="0"/>
-        </a:fillRef>
-        <a:effectRef idx="0">
-          <a:scrgbClr r="0" g="0" b="0"/>
-        </a:effectRef>
-        <a:fontRef idx="minor"/>
-      </dsp:style>
-    </dsp:sp>
-    <dsp:sp modelId="{7EF82AD8-8295-4E55-93F1-4D7497085D6E}">
-      <dsp:nvSpPr>
-        <dsp:cNvPr id="0" name=""/>
-        <dsp:cNvSpPr/>
-      </dsp:nvSpPr>
-      <dsp:spPr>
-        <a:xfrm>
-          <a:off x="7808125" y="2024428"/>
-          <a:ext cx="967518" cy="604699"/>
-        </a:xfrm>
-        <a:prstGeom prst="roundRect">
-          <a:avLst>
-            <a:gd name="adj" fmla="val 10000"/>
-          </a:avLst>
-        </a:prstGeom>
-        <a:solidFill>
-          <a:schemeClr val="accent2">
-            <a:alpha val="90000"/>
-            <a:tint val="40000"/>
-            <a:hueOff val="0"/>
-            <a:satOff val="0"/>
-            <a:lumOff val="0"/>
-            <a:alphaOff val="0"/>
-          </a:schemeClr>
-        </a:solidFill>
-        <a:ln w="9525" cap="flat" cmpd="sng" algn="ctr">
-          <a:solidFill>
-            <a:schemeClr val="accent2">
-              <a:hueOff val="0"/>
-              <a:satOff val="0"/>
-              <a:lumOff val="0"/>
-              <a:alphaOff val="0"/>
-            </a:schemeClr>
-          </a:solidFill>
-          <a:prstDash val="solid"/>
-        </a:ln>
-        <a:effectLst>
-          <a:outerShdw blurRad="40000" dist="23000" dir="5400000" rotWithShape="0">
-            <a:srgbClr val="000000">
-              <a:alpha val="35000"/>
-            </a:srgbClr>
-          </a:outerShdw>
-        </a:effectLst>
-        <a:scene3d>
-          <a:camera prst="orthographicFront"/>
-          <a:lightRig rig="flat" dir="t"/>
-        </a:scene3d>
-        <a:sp3d z="-190500" extrusionH="12700" prstMaterial="plastic">
-          <a:bevelT w="50800" h="50800"/>
-        </a:sp3d>
-      </dsp:spPr>
-      <dsp:style>
-        <a:lnRef idx="1">
-          <a:scrgbClr r="0" g="0" b="0"/>
-        </a:lnRef>
-        <a:fillRef idx="1">
-          <a:scrgbClr r="0" g="0" b="0"/>
-        </a:fillRef>
-        <a:effectRef idx="2">
-          <a:scrgbClr r="0" g="0" b="0"/>
-        </a:effectRef>
-        <a:fontRef idx="minor"/>
-      </dsp:style>
-      <dsp:txBody>
-        <a:bodyPr spcFirstLastPara="0" vert="horz" wrap="square" lIns="17145" tIns="11430" rIns="17145" bIns="11430" numCol="1" spcCol="1270" anchor="ctr" anchorCtr="0">
-          <a:noAutofit/>
-        </a:bodyPr>
-        <a:lstStyle/>
-        <a:p>
-          <a:pPr lvl="0" algn="ctr" defTabSz="400050">
-            <a:lnSpc>
-              <a:spcPct val="90000"/>
-            </a:lnSpc>
-            <a:spcBef>
-              <a:spcPct val="0"/>
-            </a:spcBef>
-            <a:spcAft>
-              <a:spcPct val="35000"/>
-            </a:spcAft>
-          </a:pPr>
-          <a:r>
-            <a:rPr lang="nb-NO" sz="900" kern="1200" dirty="0" err="1" smtClean="0"/>
-            <a:t>Roo</a:t>
-          </a:r>
-          <a:endParaRPr lang="nb-NO" sz="900" kern="1200" dirty="0"/>
-        </a:p>
-      </dsp:txBody>
-      <dsp:txXfrm>
-        <a:off x="7825836" y="2042139"/>
-        <a:ext cx="932096" cy="569277"/>
-      </dsp:txXfrm>
-    </dsp:sp>
-    <dsp:sp modelId="{D31B2741-3A2A-425B-9F88-D2833EBD3951}">
-      <dsp:nvSpPr>
-        <dsp:cNvPr id="0" name=""/>
-        <dsp:cNvSpPr/>
-      </dsp:nvSpPr>
-      <dsp:spPr>
-        <a:xfrm>
-          <a:off x="7687186" y="1117379"/>
-          <a:ext cx="120939" cy="1965272"/>
-        </a:xfrm>
-        <a:custGeom>
-          <a:avLst/>
-          <a:gdLst/>
-          <a:ahLst/>
-          <a:cxnLst/>
-          <a:rect l="0" t="0" r="0" b="0"/>
-          <a:pathLst>
-            <a:path>
-              <a:moveTo>
-                <a:pt x="0" y="0"/>
-              </a:moveTo>
-              <a:lnTo>
-                <a:pt x="0" y="1965272"/>
-              </a:lnTo>
-              <a:lnTo>
-                <a:pt x="120939" y="1965272"/>
-              </a:lnTo>
-            </a:path>
-          </a:pathLst>
-        </a:custGeom>
-        <a:noFill/>
-        <a:ln w="25400" cap="flat" cmpd="sng" algn="ctr">
-          <a:solidFill>
-            <a:schemeClr val="accent2">
-              <a:shade val="60000"/>
-              <a:hueOff val="0"/>
-              <a:satOff val="0"/>
-              <a:lumOff val="0"/>
-              <a:alphaOff val="0"/>
-            </a:schemeClr>
-          </a:solidFill>
-          <a:prstDash val="solid"/>
-        </a:ln>
-        <a:effectLst/>
-        <a:scene3d>
-          <a:camera prst="orthographicFront"/>
-          <a:lightRig rig="flat" dir="t"/>
-        </a:scene3d>
-        <a:sp3d prstMaterial="matte"/>
-      </dsp:spPr>
-      <dsp:style>
-        <a:lnRef idx="2">
-          <a:scrgbClr r="0" g="0" b="0"/>
-        </a:lnRef>
-        <a:fillRef idx="0">
-          <a:scrgbClr r="0" g="0" b="0"/>
-        </a:fillRef>
-        <a:effectRef idx="0">
-          <a:scrgbClr r="0" g="0" b="0"/>
-        </a:effectRef>
-        <a:fontRef idx="minor"/>
-      </dsp:style>
-    </dsp:sp>
-    <dsp:sp modelId="{07BC4EB7-7260-4E56-97E6-961DBFB88D38}">
-      <dsp:nvSpPr>
-        <dsp:cNvPr id="0" name=""/>
-        <dsp:cNvSpPr/>
-      </dsp:nvSpPr>
-      <dsp:spPr>
-        <a:xfrm>
-          <a:off x="7808125" y="2780302"/>
-          <a:ext cx="967518" cy="604699"/>
-        </a:xfrm>
-        <a:prstGeom prst="roundRect">
-          <a:avLst>
-            <a:gd name="adj" fmla="val 10000"/>
-          </a:avLst>
-        </a:prstGeom>
-        <a:solidFill>
-          <a:schemeClr val="accent2">
-            <a:alpha val="90000"/>
-            <a:tint val="40000"/>
-            <a:hueOff val="0"/>
-            <a:satOff val="0"/>
-            <a:lumOff val="0"/>
-            <a:alphaOff val="0"/>
-          </a:schemeClr>
-        </a:solidFill>
-        <a:ln w="9525" cap="flat" cmpd="sng" algn="ctr">
-          <a:solidFill>
-            <a:schemeClr val="accent2">
-              <a:hueOff val="0"/>
-              <a:satOff val="0"/>
-              <a:lumOff val="0"/>
-              <a:alphaOff val="0"/>
-            </a:schemeClr>
-          </a:solidFill>
-          <a:prstDash val="solid"/>
-        </a:ln>
-        <a:effectLst>
-          <a:outerShdw blurRad="40000" dist="23000" dir="5400000" rotWithShape="0">
-            <a:srgbClr val="000000">
-              <a:alpha val="35000"/>
-            </a:srgbClr>
-          </a:outerShdw>
-        </a:effectLst>
-        <a:scene3d>
-          <a:camera prst="orthographicFront"/>
-          <a:lightRig rig="flat" dir="t"/>
-        </a:scene3d>
-        <a:sp3d z="-190500" extrusionH="12700" prstMaterial="plastic">
-          <a:bevelT w="50800" h="50800"/>
-        </a:sp3d>
-      </dsp:spPr>
-      <dsp:style>
-        <a:lnRef idx="1">
-          <a:scrgbClr r="0" g="0" b="0"/>
-        </a:lnRef>
-        <a:fillRef idx="1">
-          <a:scrgbClr r="0" g="0" b="0"/>
-        </a:fillRef>
-        <a:effectRef idx="2">
-          <a:scrgbClr r="0" g="0" b="0"/>
-        </a:effectRef>
-        <a:fontRef idx="minor"/>
-      </dsp:style>
-      <dsp:txBody>
-        <a:bodyPr spcFirstLastPara="0" vert="horz" wrap="square" lIns="17145" tIns="11430" rIns="17145" bIns="11430" numCol="1" spcCol="1270" anchor="ctr" anchorCtr="0">
-          <a:noAutofit/>
-        </a:bodyPr>
-        <a:lstStyle/>
-        <a:p>
-          <a:pPr lvl="0" algn="ctr" defTabSz="400050">
-            <a:lnSpc>
-              <a:spcPct val="90000"/>
-            </a:lnSpc>
-            <a:spcBef>
-              <a:spcPct val="0"/>
-            </a:spcBef>
-            <a:spcAft>
-              <a:spcPct val="35000"/>
-            </a:spcAft>
-          </a:pPr>
-          <a:r>
-            <a:rPr lang="nb-NO" sz="900" kern="1200" dirty="0" err="1" smtClean="0"/>
-            <a:t>BeanDoc</a:t>
-          </a:r>
-          <a:endParaRPr lang="nb-NO" sz="900" kern="1200" dirty="0"/>
-        </a:p>
-      </dsp:txBody>
-      <dsp:txXfrm>
-        <a:off x="7825836" y="2798013"/>
-        <a:ext cx="932096" cy="569277"/>
-      </dsp:txXfrm>
-    </dsp:sp>
-    <dsp:sp modelId="{ED4F4FED-81C2-4F16-BF7A-C003670131E0}">
-      <dsp:nvSpPr>
-        <dsp:cNvPr id="0" name=""/>
-        <dsp:cNvSpPr/>
-      </dsp:nvSpPr>
-      <dsp:spPr>
-        <a:xfrm>
-          <a:off x="7687186" y="1117379"/>
-          <a:ext cx="120939" cy="2721146"/>
-        </a:xfrm>
-        <a:custGeom>
-          <a:avLst/>
-          <a:gdLst/>
-          <a:ahLst/>
-          <a:cxnLst/>
-          <a:rect l="0" t="0" r="0" b="0"/>
-          <a:pathLst>
-            <a:path>
-              <a:moveTo>
-                <a:pt x="0" y="0"/>
-              </a:moveTo>
-              <a:lnTo>
-                <a:pt x="0" y="2721146"/>
-              </a:lnTo>
-              <a:lnTo>
-                <a:pt x="120939" y="2721146"/>
-              </a:lnTo>
-            </a:path>
-          </a:pathLst>
-        </a:custGeom>
-        <a:noFill/>
-        <a:ln w="25400" cap="flat" cmpd="sng" algn="ctr">
-          <a:solidFill>
-            <a:schemeClr val="accent2">
-              <a:shade val="60000"/>
-              <a:hueOff val="0"/>
-              <a:satOff val="0"/>
-              <a:lumOff val="0"/>
-              <a:alphaOff val="0"/>
-            </a:schemeClr>
-          </a:solidFill>
-          <a:prstDash val="solid"/>
-        </a:ln>
-        <a:effectLst/>
-        <a:scene3d>
-          <a:camera prst="orthographicFront"/>
-          <a:lightRig rig="flat" dir="t"/>
-        </a:scene3d>
-        <a:sp3d prstMaterial="matte"/>
-      </dsp:spPr>
-      <dsp:style>
-        <a:lnRef idx="2">
-          <a:scrgbClr r="0" g="0" b="0"/>
-        </a:lnRef>
-        <a:fillRef idx="0">
-          <a:scrgbClr r="0" g="0" b="0"/>
-        </a:fillRef>
-        <a:effectRef idx="0">
-          <a:scrgbClr r="0" g="0" b="0"/>
-        </a:effectRef>
-        <a:fontRef idx="minor"/>
-      </dsp:style>
-    </dsp:sp>
-    <dsp:sp modelId="{FB9A0D91-DC89-44A5-9053-B0815C498F53}">
-      <dsp:nvSpPr>
-        <dsp:cNvPr id="0" name=""/>
-        <dsp:cNvSpPr/>
-      </dsp:nvSpPr>
-      <dsp:spPr>
-        <a:xfrm>
-          <a:off x="7808125" y="3536176"/>
-          <a:ext cx="967518" cy="604699"/>
-        </a:xfrm>
-        <a:prstGeom prst="roundRect">
-          <a:avLst>
-            <a:gd name="adj" fmla="val 10000"/>
-          </a:avLst>
-        </a:prstGeom>
-        <a:solidFill>
-          <a:schemeClr val="accent2">
-            <a:alpha val="90000"/>
-            <a:tint val="40000"/>
-            <a:hueOff val="0"/>
-            <a:satOff val="0"/>
-            <a:lumOff val="0"/>
-            <a:alphaOff val="0"/>
-          </a:schemeClr>
-        </a:solidFill>
-        <a:ln w="9525" cap="flat" cmpd="sng" algn="ctr">
-          <a:solidFill>
-            <a:schemeClr val="accent2">
-              <a:hueOff val="0"/>
-              <a:satOff val="0"/>
-              <a:lumOff val="0"/>
-              <a:alphaOff val="0"/>
-            </a:schemeClr>
-          </a:solidFill>
-          <a:prstDash val="solid"/>
-        </a:ln>
-        <a:effectLst>
-          <a:outerShdw blurRad="40000" dist="23000" dir="5400000" rotWithShape="0">
-            <a:srgbClr val="000000">
-              <a:alpha val="35000"/>
-            </a:srgbClr>
-          </a:outerShdw>
-        </a:effectLst>
-        <a:scene3d>
-          <a:camera prst="orthographicFront"/>
-          <a:lightRig rig="flat" dir="t"/>
-        </a:scene3d>
-        <a:sp3d z="-190500" extrusionH="12700" prstMaterial="plastic">
-          <a:bevelT w="50800" h="50800"/>
-        </a:sp3d>
-      </dsp:spPr>
-      <dsp:style>
-        <a:lnRef idx="1">
-          <a:scrgbClr r="0" g="0" b="0"/>
-        </a:lnRef>
-        <a:fillRef idx="1">
-          <a:scrgbClr r="0" g="0" b="0"/>
-        </a:fillRef>
-        <a:effectRef idx="2">
-          <a:scrgbClr r="0" g="0" b="0"/>
-        </a:effectRef>
-        <a:fontRef idx="minor"/>
-      </dsp:style>
-      <dsp:txBody>
-        <a:bodyPr spcFirstLastPara="0" vert="horz" wrap="square" lIns="17145" tIns="11430" rIns="17145" bIns="11430" numCol="1" spcCol="1270" anchor="ctr" anchorCtr="0">
-          <a:noAutofit/>
-        </a:bodyPr>
-        <a:lstStyle/>
-        <a:p>
-          <a:pPr lvl="0" algn="ctr" defTabSz="400050">
-            <a:lnSpc>
-              <a:spcPct val="90000"/>
-            </a:lnSpc>
-            <a:spcBef>
-              <a:spcPct val="0"/>
-            </a:spcBef>
-            <a:spcAft>
-              <a:spcPct val="35000"/>
-            </a:spcAft>
-          </a:pPr>
-          <a:r>
-            <a:rPr lang="nb-NO" sz="900" kern="1200" smtClean="0"/>
-            <a:t>tc </a:t>
-          </a:r>
-          <a:r>
-            <a:rPr lang="nb-NO" sz="900" kern="1200" dirty="0" smtClean="0"/>
-            <a:t>Server / ERS</a:t>
-          </a:r>
-          <a:endParaRPr lang="nb-NO" sz="900" kern="1200"/>
-        </a:p>
-      </dsp:txBody>
-      <dsp:txXfrm>
-        <a:off x="7825836" y="3553887"/>
-        <a:ext cx="932096" cy="569277"/>
-      </dsp:txXfrm>
-    </dsp:sp>
-    <dsp:sp modelId="{A2F74158-F51D-4DB0-8860-23D26643C940}">
-      <dsp:nvSpPr>
-        <dsp:cNvPr id="0" name=""/>
-        <dsp:cNvSpPr/>
-      </dsp:nvSpPr>
-      <dsp:spPr>
-        <a:xfrm>
-          <a:off x="7687186" y="1117379"/>
-          <a:ext cx="120939" cy="3477020"/>
-        </a:xfrm>
-        <a:custGeom>
-          <a:avLst/>
-          <a:gdLst/>
-          <a:ahLst/>
-          <a:cxnLst/>
-          <a:rect l="0" t="0" r="0" b="0"/>
-          <a:pathLst>
-            <a:path>
-              <a:moveTo>
-                <a:pt x="0" y="0"/>
-              </a:moveTo>
-              <a:lnTo>
-                <a:pt x="0" y="3477020"/>
-              </a:lnTo>
-              <a:lnTo>
-                <a:pt x="120939" y="3477020"/>
-              </a:lnTo>
-            </a:path>
-          </a:pathLst>
-        </a:custGeom>
-        <a:noFill/>
-        <a:ln w="25400" cap="flat" cmpd="sng" algn="ctr">
-          <a:solidFill>
-            <a:schemeClr val="accent2">
-              <a:shade val="60000"/>
-              <a:hueOff val="0"/>
-              <a:satOff val="0"/>
-              <a:lumOff val="0"/>
-              <a:alphaOff val="0"/>
-            </a:schemeClr>
-          </a:solidFill>
-          <a:prstDash val="solid"/>
-        </a:ln>
-        <a:effectLst/>
-        <a:scene3d>
-          <a:camera prst="orthographicFront"/>
-          <a:lightRig rig="flat" dir="t"/>
-        </a:scene3d>
-        <a:sp3d prstMaterial="matte"/>
-      </dsp:spPr>
-      <dsp:style>
-        <a:lnRef idx="2">
-          <a:scrgbClr r="0" g="0" b="0"/>
-        </a:lnRef>
-        <a:fillRef idx="0">
-          <a:scrgbClr r="0" g="0" b="0"/>
-        </a:fillRef>
-        <a:effectRef idx="0">
-          <a:scrgbClr r="0" g="0" b="0"/>
-        </a:effectRef>
-        <a:fontRef idx="minor"/>
-      </dsp:style>
-    </dsp:sp>
-    <dsp:sp modelId="{AACC61A5-EEFC-4892-9837-23AA501E4FF8}">
-      <dsp:nvSpPr>
-        <dsp:cNvPr id="0" name=""/>
-        <dsp:cNvSpPr/>
-      </dsp:nvSpPr>
-      <dsp:spPr>
-        <a:xfrm>
-          <a:off x="7808125" y="4292050"/>
-          <a:ext cx="967518" cy="604699"/>
-        </a:xfrm>
-        <a:prstGeom prst="roundRect">
-          <a:avLst>
-            <a:gd name="adj" fmla="val 10000"/>
-          </a:avLst>
-        </a:prstGeom>
-        <a:solidFill>
-          <a:schemeClr val="accent2">
-            <a:alpha val="90000"/>
-            <a:tint val="40000"/>
-            <a:hueOff val="0"/>
-            <a:satOff val="0"/>
-            <a:lumOff val="0"/>
-            <a:alphaOff val="0"/>
-          </a:schemeClr>
-        </a:solidFill>
-        <a:ln w="9525" cap="flat" cmpd="sng" algn="ctr">
-          <a:solidFill>
-            <a:schemeClr val="accent2">
-              <a:hueOff val="0"/>
-              <a:satOff val="0"/>
-              <a:lumOff val="0"/>
-              <a:alphaOff val="0"/>
-            </a:schemeClr>
-          </a:solidFill>
-          <a:prstDash val="solid"/>
-        </a:ln>
-        <a:effectLst>
-          <a:outerShdw blurRad="40000" dist="23000" dir="5400000" rotWithShape="0">
-            <a:srgbClr val="000000">
-              <a:alpha val="35000"/>
-            </a:srgbClr>
-          </a:outerShdw>
-        </a:effectLst>
-        <a:scene3d>
-          <a:camera prst="orthographicFront"/>
-          <a:lightRig rig="flat" dir="t"/>
-        </a:scene3d>
-        <a:sp3d z="-190500" extrusionH="12700" prstMaterial="plastic">
-          <a:bevelT w="50800" h="50800"/>
-        </a:sp3d>
-      </dsp:spPr>
-      <dsp:style>
-        <a:lnRef idx="1">
-          <a:scrgbClr r="0" g="0" b="0"/>
-        </a:lnRef>
-        <a:fillRef idx="1">
-          <a:scrgbClr r="0" g="0" b="0"/>
-        </a:fillRef>
-        <a:effectRef idx="2">
-          <a:scrgbClr r="0" g="0" b="0"/>
-        </a:effectRef>
-        <a:fontRef idx="minor"/>
-      </dsp:style>
-      <dsp:txBody>
-        <a:bodyPr spcFirstLastPara="0" vert="horz" wrap="square" lIns="17145" tIns="11430" rIns="17145" bIns="11430" numCol="1" spcCol="1270" anchor="ctr" anchorCtr="0">
-          <a:noAutofit/>
-        </a:bodyPr>
-        <a:lstStyle/>
-        <a:p>
-          <a:pPr lvl="0" algn="ctr" defTabSz="400050">
-            <a:lnSpc>
-              <a:spcPct val="90000"/>
-            </a:lnSpc>
-            <a:spcBef>
-              <a:spcPct val="0"/>
-            </a:spcBef>
-            <a:spcAft>
-              <a:spcPct val="35000"/>
-            </a:spcAft>
-          </a:pPr>
-          <a:r>
-            <a:rPr lang="nb-NO" sz="900" kern="1200" dirty="0" smtClean="0"/>
-            <a:t>dm Server</a:t>
-          </a:r>
-          <a:endParaRPr lang="nb-NO" sz="900" kern="1200" dirty="0"/>
-        </a:p>
-      </dsp:txBody>
-      <dsp:txXfrm>
-        <a:off x="7825836" y="4309761"/>
-        <a:ext cx="932096" cy="569277"/>
-      </dsp:txXfrm>
-    </dsp:sp>
   </dsp:spTree>
 </dsp:drawing>
 </file>
@@ -10407,7 +5157,7 @@
               <a:pPr>
                 <a:defRPr/>
               </a:pPr>
-              <a:t>29.08.2016</a:t>
+              <a:t>30.08.2016</a:t>
             </a:fld>
             <a:endParaRPr lang="nb-NO"/>
           </a:p>
@@ -13293,7 +8043,7 @@
               <a:pPr>
                 <a:defRPr/>
               </a:pPr>
-              <a:t>29.08.2016</a:t>
+              <a:t>30.08.2016</a:t>
             </a:fld>
             <a:endParaRPr lang="nb-NO"/>
           </a:p>
@@ -13491,7 +8241,7 @@
               <a:pPr>
                 <a:defRPr/>
               </a:pPr>
-              <a:t>29.08.2016</a:t>
+              <a:t>30.08.2016</a:t>
             </a:fld>
             <a:endParaRPr lang="nb-NO"/>
           </a:p>
@@ -13701,7 +8451,7 @@
               <a:pPr>
                 <a:defRPr/>
               </a:pPr>
-              <a:t>29.08.2016</a:t>
+              <a:t>30.08.2016</a:t>
             </a:fld>
             <a:endParaRPr lang="nb-NO"/>
           </a:p>
@@ -13905,7 +8655,7 @@
               <a:pPr>
                 <a:defRPr/>
               </a:pPr>
-              <a:t>29.08.2016</a:t>
+              <a:t>30.08.2016</a:t>
             </a:fld>
             <a:endParaRPr lang="nb-NO"/>
           </a:p>
@@ -14236,7 +8986,7 @@
               <a:pPr>
                 <a:defRPr/>
               </a:pPr>
-              <a:t>29.08.2016</a:t>
+              <a:t>30.08.2016</a:t>
             </a:fld>
             <a:endParaRPr lang="nb-NO"/>
           </a:p>
@@ -14552,7 +9302,7 @@
               <a:pPr>
                 <a:defRPr/>
               </a:pPr>
-              <a:t>29.08.2016</a:t>
+              <a:t>30.08.2016</a:t>
             </a:fld>
             <a:endParaRPr lang="nb-NO"/>
           </a:p>
@@ -15004,7 +9754,7 @@
               <a:pPr>
                 <a:defRPr/>
               </a:pPr>
-              <a:t>29.08.2016</a:t>
+              <a:t>30.08.2016</a:t>
             </a:fld>
             <a:endParaRPr lang="nb-NO"/>
           </a:p>
@@ -15152,7 +9902,7 @@
               <a:pPr>
                 <a:defRPr/>
               </a:pPr>
-              <a:t>29.08.2016</a:t>
+              <a:t>30.08.2016</a:t>
             </a:fld>
             <a:endParaRPr lang="nb-NO"/>
           </a:p>
@@ -15277,7 +10027,7 @@
               <a:pPr>
                 <a:defRPr/>
               </a:pPr>
-              <a:t>29.08.2016</a:t>
+              <a:t>30.08.2016</a:t>
             </a:fld>
             <a:endParaRPr lang="nb-NO"/>
           </a:p>
@@ -15584,7 +10334,7 @@
               <a:pPr>
                 <a:defRPr/>
               </a:pPr>
-              <a:t>29.08.2016</a:t>
+              <a:t>30.08.2016</a:t>
             </a:fld>
             <a:endParaRPr lang="nb-NO"/>
           </a:p>
@@ -15874,7 +10624,7 @@
               <a:pPr>
                 <a:defRPr/>
               </a:pPr>
-              <a:t>29.08.2016</a:t>
+              <a:t>30.08.2016</a:t>
             </a:fld>
             <a:endParaRPr lang="nb-NO"/>
           </a:p>
@@ -16175,7 +10925,7 @@
               <a:pPr>
                 <a:defRPr/>
               </a:pPr>
-              <a:t>29.08.2016</a:t>
+              <a:t>30.08.2016</a:t>
             </a:fld>
             <a:endParaRPr lang="nb-NO"/>
           </a:p>
@@ -17837,11 +12587,7 @@
             <a:pPr lvl="1"/>
             <a:r>
               <a:rPr lang="nb-NO" smtClean="0"/>
-              <a:t>Via </a:t>
-            </a:r>
-            <a:r>
-              <a:rPr lang="nb-NO" smtClean="0"/>
-              <a:t>JavaEE-container</a:t>
+              <a:t>Via JavaEE-container</a:t>
             </a:r>
             <a:endParaRPr lang="nb-NO" dirty="0" smtClean="0"/>
           </a:p>
@@ -21859,7 +16605,15 @@
             <a:pPr lvl="1"/>
             <a:r>
               <a:rPr lang="nb-NO" dirty="0" smtClean="0"/>
-              <a:t>mvn clean install </a:t>
+              <a:t>mvn clean </a:t>
+            </a:r>
+            <a:r>
+              <a:rPr lang="nb-NO" smtClean="0"/>
+              <a:t>install </a:t>
+            </a:r>
+            <a:r>
+              <a:rPr lang="nb-NO" smtClean="0"/>
+              <a:t>-DskipTests</a:t>
             </a:r>
             <a:endParaRPr lang="nb-NO" dirty="0"/>
           </a:p>

--- a/adm/Spring.pptx
+++ b/adm/Spring.pptx
@@ -5,7 +5,7 @@
     <p:sldMasterId id="2147483660" r:id="rId1"/>
   </p:sldMasterIdLst>
   <p:notesMasterIdLst>
-    <p:notesMasterId r:id="rId28"/>
+    <p:notesMasterId r:id="rId29"/>
   </p:notesMasterIdLst>
   <p:sldIdLst>
     <p:sldId id="256" r:id="rId2"/>
@@ -34,6 +34,7 @@
     <p:sldId id="269" r:id="rId25"/>
     <p:sldId id="277" r:id="rId26"/>
     <p:sldId id="284" r:id="rId27"/>
+    <p:sldId id="286" r:id="rId28"/>
   </p:sldIdLst>
   <p:sldSz cx="9144000" cy="6858000" type="screen4x3"/>
   <p:notesSz cx="6669088" cy="9926638"/>
@@ -3632,6 +3633,5256 @@
       <dsp:cNvGrpSpPr/>
     </dsp:nvGrpSpPr>
     <dsp:grpSpPr/>
+    <dsp:sp modelId="{39C289AD-84BD-41DA-B4AF-A6FA89ADF559}">
+      <dsp:nvSpPr>
+        <dsp:cNvPr id="0" name=""/>
+        <dsp:cNvSpPr/>
+      </dsp:nvSpPr>
+      <dsp:spPr>
+        <a:xfrm>
+          <a:off x="7505" y="512680"/>
+          <a:ext cx="1209398" cy="604699"/>
+        </a:xfrm>
+        <a:prstGeom prst="roundRect">
+          <a:avLst>
+            <a:gd name="adj" fmla="val 10000"/>
+          </a:avLst>
+        </a:prstGeom>
+        <a:gradFill rotWithShape="0">
+          <a:gsLst>
+            <a:gs pos="0">
+              <a:schemeClr val="lt1">
+                <a:hueOff val="0"/>
+                <a:satOff val="0"/>
+                <a:lumOff val="0"/>
+                <a:alphaOff val="0"/>
+                <a:shade val="51000"/>
+                <a:satMod val="130000"/>
+              </a:schemeClr>
+            </a:gs>
+            <a:gs pos="80000">
+              <a:schemeClr val="lt1">
+                <a:hueOff val="0"/>
+                <a:satOff val="0"/>
+                <a:lumOff val="0"/>
+                <a:alphaOff val="0"/>
+                <a:shade val="93000"/>
+                <a:satMod val="130000"/>
+              </a:schemeClr>
+            </a:gs>
+            <a:gs pos="100000">
+              <a:schemeClr val="lt1">
+                <a:hueOff val="0"/>
+                <a:satOff val="0"/>
+                <a:lumOff val="0"/>
+                <a:alphaOff val="0"/>
+                <a:shade val="94000"/>
+                <a:satMod val="135000"/>
+              </a:schemeClr>
+            </a:gs>
+          </a:gsLst>
+          <a:lin ang="16200000" scaled="0"/>
+        </a:gradFill>
+        <a:ln>
+          <a:noFill/>
+        </a:ln>
+        <a:effectLst>
+          <a:outerShdw blurRad="40000" dist="23000" dir="5400000" rotWithShape="0">
+            <a:srgbClr val="000000">
+              <a:alpha val="35000"/>
+            </a:srgbClr>
+          </a:outerShdw>
+        </a:effectLst>
+        <a:scene3d>
+          <a:camera prst="orthographicFront"/>
+          <a:lightRig rig="flat" dir="t"/>
+        </a:scene3d>
+        <a:sp3d prstMaterial="plastic">
+          <a:bevelT w="120900" h="88900"/>
+          <a:bevelB w="88900" h="31750" prst="angle"/>
+        </a:sp3d>
+      </dsp:spPr>
+      <dsp:style>
+        <a:lnRef idx="0">
+          <a:scrgbClr r="0" g="0" b="0"/>
+        </a:lnRef>
+        <a:fillRef idx="3">
+          <a:scrgbClr r="0" g="0" b="0"/>
+        </a:fillRef>
+        <a:effectRef idx="2">
+          <a:scrgbClr r="0" g="0" b="0"/>
+        </a:effectRef>
+        <a:fontRef idx="minor">
+          <a:schemeClr val="lt1"/>
+        </a:fontRef>
+      </dsp:style>
+      <dsp:txBody>
+        <a:bodyPr spcFirstLastPara="0" vert="horz" wrap="square" lIns="26670" tIns="17780" rIns="26670" bIns="17780" numCol="1" spcCol="1270" anchor="ctr" anchorCtr="0">
+          <a:noAutofit/>
+        </a:bodyPr>
+        <a:lstStyle/>
+        <a:p>
+          <a:pPr lvl="0" algn="ctr" defTabSz="622300">
+            <a:lnSpc>
+              <a:spcPct val="90000"/>
+            </a:lnSpc>
+            <a:spcBef>
+              <a:spcPct val="0"/>
+            </a:spcBef>
+            <a:spcAft>
+              <a:spcPct val="35000"/>
+            </a:spcAft>
+          </a:pPr>
+          <a:r>
+            <a:rPr lang="nb-NO" sz="1400" kern="1200" dirty="0" err="1" smtClean="0"/>
+            <a:t>Core</a:t>
+          </a:r>
+          <a:endParaRPr lang="nb-NO" sz="1400" kern="1200" dirty="0"/>
+        </a:p>
+      </dsp:txBody>
+      <dsp:txXfrm>
+        <a:off x="25216" y="530391"/>
+        <a:ext cx="1173976" cy="569277"/>
+      </dsp:txXfrm>
+    </dsp:sp>
+    <dsp:sp modelId="{4324D7E3-3396-4A94-BD44-B3CCE12830A0}">
+      <dsp:nvSpPr>
+        <dsp:cNvPr id="0" name=""/>
+        <dsp:cNvSpPr/>
+      </dsp:nvSpPr>
+      <dsp:spPr>
+        <a:xfrm>
+          <a:off x="128444" y="1117379"/>
+          <a:ext cx="120939" cy="453524"/>
+        </a:xfrm>
+        <a:custGeom>
+          <a:avLst/>
+          <a:gdLst/>
+          <a:ahLst/>
+          <a:cxnLst/>
+          <a:rect l="0" t="0" r="0" b="0"/>
+          <a:pathLst>
+            <a:path>
+              <a:moveTo>
+                <a:pt x="0" y="0"/>
+              </a:moveTo>
+              <a:lnTo>
+                <a:pt x="0" y="453524"/>
+              </a:lnTo>
+              <a:lnTo>
+                <a:pt x="120939" y="453524"/>
+              </a:lnTo>
+            </a:path>
+          </a:pathLst>
+        </a:custGeom>
+        <a:noFill/>
+        <a:ln w="25400" cap="flat" cmpd="sng" algn="ctr">
+          <a:solidFill>
+            <a:schemeClr val="accent2">
+              <a:shade val="60000"/>
+              <a:hueOff val="0"/>
+              <a:satOff val="0"/>
+              <a:lumOff val="0"/>
+              <a:alphaOff val="0"/>
+            </a:schemeClr>
+          </a:solidFill>
+          <a:prstDash val="solid"/>
+        </a:ln>
+        <a:effectLst/>
+        <a:scene3d>
+          <a:camera prst="orthographicFront"/>
+          <a:lightRig rig="flat" dir="t"/>
+        </a:scene3d>
+        <a:sp3d prstMaterial="matte"/>
+      </dsp:spPr>
+      <dsp:style>
+        <a:lnRef idx="2">
+          <a:scrgbClr r="0" g="0" b="0"/>
+        </a:lnRef>
+        <a:fillRef idx="0">
+          <a:scrgbClr r="0" g="0" b="0"/>
+        </a:fillRef>
+        <a:effectRef idx="0">
+          <a:scrgbClr r="0" g="0" b="0"/>
+        </a:effectRef>
+        <a:fontRef idx="minor"/>
+      </dsp:style>
+    </dsp:sp>
+    <dsp:sp modelId="{EFCA80F9-9EC3-4107-91F2-88A048BB0747}">
+      <dsp:nvSpPr>
+        <dsp:cNvPr id="0" name=""/>
+        <dsp:cNvSpPr/>
+      </dsp:nvSpPr>
+      <dsp:spPr>
+        <a:xfrm>
+          <a:off x="249384" y="1268554"/>
+          <a:ext cx="967518" cy="604699"/>
+        </a:xfrm>
+        <a:prstGeom prst="roundRect">
+          <a:avLst>
+            <a:gd name="adj" fmla="val 10000"/>
+          </a:avLst>
+        </a:prstGeom>
+        <a:solidFill>
+          <a:schemeClr val="accent2">
+            <a:alpha val="90000"/>
+            <a:tint val="40000"/>
+            <a:hueOff val="0"/>
+            <a:satOff val="0"/>
+            <a:lumOff val="0"/>
+            <a:alphaOff val="0"/>
+          </a:schemeClr>
+        </a:solidFill>
+        <a:ln w="9525" cap="flat" cmpd="sng" algn="ctr">
+          <a:solidFill>
+            <a:schemeClr val="accent2">
+              <a:hueOff val="0"/>
+              <a:satOff val="0"/>
+              <a:lumOff val="0"/>
+              <a:alphaOff val="0"/>
+            </a:schemeClr>
+          </a:solidFill>
+          <a:prstDash val="solid"/>
+        </a:ln>
+        <a:effectLst>
+          <a:outerShdw blurRad="40000" dist="23000" dir="5400000" rotWithShape="0">
+            <a:srgbClr val="000000">
+              <a:alpha val="35000"/>
+            </a:srgbClr>
+          </a:outerShdw>
+        </a:effectLst>
+        <a:scene3d>
+          <a:camera prst="orthographicFront"/>
+          <a:lightRig rig="flat" dir="t"/>
+        </a:scene3d>
+        <a:sp3d z="-190500" extrusionH="12700" prstMaterial="plastic">
+          <a:bevelT w="50800" h="50800"/>
+        </a:sp3d>
+      </dsp:spPr>
+      <dsp:style>
+        <a:lnRef idx="1">
+          <a:scrgbClr r="0" g="0" b="0"/>
+        </a:lnRef>
+        <a:fillRef idx="1">
+          <a:scrgbClr r="0" g="0" b="0"/>
+        </a:fillRef>
+        <a:effectRef idx="2">
+          <a:scrgbClr r="0" g="0" b="0"/>
+        </a:effectRef>
+        <a:fontRef idx="minor"/>
+      </dsp:style>
+      <dsp:txBody>
+        <a:bodyPr spcFirstLastPara="0" vert="horz" wrap="square" lIns="17145" tIns="11430" rIns="17145" bIns="11430" numCol="1" spcCol="1270" anchor="ctr" anchorCtr="0">
+          <a:noAutofit/>
+        </a:bodyPr>
+        <a:lstStyle/>
+        <a:p>
+          <a:pPr lvl="0" algn="ctr" defTabSz="400050">
+            <a:lnSpc>
+              <a:spcPct val="90000"/>
+            </a:lnSpc>
+            <a:spcBef>
+              <a:spcPct val="0"/>
+            </a:spcBef>
+            <a:spcAft>
+              <a:spcPct val="35000"/>
+            </a:spcAft>
+          </a:pPr>
+          <a:r>
+            <a:rPr lang="nb-NO" sz="900" kern="1200" dirty="0" smtClean="0"/>
+            <a:t>DI</a:t>
+          </a:r>
+          <a:endParaRPr lang="nb-NO" sz="900" kern="1200" dirty="0"/>
+        </a:p>
+      </dsp:txBody>
+      <dsp:txXfrm>
+        <a:off x="267095" y="1286265"/>
+        <a:ext cx="932096" cy="569277"/>
+      </dsp:txXfrm>
+    </dsp:sp>
+    <dsp:sp modelId="{54413D6B-0942-4186-A24C-277FFB9FEC60}">
+      <dsp:nvSpPr>
+        <dsp:cNvPr id="0" name=""/>
+        <dsp:cNvSpPr/>
+      </dsp:nvSpPr>
+      <dsp:spPr>
+        <a:xfrm>
+          <a:off x="128444" y="1117379"/>
+          <a:ext cx="120939" cy="1209398"/>
+        </a:xfrm>
+        <a:custGeom>
+          <a:avLst/>
+          <a:gdLst/>
+          <a:ahLst/>
+          <a:cxnLst/>
+          <a:rect l="0" t="0" r="0" b="0"/>
+          <a:pathLst>
+            <a:path>
+              <a:moveTo>
+                <a:pt x="0" y="0"/>
+              </a:moveTo>
+              <a:lnTo>
+                <a:pt x="0" y="1209398"/>
+              </a:lnTo>
+              <a:lnTo>
+                <a:pt x="120939" y="1209398"/>
+              </a:lnTo>
+            </a:path>
+          </a:pathLst>
+        </a:custGeom>
+        <a:noFill/>
+        <a:ln w="25400" cap="flat" cmpd="sng" algn="ctr">
+          <a:solidFill>
+            <a:schemeClr val="accent2">
+              <a:shade val="60000"/>
+              <a:hueOff val="0"/>
+              <a:satOff val="0"/>
+              <a:lumOff val="0"/>
+              <a:alphaOff val="0"/>
+            </a:schemeClr>
+          </a:solidFill>
+          <a:prstDash val="solid"/>
+        </a:ln>
+        <a:effectLst/>
+        <a:scene3d>
+          <a:camera prst="orthographicFront"/>
+          <a:lightRig rig="flat" dir="t"/>
+        </a:scene3d>
+        <a:sp3d prstMaterial="matte"/>
+      </dsp:spPr>
+      <dsp:style>
+        <a:lnRef idx="2">
+          <a:scrgbClr r="0" g="0" b="0"/>
+        </a:lnRef>
+        <a:fillRef idx="0">
+          <a:scrgbClr r="0" g="0" b="0"/>
+        </a:fillRef>
+        <a:effectRef idx="0">
+          <a:scrgbClr r="0" g="0" b="0"/>
+        </a:effectRef>
+        <a:fontRef idx="minor"/>
+      </dsp:style>
+    </dsp:sp>
+    <dsp:sp modelId="{9D50A5C4-5516-4E8D-BBBC-8C012A9EB9F8}">
+      <dsp:nvSpPr>
+        <dsp:cNvPr id="0" name=""/>
+        <dsp:cNvSpPr/>
+      </dsp:nvSpPr>
+      <dsp:spPr>
+        <a:xfrm>
+          <a:off x="249384" y="2024428"/>
+          <a:ext cx="967518" cy="604699"/>
+        </a:xfrm>
+        <a:prstGeom prst="roundRect">
+          <a:avLst>
+            <a:gd name="adj" fmla="val 10000"/>
+          </a:avLst>
+        </a:prstGeom>
+        <a:solidFill>
+          <a:schemeClr val="accent2">
+            <a:alpha val="90000"/>
+            <a:tint val="40000"/>
+            <a:hueOff val="0"/>
+            <a:satOff val="0"/>
+            <a:lumOff val="0"/>
+            <a:alphaOff val="0"/>
+          </a:schemeClr>
+        </a:solidFill>
+        <a:ln w="9525" cap="flat" cmpd="sng" algn="ctr">
+          <a:solidFill>
+            <a:schemeClr val="accent2">
+              <a:hueOff val="0"/>
+              <a:satOff val="0"/>
+              <a:lumOff val="0"/>
+              <a:alphaOff val="0"/>
+            </a:schemeClr>
+          </a:solidFill>
+          <a:prstDash val="solid"/>
+        </a:ln>
+        <a:effectLst>
+          <a:outerShdw blurRad="40000" dist="23000" dir="5400000" rotWithShape="0">
+            <a:srgbClr val="000000">
+              <a:alpha val="35000"/>
+            </a:srgbClr>
+          </a:outerShdw>
+        </a:effectLst>
+        <a:scene3d>
+          <a:camera prst="orthographicFront"/>
+          <a:lightRig rig="flat" dir="t"/>
+        </a:scene3d>
+        <a:sp3d z="-190500" extrusionH="12700" prstMaterial="plastic">
+          <a:bevelT w="50800" h="50800"/>
+        </a:sp3d>
+      </dsp:spPr>
+      <dsp:style>
+        <a:lnRef idx="1">
+          <a:scrgbClr r="0" g="0" b="0"/>
+        </a:lnRef>
+        <a:fillRef idx="1">
+          <a:scrgbClr r="0" g="0" b="0"/>
+        </a:fillRef>
+        <a:effectRef idx="2">
+          <a:scrgbClr r="0" g="0" b="0"/>
+        </a:effectRef>
+        <a:fontRef idx="minor"/>
+      </dsp:style>
+      <dsp:txBody>
+        <a:bodyPr spcFirstLastPara="0" vert="horz" wrap="square" lIns="17145" tIns="11430" rIns="17145" bIns="11430" numCol="1" spcCol="1270" anchor="ctr" anchorCtr="0">
+          <a:noAutofit/>
+        </a:bodyPr>
+        <a:lstStyle/>
+        <a:p>
+          <a:pPr lvl="0" algn="ctr" defTabSz="400050">
+            <a:lnSpc>
+              <a:spcPct val="90000"/>
+            </a:lnSpc>
+            <a:spcBef>
+              <a:spcPct val="0"/>
+            </a:spcBef>
+            <a:spcAft>
+              <a:spcPct val="35000"/>
+            </a:spcAft>
+          </a:pPr>
+          <a:r>
+            <a:rPr lang="nb-NO" sz="900" kern="1200" dirty="0" err="1" smtClean="0"/>
+            <a:t>Beans</a:t>
+          </a:r>
+          <a:endParaRPr lang="nb-NO" sz="900" kern="1200" dirty="0"/>
+        </a:p>
+      </dsp:txBody>
+      <dsp:txXfrm>
+        <a:off x="267095" y="2042139"/>
+        <a:ext cx="932096" cy="569277"/>
+      </dsp:txXfrm>
+    </dsp:sp>
+    <dsp:sp modelId="{248A0287-E3B5-43DA-A28F-20F100D230C3}">
+      <dsp:nvSpPr>
+        <dsp:cNvPr id="0" name=""/>
+        <dsp:cNvSpPr/>
+      </dsp:nvSpPr>
+      <dsp:spPr>
+        <a:xfrm>
+          <a:off x="128444" y="1117379"/>
+          <a:ext cx="120939" cy="1965272"/>
+        </a:xfrm>
+        <a:custGeom>
+          <a:avLst/>
+          <a:gdLst/>
+          <a:ahLst/>
+          <a:cxnLst/>
+          <a:rect l="0" t="0" r="0" b="0"/>
+          <a:pathLst>
+            <a:path>
+              <a:moveTo>
+                <a:pt x="0" y="0"/>
+              </a:moveTo>
+              <a:lnTo>
+                <a:pt x="0" y="1965272"/>
+              </a:lnTo>
+              <a:lnTo>
+                <a:pt x="120939" y="1965272"/>
+              </a:lnTo>
+            </a:path>
+          </a:pathLst>
+        </a:custGeom>
+        <a:noFill/>
+        <a:ln w="25400" cap="flat" cmpd="sng" algn="ctr">
+          <a:solidFill>
+            <a:schemeClr val="accent2">
+              <a:shade val="60000"/>
+              <a:hueOff val="0"/>
+              <a:satOff val="0"/>
+              <a:lumOff val="0"/>
+              <a:alphaOff val="0"/>
+            </a:schemeClr>
+          </a:solidFill>
+          <a:prstDash val="solid"/>
+        </a:ln>
+        <a:effectLst/>
+        <a:scene3d>
+          <a:camera prst="orthographicFront"/>
+          <a:lightRig rig="flat" dir="t"/>
+        </a:scene3d>
+        <a:sp3d prstMaterial="matte"/>
+      </dsp:spPr>
+      <dsp:style>
+        <a:lnRef idx="2">
+          <a:scrgbClr r="0" g="0" b="0"/>
+        </a:lnRef>
+        <a:fillRef idx="0">
+          <a:scrgbClr r="0" g="0" b="0"/>
+        </a:fillRef>
+        <a:effectRef idx="0">
+          <a:scrgbClr r="0" g="0" b="0"/>
+        </a:effectRef>
+        <a:fontRef idx="minor"/>
+      </dsp:style>
+    </dsp:sp>
+    <dsp:sp modelId="{B6494B0C-FDC5-4BB2-B794-BE68CABAA4ED}">
+      <dsp:nvSpPr>
+        <dsp:cNvPr id="0" name=""/>
+        <dsp:cNvSpPr/>
+      </dsp:nvSpPr>
+      <dsp:spPr>
+        <a:xfrm>
+          <a:off x="249384" y="2780302"/>
+          <a:ext cx="967518" cy="604699"/>
+        </a:xfrm>
+        <a:prstGeom prst="roundRect">
+          <a:avLst>
+            <a:gd name="adj" fmla="val 10000"/>
+          </a:avLst>
+        </a:prstGeom>
+        <a:solidFill>
+          <a:schemeClr val="accent2">
+            <a:alpha val="90000"/>
+            <a:tint val="40000"/>
+            <a:hueOff val="0"/>
+            <a:satOff val="0"/>
+            <a:lumOff val="0"/>
+            <a:alphaOff val="0"/>
+          </a:schemeClr>
+        </a:solidFill>
+        <a:ln w="9525" cap="flat" cmpd="sng" algn="ctr">
+          <a:solidFill>
+            <a:schemeClr val="accent2">
+              <a:hueOff val="0"/>
+              <a:satOff val="0"/>
+              <a:lumOff val="0"/>
+              <a:alphaOff val="0"/>
+            </a:schemeClr>
+          </a:solidFill>
+          <a:prstDash val="solid"/>
+        </a:ln>
+        <a:effectLst>
+          <a:outerShdw blurRad="40000" dist="23000" dir="5400000" rotWithShape="0">
+            <a:srgbClr val="000000">
+              <a:alpha val="35000"/>
+            </a:srgbClr>
+          </a:outerShdw>
+        </a:effectLst>
+        <a:scene3d>
+          <a:camera prst="orthographicFront"/>
+          <a:lightRig rig="flat" dir="t"/>
+        </a:scene3d>
+        <a:sp3d z="-190500" extrusionH="12700" prstMaterial="plastic">
+          <a:bevelT w="50800" h="50800"/>
+        </a:sp3d>
+      </dsp:spPr>
+      <dsp:style>
+        <a:lnRef idx="1">
+          <a:scrgbClr r="0" g="0" b="0"/>
+        </a:lnRef>
+        <a:fillRef idx="1">
+          <a:scrgbClr r="0" g="0" b="0"/>
+        </a:fillRef>
+        <a:effectRef idx="2">
+          <a:scrgbClr r="0" g="0" b="0"/>
+        </a:effectRef>
+        <a:fontRef idx="minor"/>
+      </dsp:style>
+      <dsp:txBody>
+        <a:bodyPr spcFirstLastPara="0" vert="horz" wrap="square" lIns="17145" tIns="11430" rIns="17145" bIns="11430" numCol="1" spcCol="1270" anchor="ctr" anchorCtr="0">
+          <a:noAutofit/>
+        </a:bodyPr>
+        <a:lstStyle/>
+        <a:p>
+          <a:pPr lvl="0" algn="ctr" defTabSz="400050">
+            <a:lnSpc>
+              <a:spcPct val="90000"/>
+            </a:lnSpc>
+            <a:spcBef>
+              <a:spcPct val="0"/>
+            </a:spcBef>
+            <a:spcAft>
+              <a:spcPct val="35000"/>
+            </a:spcAft>
+          </a:pPr>
+          <a:r>
+            <a:rPr lang="nb-NO" sz="900" kern="1200" dirty="0" err="1" smtClean="0"/>
+            <a:t>Context</a:t>
+          </a:r>
+          <a:endParaRPr lang="nb-NO" sz="900" kern="1200" dirty="0"/>
+        </a:p>
+      </dsp:txBody>
+      <dsp:txXfrm>
+        <a:off x="267095" y="2798013"/>
+        <a:ext cx="932096" cy="569277"/>
+      </dsp:txXfrm>
+    </dsp:sp>
+    <dsp:sp modelId="{D75867BA-0FDC-43C2-AF78-A84DE25146B6}">
+      <dsp:nvSpPr>
+        <dsp:cNvPr id="0" name=""/>
+        <dsp:cNvSpPr/>
+      </dsp:nvSpPr>
+      <dsp:spPr>
+        <a:xfrm>
+          <a:off x="128444" y="1117379"/>
+          <a:ext cx="120939" cy="2721146"/>
+        </a:xfrm>
+        <a:custGeom>
+          <a:avLst/>
+          <a:gdLst/>
+          <a:ahLst/>
+          <a:cxnLst/>
+          <a:rect l="0" t="0" r="0" b="0"/>
+          <a:pathLst>
+            <a:path>
+              <a:moveTo>
+                <a:pt x="0" y="0"/>
+              </a:moveTo>
+              <a:lnTo>
+                <a:pt x="0" y="2721146"/>
+              </a:lnTo>
+              <a:lnTo>
+                <a:pt x="120939" y="2721146"/>
+              </a:lnTo>
+            </a:path>
+          </a:pathLst>
+        </a:custGeom>
+        <a:noFill/>
+        <a:ln w="25400" cap="flat" cmpd="sng" algn="ctr">
+          <a:solidFill>
+            <a:schemeClr val="accent2">
+              <a:shade val="60000"/>
+              <a:hueOff val="0"/>
+              <a:satOff val="0"/>
+              <a:lumOff val="0"/>
+              <a:alphaOff val="0"/>
+            </a:schemeClr>
+          </a:solidFill>
+          <a:prstDash val="solid"/>
+        </a:ln>
+        <a:effectLst/>
+        <a:scene3d>
+          <a:camera prst="orthographicFront"/>
+          <a:lightRig rig="flat" dir="t"/>
+        </a:scene3d>
+        <a:sp3d prstMaterial="matte"/>
+      </dsp:spPr>
+      <dsp:style>
+        <a:lnRef idx="2">
+          <a:scrgbClr r="0" g="0" b="0"/>
+        </a:lnRef>
+        <a:fillRef idx="0">
+          <a:scrgbClr r="0" g="0" b="0"/>
+        </a:fillRef>
+        <a:effectRef idx="0">
+          <a:scrgbClr r="0" g="0" b="0"/>
+        </a:effectRef>
+        <a:fontRef idx="minor"/>
+      </dsp:style>
+    </dsp:sp>
+    <dsp:sp modelId="{7198E8F6-51EB-4808-A156-D53DB93A0993}">
+      <dsp:nvSpPr>
+        <dsp:cNvPr id="0" name=""/>
+        <dsp:cNvSpPr/>
+      </dsp:nvSpPr>
+      <dsp:spPr>
+        <a:xfrm>
+          <a:off x="249384" y="3536176"/>
+          <a:ext cx="967518" cy="604699"/>
+        </a:xfrm>
+        <a:prstGeom prst="roundRect">
+          <a:avLst>
+            <a:gd name="adj" fmla="val 10000"/>
+          </a:avLst>
+        </a:prstGeom>
+        <a:solidFill>
+          <a:schemeClr val="accent2">
+            <a:alpha val="90000"/>
+            <a:tint val="40000"/>
+            <a:hueOff val="0"/>
+            <a:satOff val="0"/>
+            <a:lumOff val="0"/>
+            <a:alphaOff val="0"/>
+          </a:schemeClr>
+        </a:solidFill>
+        <a:ln w="9525" cap="flat" cmpd="sng" algn="ctr">
+          <a:solidFill>
+            <a:schemeClr val="accent2">
+              <a:hueOff val="0"/>
+              <a:satOff val="0"/>
+              <a:lumOff val="0"/>
+              <a:alphaOff val="0"/>
+            </a:schemeClr>
+          </a:solidFill>
+          <a:prstDash val="solid"/>
+        </a:ln>
+        <a:effectLst>
+          <a:outerShdw blurRad="40000" dist="23000" dir="5400000" rotWithShape="0">
+            <a:srgbClr val="000000">
+              <a:alpha val="35000"/>
+            </a:srgbClr>
+          </a:outerShdw>
+        </a:effectLst>
+        <a:scene3d>
+          <a:camera prst="orthographicFront"/>
+          <a:lightRig rig="flat" dir="t"/>
+        </a:scene3d>
+        <a:sp3d z="-190500" extrusionH="12700" prstMaterial="plastic">
+          <a:bevelT w="50800" h="50800"/>
+        </a:sp3d>
+      </dsp:spPr>
+      <dsp:style>
+        <a:lnRef idx="1">
+          <a:scrgbClr r="0" g="0" b="0"/>
+        </a:lnRef>
+        <a:fillRef idx="1">
+          <a:scrgbClr r="0" g="0" b="0"/>
+        </a:fillRef>
+        <a:effectRef idx="2">
+          <a:scrgbClr r="0" g="0" b="0"/>
+        </a:effectRef>
+        <a:fontRef idx="minor"/>
+      </dsp:style>
+      <dsp:txBody>
+        <a:bodyPr spcFirstLastPara="0" vert="horz" wrap="square" lIns="17145" tIns="11430" rIns="17145" bIns="11430" numCol="1" spcCol="1270" anchor="ctr" anchorCtr="0">
+          <a:noAutofit/>
+        </a:bodyPr>
+        <a:lstStyle/>
+        <a:p>
+          <a:pPr lvl="0" algn="ctr" defTabSz="400050">
+            <a:lnSpc>
+              <a:spcPct val="90000"/>
+            </a:lnSpc>
+            <a:spcBef>
+              <a:spcPct val="0"/>
+            </a:spcBef>
+            <a:spcAft>
+              <a:spcPct val="35000"/>
+            </a:spcAft>
+          </a:pPr>
+          <a:r>
+            <a:rPr lang="nb-NO" sz="900" kern="1200" dirty="0" err="1" smtClean="0"/>
+            <a:t>SpEL</a:t>
+          </a:r>
+          <a:endParaRPr lang="nb-NO" sz="900" kern="1200" dirty="0"/>
+        </a:p>
+      </dsp:txBody>
+      <dsp:txXfrm>
+        <a:off x="267095" y="3553887"/>
+        <a:ext cx="932096" cy="569277"/>
+      </dsp:txXfrm>
+    </dsp:sp>
+    <dsp:sp modelId="{474D7F36-DA73-4DE0-904F-DB64106F087F}">
+      <dsp:nvSpPr>
+        <dsp:cNvPr id="0" name=""/>
+        <dsp:cNvSpPr/>
+      </dsp:nvSpPr>
+      <dsp:spPr>
+        <a:xfrm>
+          <a:off x="1519253" y="512680"/>
+          <a:ext cx="1209398" cy="604699"/>
+        </a:xfrm>
+        <a:prstGeom prst="roundRect">
+          <a:avLst>
+            <a:gd name="adj" fmla="val 10000"/>
+          </a:avLst>
+        </a:prstGeom>
+        <a:gradFill rotWithShape="0">
+          <a:gsLst>
+            <a:gs pos="0">
+              <a:schemeClr val="lt1">
+                <a:hueOff val="0"/>
+                <a:satOff val="0"/>
+                <a:lumOff val="0"/>
+                <a:alphaOff val="0"/>
+                <a:shade val="51000"/>
+                <a:satMod val="130000"/>
+              </a:schemeClr>
+            </a:gs>
+            <a:gs pos="80000">
+              <a:schemeClr val="lt1">
+                <a:hueOff val="0"/>
+                <a:satOff val="0"/>
+                <a:lumOff val="0"/>
+                <a:alphaOff val="0"/>
+                <a:shade val="93000"/>
+                <a:satMod val="130000"/>
+              </a:schemeClr>
+            </a:gs>
+            <a:gs pos="100000">
+              <a:schemeClr val="lt1">
+                <a:hueOff val="0"/>
+                <a:satOff val="0"/>
+                <a:lumOff val="0"/>
+                <a:alphaOff val="0"/>
+                <a:shade val="94000"/>
+                <a:satMod val="135000"/>
+              </a:schemeClr>
+            </a:gs>
+          </a:gsLst>
+          <a:lin ang="16200000" scaled="0"/>
+        </a:gradFill>
+        <a:ln>
+          <a:noFill/>
+        </a:ln>
+        <a:effectLst>
+          <a:outerShdw blurRad="40000" dist="23000" dir="5400000" rotWithShape="0">
+            <a:srgbClr val="000000">
+              <a:alpha val="35000"/>
+            </a:srgbClr>
+          </a:outerShdw>
+        </a:effectLst>
+        <a:scene3d>
+          <a:camera prst="orthographicFront"/>
+          <a:lightRig rig="flat" dir="t"/>
+        </a:scene3d>
+        <a:sp3d prstMaterial="plastic">
+          <a:bevelT w="120900" h="88900"/>
+          <a:bevelB w="88900" h="31750" prst="angle"/>
+        </a:sp3d>
+      </dsp:spPr>
+      <dsp:style>
+        <a:lnRef idx="0">
+          <a:scrgbClr r="0" g="0" b="0"/>
+        </a:lnRef>
+        <a:fillRef idx="3">
+          <a:scrgbClr r="0" g="0" b="0"/>
+        </a:fillRef>
+        <a:effectRef idx="2">
+          <a:scrgbClr r="0" g="0" b="0"/>
+        </a:effectRef>
+        <a:fontRef idx="minor">
+          <a:schemeClr val="lt1"/>
+        </a:fontRef>
+      </dsp:style>
+      <dsp:txBody>
+        <a:bodyPr spcFirstLastPara="0" vert="horz" wrap="square" lIns="26670" tIns="17780" rIns="26670" bIns="17780" numCol="1" spcCol="1270" anchor="ctr" anchorCtr="0">
+          <a:noAutofit/>
+        </a:bodyPr>
+        <a:lstStyle/>
+        <a:p>
+          <a:pPr lvl="0" algn="ctr" defTabSz="622300">
+            <a:lnSpc>
+              <a:spcPct val="90000"/>
+            </a:lnSpc>
+            <a:spcBef>
+              <a:spcPct val="0"/>
+            </a:spcBef>
+            <a:spcAft>
+              <a:spcPct val="35000"/>
+            </a:spcAft>
+          </a:pPr>
+          <a:r>
+            <a:rPr lang="nb-NO" sz="1400" kern="1200" dirty="0" smtClean="0"/>
+            <a:t>Data Access / </a:t>
+          </a:r>
+          <a:r>
+            <a:rPr lang="nb-NO" sz="1400" kern="1200" dirty="0" err="1" smtClean="0"/>
+            <a:t>Integration</a:t>
+          </a:r>
+          <a:endParaRPr lang="nb-NO" sz="1400" kern="1200" dirty="0"/>
+        </a:p>
+      </dsp:txBody>
+      <dsp:txXfrm>
+        <a:off x="1536964" y="530391"/>
+        <a:ext cx="1173976" cy="569277"/>
+      </dsp:txXfrm>
+    </dsp:sp>
+    <dsp:sp modelId="{6DF814D5-E4A8-4CEA-832E-47B063D273C8}">
+      <dsp:nvSpPr>
+        <dsp:cNvPr id="0" name=""/>
+        <dsp:cNvSpPr/>
+      </dsp:nvSpPr>
+      <dsp:spPr>
+        <a:xfrm>
+          <a:off x="1640193" y="1117379"/>
+          <a:ext cx="120939" cy="453524"/>
+        </a:xfrm>
+        <a:custGeom>
+          <a:avLst/>
+          <a:gdLst/>
+          <a:ahLst/>
+          <a:cxnLst/>
+          <a:rect l="0" t="0" r="0" b="0"/>
+          <a:pathLst>
+            <a:path>
+              <a:moveTo>
+                <a:pt x="0" y="0"/>
+              </a:moveTo>
+              <a:lnTo>
+                <a:pt x="0" y="453524"/>
+              </a:lnTo>
+              <a:lnTo>
+                <a:pt x="120939" y="453524"/>
+              </a:lnTo>
+            </a:path>
+          </a:pathLst>
+        </a:custGeom>
+        <a:noFill/>
+        <a:ln w="25400" cap="flat" cmpd="sng" algn="ctr">
+          <a:solidFill>
+            <a:schemeClr val="accent2">
+              <a:shade val="60000"/>
+              <a:hueOff val="0"/>
+              <a:satOff val="0"/>
+              <a:lumOff val="0"/>
+              <a:alphaOff val="0"/>
+            </a:schemeClr>
+          </a:solidFill>
+          <a:prstDash val="solid"/>
+        </a:ln>
+        <a:effectLst/>
+        <a:scene3d>
+          <a:camera prst="orthographicFront"/>
+          <a:lightRig rig="flat" dir="t"/>
+        </a:scene3d>
+        <a:sp3d prstMaterial="matte"/>
+      </dsp:spPr>
+      <dsp:style>
+        <a:lnRef idx="2">
+          <a:scrgbClr r="0" g="0" b="0"/>
+        </a:lnRef>
+        <a:fillRef idx="0">
+          <a:scrgbClr r="0" g="0" b="0"/>
+        </a:fillRef>
+        <a:effectRef idx="0">
+          <a:scrgbClr r="0" g="0" b="0"/>
+        </a:effectRef>
+        <a:fontRef idx="minor"/>
+      </dsp:style>
+    </dsp:sp>
+    <dsp:sp modelId="{C7DE9EBD-DF87-48EA-93B6-EB15B235BFBF}">
+      <dsp:nvSpPr>
+        <dsp:cNvPr id="0" name=""/>
+        <dsp:cNvSpPr/>
+      </dsp:nvSpPr>
+      <dsp:spPr>
+        <a:xfrm>
+          <a:off x="1761133" y="1268554"/>
+          <a:ext cx="967518" cy="604699"/>
+        </a:xfrm>
+        <a:prstGeom prst="roundRect">
+          <a:avLst>
+            <a:gd name="adj" fmla="val 10000"/>
+          </a:avLst>
+        </a:prstGeom>
+        <a:solidFill>
+          <a:schemeClr val="accent2">
+            <a:alpha val="90000"/>
+            <a:tint val="40000"/>
+            <a:hueOff val="0"/>
+            <a:satOff val="0"/>
+            <a:lumOff val="0"/>
+            <a:alphaOff val="0"/>
+          </a:schemeClr>
+        </a:solidFill>
+        <a:ln w="9525" cap="flat" cmpd="sng" algn="ctr">
+          <a:solidFill>
+            <a:schemeClr val="accent2">
+              <a:hueOff val="0"/>
+              <a:satOff val="0"/>
+              <a:lumOff val="0"/>
+              <a:alphaOff val="0"/>
+            </a:schemeClr>
+          </a:solidFill>
+          <a:prstDash val="solid"/>
+        </a:ln>
+        <a:effectLst>
+          <a:outerShdw blurRad="40000" dist="23000" dir="5400000" rotWithShape="0">
+            <a:srgbClr val="000000">
+              <a:alpha val="35000"/>
+            </a:srgbClr>
+          </a:outerShdw>
+        </a:effectLst>
+        <a:scene3d>
+          <a:camera prst="orthographicFront"/>
+          <a:lightRig rig="flat" dir="t"/>
+        </a:scene3d>
+        <a:sp3d z="-190500" extrusionH="12700" prstMaterial="plastic">
+          <a:bevelT w="50800" h="50800"/>
+        </a:sp3d>
+      </dsp:spPr>
+      <dsp:style>
+        <a:lnRef idx="1">
+          <a:scrgbClr r="0" g="0" b="0"/>
+        </a:lnRef>
+        <a:fillRef idx="1">
+          <a:scrgbClr r="0" g="0" b="0"/>
+        </a:fillRef>
+        <a:effectRef idx="2">
+          <a:scrgbClr r="0" g="0" b="0"/>
+        </a:effectRef>
+        <a:fontRef idx="minor"/>
+      </dsp:style>
+      <dsp:txBody>
+        <a:bodyPr spcFirstLastPara="0" vert="horz" wrap="square" lIns="17145" tIns="11430" rIns="17145" bIns="11430" numCol="1" spcCol="1270" anchor="ctr" anchorCtr="0">
+          <a:noAutofit/>
+        </a:bodyPr>
+        <a:lstStyle/>
+        <a:p>
+          <a:pPr lvl="0" algn="ctr" defTabSz="400050">
+            <a:lnSpc>
+              <a:spcPct val="90000"/>
+            </a:lnSpc>
+            <a:spcBef>
+              <a:spcPct val="0"/>
+            </a:spcBef>
+            <a:spcAft>
+              <a:spcPct val="35000"/>
+            </a:spcAft>
+          </a:pPr>
+          <a:r>
+            <a:rPr lang="nb-NO" sz="900" kern="1200" dirty="0" smtClean="0"/>
+            <a:t>JDBC</a:t>
+          </a:r>
+          <a:endParaRPr lang="nb-NO" sz="900" kern="1200" dirty="0"/>
+        </a:p>
+      </dsp:txBody>
+      <dsp:txXfrm>
+        <a:off x="1778844" y="1286265"/>
+        <a:ext cx="932096" cy="569277"/>
+      </dsp:txXfrm>
+    </dsp:sp>
+    <dsp:sp modelId="{EAD227F3-C11A-4D96-B8D0-E8059B91A380}">
+      <dsp:nvSpPr>
+        <dsp:cNvPr id="0" name=""/>
+        <dsp:cNvSpPr/>
+      </dsp:nvSpPr>
+      <dsp:spPr>
+        <a:xfrm>
+          <a:off x="1640193" y="1117379"/>
+          <a:ext cx="120939" cy="1209398"/>
+        </a:xfrm>
+        <a:custGeom>
+          <a:avLst/>
+          <a:gdLst/>
+          <a:ahLst/>
+          <a:cxnLst/>
+          <a:rect l="0" t="0" r="0" b="0"/>
+          <a:pathLst>
+            <a:path>
+              <a:moveTo>
+                <a:pt x="0" y="0"/>
+              </a:moveTo>
+              <a:lnTo>
+                <a:pt x="0" y="1209398"/>
+              </a:lnTo>
+              <a:lnTo>
+                <a:pt x="120939" y="1209398"/>
+              </a:lnTo>
+            </a:path>
+          </a:pathLst>
+        </a:custGeom>
+        <a:noFill/>
+        <a:ln w="25400" cap="flat" cmpd="sng" algn="ctr">
+          <a:solidFill>
+            <a:schemeClr val="accent2">
+              <a:shade val="60000"/>
+              <a:hueOff val="0"/>
+              <a:satOff val="0"/>
+              <a:lumOff val="0"/>
+              <a:alphaOff val="0"/>
+            </a:schemeClr>
+          </a:solidFill>
+          <a:prstDash val="solid"/>
+        </a:ln>
+        <a:effectLst/>
+        <a:scene3d>
+          <a:camera prst="orthographicFront"/>
+          <a:lightRig rig="flat" dir="t"/>
+        </a:scene3d>
+        <a:sp3d prstMaterial="matte"/>
+      </dsp:spPr>
+      <dsp:style>
+        <a:lnRef idx="2">
+          <a:scrgbClr r="0" g="0" b="0"/>
+        </a:lnRef>
+        <a:fillRef idx="0">
+          <a:scrgbClr r="0" g="0" b="0"/>
+        </a:fillRef>
+        <a:effectRef idx="0">
+          <a:scrgbClr r="0" g="0" b="0"/>
+        </a:effectRef>
+        <a:fontRef idx="minor"/>
+      </dsp:style>
+    </dsp:sp>
+    <dsp:sp modelId="{464029FD-26BC-486E-8D6C-5E6A1FF0F34F}">
+      <dsp:nvSpPr>
+        <dsp:cNvPr id="0" name=""/>
+        <dsp:cNvSpPr/>
+      </dsp:nvSpPr>
+      <dsp:spPr>
+        <a:xfrm>
+          <a:off x="1761133" y="2024428"/>
+          <a:ext cx="967518" cy="604699"/>
+        </a:xfrm>
+        <a:prstGeom prst="roundRect">
+          <a:avLst>
+            <a:gd name="adj" fmla="val 10000"/>
+          </a:avLst>
+        </a:prstGeom>
+        <a:solidFill>
+          <a:schemeClr val="accent2">
+            <a:alpha val="90000"/>
+            <a:tint val="40000"/>
+            <a:hueOff val="0"/>
+            <a:satOff val="0"/>
+            <a:lumOff val="0"/>
+            <a:alphaOff val="0"/>
+          </a:schemeClr>
+        </a:solidFill>
+        <a:ln w="9525" cap="flat" cmpd="sng" algn="ctr">
+          <a:solidFill>
+            <a:schemeClr val="accent2">
+              <a:hueOff val="0"/>
+              <a:satOff val="0"/>
+              <a:lumOff val="0"/>
+              <a:alphaOff val="0"/>
+            </a:schemeClr>
+          </a:solidFill>
+          <a:prstDash val="solid"/>
+        </a:ln>
+        <a:effectLst>
+          <a:outerShdw blurRad="40000" dist="23000" dir="5400000" rotWithShape="0">
+            <a:srgbClr val="000000">
+              <a:alpha val="35000"/>
+            </a:srgbClr>
+          </a:outerShdw>
+        </a:effectLst>
+        <a:scene3d>
+          <a:camera prst="orthographicFront"/>
+          <a:lightRig rig="flat" dir="t"/>
+        </a:scene3d>
+        <a:sp3d z="-190500" extrusionH="12700" prstMaterial="plastic">
+          <a:bevelT w="50800" h="50800"/>
+        </a:sp3d>
+      </dsp:spPr>
+      <dsp:style>
+        <a:lnRef idx="1">
+          <a:scrgbClr r="0" g="0" b="0"/>
+        </a:lnRef>
+        <a:fillRef idx="1">
+          <a:scrgbClr r="0" g="0" b="0"/>
+        </a:fillRef>
+        <a:effectRef idx="2">
+          <a:scrgbClr r="0" g="0" b="0"/>
+        </a:effectRef>
+        <a:fontRef idx="minor"/>
+      </dsp:style>
+      <dsp:txBody>
+        <a:bodyPr spcFirstLastPara="0" vert="horz" wrap="square" lIns="17145" tIns="11430" rIns="17145" bIns="11430" numCol="1" spcCol="1270" anchor="ctr" anchorCtr="0">
+          <a:noAutofit/>
+        </a:bodyPr>
+        <a:lstStyle/>
+        <a:p>
+          <a:pPr lvl="0" algn="ctr" defTabSz="400050">
+            <a:lnSpc>
+              <a:spcPct val="90000"/>
+            </a:lnSpc>
+            <a:spcBef>
+              <a:spcPct val="0"/>
+            </a:spcBef>
+            <a:spcAft>
+              <a:spcPct val="35000"/>
+            </a:spcAft>
+          </a:pPr>
+          <a:r>
+            <a:rPr lang="nb-NO" sz="900" kern="1200" dirty="0" smtClean="0"/>
+            <a:t>ORM</a:t>
+          </a:r>
+          <a:endParaRPr lang="nb-NO" sz="900" kern="1200" dirty="0"/>
+        </a:p>
+      </dsp:txBody>
+      <dsp:txXfrm>
+        <a:off x="1778844" y="2042139"/>
+        <a:ext cx="932096" cy="569277"/>
+      </dsp:txXfrm>
+    </dsp:sp>
+    <dsp:sp modelId="{1CCD8AF6-6511-4098-AEC5-1C15416280C9}">
+      <dsp:nvSpPr>
+        <dsp:cNvPr id="0" name=""/>
+        <dsp:cNvSpPr/>
+      </dsp:nvSpPr>
+      <dsp:spPr>
+        <a:xfrm>
+          <a:off x="1640193" y="1117379"/>
+          <a:ext cx="120939" cy="1965272"/>
+        </a:xfrm>
+        <a:custGeom>
+          <a:avLst/>
+          <a:gdLst/>
+          <a:ahLst/>
+          <a:cxnLst/>
+          <a:rect l="0" t="0" r="0" b="0"/>
+          <a:pathLst>
+            <a:path>
+              <a:moveTo>
+                <a:pt x="0" y="0"/>
+              </a:moveTo>
+              <a:lnTo>
+                <a:pt x="0" y="1965272"/>
+              </a:lnTo>
+              <a:lnTo>
+                <a:pt x="120939" y="1965272"/>
+              </a:lnTo>
+            </a:path>
+          </a:pathLst>
+        </a:custGeom>
+        <a:noFill/>
+        <a:ln w="25400" cap="flat" cmpd="sng" algn="ctr">
+          <a:solidFill>
+            <a:schemeClr val="accent2">
+              <a:shade val="60000"/>
+              <a:hueOff val="0"/>
+              <a:satOff val="0"/>
+              <a:lumOff val="0"/>
+              <a:alphaOff val="0"/>
+            </a:schemeClr>
+          </a:solidFill>
+          <a:prstDash val="solid"/>
+        </a:ln>
+        <a:effectLst/>
+        <a:scene3d>
+          <a:camera prst="orthographicFront"/>
+          <a:lightRig rig="flat" dir="t"/>
+        </a:scene3d>
+        <a:sp3d prstMaterial="matte"/>
+      </dsp:spPr>
+      <dsp:style>
+        <a:lnRef idx="2">
+          <a:scrgbClr r="0" g="0" b="0"/>
+        </a:lnRef>
+        <a:fillRef idx="0">
+          <a:scrgbClr r="0" g="0" b="0"/>
+        </a:fillRef>
+        <a:effectRef idx="0">
+          <a:scrgbClr r="0" g="0" b="0"/>
+        </a:effectRef>
+        <a:fontRef idx="minor"/>
+      </dsp:style>
+    </dsp:sp>
+    <dsp:sp modelId="{7065F44B-21C9-487F-AA37-D754F3FA90DB}">
+      <dsp:nvSpPr>
+        <dsp:cNvPr id="0" name=""/>
+        <dsp:cNvSpPr/>
+      </dsp:nvSpPr>
+      <dsp:spPr>
+        <a:xfrm>
+          <a:off x="1761133" y="2780302"/>
+          <a:ext cx="967518" cy="604699"/>
+        </a:xfrm>
+        <a:prstGeom prst="roundRect">
+          <a:avLst>
+            <a:gd name="adj" fmla="val 10000"/>
+          </a:avLst>
+        </a:prstGeom>
+        <a:solidFill>
+          <a:schemeClr val="accent2">
+            <a:alpha val="90000"/>
+            <a:tint val="40000"/>
+            <a:hueOff val="0"/>
+            <a:satOff val="0"/>
+            <a:lumOff val="0"/>
+            <a:alphaOff val="0"/>
+          </a:schemeClr>
+        </a:solidFill>
+        <a:ln w="9525" cap="flat" cmpd="sng" algn="ctr">
+          <a:solidFill>
+            <a:schemeClr val="accent2">
+              <a:hueOff val="0"/>
+              <a:satOff val="0"/>
+              <a:lumOff val="0"/>
+              <a:alphaOff val="0"/>
+            </a:schemeClr>
+          </a:solidFill>
+          <a:prstDash val="solid"/>
+        </a:ln>
+        <a:effectLst>
+          <a:outerShdw blurRad="40000" dist="23000" dir="5400000" rotWithShape="0">
+            <a:srgbClr val="000000">
+              <a:alpha val="35000"/>
+            </a:srgbClr>
+          </a:outerShdw>
+        </a:effectLst>
+        <a:scene3d>
+          <a:camera prst="orthographicFront"/>
+          <a:lightRig rig="flat" dir="t"/>
+        </a:scene3d>
+        <a:sp3d z="-190500" extrusionH="12700" prstMaterial="plastic">
+          <a:bevelT w="50800" h="50800"/>
+        </a:sp3d>
+      </dsp:spPr>
+      <dsp:style>
+        <a:lnRef idx="1">
+          <a:scrgbClr r="0" g="0" b="0"/>
+        </a:lnRef>
+        <a:fillRef idx="1">
+          <a:scrgbClr r="0" g="0" b="0"/>
+        </a:fillRef>
+        <a:effectRef idx="2">
+          <a:scrgbClr r="0" g="0" b="0"/>
+        </a:effectRef>
+        <a:fontRef idx="minor"/>
+      </dsp:style>
+      <dsp:txBody>
+        <a:bodyPr spcFirstLastPara="0" vert="horz" wrap="square" lIns="17145" tIns="11430" rIns="17145" bIns="11430" numCol="1" spcCol="1270" anchor="ctr" anchorCtr="0">
+          <a:noAutofit/>
+        </a:bodyPr>
+        <a:lstStyle/>
+        <a:p>
+          <a:pPr lvl="0" algn="ctr" defTabSz="400050">
+            <a:lnSpc>
+              <a:spcPct val="90000"/>
+            </a:lnSpc>
+            <a:spcBef>
+              <a:spcPct val="0"/>
+            </a:spcBef>
+            <a:spcAft>
+              <a:spcPct val="35000"/>
+            </a:spcAft>
+          </a:pPr>
+          <a:r>
+            <a:rPr lang="nb-NO" sz="900" kern="1200" dirty="0" smtClean="0"/>
+            <a:t>TX</a:t>
+          </a:r>
+          <a:endParaRPr lang="nb-NO" sz="900" kern="1200" dirty="0"/>
+        </a:p>
+      </dsp:txBody>
+      <dsp:txXfrm>
+        <a:off x="1778844" y="2798013"/>
+        <a:ext cx="932096" cy="569277"/>
+      </dsp:txXfrm>
+    </dsp:sp>
+    <dsp:sp modelId="{D1DCFDDC-1903-4091-B079-7E90C6B98CD7}">
+      <dsp:nvSpPr>
+        <dsp:cNvPr id="0" name=""/>
+        <dsp:cNvSpPr/>
+      </dsp:nvSpPr>
+      <dsp:spPr>
+        <a:xfrm>
+          <a:off x="1640193" y="1117379"/>
+          <a:ext cx="120939" cy="2721146"/>
+        </a:xfrm>
+        <a:custGeom>
+          <a:avLst/>
+          <a:gdLst/>
+          <a:ahLst/>
+          <a:cxnLst/>
+          <a:rect l="0" t="0" r="0" b="0"/>
+          <a:pathLst>
+            <a:path>
+              <a:moveTo>
+                <a:pt x="0" y="0"/>
+              </a:moveTo>
+              <a:lnTo>
+                <a:pt x="0" y="2721146"/>
+              </a:lnTo>
+              <a:lnTo>
+                <a:pt x="120939" y="2721146"/>
+              </a:lnTo>
+            </a:path>
+          </a:pathLst>
+        </a:custGeom>
+        <a:noFill/>
+        <a:ln w="25400" cap="flat" cmpd="sng" algn="ctr">
+          <a:solidFill>
+            <a:schemeClr val="accent2">
+              <a:shade val="60000"/>
+              <a:hueOff val="0"/>
+              <a:satOff val="0"/>
+              <a:lumOff val="0"/>
+              <a:alphaOff val="0"/>
+            </a:schemeClr>
+          </a:solidFill>
+          <a:prstDash val="solid"/>
+        </a:ln>
+        <a:effectLst/>
+        <a:scene3d>
+          <a:camera prst="orthographicFront"/>
+          <a:lightRig rig="flat" dir="t"/>
+        </a:scene3d>
+        <a:sp3d prstMaterial="matte"/>
+      </dsp:spPr>
+      <dsp:style>
+        <a:lnRef idx="2">
+          <a:scrgbClr r="0" g="0" b="0"/>
+        </a:lnRef>
+        <a:fillRef idx="0">
+          <a:scrgbClr r="0" g="0" b="0"/>
+        </a:fillRef>
+        <a:effectRef idx="0">
+          <a:scrgbClr r="0" g="0" b="0"/>
+        </a:effectRef>
+        <a:fontRef idx="minor"/>
+      </dsp:style>
+    </dsp:sp>
+    <dsp:sp modelId="{EACEC716-9394-4F65-81F4-5AABDF5ED346}">
+      <dsp:nvSpPr>
+        <dsp:cNvPr id="0" name=""/>
+        <dsp:cNvSpPr/>
+      </dsp:nvSpPr>
+      <dsp:spPr>
+        <a:xfrm>
+          <a:off x="1761133" y="3536176"/>
+          <a:ext cx="967518" cy="604699"/>
+        </a:xfrm>
+        <a:prstGeom prst="roundRect">
+          <a:avLst>
+            <a:gd name="adj" fmla="val 10000"/>
+          </a:avLst>
+        </a:prstGeom>
+        <a:solidFill>
+          <a:schemeClr val="accent2">
+            <a:alpha val="90000"/>
+            <a:tint val="40000"/>
+            <a:hueOff val="0"/>
+            <a:satOff val="0"/>
+            <a:lumOff val="0"/>
+            <a:alphaOff val="0"/>
+          </a:schemeClr>
+        </a:solidFill>
+        <a:ln w="9525" cap="flat" cmpd="sng" algn="ctr">
+          <a:solidFill>
+            <a:schemeClr val="accent2">
+              <a:hueOff val="0"/>
+              <a:satOff val="0"/>
+              <a:lumOff val="0"/>
+              <a:alphaOff val="0"/>
+            </a:schemeClr>
+          </a:solidFill>
+          <a:prstDash val="solid"/>
+        </a:ln>
+        <a:effectLst>
+          <a:outerShdw blurRad="40000" dist="23000" dir="5400000" rotWithShape="0">
+            <a:srgbClr val="000000">
+              <a:alpha val="35000"/>
+            </a:srgbClr>
+          </a:outerShdw>
+        </a:effectLst>
+        <a:scene3d>
+          <a:camera prst="orthographicFront"/>
+          <a:lightRig rig="flat" dir="t"/>
+        </a:scene3d>
+        <a:sp3d z="-190500" extrusionH="12700" prstMaterial="plastic">
+          <a:bevelT w="50800" h="50800"/>
+        </a:sp3d>
+      </dsp:spPr>
+      <dsp:style>
+        <a:lnRef idx="1">
+          <a:scrgbClr r="0" g="0" b="0"/>
+        </a:lnRef>
+        <a:fillRef idx="1">
+          <a:scrgbClr r="0" g="0" b="0"/>
+        </a:fillRef>
+        <a:effectRef idx="2">
+          <a:scrgbClr r="0" g="0" b="0"/>
+        </a:effectRef>
+        <a:fontRef idx="minor"/>
+      </dsp:style>
+      <dsp:txBody>
+        <a:bodyPr spcFirstLastPara="0" vert="horz" wrap="square" lIns="17145" tIns="11430" rIns="17145" bIns="11430" numCol="1" spcCol="1270" anchor="ctr" anchorCtr="0">
+          <a:noAutofit/>
+        </a:bodyPr>
+        <a:lstStyle/>
+        <a:p>
+          <a:pPr lvl="0" algn="ctr" defTabSz="400050">
+            <a:lnSpc>
+              <a:spcPct val="90000"/>
+            </a:lnSpc>
+            <a:spcBef>
+              <a:spcPct val="0"/>
+            </a:spcBef>
+            <a:spcAft>
+              <a:spcPct val="35000"/>
+            </a:spcAft>
+          </a:pPr>
+          <a:r>
+            <a:rPr lang="nb-NO" sz="900" kern="1200" dirty="0" smtClean="0"/>
+            <a:t>OXM</a:t>
+          </a:r>
+          <a:endParaRPr lang="nb-NO" sz="900" kern="1200" dirty="0"/>
+        </a:p>
+      </dsp:txBody>
+      <dsp:txXfrm>
+        <a:off x="1778844" y="3553887"/>
+        <a:ext cx="932096" cy="569277"/>
+      </dsp:txXfrm>
+    </dsp:sp>
+    <dsp:sp modelId="{FEB273E7-5564-44D9-AA3D-21D7524B209D}">
+      <dsp:nvSpPr>
+        <dsp:cNvPr id="0" name=""/>
+        <dsp:cNvSpPr/>
+      </dsp:nvSpPr>
+      <dsp:spPr>
+        <a:xfrm>
+          <a:off x="1640193" y="1117379"/>
+          <a:ext cx="120939" cy="3477020"/>
+        </a:xfrm>
+        <a:custGeom>
+          <a:avLst/>
+          <a:gdLst/>
+          <a:ahLst/>
+          <a:cxnLst/>
+          <a:rect l="0" t="0" r="0" b="0"/>
+          <a:pathLst>
+            <a:path>
+              <a:moveTo>
+                <a:pt x="0" y="0"/>
+              </a:moveTo>
+              <a:lnTo>
+                <a:pt x="0" y="3477020"/>
+              </a:lnTo>
+              <a:lnTo>
+                <a:pt x="120939" y="3477020"/>
+              </a:lnTo>
+            </a:path>
+          </a:pathLst>
+        </a:custGeom>
+        <a:noFill/>
+        <a:ln w="25400" cap="flat" cmpd="sng" algn="ctr">
+          <a:solidFill>
+            <a:schemeClr val="accent2">
+              <a:shade val="60000"/>
+              <a:hueOff val="0"/>
+              <a:satOff val="0"/>
+              <a:lumOff val="0"/>
+              <a:alphaOff val="0"/>
+            </a:schemeClr>
+          </a:solidFill>
+          <a:prstDash val="solid"/>
+        </a:ln>
+        <a:effectLst/>
+        <a:scene3d>
+          <a:camera prst="orthographicFront"/>
+          <a:lightRig rig="flat" dir="t"/>
+        </a:scene3d>
+        <a:sp3d prstMaterial="matte"/>
+      </dsp:spPr>
+      <dsp:style>
+        <a:lnRef idx="2">
+          <a:scrgbClr r="0" g="0" b="0"/>
+        </a:lnRef>
+        <a:fillRef idx="0">
+          <a:scrgbClr r="0" g="0" b="0"/>
+        </a:fillRef>
+        <a:effectRef idx="0">
+          <a:scrgbClr r="0" g="0" b="0"/>
+        </a:effectRef>
+        <a:fontRef idx="minor"/>
+      </dsp:style>
+    </dsp:sp>
+    <dsp:sp modelId="{19542448-3E27-48BF-B575-DDD7351C1B18}">
+      <dsp:nvSpPr>
+        <dsp:cNvPr id="0" name=""/>
+        <dsp:cNvSpPr/>
+      </dsp:nvSpPr>
+      <dsp:spPr>
+        <a:xfrm>
+          <a:off x="1761133" y="4292050"/>
+          <a:ext cx="967518" cy="604699"/>
+        </a:xfrm>
+        <a:prstGeom prst="roundRect">
+          <a:avLst>
+            <a:gd name="adj" fmla="val 10000"/>
+          </a:avLst>
+        </a:prstGeom>
+        <a:solidFill>
+          <a:schemeClr val="accent2">
+            <a:alpha val="90000"/>
+            <a:tint val="40000"/>
+            <a:hueOff val="0"/>
+            <a:satOff val="0"/>
+            <a:lumOff val="0"/>
+            <a:alphaOff val="0"/>
+          </a:schemeClr>
+        </a:solidFill>
+        <a:ln w="9525" cap="flat" cmpd="sng" algn="ctr">
+          <a:solidFill>
+            <a:schemeClr val="accent2">
+              <a:hueOff val="0"/>
+              <a:satOff val="0"/>
+              <a:lumOff val="0"/>
+              <a:alphaOff val="0"/>
+            </a:schemeClr>
+          </a:solidFill>
+          <a:prstDash val="solid"/>
+        </a:ln>
+        <a:effectLst>
+          <a:outerShdw blurRad="40000" dist="23000" dir="5400000" rotWithShape="0">
+            <a:srgbClr val="000000">
+              <a:alpha val="35000"/>
+            </a:srgbClr>
+          </a:outerShdw>
+        </a:effectLst>
+        <a:scene3d>
+          <a:camera prst="orthographicFront"/>
+          <a:lightRig rig="flat" dir="t"/>
+        </a:scene3d>
+        <a:sp3d z="-190500" extrusionH="12700" prstMaterial="plastic">
+          <a:bevelT w="50800" h="50800"/>
+        </a:sp3d>
+      </dsp:spPr>
+      <dsp:style>
+        <a:lnRef idx="1">
+          <a:scrgbClr r="0" g="0" b="0"/>
+        </a:lnRef>
+        <a:fillRef idx="1">
+          <a:scrgbClr r="0" g="0" b="0"/>
+        </a:fillRef>
+        <a:effectRef idx="2">
+          <a:scrgbClr r="0" g="0" b="0"/>
+        </a:effectRef>
+        <a:fontRef idx="minor"/>
+      </dsp:style>
+      <dsp:txBody>
+        <a:bodyPr spcFirstLastPara="0" vert="horz" wrap="square" lIns="17145" tIns="11430" rIns="17145" bIns="11430" numCol="1" spcCol="1270" anchor="ctr" anchorCtr="0">
+          <a:noAutofit/>
+        </a:bodyPr>
+        <a:lstStyle/>
+        <a:p>
+          <a:pPr lvl="0" algn="ctr" defTabSz="400050">
+            <a:lnSpc>
+              <a:spcPct val="90000"/>
+            </a:lnSpc>
+            <a:spcBef>
+              <a:spcPct val="0"/>
+            </a:spcBef>
+            <a:spcAft>
+              <a:spcPct val="35000"/>
+            </a:spcAft>
+          </a:pPr>
+          <a:r>
+            <a:rPr lang="nb-NO" sz="900" kern="1200" dirty="0" smtClean="0"/>
+            <a:t>JMS</a:t>
+          </a:r>
+          <a:endParaRPr lang="nb-NO" sz="900" kern="1200" dirty="0"/>
+        </a:p>
+      </dsp:txBody>
+      <dsp:txXfrm>
+        <a:off x="1778844" y="4309761"/>
+        <a:ext cx="932096" cy="569277"/>
+      </dsp:txXfrm>
+    </dsp:sp>
+    <dsp:sp modelId="{153DC256-80D7-4E5D-BB8F-5A67E953E501}">
+      <dsp:nvSpPr>
+        <dsp:cNvPr id="0" name=""/>
+        <dsp:cNvSpPr/>
+      </dsp:nvSpPr>
+      <dsp:spPr>
+        <a:xfrm>
+          <a:off x="3031001" y="512680"/>
+          <a:ext cx="1209398" cy="604699"/>
+        </a:xfrm>
+        <a:prstGeom prst="roundRect">
+          <a:avLst>
+            <a:gd name="adj" fmla="val 10000"/>
+          </a:avLst>
+        </a:prstGeom>
+        <a:gradFill rotWithShape="0">
+          <a:gsLst>
+            <a:gs pos="0">
+              <a:schemeClr val="lt1">
+                <a:hueOff val="0"/>
+                <a:satOff val="0"/>
+                <a:lumOff val="0"/>
+                <a:alphaOff val="0"/>
+                <a:shade val="51000"/>
+                <a:satMod val="130000"/>
+              </a:schemeClr>
+            </a:gs>
+            <a:gs pos="80000">
+              <a:schemeClr val="lt1">
+                <a:hueOff val="0"/>
+                <a:satOff val="0"/>
+                <a:lumOff val="0"/>
+                <a:alphaOff val="0"/>
+                <a:shade val="93000"/>
+                <a:satMod val="130000"/>
+              </a:schemeClr>
+            </a:gs>
+            <a:gs pos="100000">
+              <a:schemeClr val="lt1">
+                <a:hueOff val="0"/>
+                <a:satOff val="0"/>
+                <a:lumOff val="0"/>
+                <a:alphaOff val="0"/>
+                <a:shade val="94000"/>
+                <a:satMod val="135000"/>
+              </a:schemeClr>
+            </a:gs>
+          </a:gsLst>
+          <a:lin ang="16200000" scaled="0"/>
+        </a:gradFill>
+        <a:ln>
+          <a:noFill/>
+        </a:ln>
+        <a:effectLst>
+          <a:outerShdw blurRad="40000" dist="23000" dir="5400000" rotWithShape="0">
+            <a:srgbClr val="000000">
+              <a:alpha val="35000"/>
+            </a:srgbClr>
+          </a:outerShdw>
+        </a:effectLst>
+        <a:scene3d>
+          <a:camera prst="orthographicFront"/>
+          <a:lightRig rig="flat" dir="t"/>
+        </a:scene3d>
+        <a:sp3d prstMaterial="plastic">
+          <a:bevelT w="120900" h="88900"/>
+          <a:bevelB w="88900" h="31750" prst="angle"/>
+        </a:sp3d>
+      </dsp:spPr>
+      <dsp:style>
+        <a:lnRef idx="0">
+          <a:scrgbClr r="0" g="0" b="0"/>
+        </a:lnRef>
+        <a:fillRef idx="3">
+          <a:scrgbClr r="0" g="0" b="0"/>
+        </a:fillRef>
+        <a:effectRef idx="2">
+          <a:scrgbClr r="0" g="0" b="0"/>
+        </a:effectRef>
+        <a:fontRef idx="minor">
+          <a:schemeClr val="lt1"/>
+        </a:fontRef>
+      </dsp:style>
+      <dsp:txBody>
+        <a:bodyPr spcFirstLastPara="0" vert="horz" wrap="square" lIns="26670" tIns="17780" rIns="26670" bIns="17780" numCol="1" spcCol="1270" anchor="ctr" anchorCtr="0">
+          <a:noAutofit/>
+        </a:bodyPr>
+        <a:lstStyle/>
+        <a:p>
+          <a:pPr lvl="0" algn="ctr" defTabSz="622300">
+            <a:lnSpc>
+              <a:spcPct val="90000"/>
+            </a:lnSpc>
+            <a:spcBef>
+              <a:spcPct val="0"/>
+            </a:spcBef>
+            <a:spcAft>
+              <a:spcPct val="35000"/>
+            </a:spcAft>
+          </a:pPr>
+          <a:r>
+            <a:rPr lang="nb-NO" sz="1400" kern="1200" smtClean="0"/>
+            <a:t>Web</a:t>
+          </a:r>
+          <a:endParaRPr lang="nb-NO" sz="1400" kern="1200" dirty="0"/>
+        </a:p>
+      </dsp:txBody>
+      <dsp:txXfrm>
+        <a:off x="3048712" y="530391"/>
+        <a:ext cx="1173976" cy="569277"/>
+      </dsp:txXfrm>
+    </dsp:sp>
+    <dsp:sp modelId="{5A2C54A8-437C-4D17-974C-CD2999118592}">
+      <dsp:nvSpPr>
+        <dsp:cNvPr id="0" name=""/>
+        <dsp:cNvSpPr/>
+      </dsp:nvSpPr>
+      <dsp:spPr>
+        <a:xfrm>
+          <a:off x="3151941" y="1117379"/>
+          <a:ext cx="120939" cy="453524"/>
+        </a:xfrm>
+        <a:custGeom>
+          <a:avLst/>
+          <a:gdLst/>
+          <a:ahLst/>
+          <a:cxnLst/>
+          <a:rect l="0" t="0" r="0" b="0"/>
+          <a:pathLst>
+            <a:path>
+              <a:moveTo>
+                <a:pt x="0" y="0"/>
+              </a:moveTo>
+              <a:lnTo>
+                <a:pt x="0" y="453524"/>
+              </a:lnTo>
+              <a:lnTo>
+                <a:pt x="120939" y="453524"/>
+              </a:lnTo>
+            </a:path>
+          </a:pathLst>
+        </a:custGeom>
+        <a:noFill/>
+        <a:ln w="25400" cap="flat" cmpd="sng" algn="ctr">
+          <a:solidFill>
+            <a:schemeClr val="accent2">
+              <a:shade val="60000"/>
+              <a:hueOff val="0"/>
+              <a:satOff val="0"/>
+              <a:lumOff val="0"/>
+              <a:alphaOff val="0"/>
+            </a:schemeClr>
+          </a:solidFill>
+          <a:prstDash val="solid"/>
+        </a:ln>
+        <a:effectLst/>
+        <a:scene3d>
+          <a:camera prst="orthographicFront"/>
+          <a:lightRig rig="flat" dir="t"/>
+        </a:scene3d>
+        <a:sp3d prstMaterial="matte"/>
+      </dsp:spPr>
+      <dsp:style>
+        <a:lnRef idx="2">
+          <a:scrgbClr r="0" g="0" b="0"/>
+        </a:lnRef>
+        <a:fillRef idx="0">
+          <a:scrgbClr r="0" g="0" b="0"/>
+        </a:fillRef>
+        <a:effectRef idx="0">
+          <a:scrgbClr r="0" g="0" b="0"/>
+        </a:effectRef>
+        <a:fontRef idx="minor"/>
+      </dsp:style>
+    </dsp:sp>
+    <dsp:sp modelId="{DC920448-86D7-42DB-BF8D-6955684FEBEA}">
+      <dsp:nvSpPr>
+        <dsp:cNvPr id="0" name=""/>
+        <dsp:cNvSpPr/>
+      </dsp:nvSpPr>
+      <dsp:spPr>
+        <a:xfrm>
+          <a:off x="3272881" y="1268554"/>
+          <a:ext cx="967518" cy="604699"/>
+        </a:xfrm>
+        <a:prstGeom prst="roundRect">
+          <a:avLst>
+            <a:gd name="adj" fmla="val 10000"/>
+          </a:avLst>
+        </a:prstGeom>
+        <a:solidFill>
+          <a:schemeClr val="accent2">
+            <a:alpha val="90000"/>
+            <a:tint val="40000"/>
+            <a:hueOff val="0"/>
+            <a:satOff val="0"/>
+            <a:lumOff val="0"/>
+            <a:alphaOff val="0"/>
+          </a:schemeClr>
+        </a:solidFill>
+        <a:ln w="9525" cap="flat" cmpd="sng" algn="ctr">
+          <a:solidFill>
+            <a:schemeClr val="accent2">
+              <a:hueOff val="0"/>
+              <a:satOff val="0"/>
+              <a:lumOff val="0"/>
+              <a:alphaOff val="0"/>
+            </a:schemeClr>
+          </a:solidFill>
+          <a:prstDash val="solid"/>
+        </a:ln>
+        <a:effectLst>
+          <a:outerShdw blurRad="40000" dist="23000" dir="5400000" rotWithShape="0">
+            <a:srgbClr val="000000">
+              <a:alpha val="35000"/>
+            </a:srgbClr>
+          </a:outerShdw>
+        </a:effectLst>
+        <a:scene3d>
+          <a:camera prst="orthographicFront"/>
+          <a:lightRig rig="flat" dir="t"/>
+        </a:scene3d>
+        <a:sp3d z="-190500" extrusionH="12700" prstMaterial="plastic">
+          <a:bevelT w="50800" h="50800"/>
+        </a:sp3d>
+      </dsp:spPr>
+      <dsp:style>
+        <a:lnRef idx="1">
+          <a:scrgbClr r="0" g="0" b="0"/>
+        </a:lnRef>
+        <a:fillRef idx="1">
+          <a:scrgbClr r="0" g="0" b="0"/>
+        </a:fillRef>
+        <a:effectRef idx="2">
+          <a:scrgbClr r="0" g="0" b="0"/>
+        </a:effectRef>
+        <a:fontRef idx="minor"/>
+      </dsp:style>
+      <dsp:txBody>
+        <a:bodyPr spcFirstLastPara="0" vert="horz" wrap="square" lIns="17145" tIns="11430" rIns="17145" bIns="11430" numCol="1" spcCol="1270" anchor="ctr" anchorCtr="0">
+          <a:noAutofit/>
+        </a:bodyPr>
+        <a:lstStyle/>
+        <a:p>
+          <a:pPr lvl="0" algn="ctr" defTabSz="400050">
+            <a:lnSpc>
+              <a:spcPct val="90000"/>
+            </a:lnSpc>
+            <a:spcBef>
+              <a:spcPct val="0"/>
+            </a:spcBef>
+            <a:spcAft>
+              <a:spcPct val="35000"/>
+            </a:spcAft>
+          </a:pPr>
+          <a:r>
+            <a:rPr lang="nb-NO" sz="900" kern="1200" dirty="0" smtClean="0"/>
+            <a:t>MVC</a:t>
+          </a:r>
+          <a:endParaRPr lang="nb-NO" sz="900" kern="1200" dirty="0"/>
+        </a:p>
+      </dsp:txBody>
+      <dsp:txXfrm>
+        <a:off x="3290592" y="1286265"/>
+        <a:ext cx="932096" cy="569277"/>
+      </dsp:txXfrm>
+    </dsp:sp>
+    <dsp:sp modelId="{301CFD4A-EEDA-4C43-9C20-08EA66041D8F}">
+      <dsp:nvSpPr>
+        <dsp:cNvPr id="0" name=""/>
+        <dsp:cNvSpPr/>
+      </dsp:nvSpPr>
+      <dsp:spPr>
+        <a:xfrm>
+          <a:off x="3151941" y="1117379"/>
+          <a:ext cx="120939" cy="1209398"/>
+        </a:xfrm>
+        <a:custGeom>
+          <a:avLst/>
+          <a:gdLst/>
+          <a:ahLst/>
+          <a:cxnLst/>
+          <a:rect l="0" t="0" r="0" b="0"/>
+          <a:pathLst>
+            <a:path>
+              <a:moveTo>
+                <a:pt x="0" y="0"/>
+              </a:moveTo>
+              <a:lnTo>
+                <a:pt x="0" y="1209398"/>
+              </a:lnTo>
+              <a:lnTo>
+                <a:pt x="120939" y="1209398"/>
+              </a:lnTo>
+            </a:path>
+          </a:pathLst>
+        </a:custGeom>
+        <a:noFill/>
+        <a:ln w="25400" cap="flat" cmpd="sng" algn="ctr">
+          <a:solidFill>
+            <a:schemeClr val="accent2">
+              <a:shade val="60000"/>
+              <a:hueOff val="0"/>
+              <a:satOff val="0"/>
+              <a:lumOff val="0"/>
+              <a:alphaOff val="0"/>
+            </a:schemeClr>
+          </a:solidFill>
+          <a:prstDash val="solid"/>
+        </a:ln>
+        <a:effectLst/>
+        <a:scene3d>
+          <a:camera prst="orthographicFront"/>
+          <a:lightRig rig="flat" dir="t"/>
+        </a:scene3d>
+        <a:sp3d prstMaterial="matte"/>
+      </dsp:spPr>
+      <dsp:style>
+        <a:lnRef idx="2">
+          <a:scrgbClr r="0" g="0" b="0"/>
+        </a:lnRef>
+        <a:fillRef idx="0">
+          <a:scrgbClr r="0" g="0" b="0"/>
+        </a:fillRef>
+        <a:effectRef idx="0">
+          <a:scrgbClr r="0" g="0" b="0"/>
+        </a:effectRef>
+        <a:fontRef idx="minor"/>
+      </dsp:style>
+    </dsp:sp>
+    <dsp:sp modelId="{9F3C4C65-CC78-4B8F-A38C-936A55CF9496}">
+      <dsp:nvSpPr>
+        <dsp:cNvPr id="0" name=""/>
+        <dsp:cNvSpPr/>
+      </dsp:nvSpPr>
+      <dsp:spPr>
+        <a:xfrm>
+          <a:off x="3272881" y="2024428"/>
+          <a:ext cx="967518" cy="604699"/>
+        </a:xfrm>
+        <a:prstGeom prst="roundRect">
+          <a:avLst>
+            <a:gd name="adj" fmla="val 10000"/>
+          </a:avLst>
+        </a:prstGeom>
+        <a:solidFill>
+          <a:schemeClr val="accent2">
+            <a:alpha val="90000"/>
+            <a:tint val="40000"/>
+            <a:hueOff val="0"/>
+            <a:satOff val="0"/>
+            <a:lumOff val="0"/>
+            <a:alphaOff val="0"/>
+          </a:schemeClr>
+        </a:solidFill>
+        <a:ln w="9525" cap="flat" cmpd="sng" algn="ctr">
+          <a:solidFill>
+            <a:schemeClr val="accent2">
+              <a:hueOff val="0"/>
+              <a:satOff val="0"/>
+              <a:lumOff val="0"/>
+              <a:alphaOff val="0"/>
+            </a:schemeClr>
+          </a:solidFill>
+          <a:prstDash val="solid"/>
+        </a:ln>
+        <a:effectLst>
+          <a:outerShdw blurRad="40000" dist="23000" dir="5400000" rotWithShape="0">
+            <a:srgbClr val="000000">
+              <a:alpha val="35000"/>
+            </a:srgbClr>
+          </a:outerShdw>
+        </a:effectLst>
+        <a:scene3d>
+          <a:camera prst="orthographicFront"/>
+          <a:lightRig rig="flat" dir="t"/>
+        </a:scene3d>
+        <a:sp3d z="-190500" extrusionH="12700" prstMaterial="plastic">
+          <a:bevelT w="50800" h="50800"/>
+        </a:sp3d>
+      </dsp:spPr>
+      <dsp:style>
+        <a:lnRef idx="1">
+          <a:scrgbClr r="0" g="0" b="0"/>
+        </a:lnRef>
+        <a:fillRef idx="1">
+          <a:scrgbClr r="0" g="0" b="0"/>
+        </a:fillRef>
+        <a:effectRef idx="2">
+          <a:scrgbClr r="0" g="0" b="0"/>
+        </a:effectRef>
+        <a:fontRef idx="minor"/>
+      </dsp:style>
+      <dsp:txBody>
+        <a:bodyPr spcFirstLastPara="0" vert="horz" wrap="square" lIns="17145" tIns="11430" rIns="17145" bIns="11430" numCol="1" spcCol="1270" anchor="ctr" anchorCtr="0">
+          <a:noAutofit/>
+        </a:bodyPr>
+        <a:lstStyle/>
+        <a:p>
+          <a:pPr lvl="0" algn="ctr" defTabSz="400050">
+            <a:lnSpc>
+              <a:spcPct val="90000"/>
+            </a:lnSpc>
+            <a:spcBef>
+              <a:spcPct val="0"/>
+            </a:spcBef>
+            <a:spcAft>
+              <a:spcPct val="35000"/>
+            </a:spcAft>
+          </a:pPr>
+          <a:r>
+            <a:rPr lang="nb-NO" sz="900" kern="1200" dirty="0" err="1" smtClean="0"/>
+            <a:t>WebFlow</a:t>
+          </a:r>
+          <a:endParaRPr lang="nb-NO" sz="900" kern="1200" dirty="0"/>
+        </a:p>
+      </dsp:txBody>
+      <dsp:txXfrm>
+        <a:off x="3290592" y="2042139"/>
+        <a:ext cx="932096" cy="569277"/>
+      </dsp:txXfrm>
+    </dsp:sp>
+    <dsp:sp modelId="{D51E4F91-13F0-4178-AB0A-A6F7AE9EEACA}">
+      <dsp:nvSpPr>
+        <dsp:cNvPr id="0" name=""/>
+        <dsp:cNvSpPr/>
+      </dsp:nvSpPr>
+      <dsp:spPr>
+        <a:xfrm>
+          <a:off x="3151941" y="1117379"/>
+          <a:ext cx="120939" cy="1965272"/>
+        </a:xfrm>
+        <a:custGeom>
+          <a:avLst/>
+          <a:gdLst/>
+          <a:ahLst/>
+          <a:cxnLst/>
+          <a:rect l="0" t="0" r="0" b="0"/>
+          <a:pathLst>
+            <a:path>
+              <a:moveTo>
+                <a:pt x="0" y="0"/>
+              </a:moveTo>
+              <a:lnTo>
+                <a:pt x="0" y="1965272"/>
+              </a:lnTo>
+              <a:lnTo>
+                <a:pt x="120939" y="1965272"/>
+              </a:lnTo>
+            </a:path>
+          </a:pathLst>
+        </a:custGeom>
+        <a:noFill/>
+        <a:ln w="25400" cap="flat" cmpd="sng" algn="ctr">
+          <a:solidFill>
+            <a:schemeClr val="accent2">
+              <a:shade val="60000"/>
+              <a:hueOff val="0"/>
+              <a:satOff val="0"/>
+              <a:lumOff val="0"/>
+              <a:alphaOff val="0"/>
+            </a:schemeClr>
+          </a:solidFill>
+          <a:prstDash val="solid"/>
+        </a:ln>
+        <a:effectLst/>
+        <a:scene3d>
+          <a:camera prst="orthographicFront"/>
+          <a:lightRig rig="flat" dir="t"/>
+        </a:scene3d>
+        <a:sp3d prstMaterial="matte"/>
+      </dsp:spPr>
+      <dsp:style>
+        <a:lnRef idx="2">
+          <a:scrgbClr r="0" g="0" b="0"/>
+        </a:lnRef>
+        <a:fillRef idx="0">
+          <a:scrgbClr r="0" g="0" b="0"/>
+        </a:fillRef>
+        <a:effectRef idx="0">
+          <a:scrgbClr r="0" g="0" b="0"/>
+        </a:effectRef>
+        <a:fontRef idx="minor"/>
+      </dsp:style>
+    </dsp:sp>
+    <dsp:sp modelId="{0460E792-B149-4DFC-A8A1-13736AB7D5E7}">
+      <dsp:nvSpPr>
+        <dsp:cNvPr id="0" name=""/>
+        <dsp:cNvSpPr/>
+      </dsp:nvSpPr>
+      <dsp:spPr>
+        <a:xfrm>
+          <a:off x="3272881" y="2780302"/>
+          <a:ext cx="967518" cy="604699"/>
+        </a:xfrm>
+        <a:prstGeom prst="roundRect">
+          <a:avLst>
+            <a:gd name="adj" fmla="val 10000"/>
+          </a:avLst>
+        </a:prstGeom>
+        <a:solidFill>
+          <a:schemeClr val="accent2">
+            <a:alpha val="90000"/>
+            <a:tint val="40000"/>
+            <a:hueOff val="0"/>
+            <a:satOff val="0"/>
+            <a:lumOff val="0"/>
+            <a:alphaOff val="0"/>
+          </a:schemeClr>
+        </a:solidFill>
+        <a:ln w="9525" cap="flat" cmpd="sng" algn="ctr">
+          <a:solidFill>
+            <a:schemeClr val="accent2">
+              <a:hueOff val="0"/>
+              <a:satOff val="0"/>
+              <a:lumOff val="0"/>
+              <a:alphaOff val="0"/>
+            </a:schemeClr>
+          </a:solidFill>
+          <a:prstDash val="solid"/>
+        </a:ln>
+        <a:effectLst>
+          <a:outerShdw blurRad="40000" dist="23000" dir="5400000" rotWithShape="0">
+            <a:srgbClr val="000000">
+              <a:alpha val="35000"/>
+            </a:srgbClr>
+          </a:outerShdw>
+        </a:effectLst>
+        <a:scene3d>
+          <a:camera prst="orthographicFront"/>
+          <a:lightRig rig="flat" dir="t"/>
+        </a:scene3d>
+        <a:sp3d z="-190500" extrusionH="12700" prstMaterial="plastic">
+          <a:bevelT w="50800" h="50800"/>
+        </a:sp3d>
+      </dsp:spPr>
+      <dsp:style>
+        <a:lnRef idx="1">
+          <a:scrgbClr r="0" g="0" b="0"/>
+        </a:lnRef>
+        <a:fillRef idx="1">
+          <a:scrgbClr r="0" g="0" b="0"/>
+        </a:fillRef>
+        <a:effectRef idx="2">
+          <a:scrgbClr r="0" g="0" b="0"/>
+        </a:effectRef>
+        <a:fontRef idx="minor"/>
+      </dsp:style>
+      <dsp:txBody>
+        <a:bodyPr spcFirstLastPara="0" vert="horz" wrap="square" lIns="17145" tIns="11430" rIns="17145" bIns="11430" numCol="1" spcCol="1270" anchor="ctr" anchorCtr="0">
+          <a:noAutofit/>
+        </a:bodyPr>
+        <a:lstStyle/>
+        <a:p>
+          <a:pPr lvl="0" algn="ctr" defTabSz="400050">
+            <a:lnSpc>
+              <a:spcPct val="90000"/>
+            </a:lnSpc>
+            <a:spcBef>
+              <a:spcPct val="0"/>
+            </a:spcBef>
+            <a:spcAft>
+              <a:spcPct val="35000"/>
+            </a:spcAft>
+          </a:pPr>
+          <a:r>
+            <a:rPr lang="nb-NO" sz="900" kern="1200" dirty="0" smtClean="0"/>
+            <a:t>Servlet</a:t>
+          </a:r>
+          <a:endParaRPr lang="nb-NO" sz="900" kern="1200" dirty="0"/>
+        </a:p>
+      </dsp:txBody>
+      <dsp:txXfrm>
+        <a:off x="3290592" y="2798013"/>
+        <a:ext cx="932096" cy="569277"/>
+      </dsp:txXfrm>
+    </dsp:sp>
+    <dsp:sp modelId="{2D684A86-3AC2-4CC5-8A21-733A2410022F}">
+      <dsp:nvSpPr>
+        <dsp:cNvPr id="0" name=""/>
+        <dsp:cNvSpPr/>
+      </dsp:nvSpPr>
+      <dsp:spPr>
+        <a:xfrm>
+          <a:off x="3151941" y="1117379"/>
+          <a:ext cx="120939" cy="2721146"/>
+        </a:xfrm>
+        <a:custGeom>
+          <a:avLst/>
+          <a:gdLst/>
+          <a:ahLst/>
+          <a:cxnLst/>
+          <a:rect l="0" t="0" r="0" b="0"/>
+          <a:pathLst>
+            <a:path>
+              <a:moveTo>
+                <a:pt x="0" y="0"/>
+              </a:moveTo>
+              <a:lnTo>
+                <a:pt x="0" y="2721146"/>
+              </a:lnTo>
+              <a:lnTo>
+                <a:pt x="120939" y="2721146"/>
+              </a:lnTo>
+            </a:path>
+          </a:pathLst>
+        </a:custGeom>
+        <a:noFill/>
+        <a:ln w="25400" cap="flat" cmpd="sng" algn="ctr">
+          <a:solidFill>
+            <a:schemeClr val="accent2">
+              <a:shade val="60000"/>
+              <a:hueOff val="0"/>
+              <a:satOff val="0"/>
+              <a:lumOff val="0"/>
+              <a:alphaOff val="0"/>
+            </a:schemeClr>
+          </a:solidFill>
+          <a:prstDash val="solid"/>
+        </a:ln>
+        <a:effectLst/>
+        <a:scene3d>
+          <a:camera prst="orthographicFront"/>
+          <a:lightRig rig="flat" dir="t"/>
+        </a:scene3d>
+        <a:sp3d prstMaterial="matte"/>
+      </dsp:spPr>
+      <dsp:style>
+        <a:lnRef idx="2">
+          <a:scrgbClr r="0" g="0" b="0"/>
+        </a:lnRef>
+        <a:fillRef idx="0">
+          <a:scrgbClr r="0" g="0" b="0"/>
+        </a:fillRef>
+        <a:effectRef idx="0">
+          <a:scrgbClr r="0" g="0" b="0"/>
+        </a:effectRef>
+        <a:fontRef idx="minor"/>
+      </dsp:style>
+    </dsp:sp>
+    <dsp:sp modelId="{F5BE59D2-C8AD-45CA-8616-A981BD78ACED}">
+      <dsp:nvSpPr>
+        <dsp:cNvPr id="0" name=""/>
+        <dsp:cNvSpPr/>
+      </dsp:nvSpPr>
+      <dsp:spPr>
+        <a:xfrm>
+          <a:off x="3272881" y="3536176"/>
+          <a:ext cx="967518" cy="604699"/>
+        </a:xfrm>
+        <a:prstGeom prst="roundRect">
+          <a:avLst>
+            <a:gd name="adj" fmla="val 10000"/>
+          </a:avLst>
+        </a:prstGeom>
+        <a:solidFill>
+          <a:schemeClr val="accent2">
+            <a:alpha val="90000"/>
+            <a:tint val="40000"/>
+            <a:hueOff val="0"/>
+            <a:satOff val="0"/>
+            <a:lumOff val="0"/>
+            <a:alphaOff val="0"/>
+          </a:schemeClr>
+        </a:solidFill>
+        <a:ln w="9525" cap="flat" cmpd="sng" algn="ctr">
+          <a:solidFill>
+            <a:schemeClr val="accent2">
+              <a:hueOff val="0"/>
+              <a:satOff val="0"/>
+              <a:lumOff val="0"/>
+              <a:alphaOff val="0"/>
+            </a:schemeClr>
+          </a:solidFill>
+          <a:prstDash val="solid"/>
+        </a:ln>
+        <a:effectLst>
+          <a:outerShdw blurRad="40000" dist="23000" dir="5400000" rotWithShape="0">
+            <a:srgbClr val="000000">
+              <a:alpha val="35000"/>
+            </a:srgbClr>
+          </a:outerShdw>
+        </a:effectLst>
+        <a:scene3d>
+          <a:camera prst="orthographicFront"/>
+          <a:lightRig rig="flat" dir="t"/>
+        </a:scene3d>
+        <a:sp3d z="-190500" extrusionH="12700" prstMaterial="plastic">
+          <a:bevelT w="50800" h="50800"/>
+        </a:sp3d>
+      </dsp:spPr>
+      <dsp:style>
+        <a:lnRef idx="1">
+          <a:scrgbClr r="0" g="0" b="0"/>
+        </a:lnRef>
+        <a:fillRef idx="1">
+          <a:scrgbClr r="0" g="0" b="0"/>
+        </a:fillRef>
+        <a:effectRef idx="2">
+          <a:scrgbClr r="0" g="0" b="0"/>
+        </a:effectRef>
+        <a:fontRef idx="minor"/>
+      </dsp:style>
+      <dsp:txBody>
+        <a:bodyPr spcFirstLastPara="0" vert="horz" wrap="square" lIns="17145" tIns="11430" rIns="17145" bIns="11430" numCol="1" spcCol="1270" anchor="ctr" anchorCtr="0">
+          <a:noAutofit/>
+        </a:bodyPr>
+        <a:lstStyle/>
+        <a:p>
+          <a:pPr lvl="0" algn="ctr" defTabSz="400050">
+            <a:lnSpc>
+              <a:spcPct val="90000"/>
+            </a:lnSpc>
+            <a:spcBef>
+              <a:spcPct val="0"/>
+            </a:spcBef>
+            <a:spcAft>
+              <a:spcPct val="35000"/>
+            </a:spcAft>
+          </a:pPr>
+          <a:r>
+            <a:rPr lang="nb-NO" sz="900" kern="1200" dirty="0" err="1" smtClean="0"/>
+            <a:t>Portlet</a:t>
+          </a:r>
+          <a:endParaRPr lang="nb-NO" sz="900" kern="1200" dirty="0"/>
+        </a:p>
+      </dsp:txBody>
+      <dsp:txXfrm>
+        <a:off x="3290592" y="3553887"/>
+        <a:ext cx="932096" cy="569277"/>
+      </dsp:txXfrm>
+    </dsp:sp>
+    <dsp:sp modelId="{8EAEC910-3ED2-4D3D-A9AD-A3DC72E0091B}">
+      <dsp:nvSpPr>
+        <dsp:cNvPr id="0" name=""/>
+        <dsp:cNvSpPr/>
+      </dsp:nvSpPr>
+      <dsp:spPr>
+        <a:xfrm>
+          <a:off x="4542749" y="512680"/>
+          <a:ext cx="1209398" cy="604699"/>
+        </a:xfrm>
+        <a:prstGeom prst="roundRect">
+          <a:avLst>
+            <a:gd name="adj" fmla="val 10000"/>
+          </a:avLst>
+        </a:prstGeom>
+        <a:gradFill rotWithShape="0">
+          <a:gsLst>
+            <a:gs pos="0">
+              <a:schemeClr val="lt1">
+                <a:hueOff val="0"/>
+                <a:satOff val="0"/>
+                <a:lumOff val="0"/>
+                <a:alphaOff val="0"/>
+                <a:shade val="51000"/>
+                <a:satMod val="130000"/>
+              </a:schemeClr>
+            </a:gs>
+            <a:gs pos="80000">
+              <a:schemeClr val="lt1">
+                <a:hueOff val="0"/>
+                <a:satOff val="0"/>
+                <a:lumOff val="0"/>
+                <a:alphaOff val="0"/>
+                <a:shade val="93000"/>
+                <a:satMod val="130000"/>
+              </a:schemeClr>
+            </a:gs>
+            <a:gs pos="100000">
+              <a:schemeClr val="lt1">
+                <a:hueOff val="0"/>
+                <a:satOff val="0"/>
+                <a:lumOff val="0"/>
+                <a:alphaOff val="0"/>
+                <a:shade val="94000"/>
+                <a:satMod val="135000"/>
+              </a:schemeClr>
+            </a:gs>
+          </a:gsLst>
+          <a:lin ang="16200000" scaled="0"/>
+        </a:gradFill>
+        <a:ln>
+          <a:noFill/>
+        </a:ln>
+        <a:effectLst>
+          <a:outerShdw blurRad="40000" dist="23000" dir="5400000" rotWithShape="0">
+            <a:srgbClr val="000000">
+              <a:alpha val="35000"/>
+            </a:srgbClr>
+          </a:outerShdw>
+        </a:effectLst>
+        <a:scene3d>
+          <a:camera prst="orthographicFront"/>
+          <a:lightRig rig="flat" dir="t"/>
+        </a:scene3d>
+        <a:sp3d prstMaterial="plastic">
+          <a:bevelT w="120900" h="88900"/>
+          <a:bevelB w="88900" h="31750" prst="angle"/>
+        </a:sp3d>
+      </dsp:spPr>
+      <dsp:style>
+        <a:lnRef idx="0">
+          <a:scrgbClr r="0" g="0" b="0"/>
+        </a:lnRef>
+        <a:fillRef idx="3">
+          <a:scrgbClr r="0" g="0" b="0"/>
+        </a:fillRef>
+        <a:effectRef idx="2">
+          <a:scrgbClr r="0" g="0" b="0"/>
+        </a:effectRef>
+        <a:fontRef idx="minor">
+          <a:schemeClr val="lt1"/>
+        </a:fontRef>
+      </dsp:style>
+      <dsp:txBody>
+        <a:bodyPr spcFirstLastPara="0" vert="horz" wrap="square" lIns="26670" tIns="17780" rIns="26670" bIns="17780" numCol="1" spcCol="1270" anchor="ctr" anchorCtr="0">
+          <a:noAutofit/>
+        </a:bodyPr>
+        <a:lstStyle/>
+        <a:p>
+          <a:pPr lvl="0" algn="ctr" defTabSz="622300">
+            <a:lnSpc>
+              <a:spcPct val="90000"/>
+            </a:lnSpc>
+            <a:spcBef>
+              <a:spcPct val="0"/>
+            </a:spcBef>
+            <a:spcAft>
+              <a:spcPct val="35000"/>
+            </a:spcAft>
+          </a:pPr>
+          <a:r>
+            <a:rPr lang="nb-NO" sz="1400" kern="1200" dirty="0" err="1" smtClean="0"/>
+            <a:t>Misc</a:t>
+          </a:r>
+          <a:endParaRPr lang="nb-NO" sz="1400" kern="1200" dirty="0"/>
+        </a:p>
+      </dsp:txBody>
+      <dsp:txXfrm>
+        <a:off x="4560460" y="530391"/>
+        <a:ext cx="1173976" cy="569277"/>
+      </dsp:txXfrm>
+    </dsp:sp>
+    <dsp:sp modelId="{B8CB12A7-6B61-467A-B1CE-D7DAD4C8CD84}">
+      <dsp:nvSpPr>
+        <dsp:cNvPr id="0" name=""/>
+        <dsp:cNvSpPr/>
+      </dsp:nvSpPr>
+      <dsp:spPr>
+        <a:xfrm>
+          <a:off x="4663689" y="1117379"/>
+          <a:ext cx="120939" cy="453524"/>
+        </a:xfrm>
+        <a:custGeom>
+          <a:avLst/>
+          <a:gdLst/>
+          <a:ahLst/>
+          <a:cxnLst/>
+          <a:rect l="0" t="0" r="0" b="0"/>
+          <a:pathLst>
+            <a:path>
+              <a:moveTo>
+                <a:pt x="0" y="0"/>
+              </a:moveTo>
+              <a:lnTo>
+                <a:pt x="0" y="453524"/>
+              </a:lnTo>
+              <a:lnTo>
+                <a:pt x="120939" y="453524"/>
+              </a:lnTo>
+            </a:path>
+          </a:pathLst>
+        </a:custGeom>
+        <a:noFill/>
+        <a:ln w="25400" cap="flat" cmpd="sng" algn="ctr">
+          <a:solidFill>
+            <a:schemeClr val="accent2">
+              <a:shade val="60000"/>
+              <a:hueOff val="0"/>
+              <a:satOff val="0"/>
+              <a:lumOff val="0"/>
+              <a:alphaOff val="0"/>
+            </a:schemeClr>
+          </a:solidFill>
+          <a:prstDash val="solid"/>
+        </a:ln>
+        <a:effectLst/>
+        <a:scene3d>
+          <a:camera prst="orthographicFront"/>
+          <a:lightRig rig="flat" dir="t"/>
+        </a:scene3d>
+        <a:sp3d prstMaterial="matte"/>
+      </dsp:spPr>
+      <dsp:style>
+        <a:lnRef idx="2">
+          <a:scrgbClr r="0" g="0" b="0"/>
+        </a:lnRef>
+        <a:fillRef idx="0">
+          <a:scrgbClr r="0" g="0" b="0"/>
+        </a:fillRef>
+        <a:effectRef idx="0">
+          <a:scrgbClr r="0" g="0" b="0"/>
+        </a:effectRef>
+        <a:fontRef idx="minor"/>
+      </dsp:style>
+    </dsp:sp>
+    <dsp:sp modelId="{042B2322-1121-4C89-A530-550C785B0D76}">
+      <dsp:nvSpPr>
+        <dsp:cNvPr id="0" name=""/>
+        <dsp:cNvSpPr/>
+      </dsp:nvSpPr>
+      <dsp:spPr>
+        <a:xfrm>
+          <a:off x="4784629" y="1268554"/>
+          <a:ext cx="967518" cy="604699"/>
+        </a:xfrm>
+        <a:prstGeom prst="roundRect">
+          <a:avLst>
+            <a:gd name="adj" fmla="val 10000"/>
+          </a:avLst>
+        </a:prstGeom>
+        <a:solidFill>
+          <a:schemeClr val="accent2">
+            <a:alpha val="90000"/>
+            <a:tint val="40000"/>
+            <a:hueOff val="0"/>
+            <a:satOff val="0"/>
+            <a:lumOff val="0"/>
+            <a:alphaOff val="0"/>
+          </a:schemeClr>
+        </a:solidFill>
+        <a:ln w="9525" cap="flat" cmpd="sng" algn="ctr">
+          <a:solidFill>
+            <a:schemeClr val="accent2">
+              <a:hueOff val="0"/>
+              <a:satOff val="0"/>
+              <a:lumOff val="0"/>
+              <a:alphaOff val="0"/>
+            </a:schemeClr>
+          </a:solidFill>
+          <a:prstDash val="solid"/>
+        </a:ln>
+        <a:effectLst>
+          <a:outerShdw blurRad="40000" dist="23000" dir="5400000" rotWithShape="0">
+            <a:srgbClr val="000000">
+              <a:alpha val="35000"/>
+            </a:srgbClr>
+          </a:outerShdw>
+        </a:effectLst>
+        <a:scene3d>
+          <a:camera prst="orthographicFront"/>
+          <a:lightRig rig="flat" dir="t"/>
+        </a:scene3d>
+        <a:sp3d z="-190500" extrusionH="12700" prstMaterial="plastic">
+          <a:bevelT w="50800" h="50800"/>
+        </a:sp3d>
+      </dsp:spPr>
+      <dsp:style>
+        <a:lnRef idx="1">
+          <a:scrgbClr r="0" g="0" b="0"/>
+        </a:lnRef>
+        <a:fillRef idx="1">
+          <a:scrgbClr r="0" g="0" b="0"/>
+        </a:fillRef>
+        <a:effectRef idx="2">
+          <a:scrgbClr r="0" g="0" b="0"/>
+        </a:effectRef>
+        <a:fontRef idx="minor"/>
+      </dsp:style>
+      <dsp:txBody>
+        <a:bodyPr spcFirstLastPara="0" vert="horz" wrap="square" lIns="17145" tIns="11430" rIns="17145" bIns="11430" numCol="1" spcCol="1270" anchor="ctr" anchorCtr="0">
+          <a:noAutofit/>
+        </a:bodyPr>
+        <a:lstStyle/>
+        <a:p>
+          <a:pPr lvl="0" algn="ctr" defTabSz="400050">
+            <a:lnSpc>
+              <a:spcPct val="90000"/>
+            </a:lnSpc>
+            <a:spcBef>
+              <a:spcPct val="0"/>
+            </a:spcBef>
+            <a:spcAft>
+              <a:spcPct val="35000"/>
+            </a:spcAft>
+          </a:pPr>
+          <a:r>
+            <a:rPr lang="nb-NO" sz="900" kern="1200" dirty="0" smtClean="0"/>
+            <a:t>Test</a:t>
+          </a:r>
+          <a:endParaRPr lang="nb-NO" sz="900" kern="1200" dirty="0"/>
+        </a:p>
+      </dsp:txBody>
+      <dsp:txXfrm>
+        <a:off x="4802340" y="1286265"/>
+        <a:ext cx="932096" cy="569277"/>
+      </dsp:txXfrm>
+    </dsp:sp>
+    <dsp:sp modelId="{84833E33-5C66-46E9-BDE9-4F049AB91DA4}">
+      <dsp:nvSpPr>
+        <dsp:cNvPr id="0" name=""/>
+        <dsp:cNvSpPr/>
+      </dsp:nvSpPr>
+      <dsp:spPr>
+        <a:xfrm>
+          <a:off x="4663689" y="1117379"/>
+          <a:ext cx="120939" cy="1209398"/>
+        </a:xfrm>
+        <a:custGeom>
+          <a:avLst/>
+          <a:gdLst/>
+          <a:ahLst/>
+          <a:cxnLst/>
+          <a:rect l="0" t="0" r="0" b="0"/>
+          <a:pathLst>
+            <a:path>
+              <a:moveTo>
+                <a:pt x="0" y="0"/>
+              </a:moveTo>
+              <a:lnTo>
+                <a:pt x="0" y="1209398"/>
+              </a:lnTo>
+              <a:lnTo>
+                <a:pt x="120939" y="1209398"/>
+              </a:lnTo>
+            </a:path>
+          </a:pathLst>
+        </a:custGeom>
+        <a:noFill/>
+        <a:ln w="25400" cap="flat" cmpd="sng" algn="ctr">
+          <a:solidFill>
+            <a:schemeClr val="accent2">
+              <a:shade val="60000"/>
+              <a:hueOff val="0"/>
+              <a:satOff val="0"/>
+              <a:lumOff val="0"/>
+              <a:alphaOff val="0"/>
+            </a:schemeClr>
+          </a:solidFill>
+          <a:prstDash val="solid"/>
+        </a:ln>
+        <a:effectLst/>
+        <a:scene3d>
+          <a:camera prst="orthographicFront"/>
+          <a:lightRig rig="flat" dir="t"/>
+        </a:scene3d>
+        <a:sp3d prstMaterial="matte"/>
+      </dsp:spPr>
+      <dsp:style>
+        <a:lnRef idx="2">
+          <a:scrgbClr r="0" g="0" b="0"/>
+        </a:lnRef>
+        <a:fillRef idx="0">
+          <a:scrgbClr r="0" g="0" b="0"/>
+        </a:fillRef>
+        <a:effectRef idx="0">
+          <a:scrgbClr r="0" g="0" b="0"/>
+        </a:effectRef>
+        <a:fontRef idx="minor"/>
+      </dsp:style>
+    </dsp:sp>
+    <dsp:sp modelId="{24C88D04-6F2F-479A-B34B-17DF233B13E0}">
+      <dsp:nvSpPr>
+        <dsp:cNvPr id="0" name=""/>
+        <dsp:cNvSpPr/>
+      </dsp:nvSpPr>
+      <dsp:spPr>
+        <a:xfrm>
+          <a:off x="4784629" y="2024428"/>
+          <a:ext cx="967518" cy="604699"/>
+        </a:xfrm>
+        <a:prstGeom prst="roundRect">
+          <a:avLst>
+            <a:gd name="adj" fmla="val 10000"/>
+          </a:avLst>
+        </a:prstGeom>
+        <a:solidFill>
+          <a:schemeClr val="accent2">
+            <a:alpha val="90000"/>
+            <a:tint val="40000"/>
+            <a:hueOff val="0"/>
+            <a:satOff val="0"/>
+            <a:lumOff val="0"/>
+            <a:alphaOff val="0"/>
+          </a:schemeClr>
+        </a:solidFill>
+        <a:ln w="9525" cap="flat" cmpd="sng" algn="ctr">
+          <a:solidFill>
+            <a:schemeClr val="accent2">
+              <a:hueOff val="0"/>
+              <a:satOff val="0"/>
+              <a:lumOff val="0"/>
+              <a:alphaOff val="0"/>
+            </a:schemeClr>
+          </a:solidFill>
+          <a:prstDash val="solid"/>
+        </a:ln>
+        <a:effectLst>
+          <a:outerShdw blurRad="40000" dist="23000" dir="5400000" rotWithShape="0">
+            <a:srgbClr val="000000">
+              <a:alpha val="35000"/>
+            </a:srgbClr>
+          </a:outerShdw>
+        </a:effectLst>
+        <a:scene3d>
+          <a:camera prst="orthographicFront"/>
+          <a:lightRig rig="flat" dir="t"/>
+        </a:scene3d>
+        <a:sp3d z="-190500" extrusionH="12700" prstMaterial="plastic">
+          <a:bevelT w="50800" h="50800"/>
+        </a:sp3d>
+      </dsp:spPr>
+      <dsp:style>
+        <a:lnRef idx="1">
+          <a:scrgbClr r="0" g="0" b="0"/>
+        </a:lnRef>
+        <a:fillRef idx="1">
+          <a:scrgbClr r="0" g="0" b="0"/>
+        </a:fillRef>
+        <a:effectRef idx="2">
+          <a:scrgbClr r="0" g="0" b="0"/>
+        </a:effectRef>
+        <a:fontRef idx="minor"/>
+      </dsp:style>
+      <dsp:txBody>
+        <a:bodyPr spcFirstLastPara="0" vert="horz" wrap="square" lIns="17145" tIns="11430" rIns="17145" bIns="11430" numCol="1" spcCol="1270" anchor="ctr" anchorCtr="0">
+          <a:noAutofit/>
+        </a:bodyPr>
+        <a:lstStyle/>
+        <a:p>
+          <a:pPr lvl="0" algn="ctr" defTabSz="400050">
+            <a:lnSpc>
+              <a:spcPct val="90000"/>
+            </a:lnSpc>
+            <a:spcBef>
+              <a:spcPct val="0"/>
+            </a:spcBef>
+            <a:spcAft>
+              <a:spcPct val="35000"/>
+            </a:spcAft>
+          </a:pPr>
+          <a:r>
+            <a:rPr lang="nb-NO" sz="900" kern="1200" dirty="0" smtClean="0"/>
+            <a:t>AOP</a:t>
+          </a:r>
+          <a:endParaRPr lang="nb-NO" sz="900" kern="1200" dirty="0"/>
+        </a:p>
+      </dsp:txBody>
+      <dsp:txXfrm>
+        <a:off x="4802340" y="2042139"/>
+        <a:ext cx="932096" cy="569277"/>
+      </dsp:txXfrm>
+    </dsp:sp>
+    <dsp:sp modelId="{DADD4A01-3BCD-4A98-8821-D0B15AD296FA}">
+      <dsp:nvSpPr>
+        <dsp:cNvPr id="0" name=""/>
+        <dsp:cNvSpPr/>
+      </dsp:nvSpPr>
+      <dsp:spPr>
+        <a:xfrm>
+          <a:off x="4663689" y="1117379"/>
+          <a:ext cx="120939" cy="1965272"/>
+        </a:xfrm>
+        <a:custGeom>
+          <a:avLst/>
+          <a:gdLst/>
+          <a:ahLst/>
+          <a:cxnLst/>
+          <a:rect l="0" t="0" r="0" b="0"/>
+          <a:pathLst>
+            <a:path>
+              <a:moveTo>
+                <a:pt x="0" y="0"/>
+              </a:moveTo>
+              <a:lnTo>
+                <a:pt x="0" y="1965272"/>
+              </a:lnTo>
+              <a:lnTo>
+                <a:pt x="120939" y="1965272"/>
+              </a:lnTo>
+            </a:path>
+          </a:pathLst>
+        </a:custGeom>
+        <a:noFill/>
+        <a:ln w="25400" cap="flat" cmpd="sng" algn="ctr">
+          <a:solidFill>
+            <a:schemeClr val="accent2">
+              <a:shade val="60000"/>
+              <a:hueOff val="0"/>
+              <a:satOff val="0"/>
+              <a:lumOff val="0"/>
+              <a:alphaOff val="0"/>
+            </a:schemeClr>
+          </a:solidFill>
+          <a:prstDash val="solid"/>
+        </a:ln>
+        <a:effectLst/>
+        <a:scene3d>
+          <a:camera prst="orthographicFront"/>
+          <a:lightRig rig="flat" dir="t"/>
+        </a:scene3d>
+        <a:sp3d prstMaterial="matte"/>
+      </dsp:spPr>
+      <dsp:style>
+        <a:lnRef idx="2">
+          <a:scrgbClr r="0" g="0" b="0"/>
+        </a:lnRef>
+        <a:fillRef idx="0">
+          <a:scrgbClr r="0" g="0" b="0"/>
+        </a:fillRef>
+        <a:effectRef idx="0">
+          <a:scrgbClr r="0" g="0" b="0"/>
+        </a:effectRef>
+        <a:fontRef idx="minor"/>
+      </dsp:style>
+    </dsp:sp>
+    <dsp:sp modelId="{069EB718-7DAE-4327-B57C-C8BC47770FD4}">
+      <dsp:nvSpPr>
+        <dsp:cNvPr id="0" name=""/>
+        <dsp:cNvSpPr/>
+      </dsp:nvSpPr>
+      <dsp:spPr>
+        <a:xfrm>
+          <a:off x="4784629" y="2780302"/>
+          <a:ext cx="967518" cy="604699"/>
+        </a:xfrm>
+        <a:prstGeom prst="roundRect">
+          <a:avLst>
+            <a:gd name="adj" fmla="val 10000"/>
+          </a:avLst>
+        </a:prstGeom>
+        <a:solidFill>
+          <a:schemeClr val="accent2">
+            <a:alpha val="90000"/>
+            <a:tint val="40000"/>
+            <a:hueOff val="0"/>
+            <a:satOff val="0"/>
+            <a:lumOff val="0"/>
+            <a:alphaOff val="0"/>
+          </a:schemeClr>
+        </a:solidFill>
+        <a:ln w="9525" cap="flat" cmpd="sng" algn="ctr">
+          <a:solidFill>
+            <a:schemeClr val="accent2">
+              <a:hueOff val="0"/>
+              <a:satOff val="0"/>
+              <a:lumOff val="0"/>
+              <a:alphaOff val="0"/>
+            </a:schemeClr>
+          </a:solidFill>
+          <a:prstDash val="solid"/>
+        </a:ln>
+        <a:effectLst>
+          <a:outerShdw blurRad="40000" dist="23000" dir="5400000" rotWithShape="0">
+            <a:srgbClr val="000000">
+              <a:alpha val="35000"/>
+            </a:srgbClr>
+          </a:outerShdw>
+        </a:effectLst>
+        <a:scene3d>
+          <a:camera prst="orthographicFront"/>
+          <a:lightRig rig="flat" dir="t"/>
+        </a:scene3d>
+        <a:sp3d z="-190500" extrusionH="12700" prstMaterial="plastic">
+          <a:bevelT w="50800" h="50800"/>
+        </a:sp3d>
+      </dsp:spPr>
+      <dsp:style>
+        <a:lnRef idx="1">
+          <a:scrgbClr r="0" g="0" b="0"/>
+        </a:lnRef>
+        <a:fillRef idx="1">
+          <a:scrgbClr r="0" g="0" b="0"/>
+        </a:fillRef>
+        <a:effectRef idx="2">
+          <a:scrgbClr r="0" g="0" b="0"/>
+        </a:effectRef>
+        <a:fontRef idx="minor"/>
+      </dsp:style>
+      <dsp:txBody>
+        <a:bodyPr spcFirstLastPara="0" vert="horz" wrap="square" lIns="17145" tIns="11430" rIns="17145" bIns="11430" numCol="1" spcCol="1270" anchor="ctr" anchorCtr="0">
+          <a:noAutofit/>
+        </a:bodyPr>
+        <a:lstStyle/>
+        <a:p>
+          <a:pPr lvl="0" algn="ctr" defTabSz="400050">
+            <a:lnSpc>
+              <a:spcPct val="90000"/>
+            </a:lnSpc>
+            <a:spcBef>
+              <a:spcPct val="0"/>
+            </a:spcBef>
+            <a:spcAft>
+              <a:spcPct val="35000"/>
+            </a:spcAft>
+          </a:pPr>
+          <a:r>
+            <a:rPr lang="nb-NO" sz="900" kern="1200" dirty="0" err="1" smtClean="0"/>
+            <a:t>Instrumentation</a:t>
+          </a:r>
+          <a:endParaRPr lang="nb-NO" sz="900" kern="1200" dirty="0" smtClean="0"/>
+        </a:p>
+      </dsp:txBody>
+      <dsp:txXfrm>
+        <a:off x="4802340" y="2798013"/>
+        <a:ext cx="932096" cy="569277"/>
+      </dsp:txXfrm>
+    </dsp:sp>
+    <dsp:sp modelId="{86AE6B9C-7A0E-4CAF-8357-080D5161AB73}">
+      <dsp:nvSpPr>
+        <dsp:cNvPr id="0" name=""/>
+        <dsp:cNvSpPr/>
+      </dsp:nvSpPr>
+      <dsp:spPr>
+        <a:xfrm>
+          <a:off x="4663689" y="1117379"/>
+          <a:ext cx="120939" cy="2721146"/>
+        </a:xfrm>
+        <a:custGeom>
+          <a:avLst/>
+          <a:gdLst/>
+          <a:ahLst/>
+          <a:cxnLst/>
+          <a:rect l="0" t="0" r="0" b="0"/>
+          <a:pathLst>
+            <a:path>
+              <a:moveTo>
+                <a:pt x="0" y="0"/>
+              </a:moveTo>
+              <a:lnTo>
+                <a:pt x="0" y="2721146"/>
+              </a:lnTo>
+              <a:lnTo>
+                <a:pt x="120939" y="2721146"/>
+              </a:lnTo>
+            </a:path>
+          </a:pathLst>
+        </a:custGeom>
+        <a:noFill/>
+        <a:ln w="25400" cap="flat" cmpd="sng" algn="ctr">
+          <a:solidFill>
+            <a:schemeClr val="accent2">
+              <a:shade val="60000"/>
+              <a:hueOff val="0"/>
+              <a:satOff val="0"/>
+              <a:lumOff val="0"/>
+              <a:alphaOff val="0"/>
+            </a:schemeClr>
+          </a:solidFill>
+          <a:prstDash val="solid"/>
+        </a:ln>
+        <a:effectLst/>
+        <a:scene3d>
+          <a:camera prst="orthographicFront"/>
+          <a:lightRig rig="flat" dir="t"/>
+        </a:scene3d>
+        <a:sp3d prstMaterial="matte"/>
+      </dsp:spPr>
+      <dsp:style>
+        <a:lnRef idx="2">
+          <a:scrgbClr r="0" g="0" b="0"/>
+        </a:lnRef>
+        <a:fillRef idx="0">
+          <a:scrgbClr r="0" g="0" b="0"/>
+        </a:fillRef>
+        <a:effectRef idx="0">
+          <a:scrgbClr r="0" g="0" b="0"/>
+        </a:effectRef>
+        <a:fontRef idx="minor"/>
+      </dsp:style>
+    </dsp:sp>
+    <dsp:sp modelId="{74570B70-5A2E-4B45-9B65-60BB9377A093}">
+      <dsp:nvSpPr>
+        <dsp:cNvPr id="0" name=""/>
+        <dsp:cNvSpPr/>
+      </dsp:nvSpPr>
+      <dsp:spPr>
+        <a:xfrm>
+          <a:off x="4784629" y="3536176"/>
+          <a:ext cx="967518" cy="604699"/>
+        </a:xfrm>
+        <a:prstGeom prst="roundRect">
+          <a:avLst>
+            <a:gd name="adj" fmla="val 10000"/>
+          </a:avLst>
+        </a:prstGeom>
+        <a:solidFill>
+          <a:schemeClr val="accent2">
+            <a:alpha val="90000"/>
+            <a:tint val="40000"/>
+            <a:hueOff val="0"/>
+            <a:satOff val="0"/>
+            <a:lumOff val="0"/>
+            <a:alphaOff val="0"/>
+          </a:schemeClr>
+        </a:solidFill>
+        <a:ln w="9525" cap="flat" cmpd="sng" algn="ctr">
+          <a:solidFill>
+            <a:schemeClr val="accent2">
+              <a:hueOff val="0"/>
+              <a:satOff val="0"/>
+              <a:lumOff val="0"/>
+              <a:alphaOff val="0"/>
+            </a:schemeClr>
+          </a:solidFill>
+          <a:prstDash val="solid"/>
+        </a:ln>
+        <a:effectLst>
+          <a:outerShdw blurRad="40000" dist="23000" dir="5400000" rotWithShape="0">
+            <a:srgbClr val="000000">
+              <a:alpha val="35000"/>
+            </a:srgbClr>
+          </a:outerShdw>
+        </a:effectLst>
+        <a:scene3d>
+          <a:camera prst="orthographicFront"/>
+          <a:lightRig rig="flat" dir="t"/>
+        </a:scene3d>
+        <a:sp3d z="-190500" extrusionH="12700" prstMaterial="plastic">
+          <a:bevelT w="50800" h="50800"/>
+        </a:sp3d>
+      </dsp:spPr>
+      <dsp:style>
+        <a:lnRef idx="1">
+          <a:scrgbClr r="0" g="0" b="0"/>
+        </a:lnRef>
+        <a:fillRef idx="1">
+          <a:scrgbClr r="0" g="0" b="0"/>
+        </a:fillRef>
+        <a:effectRef idx="2">
+          <a:scrgbClr r="0" g="0" b="0"/>
+        </a:effectRef>
+        <a:fontRef idx="minor"/>
+      </dsp:style>
+      <dsp:txBody>
+        <a:bodyPr spcFirstLastPara="0" vert="horz" wrap="square" lIns="17145" tIns="11430" rIns="17145" bIns="11430" numCol="1" spcCol="1270" anchor="ctr" anchorCtr="0">
+          <a:noAutofit/>
+        </a:bodyPr>
+        <a:lstStyle/>
+        <a:p>
+          <a:pPr lvl="0" algn="ctr" defTabSz="400050">
+            <a:lnSpc>
+              <a:spcPct val="90000"/>
+            </a:lnSpc>
+            <a:spcBef>
+              <a:spcPct val="0"/>
+            </a:spcBef>
+            <a:spcAft>
+              <a:spcPct val="35000"/>
+            </a:spcAft>
+          </a:pPr>
+          <a:r>
+            <a:rPr lang="nb-NO" sz="900" kern="1200" dirty="0" err="1" smtClean="0"/>
+            <a:t>Scheduling</a:t>
+          </a:r>
+          <a:endParaRPr lang="nb-NO" sz="900" kern="1200" dirty="0" smtClean="0"/>
+        </a:p>
+      </dsp:txBody>
+      <dsp:txXfrm>
+        <a:off x="4802340" y="3553887"/>
+        <a:ext cx="932096" cy="569277"/>
+      </dsp:txXfrm>
+    </dsp:sp>
+    <dsp:sp modelId="{150C0875-E450-4BC3-BC85-10A6E528AE44}">
+      <dsp:nvSpPr>
+        <dsp:cNvPr id="0" name=""/>
+        <dsp:cNvSpPr/>
+      </dsp:nvSpPr>
+      <dsp:spPr>
+        <a:xfrm>
+          <a:off x="4663689" y="1117379"/>
+          <a:ext cx="120939" cy="3477020"/>
+        </a:xfrm>
+        <a:custGeom>
+          <a:avLst/>
+          <a:gdLst/>
+          <a:ahLst/>
+          <a:cxnLst/>
+          <a:rect l="0" t="0" r="0" b="0"/>
+          <a:pathLst>
+            <a:path>
+              <a:moveTo>
+                <a:pt x="0" y="0"/>
+              </a:moveTo>
+              <a:lnTo>
+                <a:pt x="0" y="3477020"/>
+              </a:lnTo>
+              <a:lnTo>
+                <a:pt x="120939" y="3477020"/>
+              </a:lnTo>
+            </a:path>
+          </a:pathLst>
+        </a:custGeom>
+        <a:noFill/>
+        <a:ln w="25400" cap="flat" cmpd="sng" algn="ctr">
+          <a:solidFill>
+            <a:schemeClr val="accent2">
+              <a:shade val="60000"/>
+              <a:hueOff val="0"/>
+              <a:satOff val="0"/>
+              <a:lumOff val="0"/>
+              <a:alphaOff val="0"/>
+            </a:schemeClr>
+          </a:solidFill>
+          <a:prstDash val="solid"/>
+        </a:ln>
+        <a:effectLst/>
+        <a:scene3d>
+          <a:camera prst="orthographicFront"/>
+          <a:lightRig rig="flat" dir="t"/>
+        </a:scene3d>
+        <a:sp3d prstMaterial="matte"/>
+      </dsp:spPr>
+      <dsp:style>
+        <a:lnRef idx="2">
+          <a:scrgbClr r="0" g="0" b="0"/>
+        </a:lnRef>
+        <a:fillRef idx="0">
+          <a:scrgbClr r="0" g="0" b="0"/>
+        </a:fillRef>
+        <a:effectRef idx="0">
+          <a:scrgbClr r="0" g="0" b="0"/>
+        </a:effectRef>
+        <a:fontRef idx="minor"/>
+      </dsp:style>
+    </dsp:sp>
+    <dsp:sp modelId="{1B16B09E-F38A-43F6-B9BC-6AB9A60054FE}">
+      <dsp:nvSpPr>
+        <dsp:cNvPr id="0" name=""/>
+        <dsp:cNvSpPr/>
+      </dsp:nvSpPr>
+      <dsp:spPr>
+        <a:xfrm>
+          <a:off x="4784629" y="4292050"/>
+          <a:ext cx="967518" cy="604699"/>
+        </a:xfrm>
+        <a:prstGeom prst="roundRect">
+          <a:avLst>
+            <a:gd name="adj" fmla="val 10000"/>
+          </a:avLst>
+        </a:prstGeom>
+        <a:solidFill>
+          <a:schemeClr val="accent2">
+            <a:alpha val="90000"/>
+            <a:tint val="40000"/>
+            <a:hueOff val="0"/>
+            <a:satOff val="0"/>
+            <a:lumOff val="0"/>
+            <a:alphaOff val="0"/>
+          </a:schemeClr>
+        </a:solidFill>
+        <a:ln w="9525" cap="flat" cmpd="sng" algn="ctr">
+          <a:solidFill>
+            <a:schemeClr val="accent2">
+              <a:hueOff val="0"/>
+              <a:satOff val="0"/>
+              <a:lumOff val="0"/>
+              <a:alphaOff val="0"/>
+            </a:schemeClr>
+          </a:solidFill>
+          <a:prstDash val="solid"/>
+        </a:ln>
+        <a:effectLst>
+          <a:outerShdw blurRad="40000" dist="23000" dir="5400000" rotWithShape="0">
+            <a:srgbClr val="000000">
+              <a:alpha val="35000"/>
+            </a:srgbClr>
+          </a:outerShdw>
+        </a:effectLst>
+        <a:scene3d>
+          <a:camera prst="orthographicFront"/>
+          <a:lightRig rig="flat" dir="t"/>
+        </a:scene3d>
+        <a:sp3d z="-190500" extrusionH="12700" prstMaterial="plastic">
+          <a:bevelT w="50800" h="50800"/>
+        </a:sp3d>
+      </dsp:spPr>
+      <dsp:style>
+        <a:lnRef idx="1">
+          <a:scrgbClr r="0" g="0" b="0"/>
+        </a:lnRef>
+        <a:fillRef idx="1">
+          <a:scrgbClr r="0" g="0" b="0"/>
+        </a:fillRef>
+        <a:effectRef idx="2">
+          <a:scrgbClr r="0" g="0" b="0"/>
+        </a:effectRef>
+        <a:fontRef idx="minor"/>
+      </dsp:style>
+      <dsp:txBody>
+        <a:bodyPr spcFirstLastPara="0" vert="horz" wrap="square" lIns="17145" tIns="11430" rIns="17145" bIns="11430" numCol="1" spcCol="1270" anchor="ctr" anchorCtr="0">
+          <a:noAutofit/>
+        </a:bodyPr>
+        <a:lstStyle/>
+        <a:p>
+          <a:pPr lvl="0" algn="ctr" defTabSz="400050">
+            <a:lnSpc>
+              <a:spcPct val="90000"/>
+            </a:lnSpc>
+            <a:spcBef>
+              <a:spcPct val="0"/>
+            </a:spcBef>
+            <a:spcAft>
+              <a:spcPct val="35000"/>
+            </a:spcAft>
+          </a:pPr>
+          <a:r>
+            <a:rPr lang="nb-NO" sz="900" kern="1200" dirty="0" err="1" smtClean="0"/>
+            <a:t>Dynamic</a:t>
+          </a:r>
+          <a:r>
+            <a:rPr lang="nb-NO" sz="900" kern="1200" dirty="0" smtClean="0"/>
+            <a:t> lang</a:t>
+          </a:r>
+        </a:p>
+      </dsp:txBody>
+      <dsp:txXfrm>
+        <a:off x="4802340" y="4309761"/>
+        <a:ext cx="932096" cy="569277"/>
+      </dsp:txXfrm>
+    </dsp:sp>
+    <dsp:sp modelId="{0E94361D-BB15-4DCA-9D34-0DACABCA4412}">
+      <dsp:nvSpPr>
+        <dsp:cNvPr id="0" name=""/>
+        <dsp:cNvSpPr/>
+      </dsp:nvSpPr>
+      <dsp:spPr>
+        <a:xfrm>
+          <a:off x="6054498" y="512680"/>
+          <a:ext cx="1209398" cy="604699"/>
+        </a:xfrm>
+        <a:prstGeom prst="roundRect">
+          <a:avLst>
+            <a:gd name="adj" fmla="val 10000"/>
+          </a:avLst>
+        </a:prstGeom>
+        <a:gradFill rotWithShape="0">
+          <a:gsLst>
+            <a:gs pos="0">
+              <a:schemeClr val="lt1">
+                <a:hueOff val="0"/>
+                <a:satOff val="0"/>
+                <a:lumOff val="0"/>
+                <a:alphaOff val="0"/>
+                <a:shade val="51000"/>
+                <a:satMod val="130000"/>
+              </a:schemeClr>
+            </a:gs>
+            <a:gs pos="80000">
+              <a:schemeClr val="lt1">
+                <a:hueOff val="0"/>
+                <a:satOff val="0"/>
+                <a:lumOff val="0"/>
+                <a:alphaOff val="0"/>
+                <a:shade val="93000"/>
+                <a:satMod val="130000"/>
+              </a:schemeClr>
+            </a:gs>
+            <a:gs pos="100000">
+              <a:schemeClr val="lt1">
+                <a:hueOff val="0"/>
+                <a:satOff val="0"/>
+                <a:lumOff val="0"/>
+                <a:alphaOff val="0"/>
+                <a:shade val="94000"/>
+                <a:satMod val="135000"/>
+              </a:schemeClr>
+            </a:gs>
+          </a:gsLst>
+          <a:lin ang="16200000" scaled="0"/>
+        </a:gradFill>
+        <a:ln>
+          <a:noFill/>
+        </a:ln>
+        <a:effectLst>
+          <a:outerShdw blurRad="40000" dist="23000" dir="5400000" rotWithShape="0">
+            <a:srgbClr val="000000">
+              <a:alpha val="35000"/>
+            </a:srgbClr>
+          </a:outerShdw>
+        </a:effectLst>
+        <a:scene3d>
+          <a:camera prst="orthographicFront"/>
+          <a:lightRig rig="flat" dir="t"/>
+        </a:scene3d>
+        <a:sp3d prstMaterial="plastic">
+          <a:bevelT w="120900" h="88900"/>
+          <a:bevelB w="88900" h="31750" prst="angle"/>
+        </a:sp3d>
+      </dsp:spPr>
+      <dsp:style>
+        <a:lnRef idx="0">
+          <a:scrgbClr r="0" g="0" b="0"/>
+        </a:lnRef>
+        <a:fillRef idx="3">
+          <a:scrgbClr r="0" g="0" b="0"/>
+        </a:fillRef>
+        <a:effectRef idx="2">
+          <a:scrgbClr r="0" g="0" b="0"/>
+        </a:effectRef>
+        <a:fontRef idx="minor">
+          <a:schemeClr val="lt1"/>
+        </a:fontRef>
+      </dsp:style>
+      <dsp:txBody>
+        <a:bodyPr spcFirstLastPara="0" vert="horz" wrap="square" lIns="26670" tIns="17780" rIns="26670" bIns="17780" numCol="1" spcCol="1270" anchor="ctr" anchorCtr="0">
+          <a:noAutofit/>
+        </a:bodyPr>
+        <a:lstStyle/>
+        <a:p>
+          <a:pPr lvl="0" algn="ctr" defTabSz="622300">
+            <a:lnSpc>
+              <a:spcPct val="90000"/>
+            </a:lnSpc>
+            <a:spcBef>
+              <a:spcPct val="0"/>
+            </a:spcBef>
+            <a:spcAft>
+              <a:spcPct val="35000"/>
+            </a:spcAft>
+          </a:pPr>
+          <a:r>
+            <a:rPr lang="nb-NO" sz="1400" kern="1200" dirty="0" smtClean="0"/>
+            <a:t>Projects</a:t>
+          </a:r>
+        </a:p>
+      </dsp:txBody>
+      <dsp:txXfrm>
+        <a:off x="6072209" y="530391"/>
+        <a:ext cx="1173976" cy="569277"/>
+      </dsp:txXfrm>
+    </dsp:sp>
+    <dsp:sp modelId="{9E1C4B44-56D6-44C6-B4D1-4D6E013EF4F9}">
+      <dsp:nvSpPr>
+        <dsp:cNvPr id="0" name=""/>
+        <dsp:cNvSpPr/>
+      </dsp:nvSpPr>
+      <dsp:spPr>
+        <a:xfrm>
+          <a:off x="6175437" y="1117379"/>
+          <a:ext cx="120939" cy="453524"/>
+        </a:xfrm>
+        <a:custGeom>
+          <a:avLst/>
+          <a:gdLst/>
+          <a:ahLst/>
+          <a:cxnLst/>
+          <a:rect l="0" t="0" r="0" b="0"/>
+          <a:pathLst>
+            <a:path>
+              <a:moveTo>
+                <a:pt x="0" y="0"/>
+              </a:moveTo>
+              <a:lnTo>
+                <a:pt x="0" y="453524"/>
+              </a:lnTo>
+              <a:lnTo>
+                <a:pt x="120939" y="453524"/>
+              </a:lnTo>
+            </a:path>
+          </a:pathLst>
+        </a:custGeom>
+        <a:noFill/>
+        <a:ln w="25400" cap="flat" cmpd="sng" algn="ctr">
+          <a:solidFill>
+            <a:schemeClr val="accent2">
+              <a:shade val="60000"/>
+              <a:hueOff val="0"/>
+              <a:satOff val="0"/>
+              <a:lumOff val="0"/>
+              <a:alphaOff val="0"/>
+            </a:schemeClr>
+          </a:solidFill>
+          <a:prstDash val="solid"/>
+        </a:ln>
+        <a:effectLst/>
+        <a:scene3d>
+          <a:camera prst="orthographicFront"/>
+          <a:lightRig rig="flat" dir="t"/>
+        </a:scene3d>
+        <a:sp3d prstMaterial="matte"/>
+      </dsp:spPr>
+      <dsp:style>
+        <a:lnRef idx="2">
+          <a:scrgbClr r="0" g="0" b="0"/>
+        </a:lnRef>
+        <a:fillRef idx="0">
+          <a:scrgbClr r="0" g="0" b="0"/>
+        </a:fillRef>
+        <a:effectRef idx="0">
+          <a:scrgbClr r="0" g="0" b="0"/>
+        </a:effectRef>
+        <a:fontRef idx="minor"/>
+      </dsp:style>
+    </dsp:sp>
+    <dsp:sp modelId="{063A5D9E-5190-4BF1-9827-D3E29D6973D6}">
+      <dsp:nvSpPr>
+        <dsp:cNvPr id="0" name=""/>
+        <dsp:cNvSpPr/>
+      </dsp:nvSpPr>
+      <dsp:spPr>
+        <a:xfrm>
+          <a:off x="6296377" y="1268554"/>
+          <a:ext cx="967518" cy="604699"/>
+        </a:xfrm>
+        <a:prstGeom prst="roundRect">
+          <a:avLst>
+            <a:gd name="adj" fmla="val 10000"/>
+          </a:avLst>
+        </a:prstGeom>
+        <a:solidFill>
+          <a:schemeClr val="accent2">
+            <a:alpha val="90000"/>
+            <a:tint val="40000"/>
+            <a:hueOff val="0"/>
+            <a:satOff val="0"/>
+            <a:lumOff val="0"/>
+            <a:alphaOff val="0"/>
+          </a:schemeClr>
+        </a:solidFill>
+        <a:ln w="9525" cap="flat" cmpd="sng" algn="ctr">
+          <a:solidFill>
+            <a:schemeClr val="accent2">
+              <a:hueOff val="0"/>
+              <a:satOff val="0"/>
+              <a:lumOff val="0"/>
+              <a:alphaOff val="0"/>
+            </a:schemeClr>
+          </a:solidFill>
+          <a:prstDash val="solid"/>
+        </a:ln>
+        <a:effectLst>
+          <a:outerShdw blurRad="40000" dist="23000" dir="5400000" rotWithShape="0">
+            <a:srgbClr val="000000">
+              <a:alpha val="35000"/>
+            </a:srgbClr>
+          </a:outerShdw>
+        </a:effectLst>
+        <a:scene3d>
+          <a:camera prst="orthographicFront"/>
+          <a:lightRig rig="flat" dir="t"/>
+        </a:scene3d>
+        <a:sp3d z="-190500" extrusionH="12700" prstMaterial="plastic">
+          <a:bevelT w="50800" h="50800"/>
+        </a:sp3d>
+      </dsp:spPr>
+      <dsp:style>
+        <a:lnRef idx="1">
+          <a:scrgbClr r="0" g="0" b="0"/>
+        </a:lnRef>
+        <a:fillRef idx="1">
+          <a:scrgbClr r="0" g="0" b="0"/>
+        </a:fillRef>
+        <a:effectRef idx="2">
+          <a:scrgbClr r="0" g="0" b="0"/>
+        </a:effectRef>
+        <a:fontRef idx="minor"/>
+      </dsp:style>
+      <dsp:txBody>
+        <a:bodyPr spcFirstLastPara="0" vert="horz" wrap="square" lIns="17145" tIns="11430" rIns="17145" bIns="11430" numCol="1" spcCol="1270" anchor="ctr" anchorCtr="0">
+          <a:noAutofit/>
+        </a:bodyPr>
+        <a:lstStyle/>
+        <a:p>
+          <a:pPr lvl="0" algn="ctr" defTabSz="400050">
+            <a:lnSpc>
+              <a:spcPct val="90000"/>
+            </a:lnSpc>
+            <a:spcBef>
+              <a:spcPct val="0"/>
+            </a:spcBef>
+            <a:spcAft>
+              <a:spcPct val="35000"/>
+            </a:spcAft>
+          </a:pPr>
+          <a:r>
+            <a:rPr lang="nb-NO" sz="900" kern="1200" dirty="0" smtClean="0"/>
+            <a:t>Batch</a:t>
+          </a:r>
+          <a:endParaRPr lang="nb-NO" sz="900" kern="1200" dirty="0"/>
+        </a:p>
+      </dsp:txBody>
+      <dsp:txXfrm>
+        <a:off x="6314088" y="1286265"/>
+        <a:ext cx="932096" cy="569277"/>
+      </dsp:txXfrm>
+    </dsp:sp>
+    <dsp:sp modelId="{19B8365C-B7E1-4693-B6C9-009FF8A8BB10}">
+      <dsp:nvSpPr>
+        <dsp:cNvPr id="0" name=""/>
+        <dsp:cNvSpPr/>
+      </dsp:nvSpPr>
+      <dsp:spPr>
+        <a:xfrm>
+          <a:off x="6175437" y="1117379"/>
+          <a:ext cx="120939" cy="1209398"/>
+        </a:xfrm>
+        <a:custGeom>
+          <a:avLst/>
+          <a:gdLst/>
+          <a:ahLst/>
+          <a:cxnLst/>
+          <a:rect l="0" t="0" r="0" b="0"/>
+          <a:pathLst>
+            <a:path>
+              <a:moveTo>
+                <a:pt x="0" y="0"/>
+              </a:moveTo>
+              <a:lnTo>
+                <a:pt x="0" y="1209398"/>
+              </a:lnTo>
+              <a:lnTo>
+                <a:pt x="120939" y="1209398"/>
+              </a:lnTo>
+            </a:path>
+          </a:pathLst>
+        </a:custGeom>
+        <a:noFill/>
+        <a:ln w="25400" cap="flat" cmpd="sng" algn="ctr">
+          <a:solidFill>
+            <a:schemeClr val="accent2">
+              <a:shade val="60000"/>
+              <a:hueOff val="0"/>
+              <a:satOff val="0"/>
+              <a:lumOff val="0"/>
+              <a:alphaOff val="0"/>
+            </a:schemeClr>
+          </a:solidFill>
+          <a:prstDash val="solid"/>
+        </a:ln>
+        <a:effectLst/>
+        <a:scene3d>
+          <a:camera prst="orthographicFront"/>
+          <a:lightRig rig="flat" dir="t"/>
+        </a:scene3d>
+        <a:sp3d prstMaterial="matte"/>
+      </dsp:spPr>
+      <dsp:style>
+        <a:lnRef idx="2">
+          <a:scrgbClr r="0" g="0" b="0"/>
+        </a:lnRef>
+        <a:fillRef idx="0">
+          <a:scrgbClr r="0" g="0" b="0"/>
+        </a:fillRef>
+        <a:effectRef idx="0">
+          <a:scrgbClr r="0" g="0" b="0"/>
+        </a:effectRef>
+        <a:fontRef idx="minor"/>
+      </dsp:style>
+    </dsp:sp>
+    <dsp:sp modelId="{E9EED31F-070A-4BEE-8993-2D05E74CB1EB}">
+      <dsp:nvSpPr>
+        <dsp:cNvPr id="0" name=""/>
+        <dsp:cNvSpPr/>
+      </dsp:nvSpPr>
+      <dsp:spPr>
+        <a:xfrm>
+          <a:off x="6296377" y="2024428"/>
+          <a:ext cx="967518" cy="604699"/>
+        </a:xfrm>
+        <a:prstGeom prst="roundRect">
+          <a:avLst>
+            <a:gd name="adj" fmla="val 10000"/>
+          </a:avLst>
+        </a:prstGeom>
+        <a:solidFill>
+          <a:schemeClr val="accent2">
+            <a:alpha val="90000"/>
+            <a:tint val="40000"/>
+            <a:hueOff val="0"/>
+            <a:satOff val="0"/>
+            <a:lumOff val="0"/>
+            <a:alphaOff val="0"/>
+          </a:schemeClr>
+        </a:solidFill>
+        <a:ln w="9525" cap="flat" cmpd="sng" algn="ctr">
+          <a:solidFill>
+            <a:schemeClr val="accent2">
+              <a:hueOff val="0"/>
+              <a:satOff val="0"/>
+              <a:lumOff val="0"/>
+              <a:alphaOff val="0"/>
+            </a:schemeClr>
+          </a:solidFill>
+          <a:prstDash val="solid"/>
+        </a:ln>
+        <a:effectLst>
+          <a:outerShdw blurRad="40000" dist="23000" dir="5400000" rotWithShape="0">
+            <a:srgbClr val="000000">
+              <a:alpha val="35000"/>
+            </a:srgbClr>
+          </a:outerShdw>
+        </a:effectLst>
+        <a:scene3d>
+          <a:camera prst="orthographicFront"/>
+          <a:lightRig rig="flat" dir="t"/>
+        </a:scene3d>
+        <a:sp3d z="-190500" extrusionH="12700" prstMaterial="plastic">
+          <a:bevelT w="50800" h="50800"/>
+        </a:sp3d>
+      </dsp:spPr>
+      <dsp:style>
+        <a:lnRef idx="1">
+          <a:scrgbClr r="0" g="0" b="0"/>
+        </a:lnRef>
+        <a:fillRef idx="1">
+          <a:scrgbClr r="0" g="0" b="0"/>
+        </a:fillRef>
+        <a:effectRef idx="2">
+          <a:scrgbClr r="0" g="0" b="0"/>
+        </a:effectRef>
+        <a:fontRef idx="minor"/>
+      </dsp:style>
+      <dsp:txBody>
+        <a:bodyPr spcFirstLastPara="0" vert="horz" wrap="square" lIns="17145" tIns="11430" rIns="17145" bIns="11430" numCol="1" spcCol="1270" anchor="ctr" anchorCtr="0">
+          <a:noAutofit/>
+        </a:bodyPr>
+        <a:lstStyle/>
+        <a:p>
+          <a:pPr lvl="0" algn="ctr" defTabSz="400050">
+            <a:lnSpc>
+              <a:spcPct val="90000"/>
+            </a:lnSpc>
+            <a:spcBef>
+              <a:spcPct val="0"/>
+            </a:spcBef>
+            <a:spcAft>
+              <a:spcPct val="35000"/>
+            </a:spcAft>
+          </a:pPr>
+          <a:r>
+            <a:rPr lang="nb-NO" sz="900" kern="1200" dirty="0" smtClean="0"/>
+            <a:t>Security</a:t>
+          </a:r>
+          <a:endParaRPr lang="nb-NO" sz="900" kern="1200" dirty="0"/>
+        </a:p>
+      </dsp:txBody>
+      <dsp:txXfrm>
+        <a:off x="6314088" y="2042139"/>
+        <a:ext cx="932096" cy="569277"/>
+      </dsp:txXfrm>
+    </dsp:sp>
+    <dsp:sp modelId="{DBD0F60F-0A90-4685-8708-C8FEB6381120}">
+      <dsp:nvSpPr>
+        <dsp:cNvPr id="0" name=""/>
+        <dsp:cNvSpPr/>
+      </dsp:nvSpPr>
+      <dsp:spPr>
+        <a:xfrm>
+          <a:off x="6175437" y="1117379"/>
+          <a:ext cx="120939" cy="1965272"/>
+        </a:xfrm>
+        <a:custGeom>
+          <a:avLst/>
+          <a:gdLst/>
+          <a:ahLst/>
+          <a:cxnLst/>
+          <a:rect l="0" t="0" r="0" b="0"/>
+          <a:pathLst>
+            <a:path>
+              <a:moveTo>
+                <a:pt x="0" y="0"/>
+              </a:moveTo>
+              <a:lnTo>
+                <a:pt x="0" y="1965272"/>
+              </a:lnTo>
+              <a:lnTo>
+                <a:pt x="120939" y="1965272"/>
+              </a:lnTo>
+            </a:path>
+          </a:pathLst>
+        </a:custGeom>
+        <a:noFill/>
+        <a:ln w="25400" cap="flat" cmpd="sng" algn="ctr">
+          <a:solidFill>
+            <a:schemeClr val="accent2">
+              <a:shade val="60000"/>
+              <a:hueOff val="0"/>
+              <a:satOff val="0"/>
+              <a:lumOff val="0"/>
+              <a:alphaOff val="0"/>
+            </a:schemeClr>
+          </a:solidFill>
+          <a:prstDash val="solid"/>
+        </a:ln>
+        <a:effectLst/>
+        <a:scene3d>
+          <a:camera prst="orthographicFront"/>
+          <a:lightRig rig="flat" dir="t"/>
+        </a:scene3d>
+        <a:sp3d prstMaterial="matte"/>
+      </dsp:spPr>
+      <dsp:style>
+        <a:lnRef idx="2">
+          <a:scrgbClr r="0" g="0" b="0"/>
+        </a:lnRef>
+        <a:fillRef idx="0">
+          <a:scrgbClr r="0" g="0" b="0"/>
+        </a:fillRef>
+        <a:effectRef idx="0">
+          <a:scrgbClr r="0" g="0" b="0"/>
+        </a:effectRef>
+        <a:fontRef idx="minor"/>
+      </dsp:style>
+    </dsp:sp>
+    <dsp:sp modelId="{779AD7A2-BB17-4003-862A-EEA908E9A096}">
+      <dsp:nvSpPr>
+        <dsp:cNvPr id="0" name=""/>
+        <dsp:cNvSpPr/>
+      </dsp:nvSpPr>
+      <dsp:spPr>
+        <a:xfrm>
+          <a:off x="6296377" y="2780302"/>
+          <a:ext cx="967518" cy="604699"/>
+        </a:xfrm>
+        <a:prstGeom prst="roundRect">
+          <a:avLst>
+            <a:gd name="adj" fmla="val 10000"/>
+          </a:avLst>
+        </a:prstGeom>
+        <a:solidFill>
+          <a:schemeClr val="accent2">
+            <a:alpha val="90000"/>
+            <a:tint val="40000"/>
+            <a:hueOff val="0"/>
+            <a:satOff val="0"/>
+            <a:lumOff val="0"/>
+            <a:alphaOff val="0"/>
+          </a:schemeClr>
+        </a:solidFill>
+        <a:ln w="9525" cap="flat" cmpd="sng" algn="ctr">
+          <a:solidFill>
+            <a:schemeClr val="accent2">
+              <a:hueOff val="0"/>
+              <a:satOff val="0"/>
+              <a:lumOff val="0"/>
+              <a:alphaOff val="0"/>
+            </a:schemeClr>
+          </a:solidFill>
+          <a:prstDash val="solid"/>
+        </a:ln>
+        <a:effectLst>
+          <a:outerShdw blurRad="40000" dist="23000" dir="5400000" rotWithShape="0">
+            <a:srgbClr val="000000">
+              <a:alpha val="35000"/>
+            </a:srgbClr>
+          </a:outerShdw>
+        </a:effectLst>
+        <a:scene3d>
+          <a:camera prst="orthographicFront"/>
+          <a:lightRig rig="flat" dir="t"/>
+        </a:scene3d>
+        <a:sp3d z="-190500" extrusionH="12700" prstMaterial="plastic">
+          <a:bevelT w="50800" h="50800"/>
+        </a:sp3d>
+      </dsp:spPr>
+      <dsp:style>
+        <a:lnRef idx="1">
+          <a:scrgbClr r="0" g="0" b="0"/>
+        </a:lnRef>
+        <a:fillRef idx="1">
+          <a:scrgbClr r="0" g="0" b="0"/>
+        </a:fillRef>
+        <a:effectRef idx="2">
+          <a:scrgbClr r="0" g="0" b="0"/>
+        </a:effectRef>
+        <a:fontRef idx="minor"/>
+      </dsp:style>
+      <dsp:txBody>
+        <a:bodyPr spcFirstLastPara="0" vert="horz" wrap="square" lIns="17145" tIns="11430" rIns="17145" bIns="11430" numCol="1" spcCol="1270" anchor="ctr" anchorCtr="0">
+          <a:noAutofit/>
+        </a:bodyPr>
+        <a:lstStyle/>
+        <a:p>
+          <a:pPr lvl="0" algn="ctr" defTabSz="400050">
+            <a:lnSpc>
+              <a:spcPct val="90000"/>
+            </a:lnSpc>
+            <a:spcBef>
+              <a:spcPct val="0"/>
+            </a:spcBef>
+            <a:spcAft>
+              <a:spcPct val="35000"/>
+            </a:spcAft>
+          </a:pPr>
+          <a:r>
+            <a:rPr lang="nb-NO" sz="900" kern="1200" dirty="0" smtClean="0"/>
+            <a:t>WS</a:t>
+          </a:r>
+          <a:endParaRPr lang="nb-NO" sz="900" kern="1200" dirty="0"/>
+        </a:p>
+      </dsp:txBody>
+      <dsp:txXfrm>
+        <a:off x="6314088" y="2798013"/>
+        <a:ext cx="932096" cy="569277"/>
+      </dsp:txXfrm>
+    </dsp:sp>
+    <dsp:sp modelId="{CDD15DD5-38BD-4435-935C-44E71FFAD053}">
+      <dsp:nvSpPr>
+        <dsp:cNvPr id="0" name=""/>
+        <dsp:cNvSpPr/>
+      </dsp:nvSpPr>
+      <dsp:spPr>
+        <a:xfrm>
+          <a:off x="6175437" y="1117379"/>
+          <a:ext cx="120939" cy="2721146"/>
+        </a:xfrm>
+        <a:custGeom>
+          <a:avLst/>
+          <a:gdLst/>
+          <a:ahLst/>
+          <a:cxnLst/>
+          <a:rect l="0" t="0" r="0" b="0"/>
+          <a:pathLst>
+            <a:path>
+              <a:moveTo>
+                <a:pt x="0" y="0"/>
+              </a:moveTo>
+              <a:lnTo>
+                <a:pt x="0" y="2721146"/>
+              </a:lnTo>
+              <a:lnTo>
+                <a:pt x="120939" y="2721146"/>
+              </a:lnTo>
+            </a:path>
+          </a:pathLst>
+        </a:custGeom>
+        <a:noFill/>
+        <a:ln w="25400" cap="flat" cmpd="sng" algn="ctr">
+          <a:solidFill>
+            <a:schemeClr val="accent2">
+              <a:shade val="60000"/>
+              <a:hueOff val="0"/>
+              <a:satOff val="0"/>
+              <a:lumOff val="0"/>
+              <a:alphaOff val="0"/>
+            </a:schemeClr>
+          </a:solidFill>
+          <a:prstDash val="solid"/>
+        </a:ln>
+        <a:effectLst/>
+        <a:scene3d>
+          <a:camera prst="orthographicFront"/>
+          <a:lightRig rig="flat" dir="t"/>
+        </a:scene3d>
+        <a:sp3d prstMaterial="matte"/>
+      </dsp:spPr>
+      <dsp:style>
+        <a:lnRef idx="2">
+          <a:scrgbClr r="0" g="0" b="0"/>
+        </a:lnRef>
+        <a:fillRef idx="0">
+          <a:scrgbClr r="0" g="0" b="0"/>
+        </a:fillRef>
+        <a:effectRef idx="0">
+          <a:scrgbClr r="0" g="0" b="0"/>
+        </a:effectRef>
+        <a:fontRef idx="minor"/>
+      </dsp:style>
+    </dsp:sp>
+    <dsp:sp modelId="{84797B46-DD68-4881-BDFB-9E128D3BE187}">
+      <dsp:nvSpPr>
+        <dsp:cNvPr id="0" name=""/>
+        <dsp:cNvSpPr/>
+      </dsp:nvSpPr>
+      <dsp:spPr>
+        <a:xfrm>
+          <a:off x="6296377" y="3536176"/>
+          <a:ext cx="967518" cy="604699"/>
+        </a:xfrm>
+        <a:prstGeom prst="roundRect">
+          <a:avLst>
+            <a:gd name="adj" fmla="val 10000"/>
+          </a:avLst>
+        </a:prstGeom>
+        <a:solidFill>
+          <a:schemeClr val="accent2">
+            <a:alpha val="90000"/>
+            <a:tint val="40000"/>
+            <a:hueOff val="0"/>
+            <a:satOff val="0"/>
+            <a:lumOff val="0"/>
+            <a:alphaOff val="0"/>
+          </a:schemeClr>
+        </a:solidFill>
+        <a:ln w="9525" cap="flat" cmpd="sng" algn="ctr">
+          <a:solidFill>
+            <a:schemeClr val="accent2">
+              <a:hueOff val="0"/>
+              <a:satOff val="0"/>
+              <a:lumOff val="0"/>
+              <a:alphaOff val="0"/>
+            </a:schemeClr>
+          </a:solidFill>
+          <a:prstDash val="solid"/>
+        </a:ln>
+        <a:effectLst>
+          <a:outerShdw blurRad="40000" dist="23000" dir="5400000" rotWithShape="0">
+            <a:srgbClr val="000000">
+              <a:alpha val="35000"/>
+            </a:srgbClr>
+          </a:outerShdw>
+        </a:effectLst>
+        <a:scene3d>
+          <a:camera prst="orthographicFront"/>
+          <a:lightRig rig="flat" dir="t"/>
+        </a:scene3d>
+        <a:sp3d z="-190500" extrusionH="12700" prstMaterial="plastic">
+          <a:bevelT w="50800" h="50800"/>
+        </a:sp3d>
+      </dsp:spPr>
+      <dsp:style>
+        <a:lnRef idx="1">
+          <a:scrgbClr r="0" g="0" b="0"/>
+        </a:lnRef>
+        <a:fillRef idx="1">
+          <a:scrgbClr r="0" g="0" b="0"/>
+        </a:fillRef>
+        <a:effectRef idx="2">
+          <a:scrgbClr r="0" g="0" b="0"/>
+        </a:effectRef>
+        <a:fontRef idx="minor"/>
+      </dsp:style>
+      <dsp:txBody>
+        <a:bodyPr spcFirstLastPara="0" vert="horz" wrap="square" lIns="17145" tIns="11430" rIns="17145" bIns="11430" numCol="1" spcCol="1270" anchor="ctr" anchorCtr="0">
+          <a:noAutofit/>
+        </a:bodyPr>
+        <a:lstStyle/>
+        <a:p>
+          <a:pPr lvl="0" algn="ctr" defTabSz="400050">
+            <a:lnSpc>
+              <a:spcPct val="90000"/>
+            </a:lnSpc>
+            <a:spcBef>
+              <a:spcPct val="0"/>
+            </a:spcBef>
+            <a:spcAft>
+              <a:spcPct val="35000"/>
+            </a:spcAft>
+          </a:pPr>
+          <a:r>
+            <a:rPr lang="nb-NO" sz="900" kern="1200" dirty="0" err="1" smtClean="0"/>
+            <a:t>Dynamic</a:t>
+          </a:r>
+          <a:r>
+            <a:rPr lang="nb-NO" sz="900" kern="1200" dirty="0" smtClean="0"/>
+            <a:t> </a:t>
+          </a:r>
+          <a:r>
+            <a:rPr lang="nb-NO" sz="900" kern="1200" dirty="0" err="1" smtClean="0"/>
+            <a:t>Modules</a:t>
+          </a:r>
+          <a:endParaRPr lang="nb-NO" sz="900" kern="1200" dirty="0"/>
+        </a:p>
+      </dsp:txBody>
+      <dsp:txXfrm>
+        <a:off x="6314088" y="3553887"/>
+        <a:ext cx="932096" cy="569277"/>
+      </dsp:txXfrm>
+    </dsp:sp>
+    <dsp:sp modelId="{6C73AD8F-65D9-415F-A249-3EE74426E55A}">
+      <dsp:nvSpPr>
+        <dsp:cNvPr id="0" name=""/>
+        <dsp:cNvSpPr/>
+      </dsp:nvSpPr>
+      <dsp:spPr>
+        <a:xfrm>
+          <a:off x="6175437" y="1117379"/>
+          <a:ext cx="120939" cy="3477020"/>
+        </a:xfrm>
+        <a:custGeom>
+          <a:avLst/>
+          <a:gdLst/>
+          <a:ahLst/>
+          <a:cxnLst/>
+          <a:rect l="0" t="0" r="0" b="0"/>
+          <a:pathLst>
+            <a:path>
+              <a:moveTo>
+                <a:pt x="0" y="0"/>
+              </a:moveTo>
+              <a:lnTo>
+                <a:pt x="0" y="3477020"/>
+              </a:lnTo>
+              <a:lnTo>
+                <a:pt x="120939" y="3477020"/>
+              </a:lnTo>
+            </a:path>
+          </a:pathLst>
+        </a:custGeom>
+        <a:noFill/>
+        <a:ln w="25400" cap="flat" cmpd="sng" algn="ctr">
+          <a:solidFill>
+            <a:schemeClr val="accent2">
+              <a:shade val="60000"/>
+              <a:hueOff val="0"/>
+              <a:satOff val="0"/>
+              <a:lumOff val="0"/>
+              <a:alphaOff val="0"/>
+            </a:schemeClr>
+          </a:solidFill>
+          <a:prstDash val="solid"/>
+        </a:ln>
+        <a:effectLst/>
+        <a:scene3d>
+          <a:camera prst="orthographicFront"/>
+          <a:lightRig rig="flat" dir="t"/>
+        </a:scene3d>
+        <a:sp3d prstMaterial="matte"/>
+      </dsp:spPr>
+      <dsp:style>
+        <a:lnRef idx="2">
+          <a:scrgbClr r="0" g="0" b="0"/>
+        </a:lnRef>
+        <a:fillRef idx="0">
+          <a:scrgbClr r="0" g="0" b="0"/>
+        </a:fillRef>
+        <a:effectRef idx="0">
+          <a:scrgbClr r="0" g="0" b="0"/>
+        </a:effectRef>
+        <a:fontRef idx="minor"/>
+      </dsp:style>
+    </dsp:sp>
+    <dsp:sp modelId="{3F78E075-A902-498A-9217-E850164FBBC2}">
+      <dsp:nvSpPr>
+        <dsp:cNvPr id="0" name=""/>
+        <dsp:cNvSpPr/>
+      </dsp:nvSpPr>
+      <dsp:spPr>
+        <a:xfrm>
+          <a:off x="6296377" y="4292050"/>
+          <a:ext cx="967518" cy="604699"/>
+        </a:xfrm>
+        <a:prstGeom prst="roundRect">
+          <a:avLst>
+            <a:gd name="adj" fmla="val 10000"/>
+          </a:avLst>
+        </a:prstGeom>
+        <a:solidFill>
+          <a:schemeClr val="accent2">
+            <a:alpha val="90000"/>
+            <a:tint val="40000"/>
+            <a:hueOff val="0"/>
+            <a:satOff val="0"/>
+            <a:lumOff val="0"/>
+            <a:alphaOff val="0"/>
+          </a:schemeClr>
+        </a:solidFill>
+        <a:ln w="9525" cap="flat" cmpd="sng" algn="ctr">
+          <a:solidFill>
+            <a:schemeClr val="accent2">
+              <a:hueOff val="0"/>
+              <a:satOff val="0"/>
+              <a:lumOff val="0"/>
+              <a:alphaOff val="0"/>
+            </a:schemeClr>
+          </a:solidFill>
+          <a:prstDash val="solid"/>
+        </a:ln>
+        <a:effectLst>
+          <a:outerShdw blurRad="40000" dist="23000" dir="5400000" rotWithShape="0">
+            <a:srgbClr val="000000">
+              <a:alpha val="35000"/>
+            </a:srgbClr>
+          </a:outerShdw>
+        </a:effectLst>
+        <a:scene3d>
+          <a:camera prst="orthographicFront"/>
+          <a:lightRig rig="flat" dir="t"/>
+        </a:scene3d>
+        <a:sp3d z="-190500" extrusionH="12700" prstMaterial="plastic">
+          <a:bevelT w="50800" h="50800"/>
+        </a:sp3d>
+      </dsp:spPr>
+      <dsp:style>
+        <a:lnRef idx="1">
+          <a:scrgbClr r="0" g="0" b="0"/>
+        </a:lnRef>
+        <a:fillRef idx="1">
+          <a:scrgbClr r="0" g="0" b="0"/>
+        </a:fillRef>
+        <a:effectRef idx="2">
+          <a:scrgbClr r="0" g="0" b="0"/>
+        </a:effectRef>
+        <a:fontRef idx="minor"/>
+      </dsp:style>
+      <dsp:txBody>
+        <a:bodyPr spcFirstLastPara="0" vert="horz" wrap="square" lIns="17145" tIns="11430" rIns="17145" bIns="11430" numCol="1" spcCol="1270" anchor="ctr" anchorCtr="0">
+          <a:noAutofit/>
+        </a:bodyPr>
+        <a:lstStyle/>
+        <a:p>
+          <a:pPr lvl="0" algn="ctr" defTabSz="400050">
+            <a:lnSpc>
+              <a:spcPct val="90000"/>
+            </a:lnSpc>
+            <a:spcBef>
+              <a:spcPct val="0"/>
+            </a:spcBef>
+            <a:spcAft>
+              <a:spcPct val="35000"/>
+            </a:spcAft>
+          </a:pPr>
+          <a:r>
+            <a:rPr lang="nb-NO" sz="900" kern="1200" dirty="0" err="1" smtClean="0"/>
+            <a:t>Integration</a:t>
+          </a:r>
+          <a:endParaRPr lang="nb-NO" sz="900" kern="1200" dirty="0"/>
+        </a:p>
+      </dsp:txBody>
+      <dsp:txXfrm>
+        <a:off x="6314088" y="4309761"/>
+        <a:ext cx="932096" cy="569277"/>
+      </dsp:txXfrm>
+    </dsp:sp>
+    <dsp:sp modelId="{2167CA12-F302-4E93-84DF-301CD4C73FF3}">
+      <dsp:nvSpPr>
+        <dsp:cNvPr id="0" name=""/>
+        <dsp:cNvSpPr/>
+      </dsp:nvSpPr>
+      <dsp:spPr>
+        <a:xfrm>
+          <a:off x="6175437" y="1117379"/>
+          <a:ext cx="120939" cy="4232895"/>
+        </a:xfrm>
+        <a:custGeom>
+          <a:avLst/>
+          <a:gdLst/>
+          <a:ahLst/>
+          <a:cxnLst/>
+          <a:rect l="0" t="0" r="0" b="0"/>
+          <a:pathLst>
+            <a:path>
+              <a:moveTo>
+                <a:pt x="0" y="0"/>
+              </a:moveTo>
+              <a:lnTo>
+                <a:pt x="0" y="4232895"/>
+              </a:lnTo>
+              <a:lnTo>
+                <a:pt x="120939" y="4232895"/>
+              </a:lnTo>
+            </a:path>
+          </a:pathLst>
+        </a:custGeom>
+        <a:noFill/>
+        <a:ln w="25400" cap="flat" cmpd="sng" algn="ctr">
+          <a:solidFill>
+            <a:schemeClr val="accent2">
+              <a:shade val="60000"/>
+              <a:hueOff val="0"/>
+              <a:satOff val="0"/>
+              <a:lumOff val="0"/>
+              <a:alphaOff val="0"/>
+            </a:schemeClr>
+          </a:solidFill>
+          <a:prstDash val="solid"/>
+        </a:ln>
+        <a:effectLst/>
+        <a:scene3d>
+          <a:camera prst="orthographicFront"/>
+          <a:lightRig rig="flat" dir="t"/>
+        </a:scene3d>
+        <a:sp3d prstMaterial="matte"/>
+      </dsp:spPr>
+      <dsp:style>
+        <a:lnRef idx="2">
+          <a:scrgbClr r="0" g="0" b="0"/>
+        </a:lnRef>
+        <a:fillRef idx="0">
+          <a:scrgbClr r="0" g="0" b="0"/>
+        </a:fillRef>
+        <a:effectRef idx="0">
+          <a:scrgbClr r="0" g="0" b="0"/>
+        </a:effectRef>
+        <a:fontRef idx="minor"/>
+      </dsp:style>
+    </dsp:sp>
+    <dsp:sp modelId="{E81B4B0C-09B3-4918-A641-068947D96707}">
+      <dsp:nvSpPr>
+        <dsp:cNvPr id="0" name=""/>
+        <dsp:cNvSpPr/>
+      </dsp:nvSpPr>
+      <dsp:spPr>
+        <a:xfrm>
+          <a:off x="6296377" y="5047924"/>
+          <a:ext cx="967518" cy="604699"/>
+        </a:xfrm>
+        <a:prstGeom prst="roundRect">
+          <a:avLst>
+            <a:gd name="adj" fmla="val 10000"/>
+          </a:avLst>
+        </a:prstGeom>
+        <a:solidFill>
+          <a:schemeClr val="accent2">
+            <a:alpha val="90000"/>
+            <a:tint val="40000"/>
+            <a:hueOff val="0"/>
+            <a:satOff val="0"/>
+            <a:lumOff val="0"/>
+            <a:alphaOff val="0"/>
+          </a:schemeClr>
+        </a:solidFill>
+        <a:ln w="9525" cap="flat" cmpd="sng" algn="ctr">
+          <a:solidFill>
+            <a:schemeClr val="accent2">
+              <a:hueOff val="0"/>
+              <a:satOff val="0"/>
+              <a:lumOff val="0"/>
+              <a:alphaOff val="0"/>
+            </a:schemeClr>
+          </a:solidFill>
+          <a:prstDash val="solid"/>
+        </a:ln>
+        <a:effectLst>
+          <a:outerShdw blurRad="40000" dist="23000" dir="5400000" rotWithShape="0">
+            <a:srgbClr val="000000">
+              <a:alpha val="35000"/>
+            </a:srgbClr>
+          </a:outerShdw>
+        </a:effectLst>
+        <a:scene3d>
+          <a:camera prst="orthographicFront"/>
+          <a:lightRig rig="flat" dir="t"/>
+        </a:scene3d>
+        <a:sp3d z="-190500" extrusionH="12700" prstMaterial="plastic">
+          <a:bevelT w="50800" h="50800"/>
+        </a:sp3d>
+      </dsp:spPr>
+      <dsp:style>
+        <a:lnRef idx="1">
+          <a:scrgbClr r="0" g="0" b="0"/>
+        </a:lnRef>
+        <a:fillRef idx="1">
+          <a:scrgbClr r="0" g="0" b="0"/>
+        </a:fillRef>
+        <a:effectRef idx="2">
+          <a:scrgbClr r="0" g="0" b="0"/>
+        </a:effectRef>
+        <a:fontRef idx="minor"/>
+      </dsp:style>
+      <dsp:txBody>
+        <a:bodyPr spcFirstLastPara="0" vert="horz" wrap="square" lIns="17145" tIns="11430" rIns="17145" bIns="11430" numCol="1" spcCol="1270" anchor="t" anchorCtr="0">
+          <a:noAutofit/>
+        </a:bodyPr>
+        <a:lstStyle/>
+        <a:p>
+          <a:pPr lvl="0" algn="l" defTabSz="400050">
+            <a:lnSpc>
+              <a:spcPct val="90000"/>
+            </a:lnSpc>
+            <a:spcBef>
+              <a:spcPct val="0"/>
+            </a:spcBef>
+            <a:spcAft>
+              <a:spcPct val="35000"/>
+            </a:spcAft>
+          </a:pPr>
+          <a:r>
+            <a:rPr lang="nb-NO" sz="900" kern="1200" smtClean="0"/>
+            <a:t>+</a:t>
+          </a:r>
+          <a:endParaRPr lang="nb-NO" sz="900" kern="1200" dirty="0"/>
+        </a:p>
+        <a:p>
+          <a:pPr marL="57150" lvl="1" indent="-57150" algn="l" defTabSz="311150">
+            <a:lnSpc>
+              <a:spcPct val="90000"/>
+            </a:lnSpc>
+            <a:spcBef>
+              <a:spcPct val="0"/>
+            </a:spcBef>
+            <a:spcAft>
+              <a:spcPct val="15000"/>
+            </a:spcAft>
+            <a:buChar char="••"/>
+          </a:pPr>
+          <a:r>
+            <a:rPr lang="nb-NO" sz="700" kern="1200" dirty="0" smtClean="0"/>
+            <a:t>LDAP,RCP</a:t>
+          </a:r>
+          <a:endParaRPr lang="nb-NO" sz="700" kern="1200" dirty="0"/>
+        </a:p>
+        <a:p>
+          <a:pPr marL="57150" lvl="1" indent="-57150" algn="l" defTabSz="311150">
+            <a:lnSpc>
+              <a:spcPct val="90000"/>
+            </a:lnSpc>
+            <a:spcBef>
+              <a:spcPct val="0"/>
+            </a:spcBef>
+            <a:spcAft>
+              <a:spcPct val="15000"/>
+            </a:spcAft>
+            <a:buChar char="••"/>
+          </a:pPr>
+          <a:r>
+            <a:rPr lang="nb-NO" sz="700" kern="1200" dirty="0" err="1" smtClean="0"/>
+            <a:t>Modules</a:t>
+          </a:r>
+          <a:r>
+            <a:rPr lang="nb-NO" sz="700" kern="1200" dirty="0" smtClean="0"/>
+            <a:t>, </a:t>
+          </a:r>
+          <a:r>
+            <a:rPr lang="nb-NO" sz="700" kern="1200" dirty="0" err="1" smtClean="0"/>
+            <a:t>Extensions</a:t>
+          </a:r>
+          <a:endParaRPr lang="nb-NO" sz="700" kern="1200" dirty="0"/>
+        </a:p>
+        <a:p>
+          <a:pPr marL="57150" lvl="1" indent="-57150" algn="l" defTabSz="311150">
+            <a:lnSpc>
+              <a:spcPct val="90000"/>
+            </a:lnSpc>
+            <a:spcBef>
+              <a:spcPct val="0"/>
+            </a:spcBef>
+            <a:spcAft>
+              <a:spcPct val="15000"/>
+            </a:spcAft>
+            <a:buChar char="••"/>
+          </a:pPr>
+          <a:r>
+            <a:rPr lang="nb-NO" sz="700" kern="1200" dirty="0" err="1" smtClean="0"/>
+            <a:t>Spring.NET</a:t>
+          </a:r>
+          <a:endParaRPr lang="nb-NO" sz="700" kern="1200"/>
+        </a:p>
+      </dsp:txBody>
+      <dsp:txXfrm>
+        <a:off x="6314088" y="5065635"/>
+        <a:ext cx="932096" cy="569277"/>
+      </dsp:txXfrm>
+    </dsp:sp>
+    <dsp:sp modelId="{8D0CF975-0B11-4A4C-BD9D-A996CE08D670}">
+      <dsp:nvSpPr>
+        <dsp:cNvPr id="0" name=""/>
+        <dsp:cNvSpPr/>
+      </dsp:nvSpPr>
+      <dsp:spPr>
+        <a:xfrm>
+          <a:off x="7566246" y="512680"/>
+          <a:ext cx="1209398" cy="604699"/>
+        </a:xfrm>
+        <a:prstGeom prst="roundRect">
+          <a:avLst>
+            <a:gd name="adj" fmla="val 10000"/>
+          </a:avLst>
+        </a:prstGeom>
+        <a:gradFill rotWithShape="0">
+          <a:gsLst>
+            <a:gs pos="0">
+              <a:schemeClr val="lt1">
+                <a:hueOff val="0"/>
+                <a:satOff val="0"/>
+                <a:lumOff val="0"/>
+                <a:alphaOff val="0"/>
+                <a:shade val="51000"/>
+                <a:satMod val="130000"/>
+              </a:schemeClr>
+            </a:gs>
+            <a:gs pos="80000">
+              <a:schemeClr val="lt1">
+                <a:hueOff val="0"/>
+                <a:satOff val="0"/>
+                <a:lumOff val="0"/>
+                <a:alphaOff val="0"/>
+                <a:shade val="93000"/>
+                <a:satMod val="130000"/>
+              </a:schemeClr>
+            </a:gs>
+            <a:gs pos="100000">
+              <a:schemeClr val="lt1">
+                <a:hueOff val="0"/>
+                <a:satOff val="0"/>
+                <a:lumOff val="0"/>
+                <a:alphaOff val="0"/>
+                <a:shade val="94000"/>
+                <a:satMod val="135000"/>
+              </a:schemeClr>
+            </a:gs>
+          </a:gsLst>
+          <a:lin ang="16200000" scaled="0"/>
+        </a:gradFill>
+        <a:ln>
+          <a:noFill/>
+        </a:ln>
+        <a:effectLst>
+          <a:outerShdw blurRad="40000" dist="23000" dir="5400000" rotWithShape="0">
+            <a:srgbClr val="000000">
+              <a:alpha val="35000"/>
+            </a:srgbClr>
+          </a:outerShdw>
+        </a:effectLst>
+        <a:scene3d>
+          <a:camera prst="orthographicFront"/>
+          <a:lightRig rig="flat" dir="t"/>
+        </a:scene3d>
+        <a:sp3d prstMaterial="plastic">
+          <a:bevelT w="120900" h="88900"/>
+          <a:bevelB w="88900" h="31750" prst="angle"/>
+        </a:sp3d>
+      </dsp:spPr>
+      <dsp:style>
+        <a:lnRef idx="0">
+          <a:scrgbClr r="0" g="0" b="0"/>
+        </a:lnRef>
+        <a:fillRef idx="3">
+          <a:scrgbClr r="0" g="0" b="0"/>
+        </a:fillRef>
+        <a:effectRef idx="2">
+          <a:scrgbClr r="0" g="0" b="0"/>
+        </a:effectRef>
+        <a:fontRef idx="minor">
+          <a:schemeClr val="lt1"/>
+        </a:fontRef>
+      </dsp:style>
+      <dsp:txBody>
+        <a:bodyPr spcFirstLastPara="0" vert="horz" wrap="square" lIns="26670" tIns="17780" rIns="26670" bIns="17780" numCol="1" spcCol="1270" anchor="ctr" anchorCtr="0">
+          <a:noAutofit/>
+        </a:bodyPr>
+        <a:lstStyle/>
+        <a:p>
+          <a:pPr lvl="0" algn="ctr" defTabSz="622300">
+            <a:lnSpc>
+              <a:spcPct val="90000"/>
+            </a:lnSpc>
+            <a:spcBef>
+              <a:spcPct val="0"/>
+            </a:spcBef>
+            <a:spcAft>
+              <a:spcPct val="35000"/>
+            </a:spcAft>
+          </a:pPr>
+          <a:r>
+            <a:rPr lang="nb-NO" sz="1400" kern="1200" dirty="0" err="1" smtClean="0"/>
+            <a:t>Products/tools</a:t>
+          </a:r>
+          <a:endParaRPr lang="nb-NO" sz="1400" kern="1200" dirty="0"/>
+        </a:p>
+      </dsp:txBody>
+      <dsp:txXfrm>
+        <a:off x="7583957" y="530391"/>
+        <a:ext cx="1173976" cy="569277"/>
+      </dsp:txXfrm>
+    </dsp:sp>
+    <dsp:sp modelId="{DF7E0226-1961-4D86-AB68-6DF20DE0F7A6}">
+      <dsp:nvSpPr>
+        <dsp:cNvPr id="0" name=""/>
+        <dsp:cNvSpPr/>
+      </dsp:nvSpPr>
+      <dsp:spPr>
+        <a:xfrm>
+          <a:off x="7687186" y="1117379"/>
+          <a:ext cx="120939" cy="453524"/>
+        </a:xfrm>
+        <a:custGeom>
+          <a:avLst/>
+          <a:gdLst/>
+          <a:ahLst/>
+          <a:cxnLst/>
+          <a:rect l="0" t="0" r="0" b="0"/>
+          <a:pathLst>
+            <a:path>
+              <a:moveTo>
+                <a:pt x="0" y="0"/>
+              </a:moveTo>
+              <a:lnTo>
+                <a:pt x="0" y="453524"/>
+              </a:lnTo>
+              <a:lnTo>
+                <a:pt x="120939" y="453524"/>
+              </a:lnTo>
+            </a:path>
+          </a:pathLst>
+        </a:custGeom>
+        <a:noFill/>
+        <a:ln w="25400" cap="flat" cmpd="sng" algn="ctr">
+          <a:solidFill>
+            <a:schemeClr val="accent2">
+              <a:shade val="60000"/>
+              <a:hueOff val="0"/>
+              <a:satOff val="0"/>
+              <a:lumOff val="0"/>
+              <a:alphaOff val="0"/>
+            </a:schemeClr>
+          </a:solidFill>
+          <a:prstDash val="solid"/>
+        </a:ln>
+        <a:effectLst/>
+        <a:scene3d>
+          <a:camera prst="orthographicFront"/>
+          <a:lightRig rig="flat" dir="t"/>
+        </a:scene3d>
+        <a:sp3d prstMaterial="matte"/>
+      </dsp:spPr>
+      <dsp:style>
+        <a:lnRef idx="2">
+          <a:scrgbClr r="0" g="0" b="0"/>
+        </a:lnRef>
+        <a:fillRef idx="0">
+          <a:scrgbClr r="0" g="0" b="0"/>
+        </a:fillRef>
+        <a:effectRef idx="0">
+          <a:scrgbClr r="0" g="0" b="0"/>
+        </a:effectRef>
+        <a:fontRef idx="minor"/>
+      </dsp:style>
+    </dsp:sp>
+    <dsp:sp modelId="{CCC4E94B-C1C0-406D-8A96-E81268E786A9}">
+      <dsp:nvSpPr>
+        <dsp:cNvPr id="0" name=""/>
+        <dsp:cNvSpPr/>
+      </dsp:nvSpPr>
+      <dsp:spPr>
+        <a:xfrm>
+          <a:off x="7808125" y="1268554"/>
+          <a:ext cx="967518" cy="604699"/>
+        </a:xfrm>
+        <a:prstGeom prst="roundRect">
+          <a:avLst>
+            <a:gd name="adj" fmla="val 10000"/>
+          </a:avLst>
+        </a:prstGeom>
+        <a:solidFill>
+          <a:schemeClr val="accent2">
+            <a:alpha val="90000"/>
+            <a:tint val="40000"/>
+            <a:hueOff val="0"/>
+            <a:satOff val="0"/>
+            <a:lumOff val="0"/>
+            <a:alphaOff val="0"/>
+          </a:schemeClr>
+        </a:solidFill>
+        <a:ln w="9525" cap="flat" cmpd="sng" algn="ctr">
+          <a:solidFill>
+            <a:schemeClr val="accent2">
+              <a:hueOff val="0"/>
+              <a:satOff val="0"/>
+              <a:lumOff val="0"/>
+              <a:alphaOff val="0"/>
+            </a:schemeClr>
+          </a:solidFill>
+          <a:prstDash val="solid"/>
+        </a:ln>
+        <a:effectLst>
+          <a:outerShdw blurRad="40000" dist="23000" dir="5400000" rotWithShape="0">
+            <a:srgbClr val="000000">
+              <a:alpha val="35000"/>
+            </a:srgbClr>
+          </a:outerShdw>
+        </a:effectLst>
+        <a:scene3d>
+          <a:camera prst="orthographicFront"/>
+          <a:lightRig rig="flat" dir="t"/>
+        </a:scene3d>
+        <a:sp3d z="-190500" extrusionH="12700" prstMaterial="plastic">
+          <a:bevelT w="50800" h="50800"/>
+        </a:sp3d>
+      </dsp:spPr>
+      <dsp:style>
+        <a:lnRef idx="1">
+          <a:scrgbClr r="0" g="0" b="0"/>
+        </a:lnRef>
+        <a:fillRef idx="1">
+          <a:scrgbClr r="0" g="0" b="0"/>
+        </a:fillRef>
+        <a:effectRef idx="2">
+          <a:scrgbClr r="0" g="0" b="0"/>
+        </a:effectRef>
+        <a:fontRef idx="minor"/>
+      </dsp:style>
+      <dsp:txBody>
+        <a:bodyPr spcFirstLastPara="0" vert="horz" wrap="square" lIns="17145" tIns="11430" rIns="17145" bIns="11430" numCol="1" spcCol="1270" anchor="ctr" anchorCtr="0">
+          <a:noAutofit/>
+        </a:bodyPr>
+        <a:lstStyle/>
+        <a:p>
+          <a:pPr lvl="0" algn="ctr" defTabSz="400050">
+            <a:lnSpc>
+              <a:spcPct val="90000"/>
+            </a:lnSpc>
+            <a:spcBef>
+              <a:spcPct val="0"/>
+            </a:spcBef>
+            <a:spcAft>
+              <a:spcPct val="35000"/>
+            </a:spcAft>
+          </a:pPr>
+          <a:r>
+            <a:rPr lang="nb-NO" sz="900" kern="1200" dirty="0" smtClean="0"/>
+            <a:t>Spring IDE</a:t>
+          </a:r>
+          <a:endParaRPr lang="nb-NO" sz="900" kern="1200" dirty="0"/>
+        </a:p>
+      </dsp:txBody>
+      <dsp:txXfrm>
+        <a:off x="7825836" y="1286265"/>
+        <a:ext cx="932096" cy="569277"/>
+      </dsp:txXfrm>
+    </dsp:sp>
+    <dsp:sp modelId="{E4C0CDFE-EDA9-4746-8C17-35B55259EF61}">
+      <dsp:nvSpPr>
+        <dsp:cNvPr id="0" name=""/>
+        <dsp:cNvSpPr/>
+      </dsp:nvSpPr>
+      <dsp:spPr>
+        <a:xfrm>
+          <a:off x="7687186" y="1117379"/>
+          <a:ext cx="120939" cy="1209398"/>
+        </a:xfrm>
+        <a:custGeom>
+          <a:avLst/>
+          <a:gdLst/>
+          <a:ahLst/>
+          <a:cxnLst/>
+          <a:rect l="0" t="0" r="0" b="0"/>
+          <a:pathLst>
+            <a:path>
+              <a:moveTo>
+                <a:pt x="0" y="0"/>
+              </a:moveTo>
+              <a:lnTo>
+                <a:pt x="0" y="1209398"/>
+              </a:lnTo>
+              <a:lnTo>
+                <a:pt x="120939" y="1209398"/>
+              </a:lnTo>
+            </a:path>
+          </a:pathLst>
+        </a:custGeom>
+        <a:noFill/>
+        <a:ln w="25400" cap="flat" cmpd="sng" algn="ctr">
+          <a:solidFill>
+            <a:schemeClr val="accent2">
+              <a:shade val="60000"/>
+              <a:hueOff val="0"/>
+              <a:satOff val="0"/>
+              <a:lumOff val="0"/>
+              <a:alphaOff val="0"/>
+            </a:schemeClr>
+          </a:solidFill>
+          <a:prstDash val="solid"/>
+        </a:ln>
+        <a:effectLst/>
+        <a:scene3d>
+          <a:camera prst="orthographicFront"/>
+          <a:lightRig rig="flat" dir="t"/>
+        </a:scene3d>
+        <a:sp3d prstMaterial="matte"/>
+      </dsp:spPr>
+      <dsp:style>
+        <a:lnRef idx="2">
+          <a:scrgbClr r="0" g="0" b="0"/>
+        </a:lnRef>
+        <a:fillRef idx="0">
+          <a:scrgbClr r="0" g="0" b="0"/>
+        </a:fillRef>
+        <a:effectRef idx="0">
+          <a:scrgbClr r="0" g="0" b="0"/>
+        </a:effectRef>
+        <a:fontRef idx="minor"/>
+      </dsp:style>
+    </dsp:sp>
+    <dsp:sp modelId="{7EF82AD8-8295-4E55-93F1-4D7497085D6E}">
+      <dsp:nvSpPr>
+        <dsp:cNvPr id="0" name=""/>
+        <dsp:cNvSpPr/>
+      </dsp:nvSpPr>
+      <dsp:spPr>
+        <a:xfrm>
+          <a:off x="7808125" y="2024428"/>
+          <a:ext cx="967518" cy="604699"/>
+        </a:xfrm>
+        <a:prstGeom prst="roundRect">
+          <a:avLst>
+            <a:gd name="adj" fmla="val 10000"/>
+          </a:avLst>
+        </a:prstGeom>
+        <a:solidFill>
+          <a:schemeClr val="accent2">
+            <a:alpha val="90000"/>
+            <a:tint val="40000"/>
+            <a:hueOff val="0"/>
+            <a:satOff val="0"/>
+            <a:lumOff val="0"/>
+            <a:alphaOff val="0"/>
+          </a:schemeClr>
+        </a:solidFill>
+        <a:ln w="9525" cap="flat" cmpd="sng" algn="ctr">
+          <a:solidFill>
+            <a:schemeClr val="accent2">
+              <a:hueOff val="0"/>
+              <a:satOff val="0"/>
+              <a:lumOff val="0"/>
+              <a:alphaOff val="0"/>
+            </a:schemeClr>
+          </a:solidFill>
+          <a:prstDash val="solid"/>
+        </a:ln>
+        <a:effectLst>
+          <a:outerShdw blurRad="40000" dist="23000" dir="5400000" rotWithShape="0">
+            <a:srgbClr val="000000">
+              <a:alpha val="35000"/>
+            </a:srgbClr>
+          </a:outerShdw>
+        </a:effectLst>
+        <a:scene3d>
+          <a:camera prst="orthographicFront"/>
+          <a:lightRig rig="flat" dir="t"/>
+        </a:scene3d>
+        <a:sp3d z="-190500" extrusionH="12700" prstMaterial="plastic">
+          <a:bevelT w="50800" h="50800"/>
+        </a:sp3d>
+      </dsp:spPr>
+      <dsp:style>
+        <a:lnRef idx="1">
+          <a:scrgbClr r="0" g="0" b="0"/>
+        </a:lnRef>
+        <a:fillRef idx="1">
+          <a:scrgbClr r="0" g="0" b="0"/>
+        </a:fillRef>
+        <a:effectRef idx="2">
+          <a:scrgbClr r="0" g="0" b="0"/>
+        </a:effectRef>
+        <a:fontRef idx="minor"/>
+      </dsp:style>
+      <dsp:txBody>
+        <a:bodyPr spcFirstLastPara="0" vert="horz" wrap="square" lIns="17145" tIns="11430" rIns="17145" bIns="11430" numCol="1" spcCol="1270" anchor="ctr" anchorCtr="0">
+          <a:noAutofit/>
+        </a:bodyPr>
+        <a:lstStyle/>
+        <a:p>
+          <a:pPr lvl="0" algn="ctr" defTabSz="400050">
+            <a:lnSpc>
+              <a:spcPct val="90000"/>
+            </a:lnSpc>
+            <a:spcBef>
+              <a:spcPct val="0"/>
+            </a:spcBef>
+            <a:spcAft>
+              <a:spcPct val="35000"/>
+            </a:spcAft>
+          </a:pPr>
+          <a:r>
+            <a:rPr lang="nb-NO" sz="900" kern="1200" dirty="0" err="1" smtClean="0"/>
+            <a:t>Roo</a:t>
+          </a:r>
+          <a:endParaRPr lang="nb-NO" sz="900" kern="1200" dirty="0"/>
+        </a:p>
+      </dsp:txBody>
+      <dsp:txXfrm>
+        <a:off x="7825836" y="2042139"/>
+        <a:ext cx="932096" cy="569277"/>
+      </dsp:txXfrm>
+    </dsp:sp>
+    <dsp:sp modelId="{D31B2741-3A2A-425B-9F88-D2833EBD3951}">
+      <dsp:nvSpPr>
+        <dsp:cNvPr id="0" name=""/>
+        <dsp:cNvSpPr/>
+      </dsp:nvSpPr>
+      <dsp:spPr>
+        <a:xfrm>
+          <a:off x="7687186" y="1117379"/>
+          <a:ext cx="120939" cy="1965272"/>
+        </a:xfrm>
+        <a:custGeom>
+          <a:avLst/>
+          <a:gdLst/>
+          <a:ahLst/>
+          <a:cxnLst/>
+          <a:rect l="0" t="0" r="0" b="0"/>
+          <a:pathLst>
+            <a:path>
+              <a:moveTo>
+                <a:pt x="0" y="0"/>
+              </a:moveTo>
+              <a:lnTo>
+                <a:pt x="0" y="1965272"/>
+              </a:lnTo>
+              <a:lnTo>
+                <a:pt x="120939" y="1965272"/>
+              </a:lnTo>
+            </a:path>
+          </a:pathLst>
+        </a:custGeom>
+        <a:noFill/>
+        <a:ln w="25400" cap="flat" cmpd="sng" algn="ctr">
+          <a:solidFill>
+            <a:schemeClr val="accent2">
+              <a:shade val="60000"/>
+              <a:hueOff val="0"/>
+              <a:satOff val="0"/>
+              <a:lumOff val="0"/>
+              <a:alphaOff val="0"/>
+            </a:schemeClr>
+          </a:solidFill>
+          <a:prstDash val="solid"/>
+        </a:ln>
+        <a:effectLst/>
+        <a:scene3d>
+          <a:camera prst="orthographicFront"/>
+          <a:lightRig rig="flat" dir="t"/>
+        </a:scene3d>
+        <a:sp3d prstMaterial="matte"/>
+      </dsp:spPr>
+      <dsp:style>
+        <a:lnRef idx="2">
+          <a:scrgbClr r="0" g="0" b="0"/>
+        </a:lnRef>
+        <a:fillRef idx="0">
+          <a:scrgbClr r="0" g="0" b="0"/>
+        </a:fillRef>
+        <a:effectRef idx="0">
+          <a:scrgbClr r="0" g="0" b="0"/>
+        </a:effectRef>
+        <a:fontRef idx="minor"/>
+      </dsp:style>
+    </dsp:sp>
+    <dsp:sp modelId="{07BC4EB7-7260-4E56-97E6-961DBFB88D38}">
+      <dsp:nvSpPr>
+        <dsp:cNvPr id="0" name=""/>
+        <dsp:cNvSpPr/>
+      </dsp:nvSpPr>
+      <dsp:spPr>
+        <a:xfrm>
+          <a:off x="7808125" y="2780302"/>
+          <a:ext cx="967518" cy="604699"/>
+        </a:xfrm>
+        <a:prstGeom prst="roundRect">
+          <a:avLst>
+            <a:gd name="adj" fmla="val 10000"/>
+          </a:avLst>
+        </a:prstGeom>
+        <a:solidFill>
+          <a:schemeClr val="accent2">
+            <a:alpha val="90000"/>
+            <a:tint val="40000"/>
+            <a:hueOff val="0"/>
+            <a:satOff val="0"/>
+            <a:lumOff val="0"/>
+            <a:alphaOff val="0"/>
+          </a:schemeClr>
+        </a:solidFill>
+        <a:ln w="9525" cap="flat" cmpd="sng" algn="ctr">
+          <a:solidFill>
+            <a:schemeClr val="accent2">
+              <a:hueOff val="0"/>
+              <a:satOff val="0"/>
+              <a:lumOff val="0"/>
+              <a:alphaOff val="0"/>
+            </a:schemeClr>
+          </a:solidFill>
+          <a:prstDash val="solid"/>
+        </a:ln>
+        <a:effectLst>
+          <a:outerShdw blurRad="40000" dist="23000" dir="5400000" rotWithShape="0">
+            <a:srgbClr val="000000">
+              <a:alpha val="35000"/>
+            </a:srgbClr>
+          </a:outerShdw>
+        </a:effectLst>
+        <a:scene3d>
+          <a:camera prst="orthographicFront"/>
+          <a:lightRig rig="flat" dir="t"/>
+        </a:scene3d>
+        <a:sp3d z="-190500" extrusionH="12700" prstMaterial="plastic">
+          <a:bevelT w="50800" h="50800"/>
+        </a:sp3d>
+      </dsp:spPr>
+      <dsp:style>
+        <a:lnRef idx="1">
+          <a:scrgbClr r="0" g="0" b="0"/>
+        </a:lnRef>
+        <a:fillRef idx="1">
+          <a:scrgbClr r="0" g="0" b="0"/>
+        </a:fillRef>
+        <a:effectRef idx="2">
+          <a:scrgbClr r="0" g="0" b="0"/>
+        </a:effectRef>
+        <a:fontRef idx="minor"/>
+      </dsp:style>
+      <dsp:txBody>
+        <a:bodyPr spcFirstLastPara="0" vert="horz" wrap="square" lIns="17145" tIns="11430" rIns="17145" bIns="11430" numCol="1" spcCol="1270" anchor="ctr" anchorCtr="0">
+          <a:noAutofit/>
+        </a:bodyPr>
+        <a:lstStyle/>
+        <a:p>
+          <a:pPr lvl="0" algn="ctr" defTabSz="400050">
+            <a:lnSpc>
+              <a:spcPct val="90000"/>
+            </a:lnSpc>
+            <a:spcBef>
+              <a:spcPct val="0"/>
+            </a:spcBef>
+            <a:spcAft>
+              <a:spcPct val="35000"/>
+            </a:spcAft>
+          </a:pPr>
+          <a:r>
+            <a:rPr lang="nb-NO" sz="900" kern="1200" dirty="0" err="1" smtClean="0"/>
+            <a:t>BeanDoc</a:t>
+          </a:r>
+          <a:endParaRPr lang="nb-NO" sz="900" kern="1200" dirty="0"/>
+        </a:p>
+      </dsp:txBody>
+      <dsp:txXfrm>
+        <a:off x="7825836" y="2798013"/>
+        <a:ext cx="932096" cy="569277"/>
+      </dsp:txXfrm>
+    </dsp:sp>
+    <dsp:sp modelId="{ED4F4FED-81C2-4F16-BF7A-C003670131E0}">
+      <dsp:nvSpPr>
+        <dsp:cNvPr id="0" name=""/>
+        <dsp:cNvSpPr/>
+      </dsp:nvSpPr>
+      <dsp:spPr>
+        <a:xfrm>
+          <a:off x="7687186" y="1117379"/>
+          <a:ext cx="120939" cy="2721146"/>
+        </a:xfrm>
+        <a:custGeom>
+          <a:avLst/>
+          <a:gdLst/>
+          <a:ahLst/>
+          <a:cxnLst/>
+          <a:rect l="0" t="0" r="0" b="0"/>
+          <a:pathLst>
+            <a:path>
+              <a:moveTo>
+                <a:pt x="0" y="0"/>
+              </a:moveTo>
+              <a:lnTo>
+                <a:pt x="0" y="2721146"/>
+              </a:lnTo>
+              <a:lnTo>
+                <a:pt x="120939" y="2721146"/>
+              </a:lnTo>
+            </a:path>
+          </a:pathLst>
+        </a:custGeom>
+        <a:noFill/>
+        <a:ln w="25400" cap="flat" cmpd="sng" algn="ctr">
+          <a:solidFill>
+            <a:schemeClr val="accent2">
+              <a:shade val="60000"/>
+              <a:hueOff val="0"/>
+              <a:satOff val="0"/>
+              <a:lumOff val="0"/>
+              <a:alphaOff val="0"/>
+            </a:schemeClr>
+          </a:solidFill>
+          <a:prstDash val="solid"/>
+        </a:ln>
+        <a:effectLst/>
+        <a:scene3d>
+          <a:camera prst="orthographicFront"/>
+          <a:lightRig rig="flat" dir="t"/>
+        </a:scene3d>
+        <a:sp3d prstMaterial="matte"/>
+      </dsp:spPr>
+      <dsp:style>
+        <a:lnRef idx="2">
+          <a:scrgbClr r="0" g="0" b="0"/>
+        </a:lnRef>
+        <a:fillRef idx="0">
+          <a:scrgbClr r="0" g="0" b="0"/>
+        </a:fillRef>
+        <a:effectRef idx="0">
+          <a:scrgbClr r="0" g="0" b="0"/>
+        </a:effectRef>
+        <a:fontRef idx="minor"/>
+      </dsp:style>
+    </dsp:sp>
+    <dsp:sp modelId="{FB9A0D91-DC89-44A5-9053-B0815C498F53}">
+      <dsp:nvSpPr>
+        <dsp:cNvPr id="0" name=""/>
+        <dsp:cNvSpPr/>
+      </dsp:nvSpPr>
+      <dsp:spPr>
+        <a:xfrm>
+          <a:off x="7808125" y="3536176"/>
+          <a:ext cx="967518" cy="604699"/>
+        </a:xfrm>
+        <a:prstGeom prst="roundRect">
+          <a:avLst>
+            <a:gd name="adj" fmla="val 10000"/>
+          </a:avLst>
+        </a:prstGeom>
+        <a:solidFill>
+          <a:schemeClr val="accent2">
+            <a:alpha val="90000"/>
+            <a:tint val="40000"/>
+            <a:hueOff val="0"/>
+            <a:satOff val="0"/>
+            <a:lumOff val="0"/>
+            <a:alphaOff val="0"/>
+          </a:schemeClr>
+        </a:solidFill>
+        <a:ln w="9525" cap="flat" cmpd="sng" algn="ctr">
+          <a:solidFill>
+            <a:schemeClr val="accent2">
+              <a:hueOff val="0"/>
+              <a:satOff val="0"/>
+              <a:lumOff val="0"/>
+              <a:alphaOff val="0"/>
+            </a:schemeClr>
+          </a:solidFill>
+          <a:prstDash val="solid"/>
+        </a:ln>
+        <a:effectLst>
+          <a:outerShdw blurRad="40000" dist="23000" dir="5400000" rotWithShape="0">
+            <a:srgbClr val="000000">
+              <a:alpha val="35000"/>
+            </a:srgbClr>
+          </a:outerShdw>
+        </a:effectLst>
+        <a:scene3d>
+          <a:camera prst="orthographicFront"/>
+          <a:lightRig rig="flat" dir="t"/>
+        </a:scene3d>
+        <a:sp3d z="-190500" extrusionH="12700" prstMaterial="plastic">
+          <a:bevelT w="50800" h="50800"/>
+        </a:sp3d>
+      </dsp:spPr>
+      <dsp:style>
+        <a:lnRef idx="1">
+          <a:scrgbClr r="0" g="0" b="0"/>
+        </a:lnRef>
+        <a:fillRef idx="1">
+          <a:scrgbClr r="0" g="0" b="0"/>
+        </a:fillRef>
+        <a:effectRef idx="2">
+          <a:scrgbClr r="0" g="0" b="0"/>
+        </a:effectRef>
+        <a:fontRef idx="minor"/>
+      </dsp:style>
+      <dsp:txBody>
+        <a:bodyPr spcFirstLastPara="0" vert="horz" wrap="square" lIns="17145" tIns="11430" rIns="17145" bIns="11430" numCol="1" spcCol="1270" anchor="ctr" anchorCtr="0">
+          <a:noAutofit/>
+        </a:bodyPr>
+        <a:lstStyle/>
+        <a:p>
+          <a:pPr lvl="0" algn="ctr" defTabSz="400050">
+            <a:lnSpc>
+              <a:spcPct val="90000"/>
+            </a:lnSpc>
+            <a:spcBef>
+              <a:spcPct val="0"/>
+            </a:spcBef>
+            <a:spcAft>
+              <a:spcPct val="35000"/>
+            </a:spcAft>
+          </a:pPr>
+          <a:r>
+            <a:rPr lang="nb-NO" sz="900" kern="1200" smtClean="0"/>
+            <a:t>tc </a:t>
+          </a:r>
+          <a:r>
+            <a:rPr lang="nb-NO" sz="900" kern="1200" dirty="0" smtClean="0"/>
+            <a:t>Server / ERS</a:t>
+          </a:r>
+          <a:endParaRPr lang="nb-NO" sz="900" kern="1200"/>
+        </a:p>
+      </dsp:txBody>
+      <dsp:txXfrm>
+        <a:off x="7825836" y="3553887"/>
+        <a:ext cx="932096" cy="569277"/>
+      </dsp:txXfrm>
+    </dsp:sp>
+    <dsp:sp modelId="{A2F74158-F51D-4DB0-8860-23D26643C940}">
+      <dsp:nvSpPr>
+        <dsp:cNvPr id="0" name=""/>
+        <dsp:cNvSpPr/>
+      </dsp:nvSpPr>
+      <dsp:spPr>
+        <a:xfrm>
+          <a:off x="7687186" y="1117379"/>
+          <a:ext cx="120939" cy="3477020"/>
+        </a:xfrm>
+        <a:custGeom>
+          <a:avLst/>
+          <a:gdLst/>
+          <a:ahLst/>
+          <a:cxnLst/>
+          <a:rect l="0" t="0" r="0" b="0"/>
+          <a:pathLst>
+            <a:path>
+              <a:moveTo>
+                <a:pt x="0" y="0"/>
+              </a:moveTo>
+              <a:lnTo>
+                <a:pt x="0" y="3477020"/>
+              </a:lnTo>
+              <a:lnTo>
+                <a:pt x="120939" y="3477020"/>
+              </a:lnTo>
+            </a:path>
+          </a:pathLst>
+        </a:custGeom>
+        <a:noFill/>
+        <a:ln w="25400" cap="flat" cmpd="sng" algn="ctr">
+          <a:solidFill>
+            <a:schemeClr val="accent2">
+              <a:shade val="60000"/>
+              <a:hueOff val="0"/>
+              <a:satOff val="0"/>
+              <a:lumOff val="0"/>
+              <a:alphaOff val="0"/>
+            </a:schemeClr>
+          </a:solidFill>
+          <a:prstDash val="solid"/>
+        </a:ln>
+        <a:effectLst/>
+        <a:scene3d>
+          <a:camera prst="orthographicFront"/>
+          <a:lightRig rig="flat" dir="t"/>
+        </a:scene3d>
+        <a:sp3d prstMaterial="matte"/>
+      </dsp:spPr>
+      <dsp:style>
+        <a:lnRef idx="2">
+          <a:scrgbClr r="0" g="0" b="0"/>
+        </a:lnRef>
+        <a:fillRef idx="0">
+          <a:scrgbClr r="0" g="0" b="0"/>
+        </a:fillRef>
+        <a:effectRef idx="0">
+          <a:scrgbClr r="0" g="0" b="0"/>
+        </a:effectRef>
+        <a:fontRef idx="minor"/>
+      </dsp:style>
+    </dsp:sp>
+    <dsp:sp modelId="{AACC61A5-EEFC-4892-9837-23AA501E4FF8}">
+      <dsp:nvSpPr>
+        <dsp:cNvPr id="0" name=""/>
+        <dsp:cNvSpPr/>
+      </dsp:nvSpPr>
+      <dsp:spPr>
+        <a:xfrm>
+          <a:off x="7808125" y="4292050"/>
+          <a:ext cx="967518" cy="604699"/>
+        </a:xfrm>
+        <a:prstGeom prst="roundRect">
+          <a:avLst>
+            <a:gd name="adj" fmla="val 10000"/>
+          </a:avLst>
+        </a:prstGeom>
+        <a:solidFill>
+          <a:schemeClr val="accent2">
+            <a:alpha val="90000"/>
+            <a:tint val="40000"/>
+            <a:hueOff val="0"/>
+            <a:satOff val="0"/>
+            <a:lumOff val="0"/>
+            <a:alphaOff val="0"/>
+          </a:schemeClr>
+        </a:solidFill>
+        <a:ln w="9525" cap="flat" cmpd="sng" algn="ctr">
+          <a:solidFill>
+            <a:schemeClr val="accent2">
+              <a:hueOff val="0"/>
+              <a:satOff val="0"/>
+              <a:lumOff val="0"/>
+              <a:alphaOff val="0"/>
+            </a:schemeClr>
+          </a:solidFill>
+          <a:prstDash val="solid"/>
+        </a:ln>
+        <a:effectLst>
+          <a:outerShdw blurRad="40000" dist="23000" dir="5400000" rotWithShape="0">
+            <a:srgbClr val="000000">
+              <a:alpha val="35000"/>
+            </a:srgbClr>
+          </a:outerShdw>
+        </a:effectLst>
+        <a:scene3d>
+          <a:camera prst="orthographicFront"/>
+          <a:lightRig rig="flat" dir="t"/>
+        </a:scene3d>
+        <a:sp3d z="-190500" extrusionH="12700" prstMaterial="plastic">
+          <a:bevelT w="50800" h="50800"/>
+        </a:sp3d>
+      </dsp:spPr>
+      <dsp:style>
+        <a:lnRef idx="1">
+          <a:scrgbClr r="0" g="0" b="0"/>
+        </a:lnRef>
+        <a:fillRef idx="1">
+          <a:scrgbClr r="0" g="0" b="0"/>
+        </a:fillRef>
+        <a:effectRef idx="2">
+          <a:scrgbClr r="0" g="0" b="0"/>
+        </a:effectRef>
+        <a:fontRef idx="minor"/>
+      </dsp:style>
+      <dsp:txBody>
+        <a:bodyPr spcFirstLastPara="0" vert="horz" wrap="square" lIns="17145" tIns="11430" rIns="17145" bIns="11430" numCol="1" spcCol="1270" anchor="ctr" anchorCtr="0">
+          <a:noAutofit/>
+        </a:bodyPr>
+        <a:lstStyle/>
+        <a:p>
+          <a:pPr lvl="0" algn="ctr" defTabSz="400050">
+            <a:lnSpc>
+              <a:spcPct val="90000"/>
+            </a:lnSpc>
+            <a:spcBef>
+              <a:spcPct val="0"/>
+            </a:spcBef>
+            <a:spcAft>
+              <a:spcPct val="35000"/>
+            </a:spcAft>
+          </a:pPr>
+          <a:r>
+            <a:rPr lang="nb-NO" sz="900" kern="1200" dirty="0" smtClean="0"/>
+            <a:t>dm Server</a:t>
+          </a:r>
+          <a:endParaRPr lang="nb-NO" sz="900" kern="1200" dirty="0"/>
+        </a:p>
+      </dsp:txBody>
+      <dsp:txXfrm>
+        <a:off x="7825836" y="4309761"/>
+        <a:ext cx="932096" cy="569277"/>
+      </dsp:txXfrm>
+    </dsp:sp>
   </dsp:spTree>
 </dsp:drawing>
 </file>
@@ -5157,7 +10408,7 @@
               <a:pPr>
                 <a:defRPr/>
               </a:pPr>
-              <a:t>30.08.2016</a:t>
+              <a:t>02.09.2016</a:t>
             </a:fld>
             <a:endParaRPr lang="nb-NO"/>
           </a:p>
@@ -8043,7 +13294,7 @@
               <a:pPr>
                 <a:defRPr/>
               </a:pPr>
-              <a:t>30.08.2016</a:t>
+              <a:t>02.09.2016</a:t>
             </a:fld>
             <a:endParaRPr lang="nb-NO"/>
           </a:p>
@@ -8241,7 +13492,7 @@
               <a:pPr>
                 <a:defRPr/>
               </a:pPr>
-              <a:t>30.08.2016</a:t>
+              <a:t>02.09.2016</a:t>
             </a:fld>
             <a:endParaRPr lang="nb-NO"/>
           </a:p>
@@ -8451,7 +13702,7 @@
               <a:pPr>
                 <a:defRPr/>
               </a:pPr>
-              <a:t>30.08.2016</a:t>
+              <a:t>02.09.2016</a:t>
             </a:fld>
             <a:endParaRPr lang="nb-NO"/>
           </a:p>
@@ -8655,7 +13906,7 @@
               <a:pPr>
                 <a:defRPr/>
               </a:pPr>
-              <a:t>30.08.2016</a:t>
+              <a:t>02.09.2016</a:t>
             </a:fld>
             <a:endParaRPr lang="nb-NO"/>
           </a:p>
@@ -8986,7 +14237,7 @@
               <a:pPr>
                 <a:defRPr/>
               </a:pPr>
-              <a:t>30.08.2016</a:t>
+              <a:t>02.09.2016</a:t>
             </a:fld>
             <a:endParaRPr lang="nb-NO"/>
           </a:p>
@@ -9302,7 +14553,7 @@
               <a:pPr>
                 <a:defRPr/>
               </a:pPr>
-              <a:t>30.08.2016</a:t>
+              <a:t>02.09.2016</a:t>
             </a:fld>
             <a:endParaRPr lang="nb-NO"/>
           </a:p>
@@ -9754,7 +15005,7 @@
               <a:pPr>
                 <a:defRPr/>
               </a:pPr>
-              <a:t>30.08.2016</a:t>
+              <a:t>02.09.2016</a:t>
             </a:fld>
             <a:endParaRPr lang="nb-NO"/>
           </a:p>
@@ -9902,7 +15153,7 @@
               <a:pPr>
                 <a:defRPr/>
               </a:pPr>
-              <a:t>30.08.2016</a:t>
+              <a:t>02.09.2016</a:t>
             </a:fld>
             <a:endParaRPr lang="nb-NO"/>
           </a:p>
@@ -10027,7 +15278,7 @@
               <a:pPr>
                 <a:defRPr/>
               </a:pPr>
-              <a:t>30.08.2016</a:t>
+              <a:t>02.09.2016</a:t>
             </a:fld>
             <a:endParaRPr lang="nb-NO"/>
           </a:p>
@@ -10334,7 +15585,7 @@
               <a:pPr>
                 <a:defRPr/>
               </a:pPr>
-              <a:t>30.08.2016</a:t>
+              <a:t>02.09.2016</a:t>
             </a:fld>
             <a:endParaRPr lang="nb-NO"/>
           </a:p>
@@ -10624,7 +15875,7 @@
               <a:pPr>
                 <a:defRPr/>
               </a:pPr>
-              <a:t>30.08.2016</a:t>
+              <a:t>02.09.2016</a:t>
             </a:fld>
             <a:endParaRPr lang="nb-NO"/>
           </a:p>
@@ -10925,7 +16176,7 @@
               <a:pPr>
                 <a:defRPr/>
               </a:pPr>
-              <a:t>30.08.2016</a:t>
+              <a:t>02.09.2016</a:t>
             </a:fld>
             <a:endParaRPr lang="nb-NO"/>
           </a:p>
@@ -11547,9 +16798,14 @@
               <a:defRPr/>
             </a:pPr>
             <a:r>
-              <a:rPr lang="nb-NO" dirty="0" smtClean="0"/>
-              <a:t>Mesaninen 2014</a:t>
-            </a:r>
+              <a:rPr lang="nb-NO" smtClean="0"/>
+              <a:t>Mesaninen </a:t>
+            </a:r>
+            <a:r>
+              <a:rPr lang="nb-NO" smtClean="0"/>
+              <a:t>2016</a:t>
+            </a:r>
+            <a:endParaRPr lang="nb-NO" dirty="0" smtClean="0"/>
           </a:p>
           <a:p>
             <a:pPr fontAlgn="auto">
@@ -12479,6 +17735,13 @@
   <p:transition>
     <p:wedge/>
   </p:transition>
+  <p:timing>
+    <p:tnLst>
+      <p:par>
+        <p:cTn id="1" dur="indefinite" restart="never" nodeType="tmRoot"/>
+      </p:par>
+    </p:tnLst>
+  </p:timing>
 </p:sld>
 </file>
 
@@ -16496,6 +21759,114 @@
 </p:sld>
 </file>
 
+<file path=ppt/slides/slide27.xml><?xml version="1.0" encoding="utf-8"?>
+<p:sld xmlns:a="http://schemas.openxmlformats.org/drawingml/2006/main" xmlns:r="http://schemas.openxmlformats.org/officeDocument/2006/relationships" xmlns:p="http://schemas.openxmlformats.org/presentationml/2006/main">
+  <p:cSld>
+    <p:spTree>
+      <p:nvGrpSpPr>
+        <p:cNvPr id="1" name=""/>
+        <p:cNvGrpSpPr/>
+        <p:nvPr/>
+      </p:nvGrpSpPr>
+      <p:grpSpPr>
+        <a:xfrm>
+          <a:off x="0" y="0"/>
+          <a:ext cx="0" cy="0"/>
+          <a:chOff x="0" y="0"/>
+          <a:chExt cx="0" cy="0"/>
+        </a:xfrm>
+      </p:grpSpPr>
+      <p:sp>
+        <p:nvSpPr>
+          <p:cNvPr id="2" name="Title 1"/>
+          <p:cNvSpPr>
+            <a:spLocks noGrp="1"/>
+          </p:cNvSpPr>
+          <p:nvPr>
+            <p:ph type="title"/>
+          </p:nvPr>
+        </p:nvSpPr>
+        <p:spPr/>
+        <p:txBody>
+          <a:bodyPr/>
+          <a:lstStyle/>
+          <a:p>
+            <a:r>
+              <a:rPr lang="nb-NO" smtClean="0"/>
+              <a:t>Huskeliste for oppgaveløsning</a:t>
+            </a:r>
+            <a:endParaRPr lang="en-US"/>
+          </a:p>
+        </p:txBody>
+      </p:sp>
+      <p:sp>
+        <p:nvSpPr>
+          <p:cNvPr id="3" name="Content Placeholder 2"/>
+          <p:cNvSpPr>
+            <a:spLocks noGrp="1"/>
+          </p:cNvSpPr>
+          <p:nvPr>
+            <p:ph idx="1"/>
+          </p:nvPr>
+        </p:nvSpPr>
+        <p:spPr/>
+        <p:txBody>
+          <a:bodyPr/>
+          <a:lstStyle/>
+          <a:p>
+            <a:r>
+              <a:rPr lang="nb-NO" smtClean="0"/>
+              <a:t>Oppgave 1-3: </a:t>
+            </a:r>
+          </a:p>
+          <a:p>
+            <a:pPr lvl="1"/>
+            <a:r>
+              <a:rPr lang="nb-NO" smtClean="0"/>
+              <a:t>Kjør en og en test</a:t>
+            </a:r>
+          </a:p>
+          <a:p>
+            <a:pPr lvl="1"/>
+            <a:r>
+              <a:rPr lang="nb-NO" smtClean="0"/>
+              <a:t>Ikke lov å endre test-klasser</a:t>
+            </a:r>
+          </a:p>
+          <a:p>
+            <a:r>
+              <a:rPr lang="nb-NO" smtClean="0"/>
+              <a:t>Oppgave 1:</a:t>
+            </a:r>
+          </a:p>
+          <a:p>
+            <a:pPr lvl="1"/>
+            <a:r>
+              <a:rPr lang="nb-NO" smtClean="0"/>
+              <a:t>Kun lov å bruke xml, annotasjoner kommer i oppgave 2</a:t>
+            </a:r>
+          </a:p>
+          <a:p>
+            <a:endParaRPr lang="en-US"/>
+          </a:p>
+        </p:txBody>
+      </p:sp>
+    </p:spTree>
+    <p:extLst>
+      <p:ext uri="{BB962C8B-B14F-4D97-AF65-F5344CB8AC3E}">
+        <p14:creationId xmlns:p14="http://schemas.microsoft.com/office/powerpoint/2010/main" val="1383252650"/>
+      </p:ext>
+    </p:extLst>
+  </p:cSld>
+  <p:clrMapOvr>
+    <a:masterClrMapping/>
+  </p:clrMapOvr>
+  <p:transition>
+    <p:wedge/>
+  </p:transition>
+</p:sld>
+</file>
+
 <file path=ppt/slides/slide3.xml><?xml version="1.0" encoding="utf-8"?>
 <p:sld xmlns:a="http://schemas.openxmlformats.org/drawingml/2006/main" xmlns:r="http://schemas.openxmlformats.org/officeDocument/2006/relationships" xmlns:p="http://schemas.openxmlformats.org/presentationml/2006/main">
   <p:cSld>
@@ -16609,11 +21980,7 @@
             </a:r>
             <a:r>
               <a:rPr lang="nb-NO" smtClean="0"/>
-              <a:t>install </a:t>
-            </a:r>
-            <a:r>
-              <a:rPr lang="nb-NO" smtClean="0"/>
-              <a:t>-DskipTests</a:t>
+              <a:t>install -DskipTests</a:t>
             </a:r>
             <a:endParaRPr lang="nb-NO" dirty="0"/>
           </a:p>
